--- a/GoPresentation.pptx
+++ b/GoPresentation.pptx
@@ -11,6 +11,7 @@
     <p:sldId id="262" r:id="rId8"/>
     <p:sldId id="258" r:id="rId9"/>
     <p:sldId id="263" r:id="rId10"/>
+    <p:sldId id="264" r:id="rId11"/>
   </p:sldIdLst>
   <p:sldSz cx="12192000" cy="6858000"/>
   <p:notesSz cx="6858000" cy="9144000"/>
@@ -127,3941 +128,6 @@
     </p:extLst>
   </p:cmAuthor>
 </p:cmAuthorLst>
-</file>
-
-<file path=ppt/diagrams/colors1.xml><?xml version="1.0" encoding="utf-8"?>
-<dgm:colorsDef xmlns:dgm="http://schemas.openxmlformats.org/drawingml/2006/diagram" xmlns:a="http://schemas.openxmlformats.org/drawingml/2006/main" uniqueId="urn:microsoft.com/office/officeart/2005/8/colors/accent1_3">
-  <dgm:title val=""/>
-  <dgm:desc val=""/>
-  <dgm:catLst>
-    <dgm:cat type="accent1" pri="11300"/>
-  </dgm:catLst>
-  <dgm:styleLbl name="node0">
-    <dgm:fillClrLst meth="repeat">
-      <a:schemeClr val="accent1">
-        <a:shade val="80000"/>
-      </a:schemeClr>
-    </dgm:fillClrLst>
-    <dgm:linClrLst meth="repeat">
-      <a:schemeClr val="lt1"/>
-    </dgm:linClrLst>
-    <dgm:effectClrLst/>
-    <dgm:txLinClrLst/>
-    <dgm:txFillClrLst/>
-    <dgm:txEffectClrLst/>
-  </dgm:styleLbl>
-  <dgm:styleLbl name="alignNode1">
-    <dgm:fillClrLst>
-      <a:schemeClr val="accent1">
-        <a:shade val="80000"/>
-      </a:schemeClr>
-      <a:schemeClr val="accent1">
-        <a:tint val="70000"/>
-      </a:schemeClr>
-    </dgm:fillClrLst>
-    <dgm:linClrLst>
-      <a:schemeClr val="accent1">
-        <a:shade val="80000"/>
-      </a:schemeClr>
-      <a:schemeClr val="accent1">
-        <a:tint val="70000"/>
-      </a:schemeClr>
-    </dgm:linClrLst>
-    <dgm:effectClrLst/>
-    <dgm:txLinClrLst/>
-    <dgm:txFillClrLst/>
-    <dgm:txEffectClrLst/>
-  </dgm:styleLbl>
-  <dgm:styleLbl name="node1">
-    <dgm:fillClrLst>
-      <a:schemeClr val="accent1">
-        <a:shade val="80000"/>
-      </a:schemeClr>
-      <a:schemeClr val="accent1">
-        <a:tint val="70000"/>
-      </a:schemeClr>
-    </dgm:fillClrLst>
-    <dgm:linClrLst meth="repeat">
-      <a:schemeClr val="lt1"/>
-    </dgm:linClrLst>
-    <dgm:effectClrLst/>
-    <dgm:txLinClrLst/>
-    <dgm:txFillClrLst/>
-    <dgm:txEffectClrLst/>
-  </dgm:styleLbl>
-  <dgm:styleLbl name="lnNode1">
-    <dgm:fillClrLst>
-      <a:schemeClr val="accent1">
-        <a:shade val="80000"/>
-      </a:schemeClr>
-      <a:schemeClr val="accent1">
-        <a:tint val="70000"/>
-      </a:schemeClr>
-    </dgm:fillClrLst>
-    <dgm:linClrLst meth="repeat">
-      <a:schemeClr val="lt1"/>
-    </dgm:linClrLst>
-    <dgm:effectClrLst/>
-    <dgm:txLinClrLst/>
-    <dgm:txFillClrLst/>
-    <dgm:txEffectClrLst/>
-  </dgm:styleLbl>
-  <dgm:styleLbl name="vennNode1">
-    <dgm:fillClrLst>
-      <a:schemeClr val="accent1">
-        <a:shade val="80000"/>
-        <a:alpha val="50000"/>
-      </a:schemeClr>
-      <a:schemeClr val="accent1">
-        <a:tint val="70000"/>
-        <a:alpha val="50000"/>
-      </a:schemeClr>
-    </dgm:fillClrLst>
-    <dgm:linClrLst meth="repeat">
-      <a:schemeClr val="lt1"/>
-    </dgm:linClrLst>
-    <dgm:effectClrLst/>
-    <dgm:txLinClrLst/>
-    <dgm:txFillClrLst/>
-    <dgm:txEffectClrLst/>
-  </dgm:styleLbl>
-  <dgm:styleLbl name="node2">
-    <dgm:fillClrLst>
-      <a:schemeClr val="accent1">
-        <a:tint val="99000"/>
-      </a:schemeClr>
-    </dgm:fillClrLst>
-    <dgm:linClrLst meth="repeat">
-      <a:schemeClr val="lt1"/>
-    </dgm:linClrLst>
-    <dgm:effectClrLst/>
-    <dgm:txLinClrLst/>
-    <dgm:txFillClrLst/>
-    <dgm:txEffectClrLst/>
-  </dgm:styleLbl>
-  <dgm:styleLbl name="node3">
-    <dgm:fillClrLst>
-      <a:schemeClr val="accent1">
-        <a:tint val="80000"/>
-      </a:schemeClr>
-    </dgm:fillClrLst>
-    <dgm:linClrLst meth="repeat">
-      <a:schemeClr val="lt1"/>
-    </dgm:linClrLst>
-    <dgm:effectClrLst/>
-    <dgm:txLinClrLst/>
-    <dgm:txFillClrLst/>
-    <dgm:txEffectClrLst/>
-  </dgm:styleLbl>
-  <dgm:styleLbl name="node4">
-    <dgm:fillClrLst>
-      <a:schemeClr val="accent1">
-        <a:tint val="70000"/>
-      </a:schemeClr>
-    </dgm:fillClrLst>
-    <dgm:linClrLst meth="repeat">
-      <a:schemeClr val="lt1"/>
-    </dgm:linClrLst>
-    <dgm:effectClrLst/>
-    <dgm:txLinClrLst/>
-    <dgm:txFillClrLst/>
-    <dgm:txEffectClrLst/>
-  </dgm:styleLbl>
-  <dgm:styleLbl name="fgImgPlace1">
-    <dgm:fillClrLst>
-      <a:schemeClr val="accent1">
-        <a:tint val="50000"/>
-      </a:schemeClr>
-      <a:schemeClr val="accent1">
-        <a:tint val="20000"/>
-      </a:schemeClr>
-    </dgm:fillClrLst>
-    <dgm:linClrLst meth="repeat">
-      <a:schemeClr val="lt1"/>
-    </dgm:linClrLst>
-    <dgm:effectClrLst/>
-    <dgm:txLinClrLst/>
-    <dgm:txFillClrLst meth="repeat">
-      <a:schemeClr val="lt1"/>
-    </dgm:txFillClrLst>
-    <dgm:txEffectClrLst/>
-  </dgm:styleLbl>
-  <dgm:styleLbl name="alignImgPlace1">
-    <dgm:fillClrLst>
-      <a:schemeClr val="accent1">
-        <a:tint val="50000"/>
-      </a:schemeClr>
-      <a:schemeClr val="accent1">
-        <a:tint val="20000"/>
-      </a:schemeClr>
-    </dgm:fillClrLst>
-    <dgm:linClrLst meth="repeat">
-      <a:schemeClr val="lt1"/>
-    </dgm:linClrLst>
-    <dgm:effectClrLst/>
-    <dgm:txLinClrLst/>
-    <dgm:txFillClrLst meth="repeat">
-      <a:schemeClr val="lt1"/>
-    </dgm:txFillClrLst>
-    <dgm:txEffectClrLst/>
-  </dgm:styleLbl>
-  <dgm:styleLbl name="bgImgPlace1">
-    <dgm:fillClrLst>
-      <a:schemeClr val="accent1">
-        <a:tint val="50000"/>
-      </a:schemeClr>
-      <a:schemeClr val="accent1">
-        <a:tint val="20000"/>
-      </a:schemeClr>
-    </dgm:fillClrLst>
-    <dgm:linClrLst meth="repeat">
-      <a:schemeClr val="lt1"/>
-    </dgm:linClrLst>
-    <dgm:effectClrLst/>
-    <dgm:txLinClrLst/>
-    <dgm:txFillClrLst meth="repeat">
-      <a:schemeClr val="lt1"/>
-    </dgm:txFillClrLst>
-    <dgm:txEffectClrLst/>
-  </dgm:styleLbl>
-  <dgm:styleLbl name="sibTrans2D1">
-    <dgm:fillClrLst>
-      <a:schemeClr val="accent1">
-        <a:shade val="90000"/>
-      </a:schemeClr>
-      <a:schemeClr val="accent1">
-        <a:tint val="70000"/>
-      </a:schemeClr>
-    </dgm:fillClrLst>
-    <dgm:linClrLst>
-      <a:schemeClr val="accent1">
-        <a:shade val="90000"/>
-      </a:schemeClr>
-      <a:schemeClr val="accent1">
-        <a:tint val="70000"/>
-      </a:schemeClr>
-    </dgm:linClrLst>
-    <dgm:effectClrLst/>
-    <dgm:txLinClrLst/>
-    <dgm:txFillClrLst/>
-    <dgm:txEffectClrLst/>
-  </dgm:styleLbl>
-  <dgm:styleLbl name="fgSibTrans2D1">
-    <dgm:fillClrLst>
-      <a:schemeClr val="accent1">
-        <a:shade val="90000"/>
-      </a:schemeClr>
-      <a:schemeClr val="accent1">
-        <a:tint val="70000"/>
-      </a:schemeClr>
-    </dgm:fillClrLst>
-    <dgm:linClrLst>
-      <a:schemeClr val="accent1">
-        <a:shade val="90000"/>
-      </a:schemeClr>
-      <a:schemeClr val="accent1">
-        <a:tint val="70000"/>
-      </a:schemeClr>
-    </dgm:linClrLst>
-    <dgm:effectClrLst/>
-    <dgm:txLinClrLst/>
-    <dgm:txFillClrLst meth="repeat">
-      <a:schemeClr val="lt1"/>
-    </dgm:txFillClrLst>
-    <dgm:txEffectClrLst/>
-  </dgm:styleLbl>
-  <dgm:styleLbl name="bgSibTrans2D1">
-    <dgm:fillClrLst>
-      <a:schemeClr val="accent1">
-        <a:shade val="90000"/>
-      </a:schemeClr>
-      <a:schemeClr val="accent1">
-        <a:tint val="70000"/>
-      </a:schemeClr>
-    </dgm:fillClrLst>
-    <dgm:linClrLst>
-      <a:schemeClr val="accent1">
-        <a:shade val="90000"/>
-      </a:schemeClr>
-      <a:schemeClr val="accent1">
-        <a:tint val="70000"/>
-      </a:schemeClr>
-    </dgm:linClrLst>
-    <dgm:effectClrLst/>
-    <dgm:txLinClrLst/>
-    <dgm:txFillClrLst meth="repeat">
-      <a:schemeClr val="lt1"/>
-    </dgm:txFillClrLst>
-    <dgm:txEffectClrLst/>
-  </dgm:styleLbl>
-  <dgm:styleLbl name="sibTrans1D1">
-    <dgm:fillClrLst>
-      <a:schemeClr val="accent1">
-        <a:shade val="90000"/>
-      </a:schemeClr>
-      <a:schemeClr val="accent1">
-        <a:tint val="70000"/>
-      </a:schemeClr>
-    </dgm:fillClrLst>
-    <dgm:linClrLst>
-      <a:schemeClr val="accent1">
-        <a:shade val="90000"/>
-      </a:schemeClr>
-      <a:schemeClr val="accent1">
-        <a:tint val="70000"/>
-      </a:schemeClr>
-    </dgm:linClrLst>
-    <dgm:effectClrLst/>
-    <dgm:txLinClrLst/>
-    <dgm:txFillClrLst meth="repeat">
-      <a:schemeClr val="tx1"/>
-    </dgm:txFillClrLst>
-    <dgm:txEffectClrLst/>
-  </dgm:styleLbl>
-  <dgm:styleLbl name="callout">
-    <dgm:fillClrLst meth="repeat">
-      <a:schemeClr val="accent1"/>
-    </dgm:fillClrLst>
-    <dgm:linClrLst meth="repeat">
-      <a:schemeClr val="accent1"/>
-    </dgm:linClrLst>
-    <dgm:effectClrLst/>
-    <dgm:txLinClrLst/>
-    <dgm:txFillClrLst meth="repeat">
-      <a:schemeClr val="tx1"/>
-    </dgm:txFillClrLst>
-    <dgm:txEffectClrLst/>
-  </dgm:styleLbl>
-  <dgm:styleLbl name="asst0">
-    <dgm:fillClrLst meth="repeat">
-      <a:schemeClr val="accent1">
-        <a:shade val="80000"/>
-      </a:schemeClr>
-    </dgm:fillClrLst>
-    <dgm:linClrLst meth="repeat">
-      <a:schemeClr val="lt1"/>
-    </dgm:linClrLst>
-    <dgm:effectClrLst/>
-    <dgm:txLinClrLst/>
-    <dgm:txFillClrLst/>
-    <dgm:txEffectClrLst/>
-  </dgm:styleLbl>
-  <dgm:styleLbl name="asst1">
-    <dgm:fillClrLst meth="repeat">
-      <a:schemeClr val="accent1">
-        <a:shade val="80000"/>
-      </a:schemeClr>
-    </dgm:fillClrLst>
-    <dgm:linClrLst meth="repeat">
-      <a:schemeClr val="lt1"/>
-    </dgm:linClrLst>
-    <dgm:effectClrLst/>
-    <dgm:txLinClrLst/>
-    <dgm:txFillClrLst/>
-    <dgm:txEffectClrLst/>
-  </dgm:styleLbl>
-  <dgm:styleLbl name="asst2">
-    <dgm:fillClrLst>
-      <a:schemeClr val="accent1">
-        <a:tint val="99000"/>
-      </a:schemeClr>
-    </dgm:fillClrLst>
-    <dgm:linClrLst meth="repeat">
-      <a:schemeClr val="lt1"/>
-    </dgm:linClrLst>
-    <dgm:effectClrLst/>
-    <dgm:txLinClrLst/>
-    <dgm:txFillClrLst/>
-    <dgm:txEffectClrLst/>
-  </dgm:styleLbl>
-  <dgm:styleLbl name="asst3">
-    <dgm:fillClrLst>
-      <a:schemeClr val="accent1">
-        <a:tint val="80000"/>
-      </a:schemeClr>
-    </dgm:fillClrLst>
-    <dgm:linClrLst meth="repeat">
-      <a:schemeClr val="lt1"/>
-    </dgm:linClrLst>
-    <dgm:effectClrLst/>
-    <dgm:txLinClrLst/>
-    <dgm:txFillClrLst/>
-    <dgm:txEffectClrLst/>
-  </dgm:styleLbl>
-  <dgm:styleLbl name="asst4">
-    <dgm:fillClrLst>
-      <a:schemeClr val="accent1">
-        <a:tint val="70000"/>
-      </a:schemeClr>
-    </dgm:fillClrLst>
-    <dgm:linClrLst meth="repeat">
-      <a:schemeClr val="lt1"/>
-    </dgm:linClrLst>
-    <dgm:effectClrLst/>
-    <dgm:txLinClrLst/>
-    <dgm:txFillClrLst/>
-    <dgm:txEffectClrLst/>
-  </dgm:styleLbl>
-  <dgm:styleLbl name="parChTrans2D1">
-    <dgm:fillClrLst meth="repeat">
-      <a:schemeClr val="accent1">
-        <a:tint val="60000"/>
-      </a:schemeClr>
-    </dgm:fillClrLst>
-    <dgm:linClrLst meth="repeat">
-      <a:schemeClr val="accent1">
-        <a:tint val="60000"/>
-      </a:schemeClr>
-    </dgm:linClrLst>
-    <dgm:effectClrLst/>
-    <dgm:txLinClrLst/>
-    <dgm:txFillClrLst meth="repeat">
-      <a:schemeClr val="lt1"/>
-    </dgm:txFillClrLst>
-    <dgm:txEffectClrLst/>
-  </dgm:styleLbl>
-  <dgm:styleLbl name="parChTrans2D2">
-    <dgm:fillClrLst meth="repeat">
-      <a:schemeClr val="accent1">
-        <a:tint val="90000"/>
-      </a:schemeClr>
-    </dgm:fillClrLst>
-    <dgm:linClrLst meth="repeat">
-      <a:schemeClr val="accent1">
-        <a:tint val="90000"/>
-      </a:schemeClr>
-    </dgm:linClrLst>
-    <dgm:effectClrLst/>
-    <dgm:txLinClrLst/>
-    <dgm:txFillClrLst/>
-    <dgm:txEffectClrLst/>
-  </dgm:styleLbl>
-  <dgm:styleLbl name="parChTrans2D3">
-    <dgm:fillClrLst meth="repeat">
-      <a:schemeClr val="accent1">
-        <a:tint val="70000"/>
-      </a:schemeClr>
-    </dgm:fillClrLst>
-    <dgm:linClrLst meth="repeat">
-      <a:schemeClr val="accent1">
-        <a:tint val="70000"/>
-      </a:schemeClr>
-    </dgm:linClrLst>
-    <dgm:effectClrLst/>
-    <dgm:txLinClrLst/>
-    <dgm:txFillClrLst/>
-    <dgm:txEffectClrLst/>
-  </dgm:styleLbl>
-  <dgm:styleLbl name="parChTrans2D4">
-    <dgm:fillClrLst meth="repeat">
-      <a:schemeClr val="accent1">
-        <a:tint val="50000"/>
-      </a:schemeClr>
-    </dgm:fillClrLst>
-    <dgm:linClrLst meth="repeat">
-      <a:schemeClr val="accent1">
-        <a:tint val="50000"/>
-      </a:schemeClr>
-    </dgm:linClrLst>
-    <dgm:effectClrLst/>
-    <dgm:txLinClrLst/>
-    <dgm:txFillClrLst meth="repeat">
-      <a:schemeClr val="lt1"/>
-    </dgm:txFillClrLst>
-    <dgm:txEffectClrLst/>
-  </dgm:styleLbl>
-  <dgm:styleLbl name="parChTrans1D1">
-    <dgm:fillClrLst meth="repeat">
-      <a:schemeClr val="accent1">
-        <a:shade val="80000"/>
-      </a:schemeClr>
-    </dgm:fillClrLst>
-    <dgm:linClrLst meth="repeat">
-      <a:schemeClr val="accent1">
-        <a:shade val="80000"/>
-      </a:schemeClr>
-    </dgm:linClrLst>
-    <dgm:effectClrLst/>
-    <dgm:txLinClrLst/>
-    <dgm:txFillClrLst meth="repeat">
-      <a:schemeClr val="tx1"/>
-    </dgm:txFillClrLst>
-    <dgm:txEffectClrLst/>
-  </dgm:styleLbl>
-  <dgm:styleLbl name="parChTrans1D2">
-    <dgm:fillClrLst meth="repeat">
-      <a:schemeClr val="accent1">
-        <a:tint val="99000"/>
-      </a:schemeClr>
-    </dgm:fillClrLst>
-    <dgm:linClrLst meth="repeat">
-      <a:schemeClr val="accent1">
-        <a:tint val="99000"/>
-      </a:schemeClr>
-    </dgm:linClrLst>
-    <dgm:effectClrLst/>
-    <dgm:txLinClrLst/>
-    <dgm:txFillClrLst meth="repeat">
-      <a:schemeClr val="tx1"/>
-    </dgm:txFillClrLst>
-    <dgm:txEffectClrLst/>
-  </dgm:styleLbl>
-  <dgm:styleLbl name="parChTrans1D3">
-    <dgm:fillClrLst meth="repeat">
-      <a:schemeClr val="accent1">
-        <a:tint val="80000"/>
-      </a:schemeClr>
-    </dgm:fillClrLst>
-    <dgm:linClrLst meth="repeat">
-      <a:schemeClr val="accent1">
-        <a:tint val="80000"/>
-      </a:schemeClr>
-    </dgm:linClrLst>
-    <dgm:effectClrLst/>
-    <dgm:txLinClrLst/>
-    <dgm:txFillClrLst meth="repeat">
-      <a:schemeClr val="tx1"/>
-    </dgm:txFillClrLst>
-    <dgm:txEffectClrLst/>
-  </dgm:styleLbl>
-  <dgm:styleLbl name="parChTrans1D4">
-    <dgm:fillClrLst meth="repeat">
-      <a:schemeClr val="accent1">
-        <a:tint val="70000"/>
-      </a:schemeClr>
-    </dgm:fillClrLst>
-    <dgm:linClrLst meth="repeat">
-      <a:schemeClr val="accent1">
-        <a:tint val="70000"/>
-      </a:schemeClr>
-    </dgm:linClrLst>
-    <dgm:effectClrLst/>
-    <dgm:txLinClrLst/>
-    <dgm:txFillClrLst meth="repeat">
-      <a:schemeClr val="tx1"/>
-    </dgm:txFillClrLst>
-    <dgm:txEffectClrLst/>
-  </dgm:styleLbl>
-  <dgm:styleLbl name="fgAcc1">
-    <dgm:fillClrLst meth="repeat">
-      <a:schemeClr val="lt1">
-        <a:alpha val="90000"/>
-      </a:schemeClr>
-    </dgm:fillClrLst>
-    <dgm:linClrLst>
-      <a:schemeClr val="accent1">
-        <a:shade val="80000"/>
-      </a:schemeClr>
-      <a:schemeClr val="accent1">
-        <a:tint val="70000"/>
-      </a:schemeClr>
-    </dgm:linClrLst>
-    <dgm:effectClrLst/>
-    <dgm:txLinClrLst/>
-    <dgm:txFillClrLst meth="repeat">
-      <a:schemeClr val="dk1"/>
-    </dgm:txFillClrLst>
-    <dgm:txEffectClrLst/>
-  </dgm:styleLbl>
-  <dgm:styleLbl name="conFgAcc1">
-    <dgm:fillClrLst meth="repeat">
-      <a:schemeClr val="lt1">
-        <a:alpha val="90000"/>
-      </a:schemeClr>
-    </dgm:fillClrLst>
-    <dgm:linClrLst>
-      <a:schemeClr val="accent1">
-        <a:shade val="80000"/>
-      </a:schemeClr>
-      <a:schemeClr val="accent1">
-        <a:tint val="70000"/>
-      </a:schemeClr>
-    </dgm:linClrLst>
-    <dgm:effectClrLst/>
-    <dgm:txLinClrLst/>
-    <dgm:txFillClrLst meth="repeat">
-      <a:schemeClr val="dk1"/>
-    </dgm:txFillClrLst>
-    <dgm:txEffectClrLst/>
-  </dgm:styleLbl>
-  <dgm:styleLbl name="alignAcc1">
-    <dgm:fillClrLst meth="repeat">
-      <a:schemeClr val="lt1">
-        <a:alpha val="90000"/>
-      </a:schemeClr>
-    </dgm:fillClrLst>
-    <dgm:linClrLst>
-      <a:schemeClr val="accent1">
-        <a:shade val="80000"/>
-      </a:schemeClr>
-      <a:schemeClr val="accent1">
-        <a:tint val="70000"/>
-      </a:schemeClr>
-    </dgm:linClrLst>
-    <dgm:effectClrLst/>
-    <dgm:txLinClrLst/>
-    <dgm:txFillClrLst meth="repeat">
-      <a:schemeClr val="dk1"/>
-    </dgm:txFillClrLst>
-    <dgm:txEffectClrLst/>
-  </dgm:styleLbl>
-  <dgm:styleLbl name="trAlignAcc1">
-    <dgm:fillClrLst meth="repeat">
-      <a:schemeClr val="lt1">
-        <a:alpha val="40000"/>
-      </a:schemeClr>
-    </dgm:fillClrLst>
-    <dgm:linClrLst meth="repeat">
-      <a:schemeClr val="accent1"/>
-    </dgm:linClrLst>
-    <dgm:effectClrLst/>
-    <dgm:txLinClrLst/>
-    <dgm:txFillClrLst meth="repeat">
-      <a:schemeClr val="dk1"/>
-    </dgm:txFillClrLst>
-    <dgm:txEffectClrLst/>
-  </dgm:styleLbl>
-  <dgm:styleLbl name="bgAcc1">
-    <dgm:fillClrLst meth="repeat">
-      <a:schemeClr val="lt1">
-        <a:alpha val="90000"/>
-      </a:schemeClr>
-    </dgm:fillClrLst>
-    <dgm:linClrLst>
-      <a:schemeClr val="accent1">
-        <a:shade val="80000"/>
-      </a:schemeClr>
-      <a:schemeClr val="accent1">
-        <a:tint val="70000"/>
-      </a:schemeClr>
-    </dgm:linClrLst>
-    <dgm:effectClrLst/>
-    <dgm:txLinClrLst/>
-    <dgm:txFillClrLst meth="repeat">
-      <a:schemeClr val="dk1"/>
-    </dgm:txFillClrLst>
-    <dgm:txEffectClrLst/>
-  </dgm:styleLbl>
-  <dgm:styleLbl name="solidFgAcc1">
-    <dgm:fillClrLst meth="repeat">
-      <a:schemeClr val="lt1"/>
-    </dgm:fillClrLst>
-    <dgm:linClrLst>
-      <a:schemeClr val="accent1">
-        <a:shade val="80000"/>
-      </a:schemeClr>
-      <a:schemeClr val="accent1">
-        <a:tint val="70000"/>
-      </a:schemeClr>
-    </dgm:linClrLst>
-    <dgm:effectClrLst/>
-    <dgm:txLinClrLst/>
-    <dgm:txFillClrLst meth="repeat">
-      <a:schemeClr val="dk1"/>
-    </dgm:txFillClrLst>
-    <dgm:txEffectClrLst/>
-  </dgm:styleLbl>
-  <dgm:styleLbl name="solidAlignAcc1">
-    <dgm:fillClrLst meth="repeat">
-      <a:schemeClr val="lt1"/>
-    </dgm:fillClrLst>
-    <dgm:linClrLst meth="repeat">
-      <a:schemeClr val="accent1"/>
-    </dgm:linClrLst>
-    <dgm:effectClrLst/>
-    <dgm:txLinClrLst/>
-    <dgm:txFillClrLst meth="repeat">
-      <a:schemeClr val="dk1"/>
-    </dgm:txFillClrLst>
-    <dgm:txEffectClrLst/>
-  </dgm:styleLbl>
-  <dgm:styleLbl name="solidBgAcc1">
-    <dgm:fillClrLst meth="repeat">
-      <a:schemeClr val="lt1"/>
-    </dgm:fillClrLst>
-    <dgm:linClrLst meth="repeat">
-      <a:schemeClr val="accent1"/>
-    </dgm:linClrLst>
-    <dgm:effectClrLst/>
-    <dgm:txLinClrLst/>
-    <dgm:txFillClrLst meth="repeat">
-      <a:schemeClr val="dk1"/>
-    </dgm:txFillClrLst>
-    <dgm:txEffectClrLst/>
-  </dgm:styleLbl>
-  <dgm:styleLbl name="fgAccFollowNode1">
-    <dgm:fillClrLst meth="repeat">
-      <a:schemeClr val="accent1">
-        <a:alpha val="90000"/>
-        <a:tint val="40000"/>
-      </a:schemeClr>
-    </dgm:fillClrLst>
-    <dgm:linClrLst meth="repeat">
-      <a:schemeClr val="accent1">
-        <a:alpha val="90000"/>
-        <a:tint val="40000"/>
-      </a:schemeClr>
-    </dgm:linClrLst>
-    <dgm:effectClrLst/>
-    <dgm:txLinClrLst/>
-    <dgm:txFillClrLst meth="repeat">
-      <a:schemeClr val="dk1"/>
-    </dgm:txFillClrLst>
-    <dgm:txEffectClrLst/>
-  </dgm:styleLbl>
-  <dgm:styleLbl name="alignAccFollowNode1">
-    <dgm:fillClrLst meth="repeat">
-      <a:schemeClr val="accent1">
-        <a:alpha val="90000"/>
-        <a:tint val="40000"/>
-      </a:schemeClr>
-    </dgm:fillClrLst>
-    <dgm:linClrLst meth="repeat">
-      <a:schemeClr val="accent1">
-        <a:alpha val="90000"/>
-        <a:tint val="40000"/>
-      </a:schemeClr>
-    </dgm:linClrLst>
-    <dgm:effectClrLst/>
-    <dgm:txLinClrLst/>
-    <dgm:txFillClrLst meth="repeat">
-      <a:schemeClr val="dk1"/>
-    </dgm:txFillClrLst>
-    <dgm:txEffectClrLst/>
-  </dgm:styleLbl>
-  <dgm:styleLbl name="bgAccFollowNode1">
-    <dgm:fillClrLst meth="repeat">
-      <a:schemeClr val="accent1">
-        <a:alpha val="90000"/>
-        <a:tint val="40000"/>
-      </a:schemeClr>
-    </dgm:fillClrLst>
-    <dgm:linClrLst meth="repeat">
-      <a:schemeClr val="lt1"/>
-    </dgm:linClrLst>
-    <dgm:effectClrLst/>
-    <dgm:txLinClrLst/>
-    <dgm:txFillClrLst meth="repeat">
-      <a:schemeClr val="dk1"/>
-    </dgm:txFillClrLst>
-    <dgm:txEffectClrLst/>
-  </dgm:styleLbl>
-  <dgm:styleLbl name="fgAcc0">
-    <dgm:fillClrLst meth="repeat">
-      <a:schemeClr val="lt1">
-        <a:alpha val="90000"/>
-      </a:schemeClr>
-    </dgm:fillClrLst>
-    <dgm:linClrLst meth="repeat">
-      <a:schemeClr val="accent1">
-        <a:shade val="80000"/>
-      </a:schemeClr>
-    </dgm:linClrLst>
-    <dgm:effectClrLst/>
-    <dgm:txLinClrLst/>
-    <dgm:txFillClrLst meth="repeat">
-      <a:schemeClr val="dk1"/>
-    </dgm:txFillClrLst>
-    <dgm:txEffectClrLst/>
-  </dgm:styleLbl>
-  <dgm:styleLbl name="fgAcc2">
-    <dgm:fillClrLst meth="repeat">
-      <a:schemeClr val="lt1">
-        <a:alpha val="90000"/>
-      </a:schemeClr>
-    </dgm:fillClrLst>
-    <dgm:linClrLst meth="repeat">
-      <a:schemeClr val="accent1">
-        <a:tint val="99000"/>
-      </a:schemeClr>
-    </dgm:linClrLst>
-    <dgm:effectClrLst/>
-    <dgm:txLinClrLst/>
-    <dgm:txFillClrLst meth="repeat">
-      <a:schemeClr val="dk1"/>
-    </dgm:txFillClrLst>
-    <dgm:txEffectClrLst/>
-  </dgm:styleLbl>
-  <dgm:styleLbl name="fgAcc3">
-    <dgm:fillClrLst meth="repeat">
-      <a:schemeClr val="lt1">
-        <a:alpha val="90000"/>
-      </a:schemeClr>
-    </dgm:fillClrLst>
-    <dgm:linClrLst meth="repeat">
-      <a:schemeClr val="accent1">
-        <a:tint val="80000"/>
-      </a:schemeClr>
-    </dgm:linClrLst>
-    <dgm:effectClrLst/>
-    <dgm:txLinClrLst/>
-    <dgm:txFillClrLst meth="repeat">
-      <a:schemeClr val="dk1"/>
-    </dgm:txFillClrLst>
-    <dgm:txEffectClrLst/>
-  </dgm:styleLbl>
-  <dgm:styleLbl name="fgAcc4">
-    <dgm:fillClrLst meth="repeat">
-      <a:schemeClr val="lt1">
-        <a:alpha val="90000"/>
-      </a:schemeClr>
-    </dgm:fillClrLst>
-    <dgm:linClrLst meth="repeat">
-      <a:schemeClr val="accent1">
-        <a:tint val="70000"/>
-      </a:schemeClr>
-    </dgm:linClrLst>
-    <dgm:effectClrLst/>
-    <dgm:txLinClrLst/>
-    <dgm:txFillClrLst meth="repeat">
-      <a:schemeClr val="dk1"/>
-    </dgm:txFillClrLst>
-    <dgm:txEffectClrLst/>
-  </dgm:styleLbl>
-  <dgm:styleLbl name="bgShp">
-    <dgm:fillClrLst meth="repeat">
-      <a:schemeClr val="accent1">
-        <a:tint val="40000"/>
-      </a:schemeClr>
-    </dgm:fillClrLst>
-    <dgm:linClrLst meth="repeat">
-      <a:schemeClr val="dk1"/>
-    </dgm:linClrLst>
-    <dgm:effectClrLst/>
-    <dgm:txLinClrLst/>
-    <dgm:txFillClrLst meth="repeat">
-      <a:schemeClr val="dk1"/>
-    </dgm:txFillClrLst>
-    <dgm:txEffectClrLst/>
-  </dgm:styleLbl>
-  <dgm:styleLbl name="dkBgShp">
-    <dgm:fillClrLst meth="repeat">
-      <a:schemeClr val="accent1">
-        <a:shade val="90000"/>
-      </a:schemeClr>
-    </dgm:fillClrLst>
-    <dgm:linClrLst meth="repeat">
-      <a:schemeClr val="dk1"/>
-    </dgm:linClrLst>
-    <dgm:effectClrLst/>
-    <dgm:txLinClrLst/>
-    <dgm:txFillClrLst meth="repeat">
-      <a:schemeClr val="lt1"/>
-    </dgm:txFillClrLst>
-    <dgm:txEffectClrLst/>
-  </dgm:styleLbl>
-  <dgm:styleLbl name="trBgShp">
-    <dgm:fillClrLst meth="repeat">
-      <a:schemeClr val="accent1">
-        <a:tint val="50000"/>
-        <a:alpha val="40000"/>
-      </a:schemeClr>
-    </dgm:fillClrLst>
-    <dgm:linClrLst meth="repeat">
-      <a:schemeClr val="accent1"/>
-    </dgm:linClrLst>
-    <dgm:effectClrLst/>
-    <dgm:txLinClrLst/>
-    <dgm:txFillClrLst meth="repeat">
-      <a:schemeClr val="lt1"/>
-    </dgm:txFillClrLst>
-    <dgm:txEffectClrLst/>
-  </dgm:styleLbl>
-  <dgm:styleLbl name="fgShp">
-    <dgm:fillClrLst meth="repeat">
-      <a:schemeClr val="accent1">
-        <a:tint val="40000"/>
-      </a:schemeClr>
-    </dgm:fillClrLst>
-    <dgm:linClrLst meth="repeat">
-      <a:schemeClr val="lt1"/>
-    </dgm:linClrLst>
-    <dgm:effectClrLst/>
-    <dgm:txLinClrLst/>
-    <dgm:txFillClrLst meth="repeat">
-      <a:schemeClr val="dk1"/>
-    </dgm:txFillClrLst>
-    <dgm:txEffectClrLst/>
-  </dgm:styleLbl>
-  <dgm:styleLbl name="revTx">
-    <dgm:fillClrLst meth="repeat">
-      <a:schemeClr val="lt1">
-        <a:alpha val="0"/>
-      </a:schemeClr>
-    </dgm:fillClrLst>
-    <dgm:linClrLst meth="repeat">
-      <a:schemeClr val="dk1">
-        <a:alpha val="0"/>
-      </a:schemeClr>
-    </dgm:linClrLst>
-    <dgm:effectClrLst/>
-    <dgm:txLinClrLst/>
-    <dgm:txFillClrLst meth="repeat">
-      <a:schemeClr val="tx1"/>
-    </dgm:txFillClrLst>
-    <dgm:txEffectClrLst/>
-  </dgm:styleLbl>
-</dgm:colorsDef>
-</file>
-
-<file path=ppt/diagrams/data1.xml><?xml version="1.0" encoding="utf-8"?>
-<dgm:dataModel xmlns:dgm="http://schemas.openxmlformats.org/drawingml/2006/diagram" xmlns:a="http://schemas.openxmlformats.org/drawingml/2006/main">
-  <dgm:ptLst>
-    <dgm:pt modelId="{6A70FD8F-0050-42E3-8B3A-6ED7CFB9852E}" type="doc">
-      <dgm:prSet loTypeId="urn:microsoft.com/office/officeart/2016/7/layout/RoundedRectangleTimeline" loCatId="process" qsTypeId="urn:microsoft.com/office/officeart/2005/8/quickstyle/simple1" qsCatId="simple" csTypeId="urn:microsoft.com/office/officeart/2005/8/colors/accent1_3" csCatId="accent1" phldr="1"/>
-      <dgm:spPr/>
-      <dgm:t>
-        <a:bodyPr/>
-        <a:lstStyle/>
-        <a:p>
-          <a:endParaRPr lang="en-US"/>
-        </a:p>
-      </dgm:t>
-    </dgm:pt>
-    <dgm:pt modelId="{8DB5D7D5-6A1C-4ABC-8850-759A9D876047}">
-      <dgm:prSet/>
-      <dgm:spPr/>
-      <dgm:t>
-        <a:bodyPr/>
-        <a:lstStyle/>
-        <a:p>
-          <a:r>
-            <a:rPr lang="en-US" dirty="0"/>
-            <a:t>2017</a:t>
-          </a:r>
-        </a:p>
-      </dgm:t>
-    </dgm:pt>
-    <dgm:pt modelId="{D8874F40-D7B0-41DE-BB6F-A6014FEAB2D7}" type="parTrans" cxnId="{C5202EE1-10E9-4076-9D55-9E0CF8B152AF}">
-      <dgm:prSet/>
-      <dgm:spPr/>
-      <dgm:t>
-        <a:bodyPr/>
-        <a:lstStyle/>
-        <a:p>
-          <a:endParaRPr lang="en-US"/>
-        </a:p>
-      </dgm:t>
-    </dgm:pt>
-    <dgm:pt modelId="{BD6E0A2E-99C8-4F5A-971A-CD211D1099FF}" type="sibTrans" cxnId="{C5202EE1-10E9-4076-9D55-9E0CF8B152AF}">
-      <dgm:prSet/>
-      <dgm:spPr/>
-      <dgm:t>
-        <a:bodyPr/>
-        <a:lstStyle/>
-        <a:p>
-          <a:endParaRPr lang="en-US"/>
-        </a:p>
-      </dgm:t>
-    </dgm:pt>
-    <dgm:pt modelId="{96262926-A67D-4E4E-9515-5EBC67F0B634}">
-      <dgm:prSet/>
-      <dgm:spPr/>
-      <dgm:t>
-        <a:bodyPr/>
-        <a:lstStyle/>
-        <a:p>
-          <a:r>
-            <a:rPr lang="en-US" dirty="0"/>
-            <a:t>Lorem ipsum dolor sit amet</a:t>
-          </a:r>
-        </a:p>
-      </dgm:t>
-    </dgm:pt>
-    <dgm:pt modelId="{EC74E552-C501-4B0E-9400-E8B410F53D50}" type="parTrans" cxnId="{8C5B110A-FBC3-4CBF-BED2-413E87D4DAD5}">
-      <dgm:prSet/>
-      <dgm:spPr/>
-      <dgm:t>
-        <a:bodyPr/>
-        <a:lstStyle/>
-        <a:p>
-          <a:endParaRPr lang="en-US"/>
-        </a:p>
-      </dgm:t>
-    </dgm:pt>
-    <dgm:pt modelId="{1DA7ACEB-F642-43C1-BCB5-F580B9B985B9}" type="sibTrans" cxnId="{8C5B110A-FBC3-4CBF-BED2-413E87D4DAD5}">
-      <dgm:prSet/>
-      <dgm:spPr/>
-      <dgm:t>
-        <a:bodyPr/>
-        <a:lstStyle/>
-        <a:p>
-          <a:endParaRPr lang="en-US"/>
-        </a:p>
-      </dgm:t>
-    </dgm:pt>
-    <dgm:pt modelId="{C5146535-FD3D-4589-98A3-623B8DA4B8DB}">
-      <dgm:prSet/>
-      <dgm:spPr/>
-      <dgm:t>
-        <a:bodyPr/>
-        <a:lstStyle/>
-        <a:p>
-          <a:r>
-            <a:rPr lang="en-US" dirty="0"/>
-            <a:t>2018</a:t>
-          </a:r>
-        </a:p>
-      </dgm:t>
-    </dgm:pt>
-    <dgm:pt modelId="{20848F78-EC70-4162-96CE-CC68006930F0}" type="parTrans" cxnId="{8EBF857E-7408-4941-91E4-293B0F59EEF7}">
-      <dgm:prSet/>
-      <dgm:spPr/>
-      <dgm:t>
-        <a:bodyPr/>
-        <a:lstStyle/>
-        <a:p>
-          <a:endParaRPr lang="en-US"/>
-        </a:p>
-      </dgm:t>
-    </dgm:pt>
-    <dgm:pt modelId="{7A3CCAF8-AC3A-401E-AEDD-44BBC1AA9C31}" type="sibTrans" cxnId="{8EBF857E-7408-4941-91E4-293B0F59EEF7}">
-      <dgm:prSet/>
-      <dgm:spPr/>
-      <dgm:t>
-        <a:bodyPr/>
-        <a:lstStyle/>
-        <a:p>
-          <a:endParaRPr lang="en-US"/>
-        </a:p>
-      </dgm:t>
-    </dgm:pt>
-    <dgm:pt modelId="{09C152DA-7620-4852-8162-A77EC3609F3F}">
-      <dgm:prSet/>
-      <dgm:spPr/>
-      <dgm:t>
-        <a:bodyPr/>
-        <a:lstStyle/>
-        <a:p>
-          <a:r>
-            <a:rPr lang="en-US" dirty="0"/>
-            <a:t>2019</a:t>
-          </a:r>
-        </a:p>
-      </dgm:t>
-    </dgm:pt>
-    <dgm:pt modelId="{9F6D14C0-6C82-4CBD-8D6D-B0E117B6F2ED}" type="parTrans" cxnId="{23ECAC8B-17A4-4883-AA0E-06D66B7E788A}">
-      <dgm:prSet/>
-      <dgm:spPr/>
-      <dgm:t>
-        <a:bodyPr/>
-        <a:lstStyle/>
-        <a:p>
-          <a:endParaRPr lang="en-US"/>
-        </a:p>
-      </dgm:t>
-    </dgm:pt>
-    <dgm:pt modelId="{0AE8D36D-0F0F-4206-AE39-0A2D73987B68}" type="sibTrans" cxnId="{23ECAC8B-17A4-4883-AA0E-06D66B7E788A}">
-      <dgm:prSet/>
-      <dgm:spPr/>
-      <dgm:t>
-        <a:bodyPr/>
-        <a:lstStyle/>
-        <a:p>
-          <a:endParaRPr lang="en-US"/>
-        </a:p>
-      </dgm:t>
-    </dgm:pt>
-    <dgm:pt modelId="{6C8937BE-93F8-4DED-8538-1C601DAEBA66}">
-      <dgm:prSet/>
-      <dgm:spPr/>
-      <dgm:t>
-        <a:bodyPr/>
-        <a:lstStyle/>
-        <a:p>
-          <a:r>
-            <a:rPr lang="en-US" dirty="0"/>
-            <a:t>Lorem ipsum dolor sit amet</a:t>
-          </a:r>
-        </a:p>
-      </dgm:t>
-    </dgm:pt>
-    <dgm:pt modelId="{77D169C6-D77F-456D-B18B-D7BE016AD87A}" type="parTrans" cxnId="{FAA8D3DD-12E8-457D-9144-B037C5678347}">
-      <dgm:prSet/>
-      <dgm:spPr/>
-      <dgm:t>
-        <a:bodyPr/>
-        <a:lstStyle/>
-        <a:p>
-          <a:endParaRPr lang="en-US"/>
-        </a:p>
-      </dgm:t>
-    </dgm:pt>
-    <dgm:pt modelId="{A97BE953-FA9D-4BA6-A92C-494DB1F3BA59}" type="sibTrans" cxnId="{FAA8D3DD-12E8-457D-9144-B037C5678347}">
-      <dgm:prSet/>
-      <dgm:spPr/>
-      <dgm:t>
-        <a:bodyPr/>
-        <a:lstStyle/>
-        <a:p>
-          <a:endParaRPr lang="en-US"/>
-        </a:p>
-      </dgm:t>
-    </dgm:pt>
-    <dgm:pt modelId="{E80CA270-6C90-4E17-ACEA-46B56AD54DD1}">
-      <dgm:prSet/>
-      <dgm:spPr/>
-      <dgm:t>
-        <a:bodyPr/>
-        <a:lstStyle/>
-        <a:p>
-          <a:r>
-            <a:rPr lang="en-US" dirty="0"/>
-            <a:t>Lorem ipsum dolor sit amet</a:t>
-          </a:r>
-        </a:p>
-      </dgm:t>
-    </dgm:pt>
-    <dgm:pt modelId="{1AFE46E5-6B07-4894-8ECB-21BD7E7B8AF1}" type="sibTrans" cxnId="{2DC28DF8-5C1B-4F53-A4C1-D5B63FB54BAF}">
-      <dgm:prSet/>
-      <dgm:spPr/>
-      <dgm:t>
-        <a:bodyPr/>
-        <a:lstStyle/>
-        <a:p>
-          <a:endParaRPr lang="en-US"/>
-        </a:p>
-      </dgm:t>
-    </dgm:pt>
-    <dgm:pt modelId="{7EEC8067-96EF-4BE0-8BE3-BA59ED78A31F}" type="parTrans" cxnId="{2DC28DF8-5C1B-4F53-A4C1-D5B63FB54BAF}">
-      <dgm:prSet/>
-      <dgm:spPr/>
-      <dgm:t>
-        <a:bodyPr/>
-        <a:lstStyle/>
-        <a:p>
-          <a:endParaRPr lang="en-US"/>
-        </a:p>
-      </dgm:t>
-    </dgm:pt>
-    <dgm:pt modelId="{2201DA16-4559-445F-9370-55C15CD8C540}">
-      <dgm:prSet/>
-      <dgm:spPr/>
-      <dgm:t>
-        <a:bodyPr/>
-        <a:lstStyle/>
-        <a:p>
-          <a:r>
-            <a:rPr lang="en-US" dirty="0"/>
-            <a:t>2019</a:t>
-          </a:r>
-        </a:p>
-      </dgm:t>
-    </dgm:pt>
-    <dgm:pt modelId="{1B11BABB-F27D-4522-8282-06EB439F828D}" type="parTrans" cxnId="{B182D3A3-7A3F-491E-BE38-28B993804DCB}">
-      <dgm:prSet/>
-      <dgm:spPr/>
-      <dgm:t>
-        <a:bodyPr/>
-        <a:lstStyle/>
-        <a:p>
-          <a:endParaRPr lang="en-US"/>
-        </a:p>
-      </dgm:t>
-    </dgm:pt>
-    <dgm:pt modelId="{5E0E0918-46EE-4E65-A368-55ED73474547}" type="sibTrans" cxnId="{B182D3A3-7A3F-491E-BE38-28B993804DCB}">
-      <dgm:prSet/>
-      <dgm:spPr/>
-      <dgm:t>
-        <a:bodyPr/>
-        <a:lstStyle/>
-        <a:p>
-          <a:endParaRPr lang="en-US"/>
-        </a:p>
-      </dgm:t>
-    </dgm:pt>
-    <dgm:pt modelId="{AB52B3CC-6563-466D-BFC3-9B6B5AFA0881}" type="pres">
-      <dgm:prSet presAssocID="{6A70FD8F-0050-42E3-8B3A-6ED7CFB9852E}" presName="Name0" presStyleCnt="0">
-        <dgm:presLayoutVars>
-          <dgm:chMax/>
-          <dgm:chPref/>
-          <dgm:animLvl val="lvl"/>
-        </dgm:presLayoutVars>
-      </dgm:prSet>
-      <dgm:spPr/>
-    </dgm:pt>
-    <dgm:pt modelId="{815EDF7B-AC93-4A61-87AA-CAA5D85C31A8}" type="pres">
-      <dgm:prSet presAssocID="{8DB5D7D5-6A1C-4ABC-8850-759A9D876047}" presName="composite1" presStyleCnt="0"/>
-      <dgm:spPr/>
-    </dgm:pt>
-    <dgm:pt modelId="{954381E7-0584-46DD-8108-E9BF4F2B5005}" type="pres">
-      <dgm:prSet presAssocID="{8DB5D7D5-6A1C-4ABC-8850-759A9D876047}" presName="parent1" presStyleLbl="alignNode1" presStyleIdx="0" presStyleCnt="4">
-        <dgm:presLayoutVars>
-          <dgm:chMax val="1"/>
-          <dgm:chPref val="1"/>
-          <dgm:bulletEnabled val="1"/>
-        </dgm:presLayoutVars>
-      </dgm:prSet>
-      <dgm:spPr/>
-    </dgm:pt>
-    <dgm:pt modelId="{5A1B764B-0DC5-47CD-BDEA-9E67799496EC}" type="pres">
-      <dgm:prSet presAssocID="{8DB5D7D5-6A1C-4ABC-8850-759A9D876047}" presName="Childtext1" presStyleLbl="revTx" presStyleIdx="0" presStyleCnt="4">
-        <dgm:presLayoutVars>
-          <dgm:bulletEnabled val="1"/>
-        </dgm:presLayoutVars>
-      </dgm:prSet>
-      <dgm:spPr/>
-    </dgm:pt>
-    <dgm:pt modelId="{122B38A3-0442-4747-820C-1F37877E2B0E}" type="pres">
-      <dgm:prSet presAssocID="{8DB5D7D5-6A1C-4ABC-8850-759A9D876047}" presName="ConnectLine1" presStyleLbl="sibTrans1D1" presStyleIdx="0" presStyleCnt="4"/>
-      <dgm:spPr>
-        <a:noFill/>
-        <a:ln w="12700" cap="rnd" cmpd="sng" algn="ctr">
-          <a:solidFill>
-            <a:schemeClr val="accent1">
-              <a:shade val="90000"/>
-              <a:hueOff val="93466"/>
-              <a:satOff val="1924"/>
-              <a:lumOff val="8231"/>
-              <a:alphaOff val="0"/>
-            </a:schemeClr>
-          </a:solidFill>
-          <a:prstDash val="dash"/>
-        </a:ln>
-        <a:effectLst/>
-      </dgm:spPr>
-    </dgm:pt>
-    <dgm:pt modelId="{A73181F6-69BB-4A47-8277-4671A45AC8C8}" type="pres">
-      <dgm:prSet presAssocID="{8DB5D7D5-6A1C-4ABC-8850-759A9D876047}" presName="ConnectLineEnd1" presStyleLbl="lnNode1" presStyleIdx="0" presStyleCnt="4"/>
-      <dgm:spPr/>
-    </dgm:pt>
-    <dgm:pt modelId="{6E76EADA-5F61-4A59-B2F8-FA10112079FC}" type="pres">
-      <dgm:prSet presAssocID="{8DB5D7D5-6A1C-4ABC-8850-759A9D876047}" presName="EmptyPane1" presStyleCnt="0"/>
-      <dgm:spPr/>
-    </dgm:pt>
-    <dgm:pt modelId="{A8189248-0785-43F1-844C-4DE92841F254}" type="pres">
-      <dgm:prSet presAssocID="{BD6E0A2E-99C8-4F5A-971A-CD211D1099FF}" presName="spaceBetweenRectangles1" presStyleCnt="0"/>
-      <dgm:spPr/>
-    </dgm:pt>
-    <dgm:pt modelId="{218D9CD7-D48D-464C-9A1C-0F322EC540B3}" type="pres">
-      <dgm:prSet presAssocID="{C5146535-FD3D-4589-98A3-623B8DA4B8DB}" presName="composite1" presStyleCnt="0"/>
-      <dgm:spPr/>
-    </dgm:pt>
-    <dgm:pt modelId="{30804A27-188E-4A17-8FFE-97BCCA0597B8}" type="pres">
-      <dgm:prSet presAssocID="{C5146535-FD3D-4589-98A3-623B8DA4B8DB}" presName="parent1" presStyleLbl="alignNode1" presStyleIdx="1" presStyleCnt="4">
-        <dgm:presLayoutVars>
-          <dgm:chMax val="1"/>
-          <dgm:chPref val="1"/>
-          <dgm:bulletEnabled val="1"/>
-        </dgm:presLayoutVars>
-      </dgm:prSet>
-      <dgm:spPr/>
-    </dgm:pt>
-    <dgm:pt modelId="{DF65791B-462E-4589-B98D-F60587330CA8}" type="pres">
-      <dgm:prSet presAssocID="{C5146535-FD3D-4589-98A3-623B8DA4B8DB}" presName="Childtext1" presStyleLbl="revTx" presStyleIdx="1" presStyleCnt="4">
-        <dgm:presLayoutVars>
-          <dgm:bulletEnabled val="1"/>
-        </dgm:presLayoutVars>
-      </dgm:prSet>
-      <dgm:spPr/>
-    </dgm:pt>
-    <dgm:pt modelId="{DBA410EB-5F61-4F46-92D9-C5B0AA59EE15}" type="pres">
-      <dgm:prSet presAssocID="{C5146535-FD3D-4589-98A3-623B8DA4B8DB}" presName="ConnectLine1" presStyleLbl="sibTrans1D1" presStyleIdx="1" presStyleCnt="4"/>
-      <dgm:spPr>
-        <a:noFill/>
-        <a:ln w="12700" cap="rnd" cmpd="sng" algn="ctr">
-          <a:solidFill>
-            <a:schemeClr val="accent1">
-              <a:shade val="90000"/>
-              <a:hueOff val="140199"/>
-              <a:satOff val="2886"/>
-              <a:lumOff val="12346"/>
-              <a:alphaOff val="0"/>
-            </a:schemeClr>
-          </a:solidFill>
-          <a:prstDash val="dash"/>
-        </a:ln>
-        <a:effectLst/>
-      </dgm:spPr>
-    </dgm:pt>
-    <dgm:pt modelId="{E1220EDB-B75C-43A5-B862-97E4C09130A7}" type="pres">
-      <dgm:prSet presAssocID="{C5146535-FD3D-4589-98A3-623B8DA4B8DB}" presName="ConnectLineEnd1" presStyleLbl="lnNode1" presStyleIdx="1" presStyleCnt="4"/>
-      <dgm:spPr/>
-    </dgm:pt>
-    <dgm:pt modelId="{D8849157-215F-4E70-9735-315E97B5AC5C}" type="pres">
-      <dgm:prSet presAssocID="{C5146535-FD3D-4589-98A3-623B8DA4B8DB}" presName="EmptyPane1" presStyleCnt="0"/>
-      <dgm:spPr/>
-    </dgm:pt>
-    <dgm:pt modelId="{7C467054-22FE-4C18-9934-29D7168DFF63}" type="pres">
-      <dgm:prSet presAssocID="{7A3CCAF8-AC3A-401E-AEDD-44BBC1AA9C31}" presName="spaceBetweenRectangles1" presStyleCnt="0"/>
-      <dgm:spPr/>
-    </dgm:pt>
-    <dgm:pt modelId="{3E3E944D-A6EC-4962-9AC1-C585A4F97BDA}" type="pres">
-      <dgm:prSet presAssocID="{09C152DA-7620-4852-8162-A77EC3609F3F}" presName="composite1" presStyleCnt="0"/>
-      <dgm:spPr/>
-    </dgm:pt>
-    <dgm:pt modelId="{566B79CB-1A41-4F5C-BF91-58D94BF93913}" type="pres">
-      <dgm:prSet presAssocID="{09C152DA-7620-4852-8162-A77EC3609F3F}" presName="parent1" presStyleLbl="alignNode1" presStyleIdx="2" presStyleCnt="4">
-        <dgm:presLayoutVars>
-          <dgm:chMax val="1"/>
-          <dgm:chPref val="1"/>
-          <dgm:bulletEnabled val="1"/>
-        </dgm:presLayoutVars>
-      </dgm:prSet>
-      <dgm:spPr/>
-    </dgm:pt>
-    <dgm:pt modelId="{B4723E2A-4FF1-452A-BD25-8EC364F15A6F}" type="pres">
-      <dgm:prSet presAssocID="{09C152DA-7620-4852-8162-A77EC3609F3F}" presName="Childtext1" presStyleLbl="revTx" presStyleIdx="2" presStyleCnt="4">
-        <dgm:presLayoutVars>
-          <dgm:bulletEnabled val="1"/>
-        </dgm:presLayoutVars>
-      </dgm:prSet>
-      <dgm:spPr/>
-    </dgm:pt>
-    <dgm:pt modelId="{440E9361-37D2-4157-AF38-7B49AD23708B}" type="pres">
-      <dgm:prSet presAssocID="{09C152DA-7620-4852-8162-A77EC3609F3F}" presName="ConnectLine1" presStyleLbl="sibTrans1D1" presStyleIdx="2" presStyleCnt="4"/>
-      <dgm:spPr>
-        <a:noFill/>
-        <a:ln w="12700" cap="rnd" cmpd="sng" algn="ctr">
-          <a:solidFill>
-            <a:schemeClr val="accent1">
-              <a:shade val="90000"/>
-              <a:hueOff val="186931"/>
-              <a:satOff val="3848"/>
-              <a:lumOff val="16461"/>
-              <a:alphaOff val="0"/>
-            </a:schemeClr>
-          </a:solidFill>
-          <a:prstDash val="dash"/>
-        </a:ln>
-        <a:effectLst/>
-      </dgm:spPr>
-    </dgm:pt>
-    <dgm:pt modelId="{C45E7B63-1C71-483E-A3A8-705CE86D4D8E}" type="pres">
-      <dgm:prSet presAssocID="{09C152DA-7620-4852-8162-A77EC3609F3F}" presName="ConnectLineEnd1" presStyleLbl="lnNode1" presStyleIdx="2" presStyleCnt="4"/>
-      <dgm:spPr/>
-    </dgm:pt>
-    <dgm:pt modelId="{4174F691-D9D3-451C-9893-D177DC3AED58}" type="pres">
-      <dgm:prSet presAssocID="{09C152DA-7620-4852-8162-A77EC3609F3F}" presName="EmptyPane1" presStyleCnt="0"/>
-      <dgm:spPr/>
-    </dgm:pt>
-    <dgm:pt modelId="{C9473861-B41E-4267-A37E-6C5AE907B055}" type="pres">
-      <dgm:prSet presAssocID="{0AE8D36D-0F0F-4206-AE39-0A2D73987B68}" presName="spaceBetweenRectangles1" presStyleCnt="0"/>
-      <dgm:spPr/>
-    </dgm:pt>
-    <dgm:pt modelId="{E058690D-5E78-4320-BCC2-92CD8456F7BB}" type="pres">
-      <dgm:prSet presAssocID="{2201DA16-4559-445F-9370-55C15CD8C540}" presName="composite1" presStyleCnt="0"/>
-      <dgm:spPr/>
-    </dgm:pt>
-    <dgm:pt modelId="{668AD1EC-B0EB-4769-8486-EF8466F9866C}" type="pres">
-      <dgm:prSet presAssocID="{2201DA16-4559-445F-9370-55C15CD8C540}" presName="parent1" presStyleLbl="alignNode1" presStyleIdx="3" presStyleCnt="4">
-        <dgm:presLayoutVars>
-          <dgm:chMax val="1"/>
-          <dgm:chPref val="1"/>
-          <dgm:bulletEnabled val="1"/>
-        </dgm:presLayoutVars>
-      </dgm:prSet>
-      <dgm:spPr/>
-    </dgm:pt>
-    <dgm:pt modelId="{A8180EC9-9BA3-4E7A-9E5A-6860DAE24FC4}" type="pres">
-      <dgm:prSet presAssocID="{2201DA16-4559-445F-9370-55C15CD8C540}" presName="Childtext1" presStyleLbl="revTx" presStyleIdx="3" presStyleCnt="4">
-        <dgm:presLayoutVars>
-          <dgm:bulletEnabled val="1"/>
-        </dgm:presLayoutVars>
-      </dgm:prSet>
-      <dgm:spPr/>
-    </dgm:pt>
-    <dgm:pt modelId="{8F697213-963B-4260-99DC-02FFD0511E6B}" type="pres">
-      <dgm:prSet presAssocID="{2201DA16-4559-445F-9370-55C15CD8C540}" presName="ConnectLine1" presStyleLbl="sibTrans1D1" presStyleIdx="3" presStyleCnt="4"/>
-      <dgm:spPr>
-        <a:noFill/>
-        <a:ln w="12700" cap="rnd" cmpd="sng" algn="ctr">
-          <a:solidFill>
-            <a:schemeClr val="accent1">
-              <a:shade val="90000"/>
-              <a:hueOff val="446212"/>
-              <a:satOff val="-8602"/>
-              <a:lumOff val="28124"/>
-              <a:alphaOff val="0"/>
-            </a:schemeClr>
-          </a:solidFill>
-          <a:prstDash val="dash"/>
-        </a:ln>
-        <a:effectLst/>
-      </dgm:spPr>
-    </dgm:pt>
-    <dgm:pt modelId="{73268B85-3D85-495A-AE55-D838B2D3F725}" type="pres">
-      <dgm:prSet presAssocID="{2201DA16-4559-445F-9370-55C15CD8C540}" presName="ConnectLineEnd1" presStyleLbl="lnNode1" presStyleIdx="3" presStyleCnt="4"/>
-      <dgm:spPr/>
-    </dgm:pt>
-    <dgm:pt modelId="{13A43273-0BD5-414A-8B96-3D50366179BF}" type="pres">
-      <dgm:prSet presAssocID="{2201DA16-4559-445F-9370-55C15CD8C540}" presName="EmptyPane1" presStyleCnt="0"/>
-      <dgm:spPr/>
-    </dgm:pt>
-  </dgm:ptLst>
-  <dgm:cxnLst>
-    <dgm:cxn modelId="{5C25BB02-FA66-40A4-9DA6-9E1CAE3A8D4E}" type="presOf" srcId="{C5146535-FD3D-4589-98A3-623B8DA4B8DB}" destId="{30804A27-188E-4A17-8FFE-97BCCA0597B8}" srcOrd="0" destOrd="0" presId="urn:microsoft.com/office/officeart/2016/7/layout/RoundedRectangleTimeline"/>
-    <dgm:cxn modelId="{8C5B110A-FBC3-4CBF-BED2-413E87D4DAD5}" srcId="{8DB5D7D5-6A1C-4ABC-8850-759A9D876047}" destId="{96262926-A67D-4E4E-9515-5EBC67F0B634}" srcOrd="0" destOrd="0" parTransId="{EC74E552-C501-4B0E-9400-E8B410F53D50}" sibTransId="{1DA7ACEB-F642-43C1-BCB5-F580B9B985B9}"/>
-    <dgm:cxn modelId="{84C67813-55CE-4EBC-9032-03BD847DC17E}" type="presOf" srcId="{6A70FD8F-0050-42E3-8B3A-6ED7CFB9852E}" destId="{AB52B3CC-6563-466D-BFC3-9B6B5AFA0881}" srcOrd="0" destOrd="0" presId="urn:microsoft.com/office/officeart/2016/7/layout/RoundedRectangleTimeline"/>
-    <dgm:cxn modelId="{3266D624-CC7C-489D-BF30-AD591AC5DD91}" type="presOf" srcId="{2201DA16-4559-445F-9370-55C15CD8C540}" destId="{668AD1EC-B0EB-4769-8486-EF8466F9866C}" srcOrd="0" destOrd="0" presId="urn:microsoft.com/office/officeart/2016/7/layout/RoundedRectangleTimeline"/>
-    <dgm:cxn modelId="{22ECA226-C4EA-44F1-BCB5-77F78841DA6F}" type="presOf" srcId="{09C152DA-7620-4852-8162-A77EC3609F3F}" destId="{566B79CB-1A41-4F5C-BF91-58D94BF93913}" srcOrd="0" destOrd="0" presId="urn:microsoft.com/office/officeart/2016/7/layout/RoundedRectangleTimeline"/>
-    <dgm:cxn modelId="{E2BBA750-A5E4-4F50-BE16-016934379F81}" type="presOf" srcId="{6C8937BE-93F8-4DED-8538-1C601DAEBA66}" destId="{B4723E2A-4FF1-452A-BD25-8EC364F15A6F}" srcOrd="0" destOrd="0" presId="urn:microsoft.com/office/officeart/2016/7/layout/RoundedRectangleTimeline"/>
-    <dgm:cxn modelId="{F9B2D375-40BE-4E5D-AA88-61805FBFF819}" type="presOf" srcId="{8DB5D7D5-6A1C-4ABC-8850-759A9D876047}" destId="{954381E7-0584-46DD-8108-E9BF4F2B5005}" srcOrd="0" destOrd="0" presId="urn:microsoft.com/office/officeart/2016/7/layout/RoundedRectangleTimeline"/>
-    <dgm:cxn modelId="{8EBF857E-7408-4941-91E4-293B0F59EEF7}" srcId="{6A70FD8F-0050-42E3-8B3A-6ED7CFB9852E}" destId="{C5146535-FD3D-4589-98A3-623B8DA4B8DB}" srcOrd="1" destOrd="0" parTransId="{20848F78-EC70-4162-96CE-CC68006930F0}" sibTransId="{7A3CCAF8-AC3A-401E-AEDD-44BBC1AA9C31}"/>
-    <dgm:cxn modelId="{23ECAC8B-17A4-4883-AA0E-06D66B7E788A}" srcId="{6A70FD8F-0050-42E3-8B3A-6ED7CFB9852E}" destId="{09C152DA-7620-4852-8162-A77EC3609F3F}" srcOrd="2" destOrd="0" parTransId="{9F6D14C0-6C82-4CBD-8D6D-B0E117B6F2ED}" sibTransId="{0AE8D36D-0F0F-4206-AE39-0A2D73987B68}"/>
-    <dgm:cxn modelId="{F9540599-A193-456C-A9A9-8962E3855B0B}" type="presOf" srcId="{96262926-A67D-4E4E-9515-5EBC67F0B634}" destId="{5A1B764B-0DC5-47CD-BDEA-9E67799496EC}" srcOrd="0" destOrd="0" presId="urn:microsoft.com/office/officeart/2016/7/layout/RoundedRectangleTimeline"/>
-    <dgm:cxn modelId="{E13585A2-54F2-486A-B317-F4D6AF7E83B9}" type="presOf" srcId="{E80CA270-6C90-4E17-ACEA-46B56AD54DD1}" destId="{DF65791B-462E-4589-B98D-F60587330CA8}" srcOrd="0" destOrd="0" presId="urn:microsoft.com/office/officeart/2016/7/layout/RoundedRectangleTimeline"/>
-    <dgm:cxn modelId="{B182D3A3-7A3F-491E-BE38-28B993804DCB}" srcId="{6A70FD8F-0050-42E3-8B3A-6ED7CFB9852E}" destId="{2201DA16-4559-445F-9370-55C15CD8C540}" srcOrd="3" destOrd="0" parTransId="{1B11BABB-F27D-4522-8282-06EB439F828D}" sibTransId="{5E0E0918-46EE-4E65-A368-55ED73474547}"/>
-    <dgm:cxn modelId="{FAA8D3DD-12E8-457D-9144-B037C5678347}" srcId="{09C152DA-7620-4852-8162-A77EC3609F3F}" destId="{6C8937BE-93F8-4DED-8538-1C601DAEBA66}" srcOrd="0" destOrd="0" parTransId="{77D169C6-D77F-456D-B18B-D7BE016AD87A}" sibTransId="{A97BE953-FA9D-4BA6-A92C-494DB1F3BA59}"/>
-    <dgm:cxn modelId="{C5202EE1-10E9-4076-9D55-9E0CF8B152AF}" srcId="{6A70FD8F-0050-42E3-8B3A-6ED7CFB9852E}" destId="{8DB5D7D5-6A1C-4ABC-8850-759A9D876047}" srcOrd="0" destOrd="0" parTransId="{D8874F40-D7B0-41DE-BB6F-A6014FEAB2D7}" sibTransId="{BD6E0A2E-99C8-4F5A-971A-CD211D1099FF}"/>
-    <dgm:cxn modelId="{2DC28DF8-5C1B-4F53-A4C1-D5B63FB54BAF}" srcId="{C5146535-FD3D-4589-98A3-623B8DA4B8DB}" destId="{E80CA270-6C90-4E17-ACEA-46B56AD54DD1}" srcOrd="0" destOrd="0" parTransId="{7EEC8067-96EF-4BE0-8BE3-BA59ED78A31F}" sibTransId="{1AFE46E5-6B07-4894-8ECB-21BD7E7B8AF1}"/>
-    <dgm:cxn modelId="{76459B4A-BC95-4631-A3CC-1410E80D5DFD}" type="presParOf" srcId="{AB52B3CC-6563-466D-BFC3-9B6B5AFA0881}" destId="{815EDF7B-AC93-4A61-87AA-CAA5D85C31A8}" srcOrd="0" destOrd="0" presId="urn:microsoft.com/office/officeart/2016/7/layout/RoundedRectangleTimeline"/>
-    <dgm:cxn modelId="{4238FA88-CE43-4680-BFB0-73DED5612698}" type="presParOf" srcId="{815EDF7B-AC93-4A61-87AA-CAA5D85C31A8}" destId="{954381E7-0584-46DD-8108-E9BF4F2B5005}" srcOrd="0" destOrd="0" presId="urn:microsoft.com/office/officeart/2016/7/layout/RoundedRectangleTimeline"/>
-    <dgm:cxn modelId="{6497CE05-0893-4952-B18A-28D71D90B841}" type="presParOf" srcId="{815EDF7B-AC93-4A61-87AA-CAA5D85C31A8}" destId="{5A1B764B-0DC5-47CD-BDEA-9E67799496EC}" srcOrd="1" destOrd="0" presId="urn:microsoft.com/office/officeart/2016/7/layout/RoundedRectangleTimeline"/>
-    <dgm:cxn modelId="{CB8BA570-C0D4-4400-BED8-C9BC961A6553}" type="presParOf" srcId="{815EDF7B-AC93-4A61-87AA-CAA5D85C31A8}" destId="{122B38A3-0442-4747-820C-1F37877E2B0E}" srcOrd="2" destOrd="0" presId="urn:microsoft.com/office/officeart/2016/7/layout/RoundedRectangleTimeline"/>
-    <dgm:cxn modelId="{82FC1E36-99F3-4E1F-8BD1-229D77A82EB1}" type="presParOf" srcId="{815EDF7B-AC93-4A61-87AA-CAA5D85C31A8}" destId="{A73181F6-69BB-4A47-8277-4671A45AC8C8}" srcOrd="3" destOrd="0" presId="urn:microsoft.com/office/officeart/2016/7/layout/RoundedRectangleTimeline"/>
-    <dgm:cxn modelId="{7EAD7967-836C-4AB6-AAA2-ED2EF3F29E78}" type="presParOf" srcId="{815EDF7B-AC93-4A61-87AA-CAA5D85C31A8}" destId="{6E76EADA-5F61-4A59-B2F8-FA10112079FC}" srcOrd="4" destOrd="0" presId="urn:microsoft.com/office/officeart/2016/7/layout/RoundedRectangleTimeline"/>
-    <dgm:cxn modelId="{3783DE09-7B3D-423E-960C-ED9DB81E314E}" type="presParOf" srcId="{AB52B3CC-6563-466D-BFC3-9B6B5AFA0881}" destId="{A8189248-0785-43F1-844C-4DE92841F254}" srcOrd="1" destOrd="0" presId="urn:microsoft.com/office/officeart/2016/7/layout/RoundedRectangleTimeline"/>
-    <dgm:cxn modelId="{38B07C9C-D21D-4E2B-A78B-C30877B2689A}" type="presParOf" srcId="{AB52B3CC-6563-466D-BFC3-9B6B5AFA0881}" destId="{218D9CD7-D48D-464C-9A1C-0F322EC540B3}" srcOrd="2" destOrd="0" presId="urn:microsoft.com/office/officeart/2016/7/layout/RoundedRectangleTimeline"/>
-    <dgm:cxn modelId="{E6790483-7B9E-44FB-9EAE-A282A4B9AB73}" type="presParOf" srcId="{218D9CD7-D48D-464C-9A1C-0F322EC540B3}" destId="{30804A27-188E-4A17-8FFE-97BCCA0597B8}" srcOrd="0" destOrd="0" presId="urn:microsoft.com/office/officeart/2016/7/layout/RoundedRectangleTimeline"/>
-    <dgm:cxn modelId="{B31BDB48-FB8E-47F4-8F76-B90009D28A96}" type="presParOf" srcId="{218D9CD7-D48D-464C-9A1C-0F322EC540B3}" destId="{DF65791B-462E-4589-B98D-F60587330CA8}" srcOrd="1" destOrd="0" presId="urn:microsoft.com/office/officeart/2016/7/layout/RoundedRectangleTimeline"/>
-    <dgm:cxn modelId="{517AE913-68B2-41AC-BE20-5D4195845D6F}" type="presParOf" srcId="{218D9CD7-D48D-464C-9A1C-0F322EC540B3}" destId="{DBA410EB-5F61-4F46-92D9-C5B0AA59EE15}" srcOrd="2" destOrd="0" presId="urn:microsoft.com/office/officeart/2016/7/layout/RoundedRectangleTimeline"/>
-    <dgm:cxn modelId="{0F089045-7542-47F1-8B17-68354869406A}" type="presParOf" srcId="{218D9CD7-D48D-464C-9A1C-0F322EC540B3}" destId="{E1220EDB-B75C-43A5-B862-97E4C09130A7}" srcOrd="3" destOrd="0" presId="urn:microsoft.com/office/officeart/2016/7/layout/RoundedRectangleTimeline"/>
-    <dgm:cxn modelId="{79B44ECC-99D2-49DD-9DEE-58B1D2AE6C6C}" type="presParOf" srcId="{218D9CD7-D48D-464C-9A1C-0F322EC540B3}" destId="{D8849157-215F-4E70-9735-315E97B5AC5C}" srcOrd="4" destOrd="0" presId="urn:microsoft.com/office/officeart/2016/7/layout/RoundedRectangleTimeline"/>
-    <dgm:cxn modelId="{6930EC12-FB60-44F8-973F-19AC06AA90BB}" type="presParOf" srcId="{AB52B3CC-6563-466D-BFC3-9B6B5AFA0881}" destId="{7C467054-22FE-4C18-9934-29D7168DFF63}" srcOrd="3" destOrd="0" presId="urn:microsoft.com/office/officeart/2016/7/layout/RoundedRectangleTimeline"/>
-    <dgm:cxn modelId="{1F4A4777-E935-453F-A5B9-015C6946FC6A}" type="presParOf" srcId="{AB52B3CC-6563-466D-BFC3-9B6B5AFA0881}" destId="{3E3E944D-A6EC-4962-9AC1-C585A4F97BDA}" srcOrd="4" destOrd="0" presId="urn:microsoft.com/office/officeart/2016/7/layout/RoundedRectangleTimeline"/>
-    <dgm:cxn modelId="{94AC8B5D-A9B9-4EF3-AD1C-6024606B5BF8}" type="presParOf" srcId="{3E3E944D-A6EC-4962-9AC1-C585A4F97BDA}" destId="{566B79CB-1A41-4F5C-BF91-58D94BF93913}" srcOrd="0" destOrd="0" presId="urn:microsoft.com/office/officeart/2016/7/layout/RoundedRectangleTimeline"/>
-    <dgm:cxn modelId="{A151554E-10B3-429A-9E0D-D40262ED6857}" type="presParOf" srcId="{3E3E944D-A6EC-4962-9AC1-C585A4F97BDA}" destId="{B4723E2A-4FF1-452A-BD25-8EC364F15A6F}" srcOrd="1" destOrd="0" presId="urn:microsoft.com/office/officeart/2016/7/layout/RoundedRectangleTimeline"/>
-    <dgm:cxn modelId="{329635D9-081F-4DC9-88AA-E074B7400415}" type="presParOf" srcId="{3E3E944D-A6EC-4962-9AC1-C585A4F97BDA}" destId="{440E9361-37D2-4157-AF38-7B49AD23708B}" srcOrd="2" destOrd="0" presId="urn:microsoft.com/office/officeart/2016/7/layout/RoundedRectangleTimeline"/>
-    <dgm:cxn modelId="{0F0D3AEA-9F0C-400E-A955-6CD1F474B6A4}" type="presParOf" srcId="{3E3E944D-A6EC-4962-9AC1-C585A4F97BDA}" destId="{C45E7B63-1C71-483E-A3A8-705CE86D4D8E}" srcOrd="3" destOrd="0" presId="urn:microsoft.com/office/officeart/2016/7/layout/RoundedRectangleTimeline"/>
-    <dgm:cxn modelId="{91F0BE33-39D4-4457-A5CC-3F1682DB166D}" type="presParOf" srcId="{3E3E944D-A6EC-4962-9AC1-C585A4F97BDA}" destId="{4174F691-D9D3-451C-9893-D177DC3AED58}" srcOrd="4" destOrd="0" presId="urn:microsoft.com/office/officeart/2016/7/layout/RoundedRectangleTimeline"/>
-    <dgm:cxn modelId="{D6A07721-8E35-4516-8661-F55C887B9100}" type="presParOf" srcId="{AB52B3CC-6563-466D-BFC3-9B6B5AFA0881}" destId="{C9473861-B41E-4267-A37E-6C5AE907B055}" srcOrd="5" destOrd="0" presId="urn:microsoft.com/office/officeart/2016/7/layout/RoundedRectangleTimeline"/>
-    <dgm:cxn modelId="{FC337BB7-7657-432E-92AC-52C327F6B2B7}" type="presParOf" srcId="{AB52B3CC-6563-466D-BFC3-9B6B5AFA0881}" destId="{E058690D-5E78-4320-BCC2-92CD8456F7BB}" srcOrd="6" destOrd="0" presId="urn:microsoft.com/office/officeart/2016/7/layout/RoundedRectangleTimeline"/>
-    <dgm:cxn modelId="{078C8552-80D2-4F1D-B726-6266C3938403}" type="presParOf" srcId="{E058690D-5E78-4320-BCC2-92CD8456F7BB}" destId="{668AD1EC-B0EB-4769-8486-EF8466F9866C}" srcOrd="0" destOrd="0" presId="urn:microsoft.com/office/officeart/2016/7/layout/RoundedRectangleTimeline"/>
-    <dgm:cxn modelId="{ABFD21F5-6FD6-4C10-901F-F8BA6A71FBAE}" type="presParOf" srcId="{E058690D-5E78-4320-BCC2-92CD8456F7BB}" destId="{A8180EC9-9BA3-4E7A-9E5A-6860DAE24FC4}" srcOrd="1" destOrd="0" presId="urn:microsoft.com/office/officeart/2016/7/layout/RoundedRectangleTimeline"/>
-    <dgm:cxn modelId="{0BF64425-F5EB-4DAC-BB3B-89F90BAD4E25}" type="presParOf" srcId="{E058690D-5E78-4320-BCC2-92CD8456F7BB}" destId="{8F697213-963B-4260-99DC-02FFD0511E6B}" srcOrd="2" destOrd="0" presId="urn:microsoft.com/office/officeart/2016/7/layout/RoundedRectangleTimeline"/>
-    <dgm:cxn modelId="{56DE9EE3-4EBC-4CAA-BE91-3BD13B54E3A8}" type="presParOf" srcId="{E058690D-5E78-4320-BCC2-92CD8456F7BB}" destId="{73268B85-3D85-495A-AE55-D838B2D3F725}" srcOrd="3" destOrd="0" presId="urn:microsoft.com/office/officeart/2016/7/layout/RoundedRectangleTimeline"/>
-    <dgm:cxn modelId="{BF31BC72-8C18-4824-90EA-8C57F2B65F37}" type="presParOf" srcId="{E058690D-5E78-4320-BCC2-92CD8456F7BB}" destId="{13A43273-0BD5-414A-8B96-3D50366179BF}" srcOrd="4" destOrd="0" presId="urn:microsoft.com/office/officeart/2016/7/layout/RoundedRectangleTimeline"/>
-  </dgm:cxnLst>
-  <dgm:bg/>
-  <dgm:whole/>
-  <dgm:extLst>
-    <a:ext uri="http://schemas.microsoft.com/office/drawing/2008/diagram">
-      <dsp:dataModelExt xmlns:dsp="http://schemas.microsoft.com/office/drawing/2008/diagram" relId="rId6" minVer="http://schemas.openxmlformats.org/drawingml/2006/diagram"/>
-    </a:ext>
-  </dgm:extLst>
-</dgm:dataModel>
-</file>
-
-<file path=ppt/diagrams/drawing1.xml><?xml version="1.0" encoding="utf-8"?>
-<dsp:drawing xmlns:dgm="http://schemas.openxmlformats.org/drawingml/2006/diagram" xmlns:dsp="http://schemas.microsoft.com/office/drawing/2008/diagram" xmlns:a="http://schemas.openxmlformats.org/drawingml/2006/main">
-  <dsp:spTree>
-    <dsp:nvGrpSpPr>
-      <dsp:cNvPr id="0" name=""/>
-      <dsp:cNvGrpSpPr/>
-    </dsp:nvGrpSpPr>
-    <dsp:grpSpPr/>
-    <dsp:sp modelId="{954381E7-0584-46DD-8108-E9BF4F2B5005}">
-      <dsp:nvSpPr>
-        <dsp:cNvPr id="0" name=""/>
-        <dsp:cNvSpPr/>
-      </dsp:nvSpPr>
-      <dsp:spPr>
-        <a:xfrm rot="16200000">
-          <a:off x="1790021" y="635805"/>
-          <a:ext cx="363378" cy="2362175"/>
-        </a:xfrm>
-        <a:prstGeom prst="round2SameRect">
-          <a:avLst/>
-        </a:prstGeom>
-        <a:solidFill>
-          <a:schemeClr val="accent1">
-            <a:shade val="80000"/>
-            <a:hueOff val="0"/>
-            <a:satOff val="0"/>
-            <a:lumOff val="0"/>
-            <a:alphaOff val="0"/>
-          </a:schemeClr>
-        </a:solidFill>
-        <a:ln w="22225" cap="rnd" cmpd="sng" algn="ctr">
-          <a:solidFill>
-            <a:schemeClr val="accent1">
-              <a:shade val="80000"/>
-              <a:hueOff val="0"/>
-              <a:satOff val="0"/>
-              <a:lumOff val="0"/>
-              <a:alphaOff val="0"/>
-            </a:schemeClr>
-          </a:solidFill>
-          <a:prstDash val="solid"/>
-        </a:ln>
-        <a:effectLst/>
-      </dsp:spPr>
-      <dsp:style>
-        <a:lnRef idx="2">
-          <a:scrgbClr r="0" g="0" b="0"/>
-        </a:lnRef>
-        <a:fillRef idx="1">
-          <a:scrgbClr r="0" g="0" b="0"/>
-        </a:fillRef>
-        <a:effectRef idx="0">
-          <a:scrgbClr r="0" g="0" b="0"/>
-        </a:effectRef>
-        <a:fontRef idx="minor">
-          <a:schemeClr val="lt1"/>
-        </a:fontRef>
-      </dsp:style>
-      <dsp:txBody>
-        <a:bodyPr spcFirstLastPara="0" vert="horz" wrap="square" lIns="83820" tIns="83820" rIns="83820" bIns="83820" numCol="1" spcCol="1270" anchor="ctr" anchorCtr="1">
-          <a:noAutofit/>
-        </a:bodyPr>
-        <a:lstStyle/>
-        <a:p>
-          <a:pPr marL="0" lvl="0" indent="0" algn="ctr" defTabSz="488950">
-            <a:lnSpc>
-              <a:spcPct val="90000"/>
-            </a:lnSpc>
-            <a:spcBef>
-              <a:spcPct val="0"/>
-            </a:spcBef>
-            <a:spcAft>
-              <a:spcPct val="35000"/>
-            </a:spcAft>
-            <a:buNone/>
-          </a:pPr>
-          <a:r>
-            <a:rPr lang="en-US" sz="1100" kern="1200" dirty="0"/>
-            <a:t>2017</a:t>
-          </a:r>
-        </a:p>
-      </dsp:txBody>
-      <dsp:txXfrm rot="5400000">
-        <a:off x="808362" y="1652943"/>
-        <a:ext cx="2344436" cy="327900"/>
-      </dsp:txXfrm>
-    </dsp:sp>
-    <dsp:sp modelId="{5A1B764B-0DC5-47CD-BDEA-9E67799496EC}">
-      <dsp:nvSpPr>
-        <dsp:cNvPr id="0" name=""/>
-        <dsp:cNvSpPr/>
-      </dsp:nvSpPr>
-      <dsp:spPr>
-        <a:xfrm>
-          <a:off x="3231" y="0"/>
-          <a:ext cx="3936959" cy="1271825"/>
-        </a:xfrm>
-        <a:prstGeom prst="rect">
-          <a:avLst/>
-        </a:prstGeom>
-        <a:noFill/>
-        <a:ln>
-          <a:noFill/>
-        </a:ln>
-        <a:effectLst/>
-      </dsp:spPr>
-      <dsp:style>
-        <a:lnRef idx="0">
-          <a:scrgbClr r="0" g="0" b="0"/>
-        </a:lnRef>
-        <a:fillRef idx="0">
-          <a:scrgbClr r="0" g="0" b="0"/>
-        </a:fillRef>
-        <a:effectRef idx="0">
-          <a:scrgbClr r="0" g="0" b="0"/>
-        </a:effectRef>
-        <a:fontRef idx="minor"/>
-      </dsp:style>
-      <dsp:txBody>
-        <a:bodyPr spcFirstLastPara="0" vert="horz" wrap="square" lIns="0" tIns="0" rIns="0" bIns="83820" numCol="1" spcCol="1270" anchor="b" anchorCtr="1">
-          <a:noAutofit/>
-        </a:bodyPr>
-        <a:lstStyle/>
-        <a:p>
-          <a:pPr marL="0" lvl="0" indent="0" algn="ctr" defTabSz="488950">
-            <a:lnSpc>
-              <a:spcPct val="90000"/>
-            </a:lnSpc>
-            <a:spcBef>
-              <a:spcPct val="0"/>
-            </a:spcBef>
-            <a:spcAft>
-              <a:spcPct val="35000"/>
-            </a:spcAft>
-            <a:buNone/>
-          </a:pPr>
-          <a:r>
-            <a:rPr lang="en-US" sz="1100" kern="1200" dirty="0"/>
-            <a:t>Lorem ipsum dolor sit amet</a:t>
-          </a:r>
-        </a:p>
-      </dsp:txBody>
-      <dsp:txXfrm>
-        <a:off x="3231" y="0"/>
-        <a:ext cx="3936959" cy="1271825"/>
-      </dsp:txXfrm>
-    </dsp:sp>
-    <dsp:sp modelId="{122B38A3-0442-4747-820C-1F37877E2B0E}">
-      <dsp:nvSpPr>
-        <dsp:cNvPr id="0" name=""/>
-        <dsp:cNvSpPr/>
-      </dsp:nvSpPr>
-      <dsp:spPr>
-        <a:xfrm>
-          <a:off x="1971711" y="1344501"/>
-          <a:ext cx="0" cy="290702"/>
-        </a:xfrm>
-        <a:prstGeom prst="line">
-          <a:avLst/>
-        </a:prstGeom>
-        <a:noFill/>
-        <a:ln w="12700" cap="rnd" cmpd="sng" algn="ctr">
-          <a:solidFill>
-            <a:schemeClr val="accent1">
-              <a:shade val="90000"/>
-              <a:hueOff val="93466"/>
-              <a:satOff val="1924"/>
-              <a:lumOff val="8231"/>
-              <a:alphaOff val="0"/>
-            </a:schemeClr>
-          </a:solidFill>
-          <a:prstDash val="dash"/>
-        </a:ln>
-        <a:effectLst/>
-      </dsp:spPr>
-      <dsp:style>
-        <a:lnRef idx="1">
-          <a:scrgbClr r="0" g="0" b="0"/>
-        </a:lnRef>
-        <a:fillRef idx="0">
-          <a:scrgbClr r="0" g="0" b="0"/>
-        </a:fillRef>
-        <a:effectRef idx="0">
-          <a:scrgbClr r="0" g="0" b="0"/>
-        </a:effectRef>
-        <a:fontRef idx="minor"/>
-      </dsp:style>
-    </dsp:sp>
-    <dsp:sp modelId="{A73181F6-69BB-4A47-8277-4671A45AC8C8}">
-      <dsp:nvSpPr>
-        <dsp:cNvPr id="0" name=""/>
-        <dsp:cNvSpPr/>
-      </dsp:nvSpPr>
-      <dsp:spPr>
-        <a:xfrm>
-          <a:off x="1935373" y="1271825"/>
-          <a:ext cx="72675" cy="72675"/>
-        </a:xfrm>
-        <a:prstGeom prst="ellipse">
-          <a:avLst/>
-        </a:prstGeom>
-        <a:solidFill>
-          <a:schemeClr val="accent1">
-            <a:shade val="80000"/>
-            <a:hueOff val="0"/>
-            <a:satOff val="0"/>
-            <a:lumOff val="0"/>
-            <a:alphaOff val="0"/>
-          </a:schemeClr>
-        </a:solidFill>
-        <a:ln w="22225" cap="rnd" cmpd="sng" algn="ctr">
-          <a:solidFill>
-            <a:schemeClr val="lt1">
-              <a:hueOff val="0"/>
-              <a:satOff val="0"/>
-              <a:lumOff val="0"/>
-              <a:alphaOff val="0"/>
-            </a:schemeClr>
-          </a:solidFill>
-          <a:prstDash val="solid"/>
-        </a:ln>
-        <a:effectLst/>
-      </dsp:spPr>
-      <dsp:style>
-        <a:lnRef idx="2">
-          <a:scrgbClr r="0" g="0" b="0"/>
-        </a:lnRef>
-        <a:fillRef idx="1">
-          <a:scrgbClr r="0" g="0" b="0"/>
-        </a:fillRef>
-        <a:effectRef idx="0">
-          <a:scrgbClr r="0" g="0" b="0"/>
-        </a:effectRef>
-        <a:fontRef idx="minor">
-          <a:schemeClr val="lt1"/>
-        </a:fontRef>
-      </dsp:style>
-    </dsp:sp>
-    <dsp:sp modelId="{30804A27-188E-4A17-8FFE-97BCCA0597B8}">
-      <dsp:nvSpPr>
-        <dsp:cNvPr id="0" name=""/>
-        <dsp:cNvSpPr/>
-      </dsp:nvSpPr>
-      <dsp:spPr>
-        <a:xfrm>
-          <a:off x="3152799" y="1635204"/>
-          <a:ext cx="2362175" cy="363378"/>
-        </a:xfrm>
-        <a:prstGeom prst="rect">
-          <a:avLst/>
-        </a:prstGeom>
-        <a:solidFill>
-          <a:schemeClr val="accent1">
-            <a:shade val="80000"/>
-            <a:hueOff val="148730"/>
-            <a:satOff val="-3019"/>
-            <a:lumOff val="10226"/>
-            <a:alphaOff val="0"/>
-          </a:schemeClr>
-        </a:solidFill>
-        <a:ln w="22225" cap="rnd" cmpd="sng" algn="ctr">
-          <a:solidFill>
-            <a:schemeClr val="accent1">
-              <a:shade val="80000"/>
-              <a:hueOff val="148730"/>
-              <a:satOff val="-3019"/>
-              <a:lumOff val="10226"/>
-              <a:alphaOff val="0"/>
-            </a:schemeClr>
-          </a:solidFill>
-          <a:prstDash val="solid"/>
-        </a:ln>
-        <a:effectLst/>
-      </dsp:spPr>
-      <dsp:style>
-        <a:lnRef idx="2">
-          <a:scrgbClr r="0" g="0" b="0"/>
-        </a:lnRef>
-        <a:fillRef idx="1">
-          <a:scrgbClr r="0" g="0" b="0"/>
-        </a:fillRef>
-        <a:effectRef idx="0">
-          <a:scrgbClr r="0" g="0" b="0"/>
-        </a:effectRef>
-        <a:fontRef idx="minor">
-          <a:schemeClr val="lt1"/>
-        </a:fontRef>
-      </dsp:style>
-      <dsp:txBody>
-        <a:bodyPr spcFirstLastPara="0" vert="horz" wrap="square" lIns="83820" tIns="83820" rIns="83820" bIns="83820" numCol="1" spcCol="1270" anchor="ctr" anchorCtr="1">
-          <a:noAutofit/>
-        </a:bodyPr>
-        <a:lstStyle/>
-        <a:p>
-          <a:pPr marL="0" lvl="0" indent="0" algn="ctr" defTabSz="488950">
-            <a:lnSpc>
-              <a:spcPct val="90000"/>
-            </a:lnSpc>
-            <a:spcBef>
-              <a:spcPct val="0"/>
-            </a:spcBef>
-            <a:spcAft>
-              <a:spcPct val="35000"/>
-            </a:spcAft>
-            <a:buNone/>
-          </a:pPr>
-          <a:r>
-            <a:rPr lang="en-US" sz="1100" kern="1200" dirty="0"/>
-            <a:t>2018</a:t>
-          </a:r>
-        </a:p>
-      </dsp:txBody>
-      <dsp:txXfrm>
-        <a:off x="3152799" y="1635204"/>
-        <a:ext cx="2362175" cy="363378"/>
-      </dsp:txXfrm>
-    </dsp:sp>
-    <dsp:sp modelId="{DF65791B-462E-4589-B98D-F60587330CA8}">
-      <dsp:nvSpPr>
-        <dsp:cNvPr id="0" name=""/>
-        <dsp:cNvSpPr/>
-      </dsp:nvSpPr>
-      <dsp:spPr>
-        <a:xfrm>
-          <a:off x="2365407" y="2361961"/>
-          <a:ext cx="3936959" cy="1271825"/>
-        </a:xfrm>
-        <a:prstGeom prst="rect">
-          <a:avLst/>
-        </a:prstGeom>
-        <a:noFill/>
-        <a:ln>
-          <a:noFill/>
-        </a:ln>
-        <a:effectLst/>
-      </dsp:spPr>
-      <dsp:style>
-        <a:lnRef idx="0">
-          <a:scrgbClr r="0" g="0" b="0"/>
-        </a:lnRef>
-        <a:fillRef idx="0">
-          <a:scrgbClr r="0" g="0" b="0"/>
-        </a:fillRef>
-        <a:effectRef idx="0">
-          <a:scrgbClr r="0" g="0" b="0"/>
-        </a:effectRef>
-        <a:fontRef idx="minor"/>
-      </dsp:style>
-      <dsp:txBody>
-        <a:bodyPr spcFirstLastPara="0" vert="horz" wrap="square" lIns="0" tIns="83820" rIns="0" bIns="0" numCol="1" spcCol="1270" anchor="t" anchorCtr="1">
-          <a:noAutofit/>
-        </a:bodyPr>
-        <a:lstStyle/>
-        <a:p>
-          <a:pPr marL="0" lvl="0" indent="0" algn="ctr" defTabSz="488950">
-            <a:lnSpc>
-              <a:spcPct val="90000"/>
-            </a:lnSpc>
-            <a:spcBef>
-              <a:spcPct val="0"/>
-            </a:spcBef>
-            <a:spcAft>
-              <a:spcPct val="35000"/>
-            </a:spcAft>
-            <a:buNone/>
-          </a:pPr>
-          <a:r>
-            <a:rPr lang="en-US" sz="1100" kern="1200" dirty="0"/>
-            <a:t>Lorem ipsum dolor sit amet</a:t>
-          </a:r>
-        </a:p>
-      </dsp:txBody>
-      <dsp:txXfrm>
-        <a:off x="2365407" y="2361961"/>
-        <a:ext cx="3936959" cy="1271825"/>
-      </dsp:txXfrm>
-    </dsp:sp>
-    <dsp:sp modelId="{DBA410EB-5F61-4F46-92D9-C5B0AA59EE15}">
-      <dsp:nvSpPr>
-        <dsp:cNvPr id="0" name=""/>
-        <dsp:cNvSpPr/>
-      </dsp:nvSpPr>
-      <dsp:spPr>
-        <a:xfrm>
-          <a:off x="4333887" y="1998582"/>
-          <a:ext cx="0" cy="290702"/>
-        </a:xfrm>
-        <a:prstGeom prst="line">
-          <a:avLst/>
-        </a:prstGeom>
-        <a:noFill/>
-        <a:ln w="12700" cap="rnd" cmpd="sng" algn="ctr">
-          <a:solidFill>
-            <a:schemeClr val="accent1">
-              <a:shade val="90000"/>
-              <a:hueOff val="140199"/>
-              <a:satOff val="2886"/>
-              <a:lumOff val="12346"/>
-              <a:alphaOff val="0"/>
-            </a:schemeClr>
-          </a:solidFill>
-          <a:prstDash val="dash"/>
-        </a:ln>
-        <a:effectLst/>
-      </dsp:spPr>
-      <dsp:style>
-        <a:lnRef idx="1">
-          <a:scrgbClr r="0" g="0" b="0"/>
-        </a:lnRef>
-        <a:fillRef idx="0">
-          <a:scrgbClr r="0" g="0" b="0"/>
-        </a:fillRef>
-        <a:effectRef idx="0">
-          <a:scrgbClr r="0" g="0" b="0"/>
-        </a:effectRef>
-        <a:fontRef idx="minor"/>
-      </dsp:style>
-    </dsp:sp>
-    <dsp:sp modelId="{E1220EDB-B75C-43A5-B862-97E4C09130A7}">
-      <dsp:nvSpPr>
-        <dsp:cNvPr id="0" name=""/>
-        <dsp:cNvSpPr/>
-      </dsp:nvSpPr>
-      <dsp:spPr>
-        <a:xfrm>
-          <a:off x="4297549" y="2289285"/>
-          <a:ext cx="72675" cy="72675"/>
-        </a:xfrm>
-        <a:prstGeom prst="ellipse">
-          <a:avLst/>
-        </a:prstGeom>
-        <a:solidFill>
-          <a:schemeClr val="accent1">
-            <a:shade val="80000"/>
-            <a:hueOff val="148730"/>
-            <a:satOff val="-3019"/>
-            <a:lumOff val="10226"/>
-            <a:alphaOff val="0"/>
-          </a:schemeClr>
-        </a:solidFill>
-        <a:ln w="22225" cap="rnd" cmpd="sng" algn="ctr">
-          <a:solidFill>
-            <a:schemeClr val="lt1">
-              <a:hueOff val="0"/>
-              <a:satOff val="0"/>
-              <a:lumOff val="0"/>
-              <a:alphaOff val="0"/>
-            </a:schemeClr>
-          </a:solidFill>
-          <a:prstDash val="solid"/>
-        </a:ln>
-        <a:effectLst/>
-      </dsp:spPr>
-      <dsp:style>
-        <a:lnRef idx="2">
-          <a:scrgbClr r="0" g="0" b="0"/>
-        </a:lnRef>
-        <a:fillRef idx="1">
-          <a:scrgbClr r="0" g="0" b="0"/>
-        </a:fillRef>
-        <a:effectRef idx="0">
-          <a:scrgbClr r="0" g="0" b="0"/>
-        </a:effectRef>
-        <a:fontRef idx="minor">
-          <a:schemeClr val="lt1"/>
-        </a:fontRef>
-      </dsp:style>
-    </dsp:sp>
-    <dsp:sp modelId="{566B79CB-1A41-4F5C-BF91-58D94BF93913}">
-      <dsp:nvSpPr>
-        <dsp:cNvPr id="0" name=""/>
-        <dsp:cNvSpPr/>
-      </dsp:nvSpPr>
-      <dsp:spPr>
-        <a:xfrm>
-          <a:off x="5514975" y="1635204"/>
-          <a:ext cx="2362175" cy="363378"/>
-        </a:xfrm>
-        <a:prstGeom prst="rect">
-          <a:avLst/>
-        </a:prstGeom>
-        <a:solidFill>
-          <a:schemeClr val="accent1">
-            <a:shade val="80000"/>
-            <a:hueOff val="297461"/>
-            <a:satOff val="-6039"/>
-            <a:lumOff val="20451"/>
-            <a:alphaOff val="0"/>
-          </a:schemeClr>
-        </a:solidFill>
-        <a:ln w="22225" cap="rnd" cmpd="sng" algn="ctr">
-          <a:solidFill>
-            <a:schemeClr val="accent1">
-              <a:shade val="80000"/>
-              <a:hueOff val="297461"/>
-              <a:satOff val="-6039"/>
-              <a:lumOff val="20451"/>
-              <a:alphaOff val="0"/>
-            </a:schemeClr>
-          </a:solidFill>
-          <a:prstDash val="solid"/>
-        </a:ln>
-        <a:effectLst/>
-      </dsp:spPr>
-      <dsp:style>
-        <a:lnRef idx="2">
-          <a:scrgbClr r="0" g="0" b="0"/>
-        </a:lnRef>
-        <a:fillRef idx="1">
-          <a:scrgbClr r="0" g="0" b="0"/>
-        </a:fillRef>
-        <a:effectRef idx="0">
-          <a:scrgbClr r="0" g="0" b="0"/>
-        </a:effectRef>
-        <a:fontRef idx="minor">
-          <a:schemeClr val="lt1"/>
-        </a:fontRef>
-      </dsp:style>
-      <dsp:txBody>
-        <a:bodyPr spcFirstLastPara="0" vert="horz" wrap="square" lIns="83820" tIns="83820" rIns="83820" bIns="83820" numCol="1" spcCol="1270" anchor="ctr" anchorCtr="1">
-          <a:noAutofit/>
-        </a:bodyPr>
-        <a:lstStyle/>
-        <a:p>
-          <a:pPr marL="0" lvl="0" indent="0" algn="ctr" defTabSz="488950">
-            <a:lnSpc>
-              <a:spcPct val="90000"/>
-            </a:lnSpc>
-            <a:spcBef>
-              <a:spcPct val="0"/>
-            </a:spcBef>
-            <a:spcAft>
-              <a:spcPct val="35000"/>
-            </a:spcAft>
-            <a:buNone/>
-          </a:pPr>
-          <a:r>
-            <a:rPr lang="en-US" sz="1100" kern="1200" dirty="0"/>
-            <a:t>2019</a:t>
-          </a:r>
-        </a:p>
-      </dsp:txBody>
-      <dsp:txXfrm>
-        <a:off x="5514975" y="1635204"/>
-        <a:ext cx="2362175" cy="363378"/>
-      </dsp:txXfrm>
-    </dsp:sp>
-    <dsp:sp modelId="{B4723E2A-4FF1-452A-BD25-8EC364F15A6F}">
-      <dsp:nvSpPr>
-        <dsp:cNvPr id="0" name=""/>
-        <dsp:cNvSpPr/>
-      </dsp:nvSpPr>
-      <dsp:spPr>
-        <a:xfrm>
-          <a:off x="4727583" y="0"/>
-          <a:ext cx="3936959" cy="1271825"/>
-        </a:xfrm>
-        <a:prstGeom prst="rect">
-          <a:avLst/>
-        </a:prstGeom>
-        <a:noFill/>
-        <a:ln>
-          <a:noFill/>
-        </a:ln>
-        <a:effectLst/>
-      </dsp:spPr>
-      <dsp:style>
-        <a:lnRef idx="0">
-          <a:scrgbClr r="0" g="0" b="0"/>
-        </a:lnRef>
-        <a:fillRef idx="0">
-          <a:scrgbClr r="0" g="0" b="0"/>
-        </a:fillRef>
-        <a:effectRef idx="0">
-          <a:scrgbClr r="0" g="0" b="0"/>
-        </a:effectRef>
-        <a:fontRef idx="minor"/>
-      </dsp:style>
-      <dsp:txBody>
-        <a:bodyPr spcFirstLastPara="0" vert="horz" wrap="square" lIns="0" tIns="0" rIns="0" bIns="83820" numCol="1" spcCol="1270" anchor="b" anchorCtr="1">
-          <a:noAutofit/>
-        </a:bodyPr>
-        <a:lstStyle/>
-        <a:p>
-          <a:pPr marL="0" lvl="0" indent="0" algn="ctr" defTabSz="488950">
-            <a:lnSpc>
-              <a:spcPct val="90000"/>
-            </a:lnSpc>
-            <a:spcBef>
-              <a:spcPct val="0"/>
-            </a:spcBef>
-            <a:spcAft>
-              <a:spcPct val="35000"/>
-            </a:spcAft>
-            <a:buNone/>
-          </a:pPr>
-          <a:r>
-            <a:rPr lang="en-US" sz="1100" kern="1200" dirty="0"/>
-            <a:t>Lorem ipsum dolor sit amet</a:t>
-          </a:r>
-        </a:p>
-      </dsp:txBody>
-      <dsp:txXfrm>
-        <a:off x="4727583" y="0"/>
-        <a:ext cx="3936959" cy="1271825"/>
-      </dsp:txXfrm>
-    </dsp:sp>
-    <dsp:sp modelId="{440E9361-37D2-4157-AF38-7B49AD23708B}">
-      <dsp:nvSpPr>
-        <dsp:cNvPr id="0" name=""/>
-        <dsp:cNvSpPr/>
-      </dsp:nvSpPr>
-      <dsp:spPr>
-        <a:xfrm>
-          <a:off x="6696062" y="1344501"/>
-          <a:ext cx="0" cy="290702"/>
-        </a:xfrm>
-        <a:prstGeom prst="line">
-          <a:avLst/>
-        </a:prstGeom>
-        <a:noFill/>
-        <a:ln w="12700" cap="rnd" cmpd="sng" algn="ctr">
-          <a:solidFill>
-            <a:schemeClr val="accent1">
-              <a:shade val="90000"/>
-              <a:hueOff val="186931"/>
-              <a:satOff val="3848"/>
-              <a:lumOff val="16461"/>
-              <a:alphaOff val="0"/>
-            </a:schemeClr>
-          </a:solidFill>
-          <a:prstDash val="dash"/>
-        </a:ln>
-        <a:effectLst/>
-      </dsp:spPr>
-      <dsp:style>
-        <a:lnRef idx="1">
-          <a:scrgbClr r="0" g="0" b="0"/>
-        </a:lnRef>
-        <a:fillRef idx="0">
-          <a:scrgbClr r="0" g="0" b="0"/>
-        </a:fillRef>
-        <a:effectRef idx="0">
-          <a:scrgbClr r="0" g="0" b="0"/>
-        </a:effectRef>
-        <a:fontRef idx="minor"/>
-      </dsp:style>
-    </dsp:sp>
-    <dsp:sp modelId="{C45E7B63-1C71-483E-A3A8-705CE86D4D8E}">
-      <dsp:nvSpPr>
-        <dsp:cNvPr id="0" name=""/>
-        <dsp:cNvSpPr/>
-      </dsp:nvSpPr>
-      <dsp:spPr>
-        <a:xfrm>
-          <a:off x="6659725" y="1271825"/>
-          <a:ext cx="72675" cy="72675"/>
-        </a:xfrm>
-        <a:prstGeom prst="ellipse">
-          <a:avLst/>
-        </a:prstGeom>
-        <a:solidFill>
-          <a:schemeClr val="accent1">
-            <a:shade val="80000"/>
-            <a:hueOff val="297461"/>
-            <a:satOff val="-6039"/>
-            <a:lumOff val="20451"/>
-            <a:alphaOff val="0"/>
-          </a:schemeClr>
-        </a:solidFill>
-        <a:ln w="22225" cap="rnd" cmpd="sng" algn="ctr">
-          <a:solidFill>
-            <a:schemeClr val="lt1">
-              <a:hueOff val="0"/>
-              <a:satOff val="0"/>
-              <a:lumOff val="0"/>
-              <a:alphaOff val="0"/>
-            </a:schemeClr>
-          </a:solidFill>
-          <a:prstDash val="solid"/>
-        </a:ln>
-        <a:effectLst/>
-      </dsp:spPr>
-      <dsp:style>
-        <a:lnRef idx="2">
-          <a:scrgbClr r="0" g="0" b="0"/>
-        </a:lnRef>
-        <a:fillRef idx="1">
-          <a:scrgbClr r="0" g="0" b="0"/>
-        </a:fillRef>
-        <a:effectRef idx="0">
-          <a:scrgbClr r="0" g="0" b="0"/>
-        </a:effectRef>
-        <a:fontRef idx="minor">
-          <a:schemeClr val="lt1"/>
-        </a:fontRef>
-      </dsp:style>
-    </dsp:sp>
-    <dsp:sp modelId="{668AD1EC-B0EB-4769-8486-EF8466F9866C}">
-      <dsp:nvSpPr>
-        <dsp:cNvPr id="0" name=""/>
-        <dsp:cNvSpPr/>
-      </dsp:nvSpPr>
-      <dsp:spPr>
-        <a:xfrm rot="5400000">
-          <a:off x="8876549" y="635805"/>
-          <a:ext cx="363378" cy="2362175"/>
-        </a:xfrm>
-        <a:prstGeom prst="round2SameRect">
-          <a:avLst/>
-        </a:prstGeom>
-        <a:solidFill>
-          <a:schemeClr val="accent1">
-            <a:shade val="80000"/>
-            <a:hueOff val="446191"/>
-            <a:satOff val="-9058"/>
-            <a:lumOff val="30677"/>
-            <a:alphaOff val="0"/>
-          </a:schemeClr>
-        </a:solidFill>
-        <a:ln w="22225" cap="rnd" cmpd="sng" algn="ctr">
-          <a:solidFill>
-            <a:schemeClr val="accent1">
-              <a:shade val="80000"/>
-              <a:hueOff val="446191"/>
-              <a:satOff val="-9058"/>
-              <a:lumOff val="30677"/>
-              <a:alphaOff val="0"/>
-            </a:schemeClr>
-          </a:solidFill>
-          <a:prstDash val="solid"/>
-        </a:ln>
-        <a:effectLst/>
-      </dsp:spPr>
-      <dsp:style>
-        <a:lnRef idx="2">
-          <a:scrgbClr r="0" g="0" b="0"/>
-        </a:lnRef>
-        <a:fillRef idx="1">
-          <a:scrgbClr r="0" g="0" b="0"/>
-        </a:fillRef>
-        <a:effectRef idx="0">
-          <a:scrgbClr r="0" g="0" b="0"/>
-        </a:effectRef>
-        <a:fontRef idx="minor">
-          <a:schemeClr val="lt1"/>
-        </a:fontRef>
-      </dsp:style>
-      <dsp:txBody>
-        <a:bodyPr spcFirstLastPara="0" vert="horz" wrap="square" lIns="83820" tIns="83820" rIns="83820" bIns="83820" numCol="1" spcCol="1270" anchor="ctr" anchorCtr="1">
-          <a:noAutofit/>
-        </a:bodyPr>
-        <a:lstStyle/>
-        <a:p>
-          <a:pPr marL="0" lvl="0" indent="0" algn="ctr" defTabSz="488950">
-            <a:lnSpc>
-              <a:spcPct val="90000"/>
-            </a:lnSpc>
-            <a:spcBef>
-              <a:spcPct val="0"/>
-            </a:spcBef>
-            <a:spcAft>
-              <a:spcPct val="35000"/>
-            </a:spcAft>
-            <a:buNone/>
-          </a:pPr>
-          <a:r>
-            <a:rPr lang="en-US" sz="1100" kern="1200" dirty="0"/>
-            <a:t>2019</a:t>
-          </a:r>
-        </a:p>
-      </dsp:txBody>
-      <dsp:txXfrm rot="-5400000">
-        <a:off x="7877151" y="1652943"/>
-        <a:ext cx="2344436" cy="327900"/>
-      </dsp:txXfrm>
-    </dsp:sp>
-    <dsp:sp modelId="{A8180EC9-9BA3-4E7A-9E5A-6860DAE24FC4}">
-      <dsp:nvSpPr>
-        <dsp:cNvPr id="0" name=""/>
-        <dsp:cNvSpPr/>
-      </dsp:nvSpPr>
-      <dsp:spPr>
-        <a:xfrm>
-          <a:off x="7089758" y="2361961"/>
-          <a:ext cx="3936959" cy="1271825"/>
-        </a:xfrm>
-        <a:prstGeom prst="rect">
-          <a:avLst/>
-        </a:prstGeom>
-        <a:noFill/>
-        <a:ln>
-          <a:noFill/>
-        </a:ln>
-        <a:effectLst/>
-      </dsp:spPr>
-      <dsp:style>
-        <a:lnRef idx="0">
-          <a:scrgbClr r="0" g="0" b="0"/>
-        </a:lnRef>
-        <a:fillRef idx="0">
-          <a:scrgbClr r="0" g="0" b="0"/>
-        </a:fillRef>
-        <a:effectRef idx="0">
-          <a:scrgbClr r="0" g="0" b="0"/>
-        </a:effectRef>
-        <a:fontRef idx="minor"/>
-      </dsp:style>
-    </dsp:sp>
-    <dsp:sp modelId="{8F697213-963B-4260-99DC-02FFD0511E6B}">
-      <dsp:nvSpPr>
-        <dsp:cNvPr id="0" name=""/>
-        <dsp:cNvSpPr/>
-      </dsp:nvSpPr>
-      <dsp:spPr>
-        <a:xfrm>
-          <a:off x="9058238" y="1998582"/>
-          <a:ext cx="0" cy="290702"/>
-        </a:xfrm>
-        <a:prstGeom prst="line">
-          <a:avLst/>
-        </a:prstGeom>
-        <a:noFill/>
-        <a:ln w="12700" cap="rnd" cmpd="sng" algn="ctr">
-          <a:solidFill>
-            <a:schemeClr val="accent1">
-              <a:shade val="90000"/>
-              <a:hueOff val="446212"/>
-              <a:satOff val="-8602"/>
-              <a:lumOff val="28124"/>
-              <a:alphaOff val="0"/>
-            </a:schemeClr>
-          </a:solidFill>
-          <a:prstDash val="dash"/>
-        </a:ln>
-        <a:effectLst/>
-      </dsp:spPr>
-      <dsp:style>
-        <a:lnRef idx="1">
-          <a:scrgbClr r="0" g="0" b="0"/>
-        </a:lnRef>
-        <a:fillRef idx="0">
-          <a:scrgbClr r="0" g="0" b="0"/>
-        </a:fillRef>
-        <a:effectRef idx="0">
-          <a:scrgbClr r="0" g="0" b="0"/>
-        </a:effectRef>
-        <a:fontRef idx="minor"/>
-      </dsp:style>
-    </dsp:sp>
-    <dsp:sp modelId="{73268B85-3D85-495A-AE55-D838B2D3F725}">
-      <dsp:nvSpPr>
-        <dsp:cNvPr id="0" name=""/>
-        <dsp:cNvSpPr/>
-      </dsp:nvSpPr>
-      <dsp:spPr>
-        <a:xfrm>
-          <a:off x="9021900" y="2289285"/>
-          <a:ext cx="72675" cy="72675"/>
-        </a:xfrm>
-        <a:prstGeom prst="ellipse">
-          <a:avLst/>
-        </a:prstGeom>
-        <a:solidFill>
-          <a:schemeClr val="accent1">
-            <a:shade val="80000"/>
-            <a:hueOff val="446191"/>
-            <a:satOff val="-9058"/>
-            <a:lumOff val="30677"/>
-            <a:alphaOff val="0"/>
-          </a:schemeClr>
-        </a:solidFill>
-        <a:ln w="22225" cap="rnd" cmpd="sng" algn="ctr">
-          <a:solidFill>
-            <a:schemeClr val="lt1">
-              <a:hueOff val="0"/>
-              <a:satOff val="0"/>
-              <a:lumOff val="0"/>
-              <a:alphaOff val="0"/>
-            </a:schemeClr>
-          </a:solidFill>
-          <a:prstDash val="solid"/>
-        </a:ln>
-        <a:effectLst/>
-      </dsp:spPr>
-      <dsp:style>
-        <a:lnRef idx="2">
-          <a:scrgbClr r="0" g="0" b="0"/>
-        </a:lnRef>
-        <a:fillRef idx="1">
-          <a:scrgbClr r="0" g="0" b="0"/>
-        </a:fillRef>
-        <a:effectRef idx="0">
-          <a:scrgbClr r="0" g="0" b="0"/>
-        </a:effectRef>
-        <a:fontRef idx="minor">
-          <a:schemeClr val="lt1"/>
-        </a:fontRef>
-      </dsp:style>
-    </dsp:sp>
-  </dsp:spTree>
-</dsp:drawing>
-</file>
-
-<file path=ppt/diagrams/layout1.xml><?xml version="1.0" encoding="utf-8"?>
-<dgm:layoutDef xmlns:dgm="http://schemas.openxmlformats.org/drawingml/2006/diagram" xmlns:a="http://schemas.openxmlformats.org/drawingml/2006/main" uniqueId="urn:microsoft.com/office/officeart/2016/7/layout/RoundedRectangleTimeline">
-  <dgm:title val="Rounded Rectangle Timeline"/>
-  <dgm:desc val="Use to show a list of events in chronological order. An invisible box contains the description while the date is shown in rectangles, except for the first and last node where the corners of the rectangle are rounded. It can display large amount of text and long descriptive date format."/>
-  <dgm:catLst>
-    <dgm:cat type="timeline" pri="500"/>
-    <dgm:cat type="process" pri="600"/>
-  </dgm:catLst>
-  <dgm:sampData>
-    <dgm:dataModel>
-      <dgm:ptLst>
-        <dgm:pt modelId="0" type="doc"/>
-        <dgm:pt modelId="10">
-          <dgm:prSet phldr="1"/>
-        </dgm:pt>
-        <dgm:pt modelId="11">
-          <dgm:prSet phldr="1"/>
-        </dgm:pt>
-        <dgm:pt modelId="20">
-          <dgm:prSet phldr="1"/>
-        </dgm:pt>
-        <dgm:pt modelId="21">
-          <dgm:prSet phldr="1"/>
-        </dgm:pt>
-        <dgm:pt modelId="30">
-          <dgm:prSet phldr="1"/>
-        </dgm:pt>
-        <dgm:pt modelId="31">
-          <dgm:prSet phldr="1"/>
-        </dgm:pt>
-      </dgm:ptLst>
-      <dgm:cxnLst>
-        <dgm:cxn modelId="40" srcId="0" destId="10" srcOrd="0" destOrd="0"/>
-        <dgm:cxn modelId="12" srcId="10" destId="11" srcOrd="0" destOrd="0"/>
-        <dgm:cxn modelId="50" srcId="0" destId="20" srcOrd="1" destOrd="0"/>
-        <dgm:cxn modelId="22" srcId="20" destId="21" srcOrd="0" destOrd="0"/>
-        <dgm:cxn modelId="60" srcId="0" destId="30" srcOrd="1" destOrd="0"/>
-        <dgm:cxn modelId="32" srcId="30" destId="31" srcOrd="0" destOrd="0"/>
-      </dgm:cxnLst>
-      <dgm:bg/>
-      <dgm:whole/>
-    </dgm:dataModel>
-  </dgm:sampData>
-  <dgm:styleData>
-    <dgm:dataModel>
-      <dgm:ptLst>
-        <dgm:pt modelId="0" type="doc"/>
-        <dgm:pt modelId="10">
-          <dgm:prSet phldr="1"/>
-        </dgm:pt>
-        <dgm:pt modelId="20">
-          <dgm:prSet phldr="1"/>
-        </dgm:pt>
-      </dgm:ptLst>
-      <dgm:cxnLst>
-        <dgm:cxn modelId="60" srcId="0" destId="10" srcOrd="0" destOrd="0"/>
-        <dgm:cxn modelId="70" srcId="0" destId="20" srcOrd="1" destOrd="0"/>
-      </dgm:cxnLst>
-      <dgm:bg/>
-      <dgm:whole/>
-    </dgm:dataModel>
-  </dgm:styleData>
-  <dgm:clrData>
-    <dgm:dataModel>
-      <dgm:ptLst>
-        <dgm:pt modelId="0" type="doc"/>
-        <dgm:pt modelId="10">
-          <dgm:prSet phldr="1"/>
-        </dgm:pt>
-        <dgm:pt modelId="20">
-          <dgm:prSet phldr="1"/>
-        </dgm:pt>
-        <dgm:pt modelId="30">
-          <dgm:prSet phldr="1"/>
-        </dgm:pt>
-        <dgm:pt modelId="40">
-          <dgm:prSet phldr="1"/>
-        </dgm:pt>
-      </dgm:ptLst>
-      <dgm:cxnLst>
-        <dgm:cxn modelId="60" srcId="0" destId="10" srcOrd="0" destOrd="0"/>
-        <dgm:cxn modelId="70" srcId="0" destId="20" srcOrd="1" destOrd="0"/>
-        <dgm:cxn modelId="80" srcId="0" destId="30" srcOrd="2" destOrd="0"/>
-        <dgm:cxn modelId="90" srcId="0" destId="40" srcOrd="3" destOrd="0"/>
-      </dgm:cxnLst>
-      <dgm:bg/>
-      <dgm:whole/>
-    </dgm:dataModel>
-  </dgm:clrData>
-  <dgm:layoutNode name="Name0">
-    <dgm:varLst>
-      <dgm:chMax/>
-      <dgm:chPref/>
-      <dgm:animLvl val="lvl"/>
-    </dgm:varLst>
-    <dgm:choose name="Name1">
-      <dgm:if name="Name2" func="var" arg="dir" op="equ" val="norm">
-        <dgm:alg type="lin"/>
-      </dgm:if>
-      <dgm:else name="Name3">
-        <dgm:alg type="lin">
-          <dgm:param type="linDir" val="fromR"/>
-        </dgm:alg>
-      </dgm:else>
-    </dgm:choose>
-    <dgm:shape xmlns:r="http://schemas.openxmlformats.org/officeDocument/2006/relationships" r:blip="">
-      <dgm:adjLst/>
-    </dgm:shape>
-    <dgm:constrLst>
-      <dgm:constr type="primFontSz" for="des" forName="parent" val="18"/>
-      <dgm:constr type="primFontSz" for="des" forName="Childtext" val="18"/>
-      <dgm:constr type="primFontSz" for="des" forName="Childtext" refType="primFontSz" refFor="des" refForName="parent" op="lte"/>
-      <dgm:constr type="w" for="ch" forName="composite" refType="w"/>
-      <dgm:constr type="h" for="ch" forName="composite" refType="h"/>
-      <dgm:constr type="w" for="ch" forName="spaceBetweenRectangles" refType="w" refFor="ch" refForName="composite" fact="-0.4"/>
-      <dgm:constr type="w" for="ch" ptType="sibTrans" op="equ"/>
-      <dgm:constr type="primFontSz" for="des" forName="parent" op="equ"/>
-      <dgm:constr type="primFontSz" for="des" forName="Childtext" op="equ"/>
-      <dgm:constr type="primFontSz" for="des" forName="parent1" val="18"/>
-      <dgm:constr type="primFontSz" for="des" forName="Childtext1" val="18"/>
-      <dgm:constr type="primFontSz" for="des" forName="Childtext1" refType="primFontSz" refFor="des" refForName="parent1" op="lte"/>
-      <dgm:constr type="w" for="ch" forName="composite1" refType="w"/>
-      <dgm:constr type="h" for="ch" forName="composite1" refType="h"/>
-      <dgm:constr type="w" for="ch" forName="spaceBetweenRectangles1" refType="w" refFor="ch" refForName="composite1" fact="-0.4"/>
-      <dgm:constr type="primFontSz" for="des" forName="parent1" op="equ"/>
-      <dgm:constr type="primFontSz" for="des" forName="Childtext1" op="equ"/>
-    </dgm:constrLst>
-    <dgm:choose name="layoutByNodeCnt">
-      <dgm:if name="twoOrLessNodes" axis="ch" ptType="node" func="cnt" op="lte" val="2">
-        <dgm:forEach name="nodesForEach" axis="ch" ptType="node">
-          <dgm:layoutNode name="composite">
-            <dgm:alg type="composite"/>
-            <dgm:shape xmlns:r="http://schemas.openxmlformats.org/officeDocument/2006/relationships" r:blip="">
-              <dgm:adjLst/>
-            </dgm:shape>
-            <dgm:choose name="casesForFirstAndLastNode1">
-              <dgm:if name="startNode1" axis="self" ptType="node" func="pos" op="equ" val="1">
-                <dgm:choose name="removeLineWhenOnlyOneNode1">
-                  <dgm:if name="ifOnlyOneNode1" axis="followSib" ptType="node" func="cnt" op="equ" val="0">
-                    <dgm:constrLst>
-                      <dgm:constr type="w" for="ch" forName="parent" refType="w" fact="0.95"/>
-                      <dgm:constr type="l" for="ch" forName="parent" refType="w" fact="0.025"/>
-                      <dgm:constr type="t" for="ch" forName="parent" refType="h" fact="0.45"/>
-                      <dgm:constr type="h" for="ch" forName="parent" refType="h" fact="0.1"/>
-                      <dgm:constr type="l" for="ch" forName="Childtext" refType="w" fact="0.025"/>
-                      <dgm:constr type="w" for="ch" forName="Childtext" refType="w" fact="0.95"/>
-                      <dgm:constr type="h" for="ch" forName="Childtext" refType="h" fact="0.35"/>
-                      <dgm:constr type="w" for="ch" forName="ConnectLine"/>
-                      <dgm:constr type="h" for="ch" forName="ConnectLine" refType="h" fact="0.08"/>
-                      <dgm:constr type="t" for="ch" forName="ConnectLine" refType="h" fact="0.37"/>
-                      <dgm:constr type="ctrX" for="ch" forName="ConnectLine" refType="w" fact="0.5"/>
-                      <dgm:constr type="w" for="ch" forName="ConnectLineEnd" refType="h" fact="0.02"/>
-                      <dgm:constr type="h" for="ch" forName="ConnectLineEnd" refType="h" fact="0.02"/>
-                      <dgm:constr type="t" for="ch" forName="ConnectLineEnd" refType="h" fact="0.35"/>
-                      <dgm:constr type="ctrX" for="ch" forName="ConnectLineEnd" refType="w" fact="0.5"/>
-                      <dgm:constr type="w" for="ch" forName="EmptyPane" refType="w"/>
-                      <dgm:constr type="t" for="ch" forName="EmptyPane" refType="h" fact="0.55"/>
-                      <dgm:constr type="h" for="ch" forName="EmptyPane" refType="h" fact="0.45"/>
-                    </dgm:constrLst>
-                  </dgm:if>
-                  <dgm:else name="ifMoreThanOneNode1">
-                    <dgm:constrLst>
-                      <dgm:constr type="w" for="ch" forName="parent" refType="w" fact="0.6"/>
-                      <dgm:constr type="l" for="ch" forName="parent" refType="w" fact="0.2"/>
-                      <dgm:constr type="t" for="ch" forName="parent" refType="h" fact="0.45"/>
-                      <dgm:constr type="h" for="ch" forName="parent" refType="h" fact="0.1"/>
-                      <dgm:constr type="l" for="ch" forName="Childtext" refType="w" fact="0.2"/>
-                      <dgm:constr type="w" for="ch" forName="Childtext" refType="w" fact="0.6"/>
-                      <dgm:constr type="h" for="ch" forName="Childtext" refType="h" fact="0.35"/>
-                      <dgm:constr type="w" for="ch" forName="ConnectLine"/>
-                      <dgm:constr type="h" for="ch" forName="ConnectLine" refType="h" fact="0.08"/>
-                      <dgm:constr type="t" for="ch" forName="ConnectLine" refType="h" fact="0.37"/>
-                      <dgm:constr type="ctrX" for="ch" forName="ConnectLine" refType="w" fact="0.5"/>
-                      <dgm:constr type="w" for="ch" forName="ConnectLineEnd" refType="h" fact="0.02"/>
-                      <dgm:constr type="h" for="ch" forName="ConnectLineEnd" refType="h" fact="0.02"/>
-                      <dgm:constr type="t" for="ch" forName="ConnectLineEnd" refType="h" fact="0.35"/>
-                      <dgm:constr type="ctrX" for="ch" forName="ConnectLineEnd" refType="w" fact="0.5"/>
-                      <dgm:constr type="w" for="ch" forName="EmptyPane" refType="w"/>
-                      <dgm:constr type="t" for="ch" forName="EmptyPane" refType="h" fact="0.55"/>
-                      <dgm:constr type="h" for="ch" forName="EmptyPane" refType="h" fact="0.45"/>
-                    </dgm:constrLst>
-                  </dgm:else>
-                </dgm:choose>
-              </dgm:if>
-              <dgm:else name="notStartNode1">
-                <dgm:constrLst>
-                  <dgm:constr type="w" for="ch" forName="parent" refType="w" fact="0.6"/>
-                  <dgm:constr type="l" for="ch" forName="parent" refType="w" fact="0.2"/>
-                  <dgm:constr type="t" for="ch" forName="parent" refType="h" fact="0.45"/>
-                  <dgm:constr type="h" for="ch" forName="parent" refType="h" fact="0.1"/>
-                  <dgm:constr type="l" for="ch" forName="Childtext" refType="w" fact="0.2"/>
-                  <dgm:constr type="w" for="ch" forName="Childtext" refType="w" fact="0.6"/>
-                  <dgm:constr type="h" for="ch" forName="Childtext" refType="h" fact="0.35"/>
-                  <dgm:constr type="t" for="ch" forName="Childtext" refType="h" fact="0.65"/>
-                  <dgm:constr type="w" for="ch" forName="ConnectLine"/>
-                  <dgm:constr type="h" for="ch" forName="ConnectLine" refType="h" fact="0.08"/>
-                  <dgm:constr type="t" for="ch" forName="ConnectLine" refType="h" fact="0.55"/>
-                  <dgm:constr type="ctrX" for="ch" forName="ConnectLine" refType="w" fact="0.5"/>
-                  <dgm:constr type="w" for="ch" forName="ConnectLineEnd" refType="h" fact="0.02"/>
-                  <dgm:constr type="h" for="ch" forName="ConnectLineEnd" refType="h" fact="0.02"/>
-                  <dgm:constr type="b" for="ch" forName="ConnectLineEnd" refType="h" fact="0.65"/>
-                  <dgm:constr type="ctrX" for="ch" forName="ConnectLineEnd" refType="w" fact="0.5"/>
-                  <dgm:constr type="w" for="ch" forName="EmptyPane" refType="w"/>
-                  <dgm:constr type="h" for="ch" forName="EmptyPane" refType="h" fact="0.45"/>
-                </dgm:constrLst>
-              </dgm:else>
-            </dgm:choose>
-            <dgm:layoutNode name="parent" styleLbl="alignNode1">
-              <dgm:varLst>
-                <dgm:chMax val="1"/>
-                <dgm:chPref val="1"/>
-                <dgm:bulletEnabled val="1"/>
-              </dgm:varLst>
-              <dgm:alg type="tx">
-                <dgm:param type="txAnchorHorz" val="ctr"/>
-                <dgm:param type="txAnchorVert" val="mid"/>
-                <dgm:param type="parTxLTRAlign" val="ctr"/>
-                <dgm:param type="parTxRTLAlign" val="ctr"/>
-              </dgm:alg>
-              <dgm:choose name="casesForFirstAndLastNode">
-                <dgm:if name="startNode" axis="self" ptType="node" func="pos" op="equ" val="1">
-                  <dgm:choose name="removeLineWhenOnlyOneNode">
-                    <dgm:if name="ifOnlyOneNode" axis="followSib" ptType="node" func="cnt" op="equ" val="0">
-                      <dgm:shape xmlns:r="http://schemas.openxmlformats.org/officeDocument/2006/relationships" type="roundRect" r:blip="">
-                        <dgm:adjLst/>
-                      </dgm:shape>
-                    </dgm:if>
-                    <dgm:else name="ifMoreThanOneNode">
-                      <dgm:choose name="Name18">
-                        <dgm:if name="Name19" func="var" arg="dir" op="equ" val="norm">
-                          <dgm:shape xmlns:r="http://schemas.openxmlformats.org/officeDocument/2006/relationships" rot="-90" type="round2SameRect" r:blip="">
-                            <dgm:adjLst/>
-                          </dgm:shape>
-                        </dgm:if>
-                        <dgm:else name="Name20">
-                          <dgm:shape xmlns:r="http://schemas.openxmlformats.org/officeDocument/2006/relationships" rot="90" type="round2SameRect" r:blip="">
-                            <dgm:adjLst/>
-                          </dgm:shape>
-                        </dgm:else>
-                      </dgm:choose>
-                    </dgm:else>
-                  </dgm:choose>
-                </dgm:if>
-                <dgm:else name="notStartNode">
-                  <dgm:choose name="Name22">
-                    <dgm:if name="Name23" axis="self" ptType="node" func="revPos" op="equ" val="1">
-                      <dgm:choose name="Name24">
-                        <dgm:if name="Name25" func="var" arg="dir" op="equ" val="norm">
-                          <dgm:shape xmlns:r="http://schemas.openxmlformats.org/officeDocument/2006/relationships" rot="90" type="round2SameRect" r:blip="">
-                            <dgm:adjLst/>
-                          </dgm:shape>
-                        </dgm:if>
-                        <dgm:else name="Name26">
-                          <dgm:shape xmlns:r="http://schemas.openxmlformats.org/officeDocument/2006/relationships" rot="-90" type="round2SameRect" r:blip="">
-                            <dgm:adjLst/>
-                          </dgm:shape>
-                        </dgm:else>
-                      </dgm:choose>
-                    </dgm:if>
-                    <dgm:else name="Name27">
-                      <dgm:shape xmlns:r="http://schemas.openxmlformats.org/officeDocument/2006/relationships" type="rect" r:blip="">
-                        <dgm:adjLst/>
-                      </dgm:shape>
-                    </dgm:else>
-                  </dgm:choose>
-                </dgm:else>
-              </dgm:choose>
-              <dgm:presOf axis="self" ptType="node"/>
-              <dgm:constrLst>
-                <dgm:constr type="lMarg" refType="primFontSz" fact="0.6"/>
-                <dgm:constr type="rMarg" refType="primFontSz" fact="0.6"/>
-                <dgm:constr type="tMarg" refType="primFontSz" fact="0.6"/>
-                <dgm:constr type="bMarg" refType="primFontSz" fact="0.6"/>
-              </dgm:constrLst>
-              <dgm:ruleLst>
-                <dgm:rule type="primFontSz" val="11" fact="NaN" max="NaN"/>
-              </dgm:ruleLst>
-            </dgm:layoutNode>
-            <dgm:layoutNode name="Childtext" styleLbl="revTx">
-              <dgm:varLst>
-                <dgm:bulletEnabled val="1"/>
-              </dgm:varLst>
-              <dgm:choose name="casesForTxtDirLogic">
-                <dgm:if name="Name77" axis="self" ptType="node" func="posOdd" op="equ" val="1">
-                  <dgm:alg type="tx">
-                    <dgm:param type="txAnchorVert" val="b"/>
-                    <dgm:param type="txAnchorHorz" val="ctr"/>
-                    <dgm:param type="parTxLTRAlign" val="ctr"/>
-                    <dgm:param type="parTxRTLAlign" val="ctr"/>
-                  </dgm:alg>
-                  <dgm:constrLst>
-                    <dgm:constr type="lMarg"/>
-                    <dgm:constr type="rMarg"/>
-                    <dgm:constr type="tMarg"/>
-                    <dgm:constr type="bMarg" refType="primFontSz" fact="0.6"/>
-                  </dgm:constrLst>
-                </dgm:if>
-                <dgm:else name="Name88">
-                  <dgm:alg type="tx">
-                    <dgm:param type="txAnchorVert" val="t"/>
-                    <dgm:param type="txAnchorHorz" val="ctr"/>
-                    <dgm:param type="parTxLTRAlign" val="ctr"/>
-                    <dgm:param type="parTxRTLAlign" val="ctr"/>
-                  </dgm:alg>
-                  <dgm:constrLst>
-                    <dgm:constr type="lMarg"/>
-                    <dgm:constr type="rMarg"/>
-                    <dgm:constr type="tMarg" refType="primFontSz" fact="0.6"/>
-                    <dgm:constr type="bMarg"/>
-                  </dgm:constrLst>
-                </dgm:else>
-              </dgm:choose>
-              <dgm:shape xmlns:r="http://schemas.openxmlformats.org/officeDocument/2006/relationships" type="rect" r:blip="">
-                <dgm:adjLst/>
-              </dgm:shape>
-              <dgm:presOf axis="ch" ptType="node"/>
-              <dgm:ruleLst>
-                <dgm:rule type="primFontSz" val="11" fact="NaN" max="NaN"/>
-              </dgm:ruleLst>
-            </dgm:layoutNode>
-            <dgm:layoutNode name="ConnectLine" styleLbl="sibTrans1D1">
-              <dgm:alg type="sp"/>
-              <dgm:shape xmlns:r="http://schemas.openxmlformats.org/officeDocument/2006/relationships" type="line" r:blip="">
-                <dgm:adjLst/>
-                <dgm:extLst>
-                  <a:ext uri="{B698B0E9-8C71-41B9-8309-B3DCBF30829C}">
-                    <dgm1612:spPr xmlns:dgm1612="http://schemas.microsoft.com/office/drawing/2016/12/diagram">
-                      <a:ln>
-                        <a:prstDash val="dash"/>
-                      </a:ln>
-                    </dgm1612:spPr>
-                  </a:ext>
-                </dgm:extLst>
-              </dgm:shape>
-              <dgm:presOf/>
-              <dgm:constrLst/>
-            </dgm:layoutNode>
-            <dgm:layoutNode name="ConnectLineEnd" styleLbl="lnNode1">
-              <dgm:alg type="sp"/>
-              <dgm:shape xmlns:r="http://schemas.openxmlformats.org/officeDocument/2006/relationships" type="ellipse" r:blip="">
-                <dgm:adjLst/>
-              </dgm:shape>
-              <dgm:presOf/>
-              <dgm:constrLst/>
-            </dgm:layoutNode>
-            <dgm:layoutNode name="EmptyPane">
-              <dgm:alg type="sp"/>
-              <dgm:shape xmlns:r="http://schemas.openxmlformats.org/officeDocument/2006/relationships" r:blip="">
-                <dgm:adjLst/>
-              </dgm:shape>
-              <dgm:presOf/>
-              <dgm:constrLst/>
-            </dgm:layoutNode>
-          </dgm:layoutNode>
-          <dgm:forEach name="Name28" axis="followSib" ptType="sibTrans" cnt="1">
-            <dgm:layoutNode name="spaceBetweenRectangles">
-              <dgm:alg type="sp"/>
-              <dgm:shape xmlns:r="http://schemas.openxmlformats.org/officeDocument/2006/relationships" r:blip="">
-                <dgm:adjLst/>
-              </dgm:shape>
-              <dgm:presOf/>
-              <dgm:constrLst/>
-              <dgm:ruleLst/>
-            </dgm:layoutNode>
-          </dgm:forEach>
-        </dgm:forEach>
-      </dgm:if>
-      <dgm:else name="moreThanTwoNodes">
-        <dgm:forEach name="nodesForEach1" axis="ch" ptType="node">
-          <dgm:layoutNode name="composite1">
-            <dgm:alg type="composite"/>
-            <dgm:shape xmlns:r="http://schemas.openxmlformats.org/officeDocument/2006/relationships" r:blip="">
-              <dgm:adjLst/>
-            </dgm:shape>
-            <dgm:choose name="casesForSnakingLogic21">
-              <dgm:if name="oddNode21" axis="self" ptType="node" func="posOdd" op="equ" val="1">
-                <dgm:constrLst>
-                  <dgm:constr type="w" for="ch" forName="parent1" refType="w" fact="0.6"/>
-                  <dgm:constr type="l" for="ch" forName="parent1" refType="w" fact="0.2"/>
-                  <dgm:constr type="t" for="ch" forName="parent1" refType="h" fact="0.45"/>
-                  <dgm:constr type="h" for="ch" forName="parent1" refType="h" fact="0.1"/>
-                  <dgm:constr type="w" for="ch" forName="Childtext1" refType="w"/>
-                  <dgm:constr type="h" for="ch" forName="Childtext1" refType="h" fact="0.35"/>
-                  <dgm:constr type="w" for="ch" forName="ConnectLine1"/>
-                  <dgm:constr type="h" for="ch" forName="ConnectLine1" refType="h" fact="0.08"/>
-                  <dgm:constr type="t" for="ch" forName="ConnectLine1" refType="h" fact="0.37"/>
-                  <dgm:constr type="ctrX" for="ch" forName="ConnectLine1" refType="w" fact="0.5"/>
-                  <dgm:constr type="w" for="ch" forName="ConnectLineEnd1" refType="h" fact="0.02"/>
-                  <dgm:constr type="h" for="ch" forName="ConnectLineEnd1" refType="h" fact="0.02"/>
-                  <dgm:constr type="t" for="ch" forName="ConnectLineEnd1" refType="h" fact="0.35"/>
-                  <dgm:constr type="ctrX" for="ch" forName="ConnectLineEnd1" refType="w" fact="0.5"/>
-                  <dgm:constr type="w" for="ch" forName="EmptyPane1" refType="w"/>
-                  <dgm:constr type="t" for="ch" forName="EmptyPane1" refType="h" fact="0.55"/>
-                  <dgm:constr type="h" for="ch" forName="EmptyPane1" refType="h" fact="0.45"/>
-                </dgm:constrLst>
-              </dgm:if>
-              <dgm:else name="evenNode2">
-                <dgm:constrLst>
-                  <dgm:constr type="w" for="ch" forName="parent1" refType="w" fact="0.6"/>
-                  <dgm:constr type="l" for="ch" forName="parent1" refType="w" fact="0.2"/>
-                  <dgm:constr type="t" for="ch" forName="parent1" refType="h" fact="0.45"/>
-                  <dgm:constr type="h" for="ch" forName="parent1" refType="h" fact="0.1"/>
-                  <dgm:constr type="w" for="ch" forName="Childtext1" refType="w"/>
-                  <dgm:constr type="h" for="ch" forName="Childtext1" refType="h" fact="0.35"/>
-                  <dgm:constr type="t" for="ch" forName="Childtext1" refType="h" fact="0.65"/>
-                  <dgm:constr type="w" for="ch" forName="ConnectLine1"/>
-                  <dgm:constr type="h" for="ch" forName="ConnectLine1" refType="h" fact="0.08"/>
-                  <dgm:constr type="t" for="ch" forName="ConnectLine1" refType="h" fact="0.55"/>
-                  <dgm:constr type="ctrX" for="ch" forName="ConnectLine1" refType="w" fact="0.5"/>
-                  <dgm:constr type="w" for="ch" forName="ConnectLineEnd1" refType="h" fact="0.02"/>
-                  <dgm:constr type="h" for="ch" forName="ConnectLineEnd1" refType="h" fact="0.02"/>
-                  <dgm:constr type="b" for="ch" forName="ConnectLineEnd1" refType="h" fact="0.65"/>
-                  <dgm:constr type="ctrX" for="ch" forName="ConnectLineEnd1" refType="w" fact="0.5"/>
-                  <dgm:constr type="w" for="ch" forName="EmptyPane1" refType="w"/>
-                  <dgm:constr type="h" for="ch" forName="EmptyPane1" refType="h" fact="0.45"/>
-                </dgm:constrLst>
-              </dgm:else>
-            </dgm:choose>
-            <dgm:layoutNode name="parent1" styleLbl="alignNode1">
-              <dgm:varLst>
-                <dgm:chMax val="1"/>
-                <dgm:chPref val="1"/>
-                <dgm:bulletEnabled val="1"/>
-              </dgm:varLst>
-              <dgm:alg type="tx">
-                <dgm:param type="txAnchorHorz" val="ctr"/>
-                <dgm:param type="txAnchorVert" val="mid"/>
-                <dgm:param type="parTxLTRAlign" val="ctr"/>
-                <dgm:param type="parTxRTLAlign" val="ctr"/>
-              </dgm:alg>
-              <dgm:choose name="casesForFirstAndLastNode12">
-                <dgm:if name="startNode12" axis="self" ptType="node" func="pos" op="equ" val="1">
-                  <dgm:choose name="removeLineWhenOnlyOneNode12">
-                    <dgm:if name="ifOnlyOneNode12" axis="followSib" ptType="node" func="cnt" op="equ" val="0">
-                      <dgm:shape xmlns:r="http://schemas.openxmlformats.org/officeDocument/2006/relationships" type="roundRect" r:blip="">
-                        <dgm:adjLst/>
-                      </dgm:shape>
-                    </dgm:if>
-                    <dgm:else name="ifMoreThanOneNode12">
-                      <dgm:choose name="Name181">
-                        <dgm:if name="Name191" func="var" arg="dir" op="equ" val="norm">
-                          <dgm:shape xmlns:r="http://schemas.openxmlformats.org/officeDocument/2006/relationships" rot="-90" type="round2SameRect" r:blip="">
-                            <dgm:adjLst/>
-                          </dgm:shape>
-                        </dgm:if>
-                        <dgm:else name="Name201">
-                          <dgm:shape xmlns:r="http://schemas.openxmlformats.org/officeDocument/2006/relationships" rot="90" type="round2SameRect" r:blip="">
-                            <dgm:adjLst/>
-                          </dgm:shape>
-                        </dgm:else>
-                      </dgm:choose>
-                    </dgm:else>
-                  </dgm:choose>
-                </dgm:if>
-                <dgm:else name="notStartNode12">
-                  <dgm:choose name="Name221">
-                    <dgm:if name="Name231" axis="self" ptType="node" func="revPos" op="equ" val="1">
-                      <dgm:choose name="Name241">
-                        <dgm:if name="Name251" func="var" arg="dir" op="equ" val="norm">
-                          <dgm:shape xmlns:r="http://schemas.openxmlformats.org/officeDocument/2006/relationships" rot="90" type="round2SameRect" r:blip="">
-                            <dgm:adjLst/>
-                          </dgm:shape>
-                        </dgm:if>
-                        <dgm:else name="Name261">
-                          <dgm:shape xmlns:r="http://schemas.openxmlformats.org/officeDocument/2006/relationships" rot="-90" type="round2SameRect" r:blip="">
-                            <dgm:adjLst/>
-                          </dgm:shape>
-                        </dgm:else>
-                      </dgm:choose>
-                    </dgm:if>
-                    <dgm:else name="Name271">
-                      <dgm:shape xmlns:r="http://schemas.openxmlformats.org/officeDocument/2006/relationships" type="rect" r:blip="">
-                        <dgm:adjLst/>
-                      </dgm:shape>
-                    </dgm:else>
-                  </dgm:choose>
-                </dgm:else>
-              </dgm:choose>
-              <dgm:presOf axis="self" ptType="node"/>
-              <dgm:constrLst>
-                <dgm:constr type="lMarg" refType="primFontSz" fact="0.6"/>
-                <dgm:constr type="rMarg" refType="primFontSz" fact="0.6"/>
-                <dgm:constr type="tMarg" refType="primFontSz" fact="0.6"/>
-                <dgm:constr type="bMarg" refType="primFontSz" fact="0.6"/>
-              </dgm:constrLst>
-              <dgm:ruleLst>
-                <dgm:rule type="primFontSz" val="11" fact="NaN" max="NaN"/>
-              </dgm:ruleLst>
-            </dgm:layoutNode>
-            <dgm:layoutNode name="Childtext1" styleLbl="revTx">
-              <dgm:varLst>
-                <dgm:bulletEnabled val="1"/>
-              </dgm:varLst>
-              <dgm:choose name="casesForTxtDirLogic1">
-                <dgm:if name="Name771" axis="self" ptType="node" func="posOdd" op="equ" val="1">
-                  <dgm:alg type="tx">
-                    <dgm:param type="txAnchorVert" val="b"/>
-                    <dgm:param type="txAnchorHorz" val="ctr"/>
-                    <dgm:param type="parTxLTRAlign" val="ctr"/>
-                    <dgm:param type="parTxRTLAlign" val="ctr"/>
-                  </dgm:alg>
-                  <dgm:constrLst>
-                    <dgm:constr type="lMarg"/>
-                    <dgm:constr type="rMarg"/>
-                    <dgm:constr type="tMarg"/>
-                    <dgm:constr type="bMarg" refType="primFontSz" fact="0.6"/>
-                  </dgm:constrLst>
-                </dgm:if>
-                <dgm:else name="Name881">
-                  <dgm:alg type="tx">
-                    <dgm:param type="txAnchorVert" val="t"/>
-                    <dgm:param type="txAnchorHorz" val="ctr"/>
-                    <dgm:param type="parTxLTRAlign" val="ctr"/>
-                    <dgm:param type="parTxRTLAlign" val="ctr"/>
-                  </dgm:alg>
-                  <dgm:constrLst>
-                    <dgm:constr type="lMarg"/>
-                    <dgm:constr type="rMarg"/>
-                    <dgm:constr type="tMarg" refType="primFontSz" fact="0.6"/>
-                    <dgm:constr type="bMarg"/>
-                  </dgm:constrLst>
-                </dgm:else>
-              </dgm:choose>
-              <dgm:shape xmlns:r="http://schemas.openxmlformats.org/officeDocument/2006/relationships" type="rect" r:blip="">
-                <dgm:adjLst/>
-              </dgm:shape>
-              <dgm:presOf axis="ch" ptType="node"/>
-              <dgm:ruleLst>
-                <dgm:rule type="primFontSz" val="11" fact="NaN" max="NaN"/>
-              </dgm:ruleLst>
-            </dgm:layoutNode>
-            <dgm:layoutNode name="ConnectLine1" styleLbl="sibTrans1D1">
-              <dgm:alg type="sp"/>
-              <dgm:shape xmlns:r="http://schemas.openxmlformats.org/officeDocument/2006/relationships" type="line" r:blip="">
-                <dgm:adjLst/>
-                <dgm:extLst>
-                  <a:ext uri="{B698B0E9-8C71-41B9-8309-B3DCBF30829C}">
-                    <dgm1612:spPr xmlns:dgm1612="http://schemas.microsoft.com/office/drawing/2016/12/diagram">
-                      <a:ln>
-                        <a:prstDash val="dash"/>
-                      </a:ln>
-                    </dgm1612:spPr>
-                  </a:ext>
-                </dgm:extLst>
-              </dgm:shape>
-              <dgm:presOf/>
-              <dgm:constrLst/>
-            </dgm:layoutNode>
-            <dgm:layoutNode name="ConnectLineEnd1" styleLbl="lnNode1">
-              <dgm:alg type="sp"/>
-              <dgm:shape xmlns:r="http://schemas.openxmlformats.org/officeDocument/2006/relationships" type="ellipse" r:blip="">
-                <dgm:adjLst/>
-              </dgm:shape>
-              <dgm:presOf/>
-              <dgm:constrLst/>
-            </dgm:layoutNode>
-            <dgm:layoutNode name="EmptyPane1">
-              <dgm:alg type="sp"/>
-              <dgm:shape xmlns:r="http://schemas.openxmlformats.org/officeDocument/2006/relationships" r:blip="">
-                <dgm:adjLst/>
-              </dgm:shape>
-              <dgm:presOf/>
-              <dgm:constrLst/>
-            </dgm:layoutNode>
-          </dgm:layoutNode>
-          <dgm:forEach name="Name281" axis="followSib" ptType="sibTrans" cnt="1">
-            <dgm:layoutNode name="spaceBetweenRectangles1">
-              <dgm:alg type="sp"/>
-              <dgm:shape xmlns:r="http://schemas.openxmlformats.org/officeDocument/2006/relationships" r:blip="">
-                <dgm:adjLst/>
-              </dgm:shape>
-              <dgm:presOf/>
-              <dgm:constrLst/>
-              <dgm:ruleLst/>
-            </dgm:layoutNode>
-          </dgm:forEach>
-        </dgm:forEach>
-      </dgm:else>
-    </dgm:choose>
-  </dgm:layoutNode>
-</dgm:layoutDef>
-</file>
-
-<file path=ppt/diagrams/quickStyle1.xml><?xml version="1.0" encoding="utf-8"?>
-<dgm:styleDef xmlns:dgm="http://schemas.openxmlformats.org/drawingml/2006/diagram" xmlns:a="http://schemas.openxmlformats.org/drawingml/2006/main" uniqueId="urn:microsoft.com/office/officeart/2005/8/quickstyle/simple1">
-  <dgm:title val=""/>
-  <dgm:desc val=""/>
-  <dgm:catLst>
-    <dgm:cat type="simple" pri="10100"/>
-  </dgm:catLst>
-  <dgm:scene3d>
-    <a:camera prst="orthographicFront"/>
-    <a:lightRig rig="threePt" dir="t"/>
-  </dgm:scene3d>
-  <dgm:styleLbl name="node0">
-    <dgm:scene3d>
-      <a:camera prst="orthographicFront"/>
-      <a:lightRig rig="threePt" dir="t"/>
-    </dgm:scene3d>
-    <dgm:sp3d/>
-    <dgm:txPr/>
-    <dgm:style>
-      <a:lnRef idx="2">
-        <a:scrgbClr r="0" g="0" b="0"/>
-      </a:lnRef>
-      <a:fillRef idx="1">
-        <a:scrgbClr r="0" g="0" b="0"/>
-      </a:fillRef>
-      <a:effectRef idx="0">
-        <a:scrgbClr r="0" g="0" b="0"/>
-      </a:effectRef>
-      <a:fontRef idx="minor">
-        <a:schemeClr val="lt1"/>
-      </a:fontRef>
-    </dgm:style>
-  </dgm:styleLbl>
-  <dgm:styleLbl name="lnNode1">
-    <dgm:scene3d>
-      <a:camera prst="orthographicFront"/>
-      <a:lightRig rig="threePt" dir="t"/>
-    </dgm:scene3d>
-    <dgm:sp3d/>
-    <dgm:txPr/>
-    <dgm:style>
-      <a:lnRef idx="2">
-        <a:scrgbClr r="0" g="0" b="0"/>
-      </a:lnRef>
-      <a:fillRef idx="1">
-        <a:scrgbClr r="0" g="0" b="0"/>
-      </a:fillRef>
-      <a:effectRef idx="0">
-        <a:scrgbClr r="0" g="0" b="0"/>
-      </a:effectRef>
-      <a:fontRef idx="minor">
-        <a:schemeClr val="lt1"/>
-      </a:fontRef>
-    </dgm:style>
-  </dgm:styleLbl>
-  <dgm:styleLbl name="vennNode1">
-    <dgm:scene3d>
-      <a:camera prst="orthographicFront"/>
-      <a:lightRig rig="threePt" dir="t"/>
-    </dgm:scene3d>
-    <dgm:sp3d/>
-    <dgm:txPr/>
-    <dgm:style>
-      <a:lnRef idx="2">
-        <a:scrgbClr r="0" g="0" b="0"/>
-      </a:lnRef>
-      <a:fillRef idx="1">
-        <a:scrgbClr r="0" g="0" b="0"/>
-      </a:fillRef>
-      <a:effectRef idx="0">
-        <a:scrgbClr r="0" g="0" b="0"/>
-      </a:effectRef>
-      <a:fontRef idx="minor">
-        <a:schemeClr val="tx1"/>
-      </a:fontRef>
-    </dgm:style>
-  </dgm:styleLbl>
-  <dgm:styleLbl name="alignNode1">
-    <dgm:scene3d>
-      <a:camera prst="orthographicFront"/>
-      <a:lightRig rig="threePt" dir="t"/>
-    </dgm:scene3d>
-    <dgm:sp3d/>
-    <dgm:txPr/>
-    <dgm:style>
-      <a:lnRef idx="2">
-        <a:scrgbClr r="0" g="0" b="0"/>
-      </a:lnRef>
-      <a:fillRef idx="1">
-        <a:scrgbClr r="0" g="0" b="0"/>
-      </a:fillRef>
-      <a:effectRef idx="0">
-        <a:scrgbClr r="0" g="0" b="0"/>
-      </a:effectRef>
-      <a:fontRef idx="minor">
-        <a:schemeClr val="lt1"/>
-      </a:fontRef>
-    </dgm:style>
-  </dgm:styleLbl>
-  <dgm:styleLbl name="node1">
-    <dgm:scene3d>
-      <a:camera prst="orthographicFront"/>
-      <a:lightRig rig="threePt" dir="t"/>
-    </dgm:scene3d>
-    <dgm:sp3d/>
-    <dgm:txPr/>
-    <dgm:style>
-      <a:lnRef idx="2">
-        <a:scrgbClr r="0" g="0" b="0"/>
-      </a:lnRef>
-      <a:fillRef idx="1">
-        <a:scrgbClr r="0" g="0" b="0"/>
-      </a:fillRef>
-      <a:effectRef idx="0">
-        <a:scrgbClr r="0" g="0" b="0"/>
-      </a:effectRef>
-      <a:fontRef idx="minor">
-        <a:schemeClr val="lt1"/>
-      </a:fontRef>
-    </dgm:style>
-  </dgm:styleLbl>
-  <dgm:styleLbl name="node2">
-    <dgm:scene3d>
-      <a:camera prst="orthographicFront"/>
-      <a:lightRig rig="threePt" dir="t"/>
-    </dgm:scene3d>
-    <dgm:sp3d/>
-    <dgm:txPr/>
-    <dgm:style>
-      <a:lnRef idx="2">
-        <a:scrgbClr r="0" g="0" b="0"/>
-      </a:lnRef>
-      <a:fillRef idx="1">
-        <a:scrgbClr r="0" g="0" b="0"/>
-      </a:fillRef>
-      <a:effectRef idx="0">
-        <a:scrgbClr r="0" g="0" b="0"/>
-      </a:effectRef>
-      <a:fontRef idx="minor">
-        <a:schemeClr val="lt1"/>
-      </a:fontRef>
-    </dgm:style>
-  </dgm:styleLbl>
-  <dgm:styleLbl name="node3">
-    <dgm:scene3d>
-      <a:camera prst="orthographicFront"/>
-      <a:lightRig rig="threePt" dir="t"/>
-    </dgm:scene3d>
-    <dgm:sp3d/>
-    <dgm:txPr/>
-    <dgm:style>
-      <a:lnRef idx="2">
-        <a:scrgbClr r="0" g="0" b="0"/>
-      </a:lnRef>
-      <a:fillRef idx="1">
-        <a:scrgbClr r="0" g="0" b="0"/>
-      </a:fillRef>
-      <a:effectRef idx="0">
-        <a:scrgbClr r="0" g="0" b="0"/>
-      </a:effectRef>
-      <a:fontRef idx="minor">
-        <a:schemeClr val="lt1"/>
-      </a:fontRef>
-    </dgm:style>
-  </dgm:styleLbl>
-  <dgm:styleLbl name="node4">
-    <dgm:scene3d>
-      <a:camera prst="orthographicFront"/>
-      <a:lightRig rig="threePt" dir="t"/>
-    </dgm:scene3d>
-    <dgm:sp3d/>
-    <dgm:txPr/>
-    <dgm:style>
-      <a:lnRef idx="2">
-        <a:scrgbClr r="0" g="0" b="0"/>
-      </a:lnRef>
-      <a:fillRef idx="1">
-        <a:scrgbClr r="0" g="0" b="0"/>
-      </a:fillRef>
-      <a:effectRef idx="0">
-        <a:scrgbClr r="0" g="0" b="0"/>
-      </a:effectRef>
-      <a:fontRef idx="minor">
-        <a:schemeClr val="lt1"/>
-      </a:fontRef>
-    </dgm:style>
-  </dgm:styleLbl>
-  <dgm:styleLbl name="fgImgPlace1">
-    <dgm:scene3d>
-      <a:camera prst="orthographicFront"/>
-      <a:lightRig rig="threePt" dir="t"/>
-    </dgm:scene3d>
-    <dgm:sp3d/>
-    <dgm:txPr/>
-    <dgm:style>
-      <a:lnRef idx="2">
-        <a:scrgbClr r="0" g="0" b="0"/>
-      </a:lnRef>
-      <a:fillRef idx="1">
-        <a:scrgbClr r="0" g="0" b="0"/>
-      </a:fillRef>
-      <a:effectRef idx="0">
-        <a:scrgbClr r="0" g="0" b="0"/>
-      </a:effectRef>
-      <a:fontRef idx="minor"/>
-    </dgm:style>
-  </dgm:styleLbl>
-  <dgm:styleLbl name="alignImgPlace1">
-    <dgm:scene3d>
-      <a:camera prst="orthographicFront"/>
-      <a:lightRig rig="threePt" dir="t"/>
-    </dgm:scene3d>
-    <dgm:sp3d/>
-    <dgm:txPr/>
-    <dgm:style>
-      <a:lnRef idx="2">
-        <a:scrgbClr r="0" g="0" b="0"/>
-      </a:lnRef>
-      <a:fillRef idx="1">
-        <a:scrgbClr r="0" g="0" b="0"/>
-      </a:fillRef>
-      <a:effectRef idx="0">
-        <a:scrgbClr r="0" g="0" b="0"/>
-      </a:effectRef>
-      <a:fontRef idx="minor"/>
-    </dgm:style>
-  </dgm:styleLbl>
-  <dgm:styleLbl name="bgImgPlace1">
-    <dgm:scene3d>
-      <a:camera prst="orthographicFront"/>
-      <a:lightRig rig="threePt" dir="t"/>
-    </dgm:scene3d>
-    <dgm:sp3d/>
-    <dgm:txPr/>
-    <dgm:style>
-      <a:lnRef idx="2">
-        <a:scrgbClr r="0" g="0" b="0"/>
-      </a:lnRef>
-      <a:fillRef idx="1">
-        <a:scrgbClr r="0" g="0" b="0"/>
-      </a:fillRef>
-      <a:effectRef idx="0">
-        <a:scrgbClr r="0" g="0" b="0"/>
-      </a:effectRef>
-      <a:fontRef idx="minor"/>
-    </dgm:style>
-  </dgm:styleLbl>
-  <dgm:styleLbl name="sibTrans2D1">
-    <dgm:scene3d>
-      <a:camera prst="orthographicFront"/>
-      <a:lightRig rig="threePt" dir="t"/>
-    </dgm:scene3d>
-    <dgm:sp3d/>
-    <dgm:txPr/>
-    <dgm:style>
-      <a:lnRef idx="0">
-        <a:scrgbClr r="0" g="0" b="0"/>
-      </a:lnRef>
-      <a:fillRef idx="1">
-        <a:scrgbClr r="0" g="0" b="0"/>
-      </a:fillRef>
-      <a:effectRef idx="0">
-        <a:scrgbClr r="0" g="0" b="0"/>
-      </a:effectRef>
-      <a:fontRef idx="minor">
-        <a:schemeClr val="lt1"/>
-      </a:fontRef>
-    </dgm:style>
-  </dgm:styleLbl>
-  <dgm:styleLbl name="fgSibTrans2D1">
-    <dgm:scene3d>
-      <a:camera prst="orthographicFront"/>
-      <a:lightRig rig="threePt" dir="t"/>
-    </dgm:scene3d>
-    <dgm:sp3d/>
-    <dgm:txPr/>
-    <dgm:style>
-      <a:lnRef idx="0">
-        <a:scrgbClr r="0" g="0" b="0"/>
-      </a:lnRef>
-      <a:fillRef idx="1">
-        <a:scrgbClr r="0" g="0" b="0"/>
-      </a:fillRef>
-      <a:effectRef idx="0">
-        <a:scrgbClr r="0" g="0" b="0"/>
-      </a:effectRef>
-      <a:fontRef idx="minor">
-        <a:schemeClr val="lt1"/>
-      </a:fontRef>
-    </dgm:style>
-  </dgm:styleLbl>
-  <dgm:styleLbl name="bgSibTrans2D1">
-    <dgm:scene3d>
-      <a:camera prst="orthographicFront"/>
-      <a:lightRig rig="threePt" dir="t"/>
-    </dgm:scene3d>
-    <dgm:sp3d/>
-    <dgm:txPr/>
-    <dgm:style>
-      <a:lnRef idx="0">
-        <a:scrgbClr r="0" g="0" b="0"/>
-      </a:lnRef>
-      <a:fillRef idx="1">
-        <a:scrgbClr r="0" g="0" b="0"/>
-      </a:fillRef>
-      <a:effectRef idx="0">
-        <a:scrgbClr r="0" g="0" b="0"/>
-      </a:effectRef>
-      <a:fontRef idx="minor">
-        <a:schemeClr val="lt1"/>
-      </a:fontRef>
-    </dgm:style>
-  </dgm:styleLbl>
-  <dgm:styleLbl name="sibTrans1D1">
-    <dgm:scene3d>
-      <a:camera prst="orthographicFront"/>
-      <a:lightRig rig="threePt" dir="t"/>
-    </dgm:scene3d>
-    <dgm:sp3d/>
-    <dgm:txPr/>
-    <dgm:style>
-      <a:lnRef idx="1">
-        <a:scrgbClr r="0" g="0" b="0"/>
-      </a:lnRef>
-      <a:fillRef idx="0">
-        <a:scrgbClr r="0" g="0" b="0"/>
-      </a:fillRef>
-      <a:effectRef idx="0">
-        <a:scrgbClr r="0" g="0" b="0"/>
-      </a:effectRef>
-      <a:fontRef idx="minor"/>
-    </dgm:style>
-  </dgm:styleLbl>
-  <dgm:styleLbl name="callout">
-    <dgm:scene3d>
-      <a:camera prst="orthographicFront"/>
-      <a:lightRig rig="threePt" dir="t"/>
-    </dgm:scene3d>
-    <dgm:sp3d/>
-    <dgm:txPr/>
-    <dgm:style>
-      <a:lnRef idx="2">
-        <a:scrgbClr r="0" g="0" b="0"/>
-      </a:lnRef>
-      <a:fillRef idx="1">
-        <a:scrgbClr r="0" g="0" b="0"/>
-      </a:fillRef>
-      <a:effectRef idx="0">
-        <a:scrgbClr r="0" g="0" b="0"/>
-      </a:effectRef>
-      <a:fontRef idx="minor"/>
-    </dgm:style>
-  </dgm:styleLbl>
-  <dgm:styleLbl name="asst0">
-    <dgm:scene3d>
-      <a:camera prst="orthographicFront"/>
-      <a:lightRig rig="threePt" dir="t"/>
-    </dgm:scene3d>
-    <dgm:sp3d/>
-    <dgm:txPr/>
-    <dgm:style>
-      <a:lnRef idx="2">
-        <a:scrgbClr r="0" g="0" b="0"/>
-      </a:lnRef>
-      <a:fillRef idx="1">
-        <a:scrgbClr r="0" g="0" b="0"/>
-      </a:fillRef>
-      <a:effectRef idx="0">
-        <a:scrgbClr r="0" g="0" b="0"/>
-      </a:effectRef>
-      <a:fontRef idx="minor">
-        <a:schemeClr val="lt1"/>
-      </a:fontRef>
-    </dgm:style>
-  </dgm:styleLbl>
-  <dgm:styleLbl name="asst1">
-    <dgm:scene3d>
-      <a:camera prst="orthographicFront"/>
-      <a:lightRig rig="threePt" dir="t"/>
-    </dgm:scene3d>
-    <dgm:sp3d/>
-    <dgm:txPr/>
-    <dgm:style>
-      <a:lnRef idx="2">
-        <a:scrgbClr r="0" g="0" b="0"/>
-      </a:lnRef>
-      <a:fillRef idx="1">
-        <a:scrgbClr r="0" g="0" b="0"/>
-      </a:fillRef>
-      <a:effectRef idx="0">
-        <a:scrgbClr r="0" g="0" b="0"/>
-      </a:effectRef>
-      <a:fontRef idx="minor">
-        <a:schemeClr val="lt1"/>
-      </a:fontRef>
-    </dgm:style>
-  </dgm:styleLbl>
-  <dgm:styleLbl name="asst2">
-    <dgm:scene3d>
-      <a:camera prst="orthographicFront"/>
-      <a:lightRig rig="threePt" dir="t"/>
-    </dgm:scene3d>
-    <dgm:sp3d/>
-    <dgm:txPr/>
-    <dgm:style>
-      <a:lnRef idx="2">
-        <a:scrgbClr r="0" g="0" b="0"/>
-      </a:lnRef>
-      <a:fillRef idx="1">
-        <a:scrgbClr r="0" g="0" b="0"/>
-      </a:fillRef>
-      <a:effectRef idx="0">
-        <a:scrgbClr r="0" g="0" b="0"/>
-      </a:effectRef>
-      <a:fontRef idx="minor">
-        <a:schemeClr val="lt1"/>
-      </a:fontRef>
-    </dgm:style>
-  </dgm:styleLbl>
-  <dgm:styleLbl name="asst3">
-    <dgm:scene3d>
-      <a:camera prst="orthographicFront"/>
-      <a:lightRig rig="threePt" dir="t"/>
-    </dgm:scene3d>
-    <dgm:sp3d/>
-    <dgm:txPr/>
-    <dgm:style>
-      <a:lnRef idx="2">
-        <a:scrgbClr r="0" g="0" b="0"/>
-      </a:lnRef>
-      <a:fillRef idx="1">
-        <a:scrgbClr r="0" g="0" b="0"/>
-      </a:fillRef>
-      <a:effectRef idx="0">
-        <a:scrgbClr r="0" g="0" b="0"/>
-      </a:effectRef>
-      <a:fontRef idx="minor">
-        <a:schemeClr val="lt1"/>
-      </a:fontRef>
-    </dgm:style>
-  </dgm:styleLbl>
-  <dgm:styleLbl name="asst4">
-    <dgm:scene3d>
-      <a:camera prst="orthographicFront"/>
-      <a:lightRig rig="threePt" dir="t"/>
-    </dgm:scene3d>
-    <dgm:sp3d/>
-    <dgm:txPr/>
-    <dgm:style>
-      <a:lnRef idx="2">
-        <a:scrgbClr r="0" g="0" b="0"/>
-      </a:lnRef>
-      <a:fillRef idx="1">
-        <a:scrgbClr r="0" g="0" b="0"/>
-      </a:fillRef>
-      <a:effectRef idx="0">
-        <a:scrgbClr r="0" g="0" b="0"/>
-      </a:effectRef>
-      <a:fontRef idx="minor">
-        <a:schemeClr val="lt1"/>
-      </a:fontRef>
-    </dgm:style>
-  </dgm:styleLbl>
-  <dgm:styleLbl name="parChTrans2D1">
-    <dgm:scene3d>
-      <a:camera prst="orthographicFront"/>
-      <a:lightRig rig="threePt" dir="t"/>
-    </dgm:scene3d>
-    <dgm:sp3d/>
-    <dgm:txPr/>
-    <dgm:style>
-      <a:lnRef idx="2">
-        <a:scrgbClr r="0" g="0" b="0"/>
-      </a:lnRef>
-      <a:fillRef idx="1">
-        <a:scrgbClr r="0" g="0" b="0"/>
-      </a:fillRef>
-      <a:effectRef idx="0">
-        <a:scrgbClr r="0" g="0" b="0"/>
-      </a:effectRef>
-      <a:fontRef idx="minor">
-        <a:schemeClr val="lt1"/>
-      </a:fontRef>
-    </dgm:style>
-  </dgm:styleLbl>
-  <dgm:styleLbl name="parChTrans2D2">
-    <dgm:scene3d>
-      <a:camera prst="orthographicFront"/>
-      <a:lightRig rig="threePt" dir="t"/>
-    </dgm:scene3d>
-    <dgm:sp3d/>
-    <dgm:txPr/>
-    <dgm:style>
-      <a:lnRef idx="2">
-        <a:scrgbClr r="0" g="0" b="0"/>
-      </a:lnRef>
-      <a:fillRef idx="1">
-        <a:scrgbClr r="0" g="0" b="0"/>
-      </a:fillRef>
-      <a:effectRef idx="0">
-        <a:scrgbClr r="0" g="0" b="0"/>
-      </a:effectRef>
-      <a:fontRef idx="minor">
-        <a:schemeClr val="lt1"/>
-      </a:fontRef>
-    </dgm:style>
-  </dgm:styleLbl>
-  <dgm:styleLbl name="parChTrans2D3">
-    <dgm:scene3d>
-      <a:camera prst="orthographicFront"/>
-      <a:lightRig rig="threePt" dir="t"/>
-    </dgm:scene3d>
-    <dgm:sp3d/>
-    <dgm:txPr/>
-    <dgm:style>
-      <a:lnRef idx="2">
-        <a:scrgbClr r="0" g="0" b="0"/>
-      </a:lnRef>
-      <a:fillRef idx="1">
-        <a:scrgbClr r="0" g="0" b="0"/>
-      </a:fillRef>
-      <a:effectRef idx="0">
-        <a:scrgbClr r="0" g="0" b="0"/>
-      </a:effectRef>
-      <a:fontRef idx="minor">
-        <a:schemeClr val="lt1"/>
-      </a:fontRef>
-    </dgm:style>
-  </dgm:styleLbl>
-  <dgm:styleLbl name="parChTrans2D4">
-    <dgm:scene3d>
-      <a:camera prst="orthographicFront"/>
-      <a:lightRig rig="threePt" dir="t"/>
-    </dgm:scene3d>
-    <dgm:sp3d/>
-    <dgm:txPr/>
-    <dgm:style>
-      <a:lnRef idx="2">
-        <a:scrgbClr r="0" g="0" b="0"/>
-      </a:lnRef>
-      <a:fillRef idx="1">
-        <a:scrgbClr r="0" g="0" b="0"/>
-      </a:fillRef>
-      <a:effectRef idx="0">
-        <a:scrgbClr r="0" g="0" b="0"/>
-      </a:effectRef>
-      <a:fontRef idx="minor">
-        <a:schemeClr val="lt1"/>
-      </a:fontRef>
-    </dgm:style>
-  </dgm:styleLbl>
-  <dgm:styleLbl name="parChTrans1D1">
-    <dgm:scene3d>
-      <a:camera prst="orthographicFront"/>
-      <a:lightRig rig="threePt" dir="t"/>
-    </dgm:scene3d>
-    <dgm:sp3d/>
-    <dgm:txPr/>
-    <dgm:style>
-      <a:lnRef idx="2">
-        <a:scrgbClr r="0" g="0" b="0"/>
-      </a:lnRef>
-      <a:fillRef idx="0">
-        <a:scrgbClr r="0" g="0" b="0"/>
-      </a:fillRef>
-      <a:effectRef idx="0">
-        <a:scrgbClr r="0" g="0" b="0"/>
-      </a:effectRef>
-      <a:fontRef idx="minor"/>
-    </dgm:style>
-  </dgm:styleLbl>
-  <dgm:styleLbl name="parChTrans1D2">
-    <dgm:scene3d>
-      <a:camera prst="orthographicFront"/>
-      <a:lightRig rig="threePt" dir="t"/>
-    </dgm:scene3d>
-    <dgm:sp3d/>
-    <dgm:txPr/>
-    <dgm:style>
-      <a:lnRef idx="2">
-        <a:scrgbClr r="0" g="0" b="0"/>
-      </a:lnRef>
-      <a:fillRef idx="0">
-        <a:scrgbClr r="0" g="0" b="0"/>
-      </a:fillRef>
-      <a:effectRef idx="0">
-        <a:scrgbClr r="0" g="0" b="0"/>
-      </a:effectRef>
-      <a:fontRef idx="minor"/>
-    </dgm:style>
-  </dgm:styleLbl>
-  <dgm:styleLbl name="parChTrans1D3">
-    <dgm:scene3d>
-      <a:camera prst="orthographicFront"/>
-      <a:lightRig rig="threePt" dir="t"/>
-    </dgm:scene3d>
-    <dgm:sp3d/>
-    <dgm:txPr/>
-    <dgm:style>
-      <a:lnRef idx="2">
-        <a:scrgbClr r="0" g="0" b="0"/>
-      </a:lnRef>
-      <a:fillRef idx="0">
-        <a:scrgbClr r="0" g="0" b="0"/>
-      </a:fillRef>
-      <a:effectRef idx="0">
-        <a:scrgbClr r="0" g="0" b="0"/>
-      </a:effectRef>
-      <a:fontRef idx="minor"/>
-    </dgm:style>
-  </dgm:styleLbl>
-  <dgm:styleLbl name="parChTrans1D4">
-    <dgm:scene3d>
-      <a:camera prst="orthographicFront"/>
-      <a:lightRig rig="threePt" dir="t"/>
-    </dgm:scene3d>
-    <dgm:sp3d/>
-    <dgm:txPr/>
-    <dgm:style>
-      <a:lnRef idx="2">
-        <a:scrgbClr r="0" g="0" b="0"/>
-      </a:lnRef>
-      <a:fillRef idx="0">
-        <a:scrgbClr r="0" g="0" b="0"/>
-      </a:fillRef>
-      <a:effectRef idx="0">
-        <a:scrgbClr r="0" g="0" b="0"/>
-      </a:effectRef>
-      <a:fontRef idx="minor"/>
-    </dgm:style>
-  </dgm:styleLbl>
-  <dgm:styleLbl name="fgAcc1">
-    <dgm:scene3d>
-      <a:camera prst="orthographicFront"/>
-      <a:lightRig rig="threePt" dir="t"/>
-    </dgm:scene3d>
-    <dgm:sp3d/>
-    <dgm:txPr/>
-    <dgm:style>
-      <a:lnRef idx="2">
-        <a:scrgbClr r="0" g="0" b="0"/>
-      </a:lnRef>
-      <a:fillRef idx="1">
-        <a:scrgbClr r="0" g="0" b="0"/>
-      </a:fillRef>
-      <a:effectRef idx="0">
-        <a:scrgbClr r="0" g="0" b="0"/>
-      </a:effectRef>
-      <a:fontRef idx="minor"/>
-    </dgm:style>
-  </dgm:styleLbl>
-  <dgm:styleLbl name="conFgAcc1">
-    <dgm:scene3d>
-      <a:camera prst="orthographicFront"/>
-      <a:lightRig rig="threePt" dir="t"/>
-    </dgm:scene3d>
-    <dgm:sp3d/>
-    <dgm:txPr/>
-    <dgm:style>
-      <a:lnRef idx="2">
-        <a:scrgbClr r="0" g="0" b="0"/>
-      </a:lnRef>
-      <a:fillRef idx="1">
-        <a:scrgbClr r="0" g="0" b="0"/>
-      </a:fillRef>
-      <a:effectRef idx="0">
-        <a:scrgbClr r="0" g="0" b="0"/>
-      </a:effectRef>
-      <a:fontRef idx="minor"/>
-    </dgm:style>
-  </dgm:styleLbl>
-  <dgm:styleLbl name="alignAcc1">
-    <dgm:scene3d>
-      <a:camera prst="orthographicFront"/>
-      <a:lightRig rig="threePt" dir="t"/>
-    </dgm:scene3d>
-    <dgm:sp3d/>
-    <dgm:txPr/>
-    <dgm:style>
-      <a:lnRef idx="2">
-        <a:scrgbClr r="0" g="0" b="0"/>
-      </a:lnRef>
-      <a:fillRef idx="1">
-        <a:scrgbClr r="0" g="0" b="0"/>
-      </a:fillRef>
-      <a:effectRef idx="0">
-        <a:scrgbClr r="0" g="0" b="0"/>
-      </a:effectRef>
-      <a:fontRef idx="minor"/>
-    </dgm:style>
-  </dgm:styleLbl>
-  <dgm:styleLbl name="trAlignAcc1">
-    <dgm:scene3d>
-      <a:camera prst="orthographicFront"/>
-      <a:lightRig rig="threePt" dir="t"/>
-    </dgm:scene3d>
-    <dgm:sp3d/>
-    <dgm:txPr/>
-    <dgm:style>
-      <a:lnRef idx="1">
-        <a:scrgbClr r="0" g="0" b="0"/>
-      </a:lnRef>
-      <a:fillRef idx="1">
-        <a:scrgbClr r="0" g="0" b="0"/>
-      </a:fillRef>
-      <a:effectRef idx="0">
-        <a:scrgbClr r="0" g="0" b="0"/>
-      </a:effectRef>
-      <a:fontRef idx="minor"/>
-    </dgm:style>
-  </dgm:styleLbl>
-  <dgm:styleLbl name="bgAcc1">
-    <dgm:scene3d>
-      <a:camera prst="orthographicFront"/>
-      <a:lightRig rig="threePt" dir="t"/>
-    </dgm:scene3d>
-    <dgm:sp3d/>
-    <dgm:txPr/>
-    <dgm:style>
-      <a:lnRef idx="2">
-        <a:scrgbClr r="0" g="0" b="0"/>
-      </a:lnRef>
-      <a:fillRef idx="1">
-        <a:scrgbClr r="0" g="0" b="0"/>
-      </a:fillRef>
-      <a:effectRef idx="0">
-        <a:scrgbClr r="0" g="0" b="0"/>
-      </a:effectRef>
-      <a:fontRef idx="minor"/>
-    </dgm:style>
-  </dgm:styleLbl>
-  <dgm:styleLbl name="solidFgAcc1">
-    <dgm:scene3d>
-      <a:camera prst="orthographicFront"/>
-      <a:lightRig rig="threePt" dir="t"/>
-    </dgm:scene3d>
-    <dgm:sp3d/>
-    <dgm:txPr/>
-    <dgm:style>
-      <a:lnRef idx="2">
-        <a:scrgbClr r="0" g="0" b="0"/>
-      </a:lnRef>
-      <a:fillRef idx="1">
-        <a:scrgbClr r="0" g="0" b="0"/>
-      </a:fillRef>
-      <a:effectRef idx="0">
-        <a:scrgbClr r="0" g="0" b="0"/>
-      </a:effectRef>
-      <a:fontRef idx="minor"/>
-    </dgm:style>
-  </dgm:styleLbl>
-  <dgm:styleLbl name="solidAlignAcc1">
-    <dgm:scene3d>
-      <a:camera prst="orthographicFront"/>
-      <a:lightRig rig="threePt" dir="t"/>
-    </dgm:scene3d>
-    <dgm:sp3d/>
-    <dgm:txPr/>
-    <dgm:style>
-      <a:lnRef idx="2">
-        <a:scrgbClr r="0" g="0" b="0"/>
-      </a:lnRef>
-      <a:fillRef idx="1">
-        <a:scrgbClr r="0" g="0" b="0"/>
-      </a:fillRef>
-      <a:effectRef idx="0">
-        <a:scrgbClr r="0" g="0" b="0"/>
-      </a:effectRef>
-      <a:fontRef idx="minor"/>
-    </dgm:style>
-  </dgm:styleLbl>
-  <dgm:styleLbl name="solidBgAcc1">
-    <dgm:scene3d>
-      <a:camera prst="orthographicFront"/>
-      <a:lightRig rig="threePt" dir="t"/>
-    </dgm:scene3d>
-    <dgm:sp3d/>
-    <dgm:txPr/>
-    <dgm:style>
-      <a:lnRef idx="2">
-        <a:scrgbClr r="0" g="0" b="0"/>
-      </a:lnRef>
-      <a:fillRef idx="1">
-        <a:scrgbClr r="0" g="0" b="0"/>
-      </a:fillRef>
-      <a:effectRef idx="0">
-        <a:scrgbClr r="0" g="0" b="0"/>
-      </a:effectRef>
-      <a:fontRef idx="minor"/>
-    </dgm:style>
-  </dgm:styleLbl>
-  <dgm:styleLbl name="fgAccFollowNode1">
-    <dgm:scene3d>
-      <a:camera prst="orthographicFront"/>
-      <a:lightRig rig="threePt" dir="t"/>
-    </dgm:scene3d>
-    <dgm:sp3d/>
-    <dgm:txPr/>
-    <dgm:style>
-      <a:lnRef idx="2">
-        <a:scrgbClr r="0" g="0" b="0"/>
-      </a:lnRef>
-      <a:fillRef idx="1">
-        <a:scrgbClr r="0" g="0" b="0"/>
-      </a:fillRef>
-      <a:effectRef idx="0">
-        <a:scrgbClr r="0" g="0" b="0"/>
-      </a:effectRef>
-      <a:fontRef idx="minor"/>
-    </dgm:style>
-  </dgm:styleLbl>
-  <dgm:styleLbl name="alignAccFollowNode1">
-    <dgm:scene3d>
-      <a:camera prst="orthographicFront"/>
-      <a:lightRig rig="threePt" dir="t"/>
-    </dgm:scene3d>
-    <dgm:sp3d/>
-    <dgm:txPr/>
-    <dgm:style>
-      <a:lnRef idx="2">
-        <a:scrgbClr r="0" g="0" b="0"/>
-      </a:lnRef>
-      <a:fillRef idx="1">
-        <a:scrgbClr r="0" g="0" b="0"/>
-      </a:fillRef>
-      <a:effectRef idx="0">
-        <a:scrgbClr r="0" g="0" b="0"/>
-      </a:effectRef>
-      <a:fontRef idx="minor"/>
-    </dgm:style>
-  </dgm:styleLbl>
-  <dgm:styleLbl name="bgAccFollowNode1">
-    <dgm:scene3d>
-      <a:camera prst="orthographicFront"/>
-      <a:lightRig rig="threePt" dir="t"/>
-    </dgm:scene3d>
-    <dgm:sp3d/>
-    <dgm:txPr/>
-    <dgm:style>
-      <a:lnRef idx="2">
-        <a:scrgbClr r="0" g="0" b="0"/>
-      </a:lnRef>
-      <a:fillRef idx="1">
-        <a:scrgbClr r="0" g="0" b="0"/>
-      </a:fillRef>
-      <a:effectRef idx="0">
-        <a:scrgbClr r="0" g="0" b="0"/>
-      </a:effectRef>
-      <a:fontRef idx="minor"/>
-    </dgm:style>
-  </dgm:styleLbl>
-  <dgm:styleLbl name="fgAcc0">
-    <dgm:scene3d>
-      <a:camera prst="orthographicFront"/>
-      <a:lightRig rig="threePt" dir="t"/>
-    </dgm:scene3d>
-    <dgm:sp3d/>
-    <dgm:txPr/>
-    <dgm:style>
-      <a:lnRef idx="2">
-        <a:scrgbClr r="0" g="0" b="0"/>
-      </a:lnRef>
-      <a:fillRef idx="1">
-        <a:scrgbClr r="0" g="0" b="0"/>
-      </a:fillRef>
-      <a:effectRef idx="0">
-        <a:scrgbClr r="0" g="0" b="0"/>
-      </a:effectRef>
-      <a:fontRef idx="minor"/>
-    </dgm:style>
-  </dgm:styleLbl>
-  <dgm:styleLbl name="fgAcc2">
-    <dgm:scene3d>
-      <a:camera prst="orthographicFront"/>
-      <a:lightRig rig="threePt" dir="t"/>
-    </dgm:scene3d>
-    <dgm:sp3d/>
-    <dgm:txPr/>
-    <dgm:style>
-      <a:lnRef idx="2">
-        <a:scrgbClr r="0" g="0" b="0"/>
-      </a:lnRef>
-      <a:fillRef idx="1">
-        <a:scrgbClr r="0" g="0" b="0"/>
-      </a:fillRef>
-      <a:effectRef idx="0">
-        <a:scrgbClr r="0" g="0" b="0"/>
-      </a:effectRef>
-      <a:fontRef idx="minor"/>
-    </dgm:style>
-  </dgm:styleLbl>
-  <dgm:styleLbl name="fgAcc3">
-    <dgm:scene3d>
-      <a:camera prst="orthographicFront"/>
-      <a:lightRig rig="threePt" dir="t"/>
-    </dgm:scene3d>
-    <dgm:sp3d/>
-    <dgm:txPr/>
-    <dgm:style>
-      <a:lnRef idx="2">
-        <a:scrgbClr r="0" g="0" b="0"/>
-      </a:lnRef>
-      <a:fillRef idx="1">
-        <a:scrgbClr r="0" g="0" b="0"/>
-      </a:fillRef>
-      <a:effectRef idx="0">
-        <a:scrgbClr r="0" g="0" b="0"/>
-      </a:effectRef>
-      <a:fontRef idx="minor"/>
-    </dgm:style>
-  </dgm:styleLbl>
-  <dgm:styleLbl name="fgAcc4">
-    <dgm:scene3d>
-      <a:camera prst="orthographicFront"/>
-      <a:lightRig rig="threePt" dir="t"/>
-    </dgm:scene3d>
-    <dgm:sp3d/>
-    <dgm:txPr/>
-    <dgm:style>
-      <a:lnRef idx="2">
-        <a:scrgbClr r="0" g="0" b="0"/>
-      </a:lnRef>
-      <a:fillRef idx="1">
-        <a:scrgbClr r="0" g="0" b="0"/>
-      </a:fillRef>
-      <a:effectRef idx="0">
-        <a:scrgbClr r="0" g="0" b="0"/>
-      </a:effectRef>
-      <a:fontRef idx="minor"/>
-    </dgm:style>
-  </dgm:styleLbl>
-  <dgm:styleLbl name="bgShp">
-    <dgm:scene3d>
-      <a:camera prst="orthographicFront"/>
-      <a:lightRig rig="threePt" dir="t"/>
-    </dgm:scene3d>
-    <dgm:sp3d/>
-    <dgm:txPr/>
-    <dgm:style>
-      <a:lnRef idx="0">
-        <a:scrgbClr r="0" g="0" b="0"/>
-      </a:lnRef>
-      <a:fillRef idx="1">
-        <a:scrgbClr r="0" g="0" b="0"/>
-      </a:fillRef>
-      <a:effectRef idx="0">
-        <a:scrgbClr r="0" g="0" b="0"/>
-      </a:effectRef>
-      <a:fontRef idx="minor"/>
-    </dgm:style>
-  </dgm:styleLbl>
-  <dgm:styleLbl name="dkBgShp">
-    <dgm:scene3d>
-      <a:camera prst="orthographicFront"/>
-      <a:lightRig rig="threePt" dir="t"/>
-    </dgm:scene3d>
-    <dgm:sp3d/>
-    <dgm:txPr/>
-    <dgm:style>
-      <a:lnRef idx="0">
-        <a:scrgbClr r="0" g="0" b="0"/>
-      </a:lnRef>
-      <a:fillRef idx="1">
-        <a:scrgbClr r="0" g="0" b="0"/>
-      </a:fillRef>
-      <a:effectRef idx="0">
-        <a:scrgbClr r="0" g="0" b="0"/>
-      </a:effectRef>
-      <a:fontRef idx="minor"/>
-    </dgm:style>
-  </dgm:styleLbl>
-  <dgm:styleLbl name="trBgShp">
-    <dgm:scene3d>
-      <a:camera prst="orthographicFront"/>
-      <a:lightRig rig="threePt" dir="t"/>
-    </dgm:scene3d>
-    <dgm:sp3d/>
-    <dgm:txPr/>
-    <dgm:style>
-      <a:lnRef idx="0">
-        <a:scrgbClr r="0" g="0" b="0"/>
-      </a:lnRef>
-      <a:fillRef idx="1">
-        <a:scrgbClr r="0" g="0" b="0"/>
-      </a:fillRef>
-      <a:effectRef idx="0">
-        <a:scrgbClr r="0" g="0" b="0"/>
-      </a:effectRef>
-      <a:fontRef idx="minor"/>
-    </dgm:style>
-  </dgm:styleLbl>
-  <dgm:styleLbl name="fgShp">
-    <dgm:scene3d>
-      <a:camera prst="orthographicFront"/>
-      <a:lightRig rig="threePt" dir="t"/>
-    </dgm:scene3d>
-    <dgm:sp3d/>
-    <dgm:txPr/>
-    <dgm:style>
-      <a:lnRef idx="2">
-        <a:scrgbClr r="0" g="0" b="0"/>
-      </a:lnRef>
-      <a:fillRef idx="1">
-        <a:scrgbClr r="0" g="0" b="0"/>
-      </a:fillRef>
-      <a:effectRef idx="0">
-        <a:scrgbClr r="0" g="0" b="0"/>
-      </a:effectRef>
-      <a:fontRef idx="minor"/>
-    </dgm:style>
-  </dgm:styleLbl>
-  <dgm:styleLbl name="revTx">
-    <dgm:scene3d>
-      <a:camera prst="orthographicFront"/>
-      <a:lightRig rig="threePt" dir="t"/>
-    </dgm:scene3d>
-    <dgm:sp3d/>
-    <dgm:txPr/>
-    <dgm:style>
-      <a:lnRef idx="0">
-        <a:scrgbClr r="0" g="0" b="0"/>
-      </a:lnRef>
-      <a:fillRef idx="0">
-        <a:scrgbClr r="0" g="0" b="0"/>
-      </a:fillRef>
-      <a:effectRef idx="0">
-        <a:scrgbClr r="0" g="0" b="0"/>
-      </a:effectRef>
-      <a:fontRef idx="minor"/>
-    </dgm:style>
-  </dgm:styleLbl>
-</dgm:styleDef>
 </file>
 
 <file path=ppt/slideLayouts/slideLayout1.xml><?xml version="1.0" encoding="utf-8"?>
@@ -4302,7 +368,7 @@
           <a:p>
             <a:fld id="{ED291B17-9318-49DB-B28B-6E5994AE9581}" type="datetime1">
               <a:rPr lang="en-US" smtClean="0"/>
-              <a:t>3/28/2021</a:t>
+              <a:t>04/06/21</a:t>
             </a:fld>
             <a:endParaRPr lang="en-US" dirty="0"/>
           </a:p>
@@ -4505,7 +571,7 @@
           <a:p>
             <a:fld id="{2CED4963-E985-44C4-B8C4-FDD613B7C2F8}" type="datetime1">
               <a:rPr lang="en-US" smtClean="0"/>
-              <a:t>3/28/2021</a:t>
+              <a:t>04/06/21</a:t>
             </a:fld>
             <a:endParaRPr lang="en-US" dirty="0"/>
           </a:p>
@@ -4867,7 +933,7 @@
           <a:p>
             <a:fld id="{ED291B17-9318-49DB-B28B-6E5994AE9581}" type="datetime1">
               <a:rPr lang="en-US" smtClean="0"/>
-              <a:t>3/28/2021</a:t>
+              <a:t>04/06/21</a:t>
             </a:fld>
             <a:endParaRPr lang="en-US" dirty="0"/>
           </a:p>
@@ -5065,7 +1131,7 @@
           <a:p>
             <a:fld id="{78DD82B9-B8EE-4375-B6FF-88FA6ABB15D9}" type="datetime1">
               <a:rPr lang="en-US" smtClean="0"/>
-              <a:t>3/28/2021</a:t>
+              <a:t>04/06/21</a:t>
             </a:fld>
             <a:endParaRPr lang="en-US" dirty="0"/>
           </a:p>
@@ -5377,7 +1443,7 @@
           <a:p>
             <a:fld id="{B2497495-0637-405E-AE64-5CC7506D51F5}" type="datetime1">
               <a:rPr lang="en-US" smtClean="0"/>
-              <a:t>3/28/2021</a:t>
+              <a:t>04/06/21</a:t>
             </a:fld>
             <a:endParaRPr lang="en-US" dirty="0"/>
           </a:p>
@@ -5630,7 +1696,7 @@
           <a:p>
             <a:fld id="{7BFFD690-9426-415D-8B65-26881E07B2D4}" type="datetime1">
               <a:rPr lang="en-US" smtClean="0"/>
-              <a:t>3/28/2021</a:t>
+              <a:t>04/06/21</a:t>
             </a:fld>
             <a:endParaRPr lang="en-US" dirty="0"/>
           </a:p>
@@ -6052,7 +2118,7 @@
           <a:p>
             <a:fld id="{04C4989A-474C-40DE-95B9-011C28B71673}" type="datetime1">
               <a:rPr lang="en-US" smtClean="0"/>
-              <a:t>3/28/2021</a:t>
+              <a:t>04/06/21</a:t>
             </a:fld>
             <a:endParaRPr lang="en-US" dirty="0"/>
           </a:p>
@@ -6175,7 +2241,7 @@
           <a:p>
             <a:fld id="{5DB4ED54-5B5E-4A04-93D3-5772E3CE3818}" type="datetime1">
               <a:rPr lang="en-US" smtClean="0"/>
-              <a:t>3/28/2021</a:t>
+              <a:t>04/06/21</a:t>
             </a:fld>
             <a:endParaRPr lang="en-US" dirty="0"/>
           </a:p>
@@ -6270,7 +2336,7 @@
           <a:p>
             <a:fld id="{4EDE50D6-574B-40AF-946F-D52A04ADE379}" type="datetime1">
               <a:rPr lang="en-US" smtClean="0"/>
-              <a:t>3/28/2021</a:t>
+              <a:t>04/06/21</a:t>
             </a:fld>
             <a:endParaRPr lang="en-US" dirty="0"/>
           </a:p>
@@ -6647,7 +2713,7 @@
           <a:p>
             <a:fld id="{D82884F1-FFEA-405F-9602-3DCA865EDA4E}" type="datetime1">
               <a:rPr lang="en-US" smtClean="0"/>
-              <a:t>3/28/2021</a:t>
+              <a:t>04/06/21</a:t>
             </a:fld>
             <a:endParaRPr lang="en-US" dirty="0"/>
           </a:p>
@@ -6940,7 +3006,7 @@
           <a:p>
             <a:fld id="{7E18DB4A-8810-4A10-AD5C-D5E2C667F5B3}" type="datetime1">
               <a:rPr lang="en-US" smtClean="0"/>
-              <a:t>3/28/2021</a:t>
+              <a:t>04/06/21</a:t>
             </a:fld>
             <a:endParaRPr lang="en-US" dirty="0"/>
           </a:p>
@@ -7155,7 +3221,7 @@
           <a:p>
             <a:fld id="{ED291B17-9318-49DB-B28B-6E5994AE9581}" type="datetime1">
               <a:rPr lang="en-US" smtClean="0"/>
-              <a:t>3/28/2021</a:t>
+              <a:t>04/06/21</a:t>
             </a:fld>
             <a:endParaRPr lang="en-US" dirty="0"/>
           </a:p>
@@ -13897,6 +9963,130 @@
           </p:txBody>
         </p:sp>
       </p:grpSp>
+      <p:sp>
+        <p:nvSpPr>
+          <p:cNvPr id="72" name="Title 1">
+            <a:extLst>
+              <a:ext uri="{FF2B5EF4-FFF2-40B4-BE49-F238E27FC236}">
+                <a16:creationId xmlns:a16="http://schemas.microsoft.com/office/drawing/2014/main" id="{48A0B710-FAF4-4E39-A481-C6FD897EE08E}"/>
+              </a:ext>
+            </a:extLst>
+          </p:cNvPr>
+          <p:cNvSpPr>
+            <a:spLocks noGrp="1"/>
+          </p:cNvSpPr>
+          <p:nvPr>
+            <p:ph type="ctrTitle"/>
+          </p:nvPr>
+        </p:nvSpPr>
+        <p:spPr>
+          <a:xfrm>
+            <a:off x="446532" y="424390"/>
+            <a:ext cx="11298931" cy="840781"/>
+          </a:xfrm>
+        </p:spPr>
+        <p:txBody>
+          <a:bodyPr anchor="t">
+            <a:noAutofit/>
+          </a:bodyPr>
+          <a:lstStyle/>
+          <a:p>
+            <a:r>
+              <a:rPr lang="en-US" sz="4800" dirty="0">
+                <a:latin typeface="OCRB" panose="020B0609020202020204" pitchFamily="49" charset="0"/>
+              </a:rPr>
+              <a:t>Neural nets &amp; go</a:t>
+            </a:r>
+            <a:endParaRPr lang="en-US" sz="1000" dirty="0">
+              <a:latin typeface="OCRB" panose="020B0609020202020204" pitchFamily="49" charset="0"/>
+            </a:endParaRPr>
+          </a:p>
+        </p:txBody>
+      </p:sp>
+      <p:sp>
+        <p:nvSpPr>
+          <p:cNvPr id="76" name="Rectangle 75">
+            <a:extLst>
+              <a:ext uri="{FF2B5EF4-FFF2-40B4-BE49-F238E27FC236}">
+                <a16:creationId xmlns:a16="http://schemas.microsoft.com/office/drawing/2014/main" id="{0E118C92-8E42-4E09-AD80-A1B4352D0860}"/>
+              </a:ext>
+            </a:extLst>
+          </p:cNvPr>
+          <p:cNvSpPr/>
+          <p:nvPr/>
+        </p:nvSpPr>
+        <p:spPr>
+          <a:xfrm>
+            <a:off x="2194287" y="1513823"/>
+            <a:ext cx="6893606" cy="1480896"/>
+          </a:xfrm>
+          <a:prstGeom prst="rect">
+            <a:avLst/>
+          </a:prstGeom>
+        </p:spPr>
+        <p:style>
+          <a:lnRef idx="0">
+            <a:schemeClr val="dk1">
+              <a:alpha val="0"/>
+              <a:hueOff val="0"/>
+              <a:satOff val="0"/>
+              <a:lumOff val="0"/>
+              <a:alphaOff val="0"/>
+            </a:schemeClr>
+          </a:lnRef>
+          <a:fillRef idx="0">
+            <a:schemeClr val="lt1">
+              <a:alpha val="0"/>
+              <a:hueOff val="0"/>
+              <a:satOff val="0"/>
+              <a:lumOff val="0"/>
+              <a:alphaOff val="0"/>
+            </a:schemeClr>
+          </a:fillRef>
+          <a:effectRef idx="0">
+            <a:schemeClr val="lt1">
+              <a:alpha val="0"/>
+              <a:hueOff val="0"/>
+              <a:satOff val="0"/>
+              <a:lumOff val="0"/>
+              <a:alphaOff val="0"/>
+            </a:schemeClr>
+          </a:effectRef>
+          <a:fontRef idx="minor">
+            <a:schemeClr val="tx1">
+              <a:hueOff val="0"/>
+              <a:satOff val="0"/>
+              <a:lumOff val="0"/>
+              <a:alphaOff val="0"/>
+            </a:schemeClr>
+          </a:fontRef>
+        </p:style>
+        <p:txBody>
+          <a:bodyPr/>
+          <a:lstStyle/>
+          <a:p>
+            <a:r>
+              <a:rPr lang="en-US" dirty="0"/>
+              <a:t>Most people have heard of AlphaGo, the Google developed AI that learned how to play go and can defeat masters of the game.</a:t>
+            </a:r>
+          </a:p>
+          <a:p>
+            <a:endParaRPr lang="en-US" dirty="0"/>
+          </a:p>
+          <a:p>
+            <a:r>
+              <a:rPr lang="en-US" dirty="0"/>
+              <a:t>We decided to do that on a simpler scale using a smaller 9x9 board.</a:t>
+            </a:r>
+          </a:p>
+          <a:p>
+            <a:endParaRPr lang="en-US" dirty="0"/>
+          </a:p>
+          <a:p>
+            <a:endParaRPr lang="en-US" dirty="0"/>
+          </a:p>
+        </p:txBody>
+      </p:sp>
     </p:spTree>
     <p:extLst>
       <p:ext uri="{BB962C8B-B14F-4D97-AF65-F5344CB8AC3E}">
@@ -15921,6 +12111,139 @@
           </p:txBody>
         </p:sp>
       </p:grpSp>
+      <p:sp>
+        <p:nvSpPr>
+          <p:cNvPr id="39" name="Title 1">
+            <a:extLst>
+              <a:ext uri="{FF2B5EF4-FFF2-40B4-BE49-F238E27FC236}">
+                <a16:creationId xmlns:a16="http://schemas.microsoft.com/office/drawing/2014/main" id="{132BE139-FB55-4D2B-856F-67BCD5D0347F}"/>
+              </a:ext>
+            </a:extLst>
+          </p:cNvPr>
+          <p:cNvSpPr>
+            <a:spLocks noGrp="1"/>
+          </p:cNvSpPr>
+          <p:nvPr>
+            <p:ph type="ctrTitle"/>
+          </p:nvPr>
+        </p:nvSpPr>
+        <p:spPr>
+          <a:xfrm>
+            <a:off x="446532" y="424390"/>
+            <a:ext cx="11298931" cy="840781"/>
+          </a:xfrm>
+        </p:spPr>
+        <p:txBody>
+          <a:bodyPr anchor="t">
+            <a:noAutofit/>
+          </a:bodyPr>
+          <a:lstStyle/>
+          <a:p>
+            <a:r>
+              <a:rPr lang="en-US" sz="4800" dirty="0">
+                <a:latin typeface="OCRB" panose="020B0609020202020204" pitchFamily="49" charset="0"/>
+              </a:rPr>
+              <a:t>Initial steps</a:t>
+            </a:r>
+            <a:endParaRPr lang="en-US" sz="1000" dirty="0">
+              <a:latin typeface="OCRB" panose="020B0609020202020204" pitchFamily="49" charset="0"/>
+            </a:endParaRPr>
+          </a:p>
+        </p:txBody>
+      </p:sp>
+      <p:sp>
+        <p:nvSpPr>
+          <p:cNvPr id="41" name="Rectangle 40">
+            <a:extLst>
+              <a:ext uri="{FF2B5EF4-FFF2-40B4-BE49-F238E27FC236}">
+                <a16:creationId xmlns:a16="http://schemas.microsoft.com/office/drawing/2014/main" id="{29EBFC3D-2D99-403A-A162-A16DDDF1A387}"/>
+              </a:ext>
+            </a:extLst>
+          </p:cNvPr>
+          <p:cNvSpPr/>
+          <p:nvPr/>
+        </p:nvSpPr>
+        <p:spPr>
+          <a:xfrm>
+            <a:off x="446533" y="1446415"/>
+            <a:ext cx="6893606" cy="3202206"/>
+          </a:xfrm>
+          <a:prstGeom prst="rect">
+            <a:avLst/>
+          </a:prstGeom>
+        </p:spPr>
+        <p:style>
+          <a:lnRef idx="0">
+            <a:schemeClr val="dk1">
+              <a:alpha val="0"/>
+              <a:hueOff val="0"/>
+              <a:satOff val="0"/>
+              <a:lumOff val="0"/>
+              <a:alphaOff val="0"/>
+            </a:schemeClr>
+          </a:lnRef>
+          <a:fillRef idx="0">
+            <a:schemeClr val="lt1">
+              <a:alpha val="0"/>
+              <a:hueOff val="0"/>
+              <a:satOff val="0"/>
+              <a:lumOff val="0"/>
+              <a:alphaOff val="0"/>
+            </a:schemeClr>
+          </a:fillRef>
+          <a:effectRef idx="0">
+            <a:schemeClr val="lt1">
+              <a:alpha val="0"/>
+              <a:hueOff val="0"/>
+              <a:satOff val="0"/>
+              <a:lumOff val="0"/>
+              <a:alphaOff val="0"/>
+            </a:schemeClr>
+          </a:effectRef>
+          <a:fontRef idx="minor">
+            <a:schemeClr val="tx1">
+              <a:hueOff val="0"/>
+              <a:satOff val="0"/>
+              <a:lumOff val="0"/>
+              <a:alphaOff val="0"/>
+            </a:schemeClr>
+          </a:fontRef>
+        </p:style>
+        <p:txBody>
+          <a:bodyPr/>
+          <a:lstStyle/>
+          <a:p>
+            <a:r>
+              <a:rPr lang="en-US" dirty="0"/>
+              <a:t>We first had to look at how others represent game data and decide how to format ours. Many use the Smart Game Format (.SGF) to record turns and the winner.</a:t>
+            </a:r>
+          </a:p>
+          <a:p>
+            <a:endParaRPr lang="en-US" dirty="0"/>
+          </a:p>
+          <a:p>
+            <a:r>
+              <a:rPr lang="en-US" dirty="0"/>
+              <a:t>We took this format and converted it via our own C program to an 81-input layer of 1 or -1 values to fit in the first layer of our net. Each input represents a place on the board, starting from the bottom-left.</a:t>
+            </a:r>
+          </a:p>
+          <a:p>
+            <a:endParaRPr lang="en-US" dirty="0"/>
+          </a:p>
+          <a:p>
+            <a:r>
+              <a:rPr lang="en-US" dirty="0"/>
+              <a:t>1 for true, -1 for false in sets of three (e.g., 1 -1 -1)</a:t>
+            </a:r>
+          </a:p>
+          <a:p>
+            <a:r>
+              <a:rPr lang="en-US" dirty="0"/>
+              <a:t>White piece is here/black piece is here/empty spot</a:t>
+            </a:r>
+          </a:p>
+        </p:txBody>
+      </p:sp>
     </p:spTree>
     <p:extLst>
       <p:ext uri="{BB962C8B-B14F-4D97-AF65-F5344CB8AC3E}">
@@ -17945,6 +14268,115 @@
           </p:txBody>
         </p:sp>
       </p:grpSp>
+      <p:sp>
+        <p:nvSpPr>
+          <p:cNvPr id="39" name="Title 1">
+            <a:extLst>
+              <a:ext uri="{FF2B5EF4-FFF2-40B4-BE49-F238E27FC236}">
+                <a16:creationId xmlns:a16="http://schemas.microsoft.com/office/drawing/2014/main" id="{E454080E-FA23-4C2B-8C1A-47B5C3130967}"/>
+              </a:ext>
+            </a:extLst>
+          </p:cNvPr>
+          <p:cNvSpPr>
+            <a:spLocks noGrp="1"/>
+          </p:cNvSpPr>
+          <p:nvPr>
+            <p:ph type="ctrTitle"/>
+          </p:nvPr>
+        </p:nvSpPr>
+        <p:spPr>
+          <a:xfrm>
+            <a:off x="446532" y="424390"/>
+            <a:ext cx="11298931" cy="840781"/>
+          </a:xfrm>
+        </p:spPr>
+        <p:txBody>
+          <a:bodyPr anchor="t">
+            <a:noAutofit/>
+          </a:bodyPr>
+          <a:lstStyle/>
+          <a:p>
+            <a:r>
+              <a:rPr lang="en-US" sz="4800" dirty="0">
+                <a:latin typeface="OCRB" panose="020B0609020202020204" pitchFamily="49" charset="0"/>
+              </a:rPr>
+              <a:t>Slide title</a:t>
+            </a:r>
+            <a:endParaRPr lang="en-US" sz="1000" dirty="0">
+              <a:latin typeface="OCRB" panose="020B0609020202020204" pitchFamily="49" charset="0"/>
+            </a:endParaRPr>
+          </a:p>
+        </p:txBody>
+      </p:sp>
+      <p:sp>
+        <p:nvSpPr>
+          <p:cNvPr id="41" name="Rectangle 40">
+            <a:extLst>
+              <a:ext uri="{FF2B5EF4-FFF2-40B4-BE49-F238E27FC236}">
+                <a16:creationId xmlns:a16="http://schemas.microsoft.com/office/drawing/2014/main" id="{5C342A88-113A-4E00-A17B-E43B6E25F867}"/>
+              </a:ext>
+            </a:extLst>
+          </p:cNvPr>
+          <p:cNvSpPr/>
+          <p:nvPr/>
+        </p:nvSpPr>
+        <p:spPr>
+          <a:xfrm>
+            <a:off x="446533" y="1446415"/>
+            <a:ext cx="6893606" cy="3202206"/>
+          </a:xfrm>
+          <a:prstGeom prst="rect">
+            <a:avLst/>
+          </a:prstGeom>
+        </p:spPr>
+        <p:style>
+          <a:lnRef idx="0">
+            <a:schemeClr val="dk1">
+              <a:alpha val="0"/>
+              <a:hueOff val="0"/>
+              <a:satOff val="0"/>
+              <a:lumOff val="0"/>
+              <a:alphaOff val="0"/>
+            </a:schemeClr>
+          </a:lnRef>
+          <a:fillRef idx="0">
+            <a:schemeClr val="lt1">
+              <a:alpha val="0"/>
+              <a:hueOff val="0"/>
+              <a:satOff val="0"/>
+              <a:lumOff val="0"/>
+              <a:alphaOff val="0"/>
+            </a:schemeClr>
+          </a:fillRef>
+          <a:effectRef idx="0">
+            <a:schemeClr val="lt1">
+              <a:alpha val="0"/>
+              <a:hueOff val="0"/>
+              <a:satOff val="0"/>
+              <a:lumOff val="0"/>
+              <a:alphaOff val="0"/>
+            </a:schemeClr>
+          </a:effectRef>
+          <a:fontRef idx="minor">
+            <a:schemeClr val="tx1">
+              <a:hueOff val="0"/>
+              <a:satOff val="0"/>
+              <a:lumOff val="0"/>
+              <a:alphaOff val="0"/>
+            </a:schemeClr>
+          </a:fontRef>
+        </p:style>
+        <p:txBody>
+          <a:bodyPr/>
+          <a:lstStyle/>
+          <a:p>
+            <a:r>
+              <a:rPr lang="en-US" dirty="0"/>
+              <a:t>Slide Content</a:t>
+            </a:r>
+          </a:p>
+        </p:txBody>
+      </p:sp>
     </p:spTree>
     <p:extLst>
       <p:ext uri="{BB962C8B-B14F-4D97-AF65-F5344CB8AC3E}">
@@ -17985,65 +14417,6 @@
           <a:chExt cx="0" cy="0"/>
         </a:xfrm>
       </p:grpSpPr>
-      <p:sp>
-        <p:nvSpPr>
-          <p:cNvPr id="2" name="Title 1">
-            <a:extLst>
-              <a:ext uri="{FF2B5EF4-FFF2-40B4-BE49-F238E27FC236}">
-                <a16:creationId xmlns:a16="http://schemas.microsoft.com/office/drawing/2014/main" id="{5E562972-3449-42D1-8185-B4BEFD52AB44}"/>
-              </a:ext>
-            </a:extLst>
-          </p:cNvPr>
-          <p:cNvSpPr>
-            <a:spLocks noGrp="1"/>
-          </p:cNvSpPr>
-          <p:nvPr>
-            <p:ph type="title"/>
-          </p:nvPr>
-        </p:nvSpPr>
-        <p:spPr/>
-        <p:txBody>
-          <a:bodyPr/>
-          <a:lstStyle/>
-          <a:p>
-            <a:r>
-              <a:rPr lang="en-US" dirty="0"/>
-              <a:t>Title Lorem Ipsum Dolor Sit Amet</a:t>
-            </a:r>
-          </a:p>
-        </p:txBody>
-      </p:sp>
-      <p:graphicFrame>
-        <p:nvGraphicFramePr>
-          <p:cNvPr id="4" name="Content Placeholder 2" descr="timeline">
-            <a:extLst>
-              <a:ext uri="{FF2B5EF4-FFF2-40B4-BE49-F238E27FC236}">
-                <a16:creationId xmlns:a16="http://schemas.microsoft.com/office/drawing/2014/main" id="{FF3F0D82-0AA6-45C3-8367-955CBFA02ED6}"/>
-              </a:ext>
-            </a:extLst>
-          </p:cNvPr>
-          <p:cNvGraphicFramePr>
-            <a:graphicFrameLocks noGrp="1"/>
-          </p:cNvGraphicFramePr>
-          <p:nvPr>
-            <p:ph idx="1"/>
-            <p:extLst>
-              <p:ext uri="{D42A27DB-BD31-4B8C-83A1-F6EECF244321}">
-                <p14:modId xmlns:p14="http://schemas.microsoft.com/office/powerpoint/2010/main" val="2926889620"/>
-              </p:ext>
-            </p:extLst>
-          </p:nvPr>
-        </p:nvGraphicFramePr>
-        <p:xfrm>
-          <a:off x="457200" y="1341693"/>
-          <a:ext cx="11029950" cy="3633787"/>
-        </p:xfrm>
-        <a:graphic>
-          <a:graphicData uri="http://schemas.openxmlformats.org/drawingml/2006/diagram">
-            <dgm:relIds xmlns:dgm="http://schemas.openxmlformats.org/drawingml/2006/diagram" xmlns:r="http://schemas.openxmlformats.org/officeDocument/2006/relationships" r:dm="rId2" r:lo="rId3" r:qs="rId4" r:cs="rId5"/>
-          </a:graphicData>
-        </a:graphic>
-      </p:graphicFrame>
       <p:grpSp>
         <p:nvGrpSpPr>
           <p:cNvPr id="5" name="Group 4">
@@ -19806,6 +16179,193 @@
           </p:txBody>
         </p:sp>
       </p:grpSp>
+      <p:sp>
+        <p:nvSpPr>
+          <p:cNvPr id="38" name="Title 1">
+            <a:extLst>
+              <a:ext uri="{FF2B5EF4-FFF2-40B4-BE49-F238E27FC236}">
+                <a16:creationId xmlns:a16="http://schemas.microsoft.com/office/drawing/2014/main" id="{81228B2C-4E40-4B8D-BBA1-C66D701279FC}"/>
+              </a:ext>
+            </a:extLst>
+          </p:cNvPr>
+          <p:cNvSpPr txBox="1">
+            <a:spLocks/>
+          </p:cNvSpPr>
+          <p:nvPr/>
+        </p:nvSpPr>
+        <p:spPr>
+          <a:xfrm>
+            <a:off x="446532" y="424390"/>
+            <a:ext cx="11298931" cy="840781"/>
+          </a:xfrm>
+          <a:prstGeom prst="rect">
+            <a:avLst/>
+          </a:prstGeom>
+        </p:spPr>
+        <p:txBody>
+          <a:bodyPr vert="horz" lIns="91440" tIns="45720" rIns="91440" bIns="45720" rtlCol="0" anchor="t">
+            <a:noAutofit/>
+          </a:bodyPr>
+          <a:lstStyle>
+            <a:lvl1pPr algn="l" defTabSz="457200" rtl="0" eaLnBrk="1" latinLnBrk="0" hangingPunct="1">
+              <a:lnSpc>
+                <a:spcPct val="100000"/>
+              </a:lnSpc>
+              <a:spcBef>
+                <a:spcPct val="0"/>
+              </a:spcBef>
+              <a:buNone/>
+              <a:defRPr sz="2800" b="0" kern="1200" cap="all">
+                <a:solidFill>
+                  <a:schemeClr val="tx1">
+                    <a:lumMod val="75000"/>
+                    <a:lumOff val="25000"/>
+                  </a:schemeClr>
+                </a:solidFill>
+                <a:latin typeface="+mj-lt"/>
+                <a:ea typeface="+mj-ea"/>
+                <a:cs typeface="+mj-cs"/>
+              </a:defRPr>
+            </a:lvl1pPr>
+            <a:lvl2pPr eaLnBrk="1" hangingPunct="1">
+              <a:defRPr>
+                <a:solidFill>
+                  <a:schemeClr val="tx2"/>
+                </a:solidFill>
+              </a:defRPr>
+            </a:lvl2pPr>
+            <a:lvl3pPr eaLnBrk="1" hangingPunct="1">
+              <a:defRPr>
+                <a:solidFill>
+                  <a:schemeClr val="tx2"/>
+                </a:solidFill>
+              </a:defRPr>
+            </a:lvl3pPr>
+            <a:lvl4pPr eaLnBrk="1" hangingPunct="1">
+              <a:defRPr>
+                <a:solidFill>
+                  <a:schemeClr val="tx2"/>
+                </a:solidFill>
+              </a:defRPr>
+            </a:lvl4pPr>
+            <a:lvl5pPr eaLnBrk="1" hangingPunct="1">
+              <a:defRPr>
+                <a:solidFill>
+                  <a:schemeClr val="tx2"/>
+                </a:solidFill>
+              </a:defRPr>
+            </a:lvl5pPr>
+            <a:lvl6pPr eaLnBrk="1" hangingPunct="1">
+              <a:defRPr>
+                <a:solidFill>
+                  <a:schemeClr val="tx2"/>
+                </a:solidFill>
+              </a:defRPr>
+            </a:lvl6pPr>
+            <a:lvl7pPr eaLnBrk="1" hangingPunct="1">
+              <a:defRPr>
+                <a:solidFill>
+                  <a:schemeClr val="tx2"/>
+                </a:solidFill>
+              </a:defRPr>
+            </a:lvl7pPr>
+            <a:lvl8pPr eaLnBrk="1" hangingPunct="1">
+              <a:defRPr>
+                <a:solidFill>
+                  <a:schemeClr val="tx2"/>
+                </a:solidFill>
+              </a:defRPr>
+            </a:lvl8pPr>
+            <a:lvl9pPr eaLnBrk="1" hangingPunct="1">
+              <a:defRPr>
+                <a:solidFill>
+                  <a:schemeClr val="tx2"/>
+                </a:solidFill>
+              </a:defRPr>
+            </a:lvl9pPr>
+          </a:lstStyle>
+          <a:p>
+            <a:r>
+              <a:rPr lang="en-US" sz="4800" dirty="0">
+                <a:latin typeface="OCRB" panose="020B0609020202020204" pitchFamily="49" charset="0"/>
+              </a:rPr>
+              <a:t>Slide title</a:t>
+            </a:r>
+            <a:endParaRPr lang="en-US" sz="1000" dirty="0">
+              <a:latin typeface="OCRB" panose="020B0609020202020204" pitchFamily="49" charset="0"/>
+            </a:endParaRPr>
+          </a:p>
+        </p:txBody>
+      </p:sp>
+      <p:sp>
+        <p:nvSpPr>
+          <p:cNvPr id="46" name="Rectangle 45">
+            <a:extLst>
+              <a:ext uri="{FF2B5EF4-FFF2-40B4-BE49-F238E27FC236}">
+                <a16:creationId xmlns:a16="http://schemas.microsoft.com/office/drawing/2014/main" id="{100DE9C3-3223-4A1B-AD01-DF73781985B1}"/>
+              </a:ext>
+            </a:extLst>
+          </p:cNvPr>
+          <p:cNvSpPr/>
+          <p:nvPr/>
+        </p:nvSpPr>
+        <p:spPr>
+          <a:xfrm>
+            <a:off x="446533" y="1446415"/>
+            <a:ext cx="6893606" cy="3202206"/>
+          </a:xfrm>
+          <a:prstGeom prst="rect">
+            <a:avLst/>
+          </a:prstGeom>
+        </p:spPr>
+        <p:style>
+          <a:lnRef idx="0">
+            <a:schemeClr val="dk1">
+              <a:alpha val="0"/>
+              <a:hueOff val="0"/>
+              <a:satOff val="0"/>
+              <a:lumOff val="0"/>
+              <a:alphaOff val="0"/>
+            </a:schemeClr>
+          </a:lnRef>
+          <a:fillRef idx="0">
+            <a:schemeClr val="lt1">
+              <a:alpha val="0"/>
+              <a:hueOff val="0"/>
+              <a:satOff val="0"/>
+              <a:lumOff val="0"/>
+              <a:alphaOff val="0"/>
+            </a:schemeClr>
+          </a:fillRef>
+          <a:effectRef idx="0">
+            <a:schemeClr val="lt1">
+              <a:alpha val="0"/>
+              <a:hueOff val="0"/>
+              <a:satOff val="0"/>
+              <a:lumOff val="0"/>
+              <a:alphaOff val="0"/>
+            </a:schemeClr>
+          </a:effectRef>
+          <a:fontRef idx="minor">
+            <a:schemeClr val="tx1">
+              <a:hueOff val="0"/>
+              <a:satOff val="0"/>
+              <a:lumOff val="0"/>
+              <a:alphaOff val="0"/>
+            </a:schemeClr>
+          </a:fontRef>
+        </p:style>
+        <p:txBody>
+          <a:bodyPr/>
+          <a:lstStyle/>
+          <a:p>
+            <a:r>
+              <a:rPr lang="en-US" dirty="0"/>
+              <a:t>Slide Content</a:t>
+            </a:r>
+          </a:p>
+        </p:txBody>
+      </p:sp>
     </p:spTree>
     <p:extLst>
       <p:ext uri="{BB962C8B-B14F-4D97-AF65-F5344CB8AC3E}">
@@ -20081,8 +16641,8 @@
           <p:nvPr/>
         </p:nvGrpSpPr>
         <p:grpSpPr>
-          <a:xfrm rot="5400000" flipH="1">
-            <a:off x="-1171041" y="1928917"/>
+          <a:xfrm rot="16200000" flipH="1">
+            <a:off x="7981271" y="2666938"/>
             <a:ext cx="5373422" cy="2789294"/>
             <a:chOff x="133815" y="780585"/>
             <a:chExt cx="11883972" cy="5887350"/>
@@ -21830,10 +18390,2160 @@
           </p:txBody>
         </p:sp>
       </p:grpSp>
+      <p:sp>
+        <p:nvSpPr>
+          <p:cNvPr id="39" name="Title 1">
+            <a:extLst>
+              <a:ext uri="{FF2B5EF4-FFF2-40B4-BE49-F238E27FC236}">
+                <a16:creationId xmlns:a16="http://schemas.microsoft.com/office/drawing/2014/main" id="{2A94ED74-EB37-4CF5-B07F-096208BDA0F2}"/>
+              </a:ext>
+            </a:extLst>
+          </p:cNvPr>
+          <p:cNvSpPr>
+            <a:spLocks noGrp="1"/>
+          </p:cNvSpPr>
+          <p:nvPr>
+            <p:ph type="ctrTitle"/>
+          </p:nvPr>
+        </p:nvSpPr>
+        <p:spPr>
+          <a:xfrm>
+            <a:off x="446532" y="424390"/>
+            <a:ext cx="11298931" cy="840781"/>
+          </a:xfrm>
+        </p:spPr>
+        <p:txBody>
+          <a:bodyPr anchor="t">
+            <a:noAutofit/>
+          </a:bodyPr>
+          <a:lstStyle/>
+          <a:p>
+            <a:r>
+              <a:rPr lang="en-US" sz="4800" dirty="0">
+                <a:latin typeface="OCRB" panose="020B0609020202020204" pitchFamily="49" charset="0"/>
+              </a:rPr>
+              <a:t>Slide title</a:t>
+            </a:r>
+            <a:endParaRPr lang="en-US" sz="1000" dirty="0">
+              <a:latin typeface="OCRB" panose="020B0609020202020204" pitchFamily="49" charset="0"/>
+            </a:endParaRPr>
+          </a:p>
+        </p:txBody>
+      </p:sp>
+      <p:sp>
+        <p:nvSpPr>
+          <p:cNvPr id="42" name="Rectangle 41">
+            <a:extLst>
+              <a:ext uri="{FF2B5EF4-FFF2-40B4-BE49-F238E27FC236}">
+                <a16:creationId xmlns:a16="http://schemas.microsoft.com/office/drawing/2014/main" id="{8387CBA8-4082-4D5C-8E54-2789BA61D609}"/>
+              </a:ext>
+            </a:extLst>
+          </p:cNvPr>
+          <p:cNvSpPr/>
+          <p:nvPr/>
+        </p:nvSpPr>
+        <p:spPr>
+          <a:xfrm>
+            <a:off x="446533" y="1446415"/>
+            <a:ext cx="6893606" cy="3202206"/>
+          </a:xfrm>
+          <a:prstGeom prst="rect">
+            <a:avLst/>
+          </a:prstGeom>
+        </p:spPr>
+        <p:style>
+          <a:lnRef idx="0">
+            <a:schemeClr val="dk1">
+              <a:alpha val="0"/>
+              <a:hueOff val="0"/>
+              <a:satOff val="0"/>
+              <a:lumOff val="0"/>
+              <a:alphaOff val="0"/>
+            </a:schemeClr>
+          </a:lnRef>
+          <a:fillRef idx="0">
+            <a:schemeClr val="lt1">
+              <a:alpha val="0"/>
+              <a:hueOff val="0"/>
+              <a:satOff val="0"/>
+              <a:lumOff val="0"/>
+              <a:alphaOff val="0"/>
+            </a:schemeClr>
+          </a:fillRef>
+          <a:effectRef idx="0">
+            <a:schemeClr val="lt1">
+              <a:alpha val="0"/>
+              <a:hueOff val="0"/>
+              <a:satOff val="0"/>
+              <a:lumOff val="0"/>
+              <a:alphaOff val="0"/>
+            </a:schemeClr>
+          </a:effectRef>
+          <a:fontRef idx="minor">
+            <a:schemeClr val="tx1">
+              <a:hueOff val="0"/>
+              <a:satOff val="0"/>
+              <a:lumOff val="0"/>
+              <a:alphaOff val="0"/>
+            </a:schemeClr>
+          </a:fontRef>
+        </p:style>
+        <p:txBody>
+          <a:bodyPr/>
+          <a:lstStyle/>
+          <a:p>
+            <a:r>
+              <a:rPr lang="en-US" dirty="0"/>
+              <a:t>Slide Content</a:t>
+            </a:r>
+          </a:p>
+        </p:txBody>
+      </p:sp>
     </p:spTree>
     <p:extLst>
       <p:ext uri="{BB962C8B-B14F-4D97-AF65-F5344CB8AC3E}">
         <p14:creationId xmlns:p14="http://schemas.microsoft.com/office/powerpoint/2010/main" val="3091102866"/>
+      </p:ext>
+    </p:extLst>
+  </p:cSld>
+  <p:clrMapOvr>
+    <a:masterClrMapping/>
+  </p:clrMapOvr>
+</p:sld>
+</file>
+
+<file path=ppt/slides/slide7.xml><?xml version="1.0" encoding="utf-8"?>
+<p:sld xmlns:a="http://schemas.openxmlformats.org/drawingml/2006/main" xmlns:r="http://schemas.openxmlformats.org/officeDocument/2006/relationships" xmlns:p="http://schemas.openxmlformats.org/presentationml/2006/main">
+  <p:cSld>
+    <p:bg>
+      <p:bgPr>
+        <a:solidFill>
+          <a:schemeClr val="bg1">
+            <a:lumMod val="95000"/>
+          </a:schemeClr>
+        </a:solidFill>
+        <a:effectLst/>
+      </p:bgPr>
+    </p:bg>
+    <p:spTree>
+      <p:nvGrpSpPr>
+        <p:cNvPr id="1" name=""/>
+        <p:cNvGrpSpPr/>
+        <p:nvPr/>
+      </p:nvGrpSpPr>
+      <p:grpSpPr>
+        <a:xfrm>
+          <a:off x="0" y="0"/>
+          <a:ext cx="0" cy="0"/>
+          <a:chOff x="0" y="0"/>
+          <a:chExt cx="0" cy="0"/>
+        </a:xfrm>
+      </p:grpSpPr>
+      <p:sp useBgFill="1">
+        <p:nvSpPr>
+          <p:cNvPr id="18" name="Rectangle 17">
+            <a:extLst>
+              <a:ext uri="{FF2B5EF4-FFF2-40B4-BE49-F238E27FC236}">
+                <a16:creationId xmlns:a16="http://schemas.microsoft.com/office/drawing/2014/main" id="{D6D7A0BC-0046-4CAA-8E7F-DCAFE511EA0E}"/>
+              </a:ext>
+              <a:ext uri="{C183D7F6-B498-43B3-948B-1728B52AA6E4}">
+                <adec:decorative xmlns:adec="http://schemas.microsoft.com/office/drawing/2017/decorative" val="1"/>
+              </a:ext>
+            </a:extLst>
+          </p:cNvPr>
+          <p:cNvSpPr>
+            <a:spLocks noGrp="1" noRot="1" noChangeAspect="1" noMove="1" noResize="1" noEditPoints="1" noAdjustHandles="1" noChangeArrowheads="1" noChangeShapeType="1" noTextEdit="1"/>
+          </p:cNvSpPr>
+          <p:nvPr>
+            <p:extLst>
+              <p:ext uri="{386F3935-93C4-4BCD-93E2-E3B085C9AB24}">
+                <p16:designElem xmlns:p16="http://schemas.microsoft.com/office/powerpoint/2015/main" val="1"/>
+              </p:ext>
+            </p:extLst>
+          </p:nvPr>
+        </p:nvSpPr>
+        <p:spPr>
+          <a:xfrm>
+            <a:off x="0" y="0"/>
+            <a:ext cx="12192000" cy="6858000"/>
+          </a:xfrm>
+          <a:prstGeom prst="rect">
+            <a:avLst/>
+          </a:prstGeom>
+          <a:ln>
+            <a:noFill/>
+          </a:ln>
+        </p:spPr>
+        <p:style>
+          <a:lnRef idx="2">
+            <a:schemeClr val="accent1">
+              <a:shade val="50000"/>
+            </a:schemeClr>
+          </a:lnRef>
+          <a:fillRef idx="1">
+            <a:schemeClr val="accent1"/>
+          </a:fillRef>
+          <a:effectRef idx="0">
+            <a:schemeClr val="accent1"/>
+          </a:effectRef>
+          <a:fontRef idx="minor">
+            <a:schemeClr val="lt1"/>
+          </a:fontRef>
+        </p:style>
+        <p:txBody>
+          <a:bodyPr rtlCol="0" anchor="ctr"/>
+          <a:lstStyle/>
+          <a:p>
+            <a:pPr algn="ctr"/>
+            <a:endParaRPr lang="en-US" dirty="0"/>
+          </a:p>
+        </p:txBody>
+      </p:sp>
+      <p:sp>
+        <p:nvSpPr>
+          <p:cNvPr id="2" name="Title 1">
+            <a:extLst>
+              <a:ext uri="{FF2B5EF4-FFF2-40B4-BE49-F238E27FC236}">
+                <a16:creationId xmlns:a16="http://schemas.microsoft.com/office/drawing/2014/main" id="{1C21E816-31F5-48BB-BD02-D15F2F18B48A}"/>
+              </a:ext>
+            </a:extLst>
+          </p:cNvPr>
+          <p:cNvSpPr>
+            <a:spLocks noGrp="1"/>
+          </p:cNvSpPr>
+          <p:nvPr>
+            <p:ph type="ctrTitle"/>
+          </p:nvPr>
+        </p:nvSpPr>
+        <p:spPr>
+          <a:xfrm>
+            <a:off x="1323945" y="1859959"/>
+            <a:ext cx="1446628" cy="631767"/>
+          </a:xfrm>
+        </p:spPr>
+        <p:txBody>
+          <a:bodyPr anchor="t">
+            <a:noAutofit/>
+          </a:bodyPr>
+          <a:lstStyle/>
+          <a:p>
+            <a:pPr algn="ctr"/>
+            <a:r>
+              <a:rPr lang="en-US" sz="2800" dirty="0">
+                <a:latin typeface="OCRB" panose="020B0609020202020204" pitchFamily="49" charset="0"/>
+              </a:rPr>
+              <a:t>fin</a:t>
+            </a:r>
+          </a:p>
+        </p:txBody>
+      </p:sp>
+      <p:sp>
+        <p:nvSpPr>
+          <p:cNvPr id="20" name="Rectangle 19">
+            <a:extLst>
+              <a:ext uri="{FF2B5EF4-FFF2-40B4-BE49-F238E27FC236}">
+                <a16:creationId xmlns:a16="http://schemas.microsoft.com/office/drawing/2014/main" id="{E7C6334F-6411-41EC-AD7D-179EDD8B58CB}"/>
+              </a:ext>
+              <a:ext uri="{C183D7F6-B498-43B3-948B-1728B52AA6E4}">
+                <adec:decorative xmlns:adec="http://schemas.microsoft.com/office/drawing/2017/decorative" val="1"/>
+              </a:ext>
+            </a:extLst>
+          </p:cNvPr>
+          <p:cNvSpPr>
+            <a:spLocks noGrp="1" noRot="1" noChangeAspect="1" noMove="1" noResize="1" noEditPoints="1" noAdjustHandles="1" noChangeArrowheads="1" noChangeShapeType="1" noTextEdit="1"/>
+          </p:cNvSpPr>
+          <p:nvPr>
+            <p:extLst>
+              <p:ext uri="{386F3935-93C4-4BCD-93E2-E3B085C9AB24}">
+                <p16:designElem xmlns:p16="http://schemas.microsoft.com/office/powerpoint/2015/main" val="1"/>
+              </p:ext>
+            </p:extLst>
+          </p:nvPr>
+        </p:nvSpPr>
+        <p:spPr>
+          <a:xfrm>
+            <a:off x="446534" y="457200"/>
+            <a:ext cx="3703320" cy="94997"/>
+          </a:xfrm>
+          <a:prstGeom prst="rect">
+            <a:avLst/>
+          </a:prstGeom>
+          <a:solidFill>
+            <a:srgbClr val="465359"/>
+          </a:solidFill>
+          <a:ln>
+            <a:noFill/>
+          </a:ln>
+          <a:effectLst/>
+        </p:spPr>
+        <p:style>
+          <a:lnRef idx="1">
+            <a:schemeClr val="accent1"/>
+          </a:lnRef>
+          <a:fillRef idx="3">
+            <a:schemeClr val="accent1"/>
+          </a:fillRef>
+          <a:effectRef idx="2">
+            <a:schemeClr val="accent1"/>
+          </a:effectRef>
+          <a:fontRef idx="minor">
+            <a:schemeClr val="lt1"/>
+          </a:fontRef>
+        </p:style>
+      </p:sp>
+      <p:sp>
+        <p:nvSpPr>
+          <p:cNvPr id="22" name="Rectangle 21">
+            <a:extLst>
+              <a:ext uri="{FF2B5EF4-FFF2-40B4-BE49-F238E27FC236}">
+                <a16:creationId xmlns:a16="http://schemas.microsoft.com/office/drawing/2014/main" id="{E6B02CEE-3AF8-4349-9B3E-8970E6DF62B3}"/>
+              </a:ext>
+              <a:ext uri="{C183D7F6-B498-43B3-948B-1728B52AA6E4}">
+                <adec:decorative xmlns:adec="http://schemas.microsoft.com/office/drawing/2017/decorative" val="1"/>
+              </a:ext>
+            </a:extLst>
+          </p:cNvPr>
+          <p:cNvSpPr>
+            <a:spLocks noGrp="1" noRot="1" noChangeAspect="1" noMove="1" noResize="1" noEditPoints="1" noAdjustHandles="1" noChangeArrowheads="1" noChangeShapeType="1" noTextEdit="1"/>
+          </p:cNvSpPr>
+          <p:nvPr>
+            <p:extLst>
+              <p:ext uri="{386F3935-93C4-4BCD-93E2-E3B085C9AB24}">
+                <p16:designElem xmlns:p16="http://schemas.microsoft.com/office/powerpoint/2015/main" val="1"/>
+              </p:ext>
+            </p:extLst>
+          </p:nvPr>
+        </p:nvSpPr>
+        <p:spPr>
+          <a:xfrm>
+            <a:off x="4241830" y="457200"/>
+            <a:ext cx="3703320" cy="91440"/>
+          </a:xfrm>
+          <a:prstGeom prst="rect">
+            <a:avLst/>
+          </a:prstGeom>
+          <a:solidFill>
+            <a:schemeClr val="accent1"/>
+          </a:solidFill>
+          <a:ln>
+            <a:noFill/>
+          </a:ln>
+          <a:effectLst/>
+        </p:spPr>
+        <p:style>
+          <a:lnRef idx="1">
+            <a:schemeClr val="accent1"/>
+          </a:lnRef>
+          <a:fillRef idx="3">
+            <a:schemeClr val="accent1"/>
+          </a:fillRef>
+          <a:effectRef idx="2">
+            <a:schemeClr val="accent1"/>
+          </a:effectRef>
+          <a:fontRef idx="minor">
+            <a:schemeClr val="lt1"/>
+          </a:fontRef>
+        </p:style>
+      </p:sp>
+      <p:sp>
+        <p:nvSpPr>
+          <p:cNvPr id="24" name="Rectangle 23">
+            <a:extLst>
+              <a:ext uri="{FF2B5EF4-FFF2-40B4-BE49-F238E27FC236}">
+                <a16:creationId xmlns:a16="http://schemas.microsoft.com/office/drawing/2014/main" id="{AAA01CF0-3FB5-44EB-B7DE-F2E86374C2FB}"/>
+              </a:ext>
+              <a:ext uri="{C183D7F6-B498-43B3-948B-1728B52AA6E4}">
+                <adec:decorative xmlns:adec="http://schemas.microsoft.com/office/drawing/2017/decorative" val="1"/>
+              </a:ext>
+            </a:extLst>
+          </p:cNvPr>
+          <p:cNvSpPr>
+            <a:spLocks noGrp="1" noRot="1" noChangeAspect="1" noMove="1" noResize="1" noEditPoints="1" noAdjustHandles="1" noChangeArrowheads="1" noChangeShapeType="1" noTextEdit="1"/>
+          </p:cNvSpPr>
+          <p:nvPr>
+            <p:extLst>
+              <p:ext uri="{386F3935-93C4-4BCD-93E2-E3B085C9AB24}">
+                <p16:designElem xmlns:p16="http://schemas.microsoft.com/office/powerpoint/2015/main" val="1"/>
+              </p:ext>
+            </p:extLst>
+          </p:nvPr>
+        </p:nvSpPr>
+        <p:spPr>
+          <a:xfrm>
+            <a:off x="8042147" y="453643"/>
+            <a:ext cx="3703320" cy="98554"/>
+          </a:xfrm>
+          <a:prstGeom prst="rect">
+            <a:avLst/>
+          </a:prstGeom>
+          <a:solidFill>
+            <a:srgbClr val="969FA7"/>
+          </a:solidFill>
+          <a:ln>
+            <a:noFill/>
+          </a:ln>
+          <a:effectLst/>
+        </p:spPr>
+        <p:style>
+          <a:lnRef idx="1">
+            <a:schemeClr val="accent1"/>
+          </a:lnRef>
+          <a:fillRef idx="3">
+            <a:schemeClr val="accent1"/>
+          </a:fillRef>
+          <a:effectRef idx="2">
+            <a:schemeClr val="accent1"/>
+          </a:effectRef>
+          <a:fontRef idx="minor">
+            <a:schemeClr val="lt1"/>
+          </a:fontRef>
+        </p:style>
+      </p:sp>
+      <p:sp>
+        <p:nvSpPr>
+          <p:cNvPr id="14" name="Oval 13">
+            <a:extLst>
+              <a:ext uri="{FF2B5EF4-FFF2-40B4-BE49-F238E27FC236}">
+                <a16:creationId xmlns:a16="http://schemas.microsoft.com/office/drawing/2014/main" id="{097159E7-F245-4562-948A-971D4E3C265E}"/>
+              </a:ext>
+            </a:extLst>
+          </p:cNvPr>
+          <p:cNvSpPr/>
+          <p:nvPr/>
+        </p:nvSpPr>
+        <p:spPr>
+          <a:xfrm>
+            <a:off x="7755192" y="1580032"/>
+            <a:ext cx="765110" cy="765110"/>
+          </a:xfrm>
+          <a:prstGeom prst="ellipse">
+            <a:avLst/>
+          </a:prstGeom>
+          <a:solidFill>
+            <a:schemeClr val="bg1">
+              <a:lumMod val="95000"/>
+            </a:schemeClr>
+          </a:solidFill>
+          <a:ln w="50800">
+            <a:solidFill>
+              <a:schemeClr val="tx1">
+                <a:lumMod val="75000"/>
+                <a:lumOff val="25000"/>
+              </a:schemeClr>
+            </a:solidFill>
+          </a:ln>
+        </p:spPr>
+        <p:style>
+          <a:lnRef idx="2">
+            <a:schemeClr val="dk1">
+              <a:shade val="50000"/>
+            </a:schemeClr>
+          </a:lnRef>
+          <a:fillRef idx="1">
+            <a:schemeClr val="dk1"/>
+          </a:fillRef>
+          <a:effectRef idx="0">
+            <a:schemeClr val="dk1"/>
+          </a:effectRef>
+          <a:fontRef idx="minor">
+            <a:schemeClr val="lt1"/>
+          </a:fontRef>
+        </p:style>
+        <p:txBody>
+          <a:bodyPr rtlCol="0" anchor="ctr"/>
+          <a:lstStyle/>
+          <a:p>
+            <a:pPr algn="ctr"/>
+            <a:endParaRPr lang="en-US"/>
+          </a:p>
+        </p:txBody>
+      </p:sp>
+      <p:cxnSp>
+        <p:nvCxnSpPr>
+          <p:cNvPr id="7" name="Straight Connector 6">
+            <a:extLst>
+              <a:ext uri="{FF2B5EF4-FFF2-40B4-BE49-F238E27FC236}">
+                <a16:creationId xmlns:a16="http://schemas.microsoft.com/office/drawing/2014/main" id="{D4DFA75C-6434-4229-B047-C15AA29EF31D}"/>
+              </a:ext>
+            </a:extLst>
+          </p:cNvPr>
+          <p:cNvCxnSpPr>
+            <a:cxnSpLocks/>
+          </p:cNvCxnSpPr>
+          <p:nvPr/>
+        </p:nvCxnSpPr>
+        <p:spPr>
+          <a:xfrm>
+            <a:off x="133815" y="6667935"/>
+            <a:ext cx="11883972" cy="0"/>
+          </a:xfrm>
+          <a:prstGeom prst="line">
+            <a:avLst/>
+          </a:prstGeom>
+          <a:ln w="50800" cap="sq">
+            <a:solidFill>
+              <a:schemeClr val="tx1">
+                <a:lumMod val="75000"/>
+                <a:lumOff val="25000"/>
+              </a:schemeClr>
+            </a:solidFill>
+          </a:ln>
+        </p:spPr>
+        <p:style>
+          <a:lnRef idx="1">
+            <a:schemeClr val="accent1"/>
+          </a:lnRef>
+          <a:fillRef idx="0">
+            <a:schemeClr val="accent1"/>
+          </a:fillRef>
+          <a:effectRef idx="0">
+            <a:schemeClr val="accent1"/>
+          </a:effectRef>
+          <a:fontRef idx="minor">
+            <a:schemeClr val="tx1"/>
+          </a:fontRef>
+        </p:style>
+      </p:cxnSp>
+      <p:cxnSp>
+        <p:nvCxnSpPr>
+          <p:cNvPr id="10" name="Straight Connector 9">
+            <a:extLst>
+              <a:ext uri="{FF2B5EF4-FFF2-40B4-BE49-F238E27FC236}">
+                <a16:creationId xmlns:a16="http://schemas.microsoft.com/office/drawing/2014/main" id="{86595BC5-DD50-4425-94CB-E4E128944B9B}"/>
+              </a:ext>
+            </a:extLst>
+          </p:cNvPr>
+          <p:cNvCxnSpPr>
+            <a:cxnSpLocks/>
+          </p:cNvCxnSpPr>
+          <p:nvPr/>
+        </p:nvCxnSpPr>
+        <p:spPr>
+          <a:xfrm>
+            <a:off x="12017787" y="780585"/>
+            <a:ext cx="0" cy="5867862"/>
+          </a:xfrm>
+          <a:prstGeom prst="line">
+            <a:avLst/>
+          </a:prstGeom>
+          <a:ln w="50800" cap="sq">
+            <a:solidFill>
+              <a:schemeClr val="tx1">
+                <a:lumMod val="75000"/>
+                <a:lumOff val="25000"/>
+              </a:schemeClr>
+            </a:solidFill>
+          </a:ln>
+        </p:spPr>
+        <p:style>
+          <a:lnRef idx="1">
+            <a:schemeClr val="accent1"/>
+          </a:lnRef>
+          <a:fillRef idx="0">
+            <a:schemeClr val="accent1"/>
+          </a:fillRef>
+          <a:effectRef idx="0">
+            <a:schemeClr val="accent1"/>
+          </a:effectRef>
+          <a:fontRef idx="minor">
+            <a:schemeClr val="tx1"/>
+          </a:fontRef>
+        </p:style>
+      </p:cxnSp>
+      <p:cxnSp>
+        <p:nvCxnSpPr>
+          <p:cNvPr id="21" name="Straight Connector 20">
+            <a:extLst>
+              <a:ext uri="{FF2B5EF4-FFF2-40B4-BE49-F238E27FC236}">
+                <a16:creationId xmlns:a16="http://schemas.microsoft.com/office/drawing/2014/main" id="{45064C6B-D54C-4EF8-B01A-E7758B62499A}"/>
+              </a:ext>
+            </a:extLst>
+          </p:cNvPr>
+          <p:cNvCxnSpPr>
+            <a:cxnSpLocks/>
+          </p:cNvCxnSpPr>
+          <p:nvPr/>
+        </p:nvCxnSpPr>
+        <p:spPr>
+          <a:xfrm>
+            <a:off x="2113340" y="5902825"/>
+            <a:ext cx="9904447" cy="0"/>
+          </a:xfrm>
+          <a:prstGeom prst="line">
+            <a:avLst/>
+          </a:prstGeom>
+          <a:ln w="50800" cap="sq">
+            <a:solidFill>
+              <a:schemeClr val="tx1">
+                <a:lumMod val="75000"/>
+                <a:lumOff val="25000"/>
+              </a:schemeClr>
+            </a:solidFill>
+          </a:ln>
+        </p:spPr>
+        <p:style>
+          <a:lnRef idx="1">
+            <a:schemeClr val="accent1"/>
+          </a:lnRef>
+          <a:fillRef idx="0">
+            <a:schemeClr val="accent1"/>
+          </a:fillRef>
+          <a:effectRef idx="0">
+            <a:schemeClr val="accent1"/>
+          </a:effectRef>
+          <a:fontRef idx="minor">
+            <a:schemeClr val="tx1"/>
+          </a:fontRef>
+        </p:style>
+      </p:cxnSp>
+      <p:cxnSp>
+        <p:nvCxnSpPr>
+          <p:cNvPr id="25" name="Straight Connector 24">
+            <a:extLst>
+              <a:ext uri="{FF2B5EF4-FFF2-40B4-BE49-F238E27FC236}">
+                <a16:creationId xmlns:a16="http://schemas.microsoft.com/office/drawing/2014/main" id="{30E5A439-16AF-4D6D-911E-E3F5E80F7041}"/>
+              </a:ext>
+            </a:extLst>
+          </p:cNvPr>
+          <p:cNvCxnSpPr>
+            <a:cxnSpLocks/>
+          </p:cNvCxnSpPr>
+          <p:nvPr/>
+        </p:nvCxnSpPr>
+        <p:spPr>
+          <a:xfrm>
+            <a:off x="4149854" y="5137715"/>
+            <a:ext cx="7816595" cy="0"/>
+          </a:xfrm>
+          <a:prstGeom prst="line">
+            <a:avLst/>
+          </a:prstGeom>
+          <a:ln w="50800" cap="sq">
+            <a:solidFill>
+              <a:schemeClr val="tx1">
+                <a:lumMod val="75000"/>
+                <a:lumOff val="25000"/>
+              </a:schemeClr>
+            </a:solidFill>
+          </a:ln>
+        </p:spPr>
+        <p:style>
+          <a:lnRef idx="1">
+            <a:schemeClr val="accent1"/>
+          </a:lnRef>
+          <a:fillRef idx="0">
+            <a:schemeClr val="accent1"/>
+          </a:fillRef>
+          <a:effectRef idx="0">
+            <a:schemeClr val="accent1"/>
+          </a:effectRef>
+          <a:fontRef idx="minor">
+            <a:schemeClr val="tx1"/>
+          </a:fontRef>
+        </p:style>
+      </p:cxnSp>
+      <p:sp>
+        <p:nvSpPr>
+          <p:cNvPr id="26" name="Oval 25">
+            <a:extLst>
+              <a:ext uri="{FF2B5EF4-FFF2-40B4-BE49-F238E27FC236}">
+                <a16:creationId xmlns:a16="http://schemas.microsoft.com/office/drawing/2014/main" id="{8B330145-A8F5-4A1F-BC04-AA9501D51505}"/>
+              </a:ext>
+            </a:extLst>
+          </p:cNvPr>
+          <p:cNvSpPr/>
+          <p:nvPr/>
+        </p:nvSpPr>
+        <p:spPr>
+          <a:xfrm>
+            <a:off x="10099410" y="3980306"/>
+            <a:ext cx="765110" cy="765110"/>
+          </a:xfrm>
+          <a:prstGeom prst="ellipse">
+            <a:avLst/>
+          </a:prstGeom>
+          <a:solidFill>
+            <a:schemeClr val="tx1">
+              <a:lumMod val="75000"/>
+              <a:lumOff val="25000"/>
+            </a:schemeClr>
+          </a:solidFill>
+          <a:ln>
+            <a:solidFill>
+              <a:schemeClr val="tx1">
+                <a:lumMod val="75000"/>
+                <a:lumOff val="25000"/>
+              </a:schemeClr>
+            </a:solidFill>
+          </a:ln>
+        </p:spPr>
+        <p:style>
+          <a:lnRef idx="2">
+            <a:schemeClr val="dk1">
+              <a:shade val="50000"/>
+            </a:schemeClr>
+          </a:lnRef>
+          <a:fillRef idx="1">
+            <a:schemeClr val="dk1"/>
+          </a:fillRef>
+          <a:effectRef idx="0">
+            <a:schemeClr val="dk1"/>
+          </a:effectRef>
+          <a:fontRef idx="minor">
+            <a:schemeClr val="lt1"/>
+          </a:fontRef>
+        </p:style>
+        <p:txBody>
+          <a:bodyPr rtlCol="0" anchor="ctr"/>
+          <a:lstStyle/>
+          <a:p>
+            <a:pPr algn="ctr"/>
+            <a:endParaRPr lang="en-US"/>
+          </a:p>
+        </p:txBody>
+      </p:sp>
+      <p:cxnSp>
+        <p:nvCxnSpPr>
+          <p:cNvPr id="27" name="Straight Connector 26">
+            <a:extLst>
+              <a:ext uri="{FF2B5EF4-FFF2-40B4-BE49-F238E27FC236}">
+                <a16:creationId xmlns:a16="http://schemas.microsoft.com/office/drawing/2014/main" id="{703C2485-2EFC-42B3-8B80-B12EDB7A88C3}"/>
+              </a:ext>
+            </a:extLst>
+          </p:cNvPr>
+          <p:cNvCxnSpPr>
+            <a:cxnSpLocks/>
+          </p:cNvCxnSpPr>
+          <p:nvPr/>
+        </p:nvCxnSpPr>
+        <p:spPr>
+          <a:xfrm>
+            <a:off x="11241471" y="1688228"/>
+            <a:ext cx="0" cy="4965795"/>
+          </a:xfrm>
+          <a:prstGeom prst="line">
+            <a:avLst/>
+          </a:prstGeom>
+          <a:ln w="50800" cap="sq">
+            <a:solidFill>
+              <a:schemeClr val="tx1">
+                <a:lumMod val="75000"/>
+                <a:lumOff val="25000"/>
+              </a:schemeClr>
+            </a:solidFill>
+          </a:ln>
+        </p:spPr>
+        <p:style>
+          <a:lnRef idx="1">
+            <a:schemeClr val="accent1"/>
+          </a:lnRef>
+          <a:fillRef idx="0">
+            <a:schemeClr val="accent1"/>
+          </a:fillRef>
+          <a:effectRef idx="0">
+            <a:schemeClr val="accent1"/>
+          </a:effectRef>
+          <a:fontRef idx="minor">
+            <a:schemeClr val="tx1"/>
+          </a:fontRef>
+        </p:style>
+      </p:cxnSp>
+      <p:cxnSp>
+        <p:nvCxnSpPr>
+          <p:cNvPr id="28" name="Straight Connector 27">
+            <a:extLst>
+              <a:ext uri="{FF2B5EF4-FFF2-40B4-BE49-F238E27FC236}">
+                <a16:creationId xmlns:a16="http://schemas.microsoft.com/office/drawing/2014/main" id="{F2DB22D4-040D-4989-8075-D19370C099CB}"/>
+              </a:ext>
+            </a:extLst>
+          </p:cNvPr>
+          <p:cNvCxnSpPr>
+            <a:cxnSpLocks/>
+          </p:cNvCxnSpPr>
+          <p:nvPr/>
+        </p:nvCxnSpPr>
+        <p:spPr>
+          <a:xfrm>
+            <a:off x="10461055" y="2200241"/>
+            <a:ext cx="0" cy="4467694"/>
+          </a:xfrm>
+          <a:prstGeom prst="line">
+            <a:avLst/>
+          </a:prstGeom>
+          <a:ln w="50800" cap="sq">
+            <a:solidFill>
+              <a:schemeClr val="tx1">
+                <a:lumMod val="75000"/>
+                <a:lumOff val="25000"/>
+              </a:schemeClr>
+            </a:solidFill>
+          </a:ln>
+        </p:spPr>
+        <p:style>
+          <a:lnRef idx="1">
+            <a:schemeClr val="accent1"/>
+          </a:lnRef>
+          <a:fillRef idx="0">
+            <a:schemeClr val="accent1"/>
+          </a:fillRef>
+          <a:effectRef idx="0">
+            <a:schemeClr val="accent1"/>
+          </a:effectRef>
+          <a:fontRef idx="minor">
+            <a:schemeClr val="tx1"/>
+          </a:fontRef>
+        </p:style>
+      </p:cxnSp>
+      <p:sp>
+        <p:nvSpPr>
+          <p:cNvPr id="29" name="Oval 28">
+            <a:extLst>
+              <a:ext uri="{FF2B5EF4-FFF2-40B4-BE49-F238E27FC236}">
+                <a16:creationId xmlns:a16="http://schemas.microsoft.com/office/drawing/2014/main" id="{3BC5FE9E-A1BB-47CA-9606-5D7EE6175630}"/>
+              </a:ext>
+            </a:extLst>
+          </p:cNvPr>
+          <p:cNvSpPr/>
+          <p:nvPr/>
+        </p:nvSpPr>
+        <p:spPr>
+          <a:xfrm>
+            <a:off x="8522611" y="1584386"/>
+            <a:ext cx="765110" cy="765110"/>
+          </a:xfrm>
+          <a:prstGeom prst="ellipse">
+            <a:avLst/>
+          </a:prstGeom>
+          <a:solidFill>
+            <a:schemeClr val="bg1">
+              <a:lumMod val="95000"/>
+            </a:schemeClr>
+          </a:solidFill>
+          <a:ln w="50800">
+            <a:solidFill>
+              <a:schemeClr val="tx1">
+                <a:lumMod val="75000"/>
+                <a:lumOff val="25000"/>
+              </a:schemeClr>
+            </a:solidFill>
+          </a:ln>
+        </p:spPr>
+        <p:style>
+          <a:lnRef idx="2">
+            <a:schemeClr val="dk1">
+              <a:shade val="50000"/>
+            </a:schemeClr>
+          </a:lnRef>
+          <a:fillRef idx="1">
+            <a:schemeClr val="dk1"/>
+          </a:fillRef>
+          <a:effectRef idx="0">
+            <a:schemeClr val="dk1"/>
+          </a:effectRef>
+          <a:fontRef idx="minor">
+            <a:schemeClr val="lt1"/>
+          </a:fontRef>
+        </p:style>
+        <p:txBody>
+          <a:bodyPr rtlCol="0" anchor="ctr"/>
+          <a:lstStyle/>
+          <a:p>
+            <a:pPr algn="ctr"/>
+            <a:endParaRPr lang="en-US"/>
+          </a:p>
+        </p:txBody>
+      </p:sp>
+      <p:cxnSp>
+        <p:nvCxnSpPr>
+          <p:cNvPr id="30" name="Straight Connector 29">
+            <a:extLst>
+              <a:ext uri="{FF2B5EF4-FFF2-40B4-BE49-F238E27FC236}">
+                <a16:creationId xmlns:a16="http://schemas.microsoft.com/office/drawing/2014/main" id="{5C692B74-C33A-4226-8C3E-0EEDC6441D85}"/>
+              </a:ext>
+            </a:extLst>
+          </p:cNvPr>
+          <p:cNvCxnSpPr>
+            <a:cxnSpLocks/>
+          </p:cNvCxnSpPr>
+          <p:nvPr/>
+        </p:nvCxnSpPr>
+        <p:spPr>
+          <a:xfrm>
+            <a:off x="9695945" y="2729561"/>
+            <a:ext cx="0" cy="3938374"/>
+          </a:xfrm>
+          <a:prstGeom prst="line">
+            <a:avLst/>
+          </a:prstGeom>
+          <a:ln w="50800" cap="sq">
+            <a:solidFill>
+              <a:schemeClr val="tx1">
+                <a:lumMod val="75000"/>
+                <a:lumOff val="25000"/>
+              </a:schemeClr>
+            </a:solidFill>
+          </a:ln>
+        </p:spPr>
+        <p:style>
+          <a:lnRef idx="1">
+            <a:schemeClr val="accent1"/>
+          </a:lnRef>
+          <a:fillRef idx="0">
+            <a:schemeClr val="accent1"/>
+          </a:fillRef>
+          <a:effectRef idx="0">
+            <a:schemeClr val="accent1"/>
+          </a:effectRef>
+          <a:fontRef idx="minor">
+            <a:schemeClr val="tx1"/>
+          </a:fontRef>
+        </p:style>
+      </p:cxnSp>
+      <p:cxnSp>
+        <p:nvCxnSpPr>
+          <p:cNvPr id="31" name="Straight Connector 30">
+            <a:extLst>
+              <a:ext uri="{FF2B5EF4-FFF2-40B4-BE49-F238E27FC236}">
+                <a16:creationId xmlns:a16="http://schemas.microsoft.com/office/drawing/2014/main" id="{98537EC5-0F8E-4FDB-AC5B-BAEE3BB45B71}"/>
+              </a:ext>
+            </a:extLst>
+          </p:cNvPr>
+          <p:cNvCxnSpPr>
+            <a:cxnSpLocks/>
+          </p:cNvCxnSpPr>
+          <p:nvPr/>
+        </p:nvCxnSpPr>
+        <p:spPr>
+          <a:xfrm>
+            <a:off x="6467707" y="4372605"/>
+            <a:ext cx="5550080" cy="0"/>
+          </a:xfrm>
+          <a:prstGeom prst="line">
+            <a:avLst/>
+          </a:prstGeom>
+          <a:ln w="50800" cap="sq">
+            <a:solidFill>
+              <a:schemeClr val="tx1">
+                <a:lumMod val="75000"/>
+                <a:lumOff val="25000"/>
+              </a:schemeClr>
+            </a:solidFill>
+          </a:ln>
+        </p:spPr>
+        <p:style>
+          <a:lnRef idx="1">
+            <a:schemeClr val="accent1"/>
+          </a:lnRef>
+          <a:fillRef idx="0">
+            <a:schemeClr val="accent1"/>
+          </a:fillRef>
+          <a:effectRef idx="0">
+            <a:schemeClr val="accent1"/>
+          </a:effectRef>
+          <a:fontRef idx="minor">
+            <a:schemeClr val="tx1"/>
+          </a:fontRef>
+        </p:style>
+      </p:cxnSp>
+      <p:sp>
+        <p:nvSpPr>
+          <p:cNvPr id="35" name="Oval 34">
+            <a:extLst>
+              <a:ext uri="{FF2B5EF4-FFF2-40B4-BE49-F238E27FC236}">
+                <a16:creationId xmlns:a16="http://schemas.microsoft.com/office/drawing/2014/main" id="{C34F9200-98F8-4357-99F0-374DC7635E36}"/>
+              </a:ext>
+            </a:extLst>
+          </p:cNvPr>
+          <p:cNvSpPr/>
+          <p:nvPr/>
+        </p:nvSpPr>
+        <p:spPr>
+          <a:xfrm>
+            <a:off x="10864520" y="4755160"/>
+            <a:ext cx="765110" cy="765110"/>
+          </a:xfrm>
+          <a:prstGeom prst="ellipse">
+            <a:avLst/>
+          </a:prstGeom>
+          <a:solidFill>
+            <a:schemeClr val="bg1">
+              <a:lumMod val="95000"/>
+            </a:schemeClr>
+          </a:solidFill>
+          <a:ln w="50800">
+            <a:solidFill>
+              <a:schemeClr val="tx1">
+                <a:lumMod val="75000"/>
+                <a:lumOff val="25000"/>
+              </a:schemeClr>
+            </a:solidFill>
+          </a:ln>
+        </p:spPr>
+        <p:style>
+          <a:lnRef idx="2">
+            <a:schemeClr val="dk1">
+              <a:shade val="50000"/>
+            </a:schemeClr>
+          </a:lnRef>
+          <a:fillRef idx="1">
+            <a:schemeClr val="dk1"/>
+          </a:fillRef>
+          <a:effectRef idx="0">
+            <a:schemeClr val="dk1"/>
+          </a:effectRef>
+          <a:fontRef idx="minor">
+            <a:schemeClr val="lt1"/>
+          </a:fontRef>
+        </p:style>
+        <p:txBody>
+          <a:bodyPr rtlCol="0" anchor="ctr"/>
+          <a:lstStyle/>
+          <a:p>
+            <a:pPr algn="ctr"/>
+            <a:endParaRPr lang="en-US"/>
+          </a:p>
+        </p:txBody>
+      </p:sp>
+      <p:sp>
+        <p:nvSpPr>
+          <p:cNvPr id="36" name="Oval 35">
+            <a:extLst>
+              <a:ext uri="{FF2B5EF4-FFF2-40B4-BE49-F238E27FC236}">
+                <a16:creationId xmlns:a16="http://schemas.microsoft.com/office/drawing/2014/main" id="{B90A642A-01BB-4E38-8C2C-EB7F2DE7D0E3}"/>
+              </a:ext>
+            </a:extLst>
+          </p:cNvPr>
+          <p:cNvSpPr/>
+          <p:nvPr/>
+        </p:nvSpPr>
+        <p:spPr>
+          <a:xfrm>
+            <a:off x="10099410" y="4755160"/>
+            <a:ext cx="765110" cy="765110"/>
+          </a:xfrm>
+          <a:prstGeom prst="ellipse">
+            <a:avLst/>
+          </a:prstGeom>
+          <a:solidFill>
+            <a:schemeClr val="bg1">
+              <a:lumMod val="95000"/>
+            </a:schemeClr>
+          </a:solidFill>
+          <a:ln w="50800">
+            <a:solidFill>
+              <a:schemeClr val="tx1">
+                <a:lumMod val="75000"/>
+                <a:lumOff val="25000"/>
+              </a:schemeClr>
+            </a:solidFill>
+          </a:ln>
+        </p:spPr>
+        <p:style>
+          <a:lnRef idx="2">
+            <a:schemeClr val="dk1">
+              <a:shade val="50000"/>
+            </a:schemeClr>
+          </a:lnRef>
+          <a:fillRef idx="1">
+            <a:schemeClr val="dk1"/>
+          </a:fillRef>
+          <a:effectRef idx="0">
+            <a:schemeClr val="dk1"/>
+          </a:effectRef>
+          <a:fontRef idx="minor">
+            <a:schemeClr val="lt1"/>
+          </a:fontRef>
+        </p:style>
+        <p:txBody>
+          <a:bodyPr rtlCol="0" anchor="ctr"/>
+          <a:lstStyle/>
+          <a:p>
+            <a:pPr algn="ctr"/>
+            <a:endParaRPr lang="en-US"/>
+          </a:p>
+        </p:txBody>
+      </p:sp>
+      <p:sp>
+        <p:nvSpPr>
+          <p:cNvPr id="37" name="Oval 36">
+            <a:extLst>
+              <a:ext uri="{FF2B5EF4-FFF2-40B4-BE49-F238E27FC236}">
+                <a16:creationId xmlns:a16="http://schemas.microsoft.com/office/drawing/2014/main" id="{790AC50C-1CBA-4C9E-93BA-769C3B72A441}"/>
+              </a:ext>
+            </a:extLst>
+          </p:cNvPr>
+          <p:cNvSpPr/>
+          <p:nvPr/>
+        </p:nvSpPr>
+        <p:spPr>
+          <a:xfrm>
+            <a:off x="10068137" y="3199907"/>
+            <a:ext cx="765110" cy="765110"/>
+          </a:xfrm>
+          <a:prstGeom prst="ellipse">
+            <a:avLst/>
+          </a:prstGeom>
+          <a:solidFill>
+            <a:schemeClr val="tx1">
+              <a:lumMod val="75000"/>
+              <a:lumOff val="25000"/>
+            </a:schemeClr>
+          </a:solidFill>
+          <a:ln>
+            <a:solidFill>
+              <a:schemeClr val="tx1">
+                <a:lumMod val="75000"/>
+                <a:lumOff val="25000"/>
+              </a:schemeClr>
+            </a:solidFill>
+          </a:ln>
+        </p:spPr>
+        <p:style>
+          <a:lnRef idx="2">
+            <a:schemeClr val="dk1">
+              <a:shade val="50000"/>
+            </a:schemeClr>
+          </a:lnRef>
+          <a:fillRef idx="1">
+            <a:schemeClr val="dk1"/>
+          </a:fillRef>
+          <a:effectRef idx="0">
+            <a:schemeClr val="dk1"/>
+          </a:effectRef>
+          <a:fontRef idx="minor">
+            <a:schemeClr val="lt1"/>
+          </a:fontRef>
+        </p:style>
+        <p:txBody>
+          <a:bodyPr rtlCol="0" anchor="ctr"/>
+          <a:lstStyle/>
+          <a:p>
+            <a:pPr algn="ctr"/>
+            <a:endParaRPr lang="en-US"/>
+          </a:p>
+        </p:txBody>
+      </p:sp>
+      <p:cxnSp>
+        <p:nvCxnSpPr>
+          <p:cNvPr id="38" name="Straight Connector 37">
+            <a:extLst>
+              <a:ext uri="{FF2B5EF4-FFF2-40B4-BE49-F238E27FC236}">
+                <a16:creationId xmlns:a16="http://schemas.microsoft.com/office/drawing/2014/main" id="{92A70CAB-406C-44A7-88F5-0D1243188A95}"/>
+              </a:ext>
+            </a:extLst>
+          </p:cNvPr>
+          <p:cNvCxnSpPr>
+            <a:cxnSpLocks/>
+          </p:cNvCxnSpPr>
+          <p:nvPr/>
+        </p:nvCxnSpPr>
+        <p:spPr>
+          <a:xfrm>
+            <a:off x="8930836" y="3582462"/>
+            <a:ext cx="3035613" cy="0"/>
+          </a:xfrm>
+          <a:prstGeom prst="line">
+            <a:avLst/>
+          </a:prstGeom>
+          <a:ln w="50800" cap="sq">
+            <a:solidFill>
+              <a:schemeClr val="tx1">
+                <a:lumMod val="75000"/>
+                <a:lumOff val="25000"/>
+              </a:schemeClr>
+            </a:solidFill>
+          </a:ln>
+        </p:spPr>
+        <p:style>
+          <a:lnRef idx="1">
+            <a:schemeClr val="accent1"/>
+          </a:lnRef>
+          <a:fillRef idx="0">
+            <a:schemeClr val="accent1"/>
+          </a:fillRef>
+          <a:effectRef idx="0">
+            <a:schemeClr val="accent1"/>
+          </a:effectRef>
+          <a:fontRef idx="minor">
+            <a:schemeClr val="tx1"/>
+          </a:fontRef>
+        </p:style>
+      </p:cxnSp>
+      <p:cxnSp>
+        <p:nvCxnSpPr>
+          <p:cNvPr id="40" name="Straight Connector 39">
+            <a:extLst>
+              <a:ext uri="{FF2B5EF4-FFF2-40B4-BE49-F238E27FC236}">
+                <a16:creationId xmlns:a16="http://schemas.microsoft.com/office/drawing/2014/main" id="{FF3C3FAE-2FC2-4E53-AEC8-B8175FBA7798}"/>
+              </a:ext>
+            </a:extLst>
+          </p:cNvPr>
+          <p:cNvCxnSpPr>
+            <a:cxnSpLocks/>
+          </p:cNvCxnSpPr>
+          <p:nvPr/>
+        </p:nvCxnSpPr>
+        <p:spPr>
+          <a:xfrm>
+            <a:off x="8930836" y="3592207"/>
+            <a:ext cx="0" cy="3056240"/>
+          </a:xfrm>
+          <a:prstGeom prst="line">
+            <a:avLst/>
+          </a:prstGeom>
+          <a:ln w="50800" cap="sq">
+            <a:solidFill>
+              <a:schemeClr val="tx1">
+                <a:lumMod val="75000"/>
+                <a:lumOff val="25000"/>
+              </a:schemeClr>
+            </a:solidFill>
+          </a:ln>
+        </p:spPr>
+        <p:style>
+          <a:lnRef idx="1">
+            <a:schemeClr val="accent1"/>
+          </a:lnRef>
+          <a:fillRef idx="0">
+            <a:schemeClr val="accent1"/>
+          </a:fillRef>
+          <a:effectRef idx="0">
+            <a:schemeClr val="accent1"/>
+          </a:effectRef>
+          <a:fontRef idx="minor">
+            <a:schemeClr val="tx1"/>
+          </a:fontRef>
+        </p:style>
+      </p:cxnSp>
+      <p:sp>
+        <p:nvSpPr>
+          <p:cNvPr id="46" name="Oval 45">
+            <a:extLst>
+              <a:ext uri="{FF2B5EF4-FFF2-40B4-BE49-F238E27FC236}">
+                <a16:creationId xmlns:a16="http://schemas.microsoft.com/office/drawing/2014/main" id="{15A03A24-1D20-4B21-A1E4-AFDCAA8B78A0}"/>
+              </a:ext>
+            </a:extLst>
+          </p:cNvPr>
+          <p:cNvSpPr/>
+          <p:nvPr/>
+        </p:nvSpPr>
+        <p:spPr>
+          <a:xfrm>
+            <a:off x="9295375" y="3197794"/>
+            <a:ext cx="765110" cy="765110"/>
+          </a:xfrm>
+          <a:prstGeom prst="ellipse">
+            <a:avLst/>
+          </a:prstGeom>
+          <a:solidFill>
+            <a:schemeClr val="tx1">
+              <a:lumMod val="75000"/>
+              <a:lumOff val="25000"/>
+            </a:schemeClr>
+          </a:solidFill>
+          <a:ln>
+            <a:solidFill>
+              <a:schemeClr val="tx1">
+                <a:lumMod val="75000"/>
+                <a:lumOff val="25000"/>
+              </a:schemeClr>
+            </a:solidFill>
+          </a:ln>
+        </p:spPr>
+        <p:style>
+          <a:lnRef idx="2">
+            <a:schemeClr val="dk1">
+              <a:shade val="50000"/>
+            </a:schemeClr>
+          </a:lnRef>
+          <a:fillRef idx="1">
+            <a:schemeClr val="dk1"/>
+          </a:fillRef>
+          <a:effectRef idx="0">
+            <a:schemeClr val="dk1"/>
+          </a:effectRef>
+          <a:fontRef idx="minor">
+            <a:schemeClr val="lt1"/>
+          </a:fontRef>
+        </p:style>
+        <p:txBody>
+          <a:bodyPr rtlCol="0" anchor="ctr"/>
+          <a:lstStyle/>
+          <a:p>
+            <a:pPr algn="ctr"/>
+            <a:endParaRPr lang="en-US"/>
+          </a:p>
+        </p:txBody>
+      </p:sp>
+      <p:sp>
+        <p:nvSpPr>
+          <p:cNvPr id="47" name="Oval 46">
+            <a:extLst>
+              <a:ext uri="{FF2B5EF4-FFF2-40B4-BE49-F238E27FC236}">
+                <a16:creationId xmlns:a16="http://schemas.microsoft.com/office/drawing/2014/main" id="{C75E5FDE-396F-4959-8515-004B2E69EFFE}"/>
+              </a:ext>
+            </a:extLst>
+          </p:cNvPr>
+          <p:cNvSpPr/>
+          <p:nvPr/>
+        </p:nvSpPr>
+        <p:spPr>
+          <a:xfrm>
+            <a:off x="9309564" y="3954487"/>
+            <a:ext cx="765110" cy="765110"/>
+          </a:xfrm>
+          <a:prstGeom prst="ellipse">
+            <a:avLst/>
+          </a:prstGeom>
+          <a:solidFill>
+            <a:schemeClr val="bg1">
+              <a:lumMod val="95000"/>
+            </a:schemeClr>
+          </a:solidFill>
+          <a:ln w="50800">
+            <a:solidFill>
+              <a:schemeClr val="tx1">
+                <a:lumMod val="75000"/>
+                <a:lumOff val="25000"/>
+              </a:schemeClr>
+            </a:solidFill>
+          </a:ln>
+        </p:spPr>
+        <p:style>
+          <a:lnRef idx="2">
+            <a:schemeClr val="dk1">
+              <a:shade val="50000"/>
+            </a:schemeClr>
+          </a:lnRef>
+          <a:fillRef idx="1">
+            <a:schemeClr val="dk1"/>
+          </a:fillRef>
+          <a:effectRef idx="0">
+            <a:schemeClr val="dk1"/>
+          </a:effectRef>
+          <a:fontRef idx="minor">
+            <a:schemeClr val="lt1"/>
+          </a:fontRef>
+        </p:style>
+        <p:txBody>
+          <a:bodyPr rtlCol="0" anchor="ctr"/>
+          <a:lstStyle/>
+          <a:p>
+            <a:pPr algn="ctr"/>
+            <a:endParaRPr lang="en-US"/>
+          </a:p>
+        </p:txBody>
+      </p:sp>
+      <p:sp>
+        <p:nvSpPr>
+          <p:cNvPr id="48" name="Oval 47">
+            <a:extLst>
+              <a:ext uri="{FF2B5EF4-FFF2-40B4-BE49-F238E27FC236}">
+                <a16:creationId xmlns:a16="http://schemas.microsoft.com/office/drawing/2014/main" id="{3613F1C0-2568-48D9-B91B-9DEAC5700669}"/>
+              </a:ext>
+            </a:extLst>
+          </p:cNvPr>
+          <p:cNvSpPr/>
+          <p:nvPr/>
+        </p:nvSpPr>
+        <p:spPr>
+          <a:xfrm>
+            <a:off x="8548281" y="3962904"/>
+            <a:ext cx="765110" cy="765110"/>
+          </a:xfrm>
+          <a:prstGeom prst="ellipse">
+            <a:avLst/>
+          </a:prstGeom>
+          <a:solidFill>
+            <a:schemeClr val="bg1">
+              <a:lumMod val="95000"/>
+            </a:schemeClr>
+          </a:solidFill>
+          <a:ln w="50800">
+            <a:solidFill>
+              <a:schemeClr val="tx1">
+                <a:lumMod val="75000"/>
+                <a:lumOff val="25000"/>
+              </a:schemeClr>
+            </a:solidFill>
+          </a:ln>
+        </p:spPr>
+        <p:style>
+          <a:lnRef idx="2">
+            <a:schemeClr val="dk1">
+              <a:shade val="50000"/>
+            </a:schemeClr>
+          </a:lnRef>
+          <a:fillRef idx="1">
+            <a:schemeClr val="dk1"/>
+          </a:fillRef>
+          <a:effectRef idx="0">
+            <a:schemeClr val="dk1"/>
+          </a:effectRef>
+          <a:fontRef idx="minor">
+            <a:schemeClr val="lt1"/>
+          </a:fontRef>
+        </p:style>
+        <p:txBody>
+          <a:bodyPr rtlCol="0" anchor="ctr"/>
+          <a:lstStyle/>
+          <a:p>
+            <a:pPr algn="ctr"/>
+            <a:endParaRPr lang="en-US"/>
+          </a:p>
+        </p:txBody>
+      </p:sp>
+      <p:sp>
+        <p:nvSpPr>
+          <p:cNvPr id="49" name="Oval 48">
+            <a:extLst>
+              <a:ext uri="{FF2B5EF4-FFF2-40B4-BE49-F238E27FC236}">
+                <a16:creationId xmlns:a16="http://schemas.microsoft.com/office/drawing/2014/main" id="{9989CEA4-5BFF-49AA-8A21-B0A99B0D4A47}"/>
+              </a:ext>
+            </a:extLst>
+          </p:cNvPr>
+          <p:cNvSpPr/>
+          <p:nvPr/>
+        </p:nvSpPr>
+        <p:spPr>
+          <a:xfrm>
+            <a:off x="8532975" y="4749669"/>
+            <a:ext cx="765110" cy="765110"/>
+          </a:xfrm>
+          <a:prstGeom prst="ellipse">
+            <a:avLst/>
+          </a:prstGeom>
+          <a:solidFill>
+            <a:schemeClr val="bg1">
+              <a:lumMod val="95000"/>
+            </a:schemeClr>
+          </a:solidFill>
+          <a:ln w="50800">
+            <a:solidFill>
+              <a:schemeClr val="tx1">
+                <a:lumMod val="75000"/>
+                <a:lumOff val="25000"/>
+              </a:schemeClr>
+            </a:solidFill>
+          </a:ln>
+        </p:spPr>
+        <p:style>
+          <a:lnRef idx="2">
+            <a:schemeClr val="dk1">
+              <a:shade val="50000"/>
+            </a:schemeClr>
+          </a:lnRef>
+          <a:fillRef idx="1">
+            <a:schemeClr val="dk1"/>
+          </a:fillRef>
+          <a:effectRef idx="0">
+            <a:schemeClr val="dk1"/>
+          </a:effectRef>
+          <a:fontRef idx="minor">
+            <a:schemeClr val="lt1"/>
+          </a:fontRef>
+        </p:style>
+        <p:txBody>
+          <a:bodyPr rtlCol="0" anchor="ctr"/>
+          <a:lstStyle/>
+          <a:p>
+            <a:pPr algn="ctr"/>
+            <a:endParaRPr lang="en-US"/>
+          </a:p>
+        </p:txBody>
+      </p:sp>
+      <p:sp>
+        <p:nvSpPr>
+          <p:cNvPr id="50" name="Oval 49">
+            <a:extLst>
+              <a:ext uri="{FF2B5EF4-FFF2-40B4-BE49-F238E27FC236}">
+                <a16:creationId xmlns:a16="http://schemas.microsoft.com/office/drawing/2014/main" id="{6FF77653-D010-4CE9-836E-7295E90C62EB}"/>
+              </a:ext>
+            </a:extLst>
+          </p:cNvPr>
+          <p:cNvSpPr/>
+          <p:nvPr/>
+        </p:nvSpPr>
+        <p:spPr>
+          <a:xfrm>
+            <a:off x="8522611" y="5533853"/>
+            <a:ext cx="765110" cy="765110"/>
+          </a:xfrm>
+          <a:prstGeom prst="ellipse">
+            <a:avLst/>
+          </a:prstGeom>
+          <a:solidFill>
+            <a:schemeClr val="bg1">
+              <a:lumMod val="95000"/>
+            </a:schemeClr>
+          </a:solidFill>
+          <a:ln w="50800">
+            <a:solidFill>
+              <a:schemeClr val="tx1">
+                <a:lumMod val="75000"/>
+                <a:lumOff val="25000"/>
+              </a:schemeClr>
+            </a:solidFill>
+          </a:ln>
+        </p:spPr>
+        <p:style>
+          <a:lnRef idx="2">
+            <a:schemeClr val="dk1">
+              <a:shade val="50000"/>
+            </a:schemeClr>
+          </a:lnRef>
+          <a:fillRef idx="1">
+            <a:schemeClr val="dk1"/>
+          </a:fillRef>
+          <a:effectRef idx="0">
+            <a:schemeClr val="dk1"/>
+          </a:effectRef>
+          <a:fontRef idx="minor">
+            <a:schemeClr val="lt1"/>
+          </a:fontRef>
+        </p:style>
+        <p:txBody>
+          <a:bodyPr rtlCol="0" anchor="ctr"/>
+          <a:lstStyle/>
+          <a:p>
+            <a:pPr algn="ctr"/>
+            <a:endParaRPr lang="en-US"/>
+          </a:p>
+        </p:txBody>
+      </p:sp>
+      <p:sp>
+        <p:nvSpPr>
+          <p:cNvPr id="51" name="Oval 50">
+            <a:extLst>
+              <a:ext uri="{FF2B5EF4-FFF2-40B4-BE49-F238E27FC236}">
+                <a16:creationId xmlns:a16="http://schemas.microsoft.com/office/drawing/2014/main" id="{C9FF9B7A-0497-405E-87C7-436C5AD2F98E}"/>
+              </a:ext>
+            </a:extLst>
+          </p:cNvPr>
+          <p:cNvSpPr/>
+          <p:nvPr/>
+        </p:nvSpPr>
+        <p:spPr>
+          <a:xfrm>
+            <a:off x="8511406" y="3170648"/>
+            <a:ext cx="765110" cy="765110"/>
+          </a:xfrm>
+          <a:prstGeom prst="ellipse">
+            <a:avLst/>
+          </a:prstGeom>
+          <a:solidFill>
+            <a:schemeClr val="bg1">
+              <a:lumMod val="95000"/>
+            </a:schemeClr>
+          </a:solidFill>
+          <a:ln w="50800">
+            <a:solidFill>
+              <a:schemeClr val="tx1">
+                <a:lumMod val="75000"/>
+                <a:lumOff val="25000"/>
+              </a:schemeClr>
+            </a:solidFill>
+          </a:ln>
+        </p:spPr>
+        <p:style>
+          <a:lnRef idx="2">
+            <a:schemeClr val="dk1">
+              <a:shade val="50000"/>
+            </a:schemeClr>
+          </a:lnRef>
+          <a:fillRef idx="1">
+            <a:schemeClr val="dk1"/>
+          </a:fillRef>
+          <a:effectRef idx="0">
+            <a:schemeClr val="dk1"/>
+          </a:effectRef>
+          <a:fontRef idx="minor">
+            <a:schemeClr val="lt1"/>
+          </a:fontRef>
+        </p:style>
+        <p:txBody>
+          <a:bodyPr rtlCol="0" anchor="ctr"/>
+          <a:lstStyle/>
+          <a:p>
+            <a:pPr algn="ctr"/>
+            <a:endParaRPr lang="en-US"/>
+          </a:p>
+        </p:txBody>
+      </p:sp>
+      <p:sp>
+        <p:nvSpPr>
+          <p:cNvPr id="52" name="Oval 51">
+            <a:extLst>
+              <a:ext uri="{FF2B5EF4-FFF2-40B4-BE49-F238E27FC236}">
+                <a16:creationId xmlns:a16="http://schemas.microsoft.com/office/drawing/2014/main" id="{67EBF0C4-9EED-4D60-B429-443A4583312E}"/>
+              </a:ext>
+            </a:extLst>
+          </p:cNvPr>
+          <p:cNvSpPr/>
+          <p:nvPr/>
+        </p:nvSpPr>
+        <p:spPr>
+          <a:xfrm>
+            <a:off x="9294531" y="2407845"/>
+            <a:ext cx="765110" cy="765110"/>
+          </a:xfrm>
+          <a:prstGeom prst="ellipse">
+            <a:avLst/>
+          </a:prstGeom>
+          <a:solidFill>
+            <a:schemeClr val="bg1">
+              <a:lumMod val="95000"/>
+            </a:schemeClr>
+          </a:solidFill>
+          <a:ln w="50800">
+            <a:solidFill>
+              <a:schemeClr val="tx1">
+                <a:lumMod val="75000"/>
+                <a:lumOff val="25000"/>
+              </a:schemeClr>
+            </a:solidFill>
+          </a:ln>
+        </p:spPr>
+        <p:style>
+          <a:lnRef idx="2">
+            <a:schemeClr val="dk1">
+              <a:shade val="50000"/>
+            </a:schemeClr>
+          </a:lnRef>
+          <a:fillRef idx="1">
+            <a:schemeClr val="dk1"/>
+          </a:fillRef>
+          <a:effectRef idx="0">
+            <a:schemeClr val="dk1"/>
+          </a:effectRef>
+          <a:fontRef idx="minor">
+            <a:schemeClr val="lt1"/>
+          </a:fontRef>
+        </p:style>
+        <p:txBody>
+          <a:bodyPr rtlCol="0" anchor="ctr"/>
+          <a:lstStyle/>
+          <a:p>
+            <a:pPr algn="ctr"/>
+            <a:endParaRPr lang="en-US"/>
+          </a:p>
+        </p:txBody>
+      </p:sp>
+      <p:sp>
+        <p:nvSpPr>
+          <p:cNvPr id="53" name="Oval 52">
+            <a:extLst>
+              <a:ext uri="{FF2B5EF4-FFF2-40B4-BE49-F238E27FC236}">
+                <a16:creationId xmlns:a16="http://schemas.microsoft.com/office/drawing/2014/main" id="{521B242A-7C8A-49F9-9372-ABC1778F41F6}"/>
+              </a:ext>
+            </a:extLst>
+          </p:cNvPr>
+          <p:cNvSpPr/>
+          <p:nvPr/>
+        </p:nvSpPr>
+        <p:spPr>
+          <a:xfrm>
+            <a:off x="8511011" y="2376275"/>
+            <a:ext cx="765110" cy="765110"/>
+          </a:xfrm>
+          <a:prstGeom prst="ellipse">
+            <a:avLst/>
+          </a:prstGeom>
+          <a:solidFill>
+            <a:schemeClr val="tx1">
+              <a:lumMod val="75000"/>
+              <a:lumOff val="25000"/>
+            </a:schemeClr>
+          </a:solidFill>
+          <a:ln>
+            <a:solidFill>
+              <a:schemeClr val="tx1">
+                <a:lumMod val="75000"/>
+                <a:lumOff val="25000"/>
+              </a:schemeClr>
+            </a:solidFill>
+          </a:ln>
+        </p:spPr>
+        <p:style>
+          <a:lnRef idx="2">
+            <a:schemeClr val="dk1">
+              <a:shade val="50000"/>
+            </a:schemeClr>
+          </a:lnRef>
+          <a:fillRef idx="1">
+            <a:schemeClr val="dk1"/>
+          </a:fillRef>
+          <a:effectRef idx="0">
+            <a:schemeClr val="dk1"/>
+          </a:effectRef>
+          <a:fontRef idx="minor">
+            <a:schemeClr val="lt1"/>
+          </a:fontRef>
+        </p:style>
+        <p:txBody>
+          <a:bodyPr rtlCol="0" anchor="ctr"/>
+          <a:lstStyle/>
+          <a:p>
+            <a:pPr algn="ctr"/>
+            <a:endParaRPr lang="en-US"/>
+          </a:p>
+        </p:txBody>
+      </p:sp>
+      <p:cxnSp>
+        <p:nvCxnSpPr>
+          <p:cNvPr id="54" name="Straight Connector 53">
+            <a:extLst>
+              <a:ext uri="{FF2B5EF4-FFF2-40B4-BE49-F238E27FC236}">
+                <a16:creationId xmlns:a16="http://schemas.microsoft.com/office/drawing/2014/main" id="{24018061-D844-44AA-AF38-035721B395FF}"/>
+              </a:ext>
+            </a:extLst>
+          </p:cNvPr>
+          <p:cNvCxnSpPr>
+            <a:cxnSpLocks/>
+          </p:cNvCxnSpPr>
+          <p:nvPr/>
+        </p:nvCxnSpPr>
+        <p:spPr>
+          <a:xfrm>
+            <a:off x="8140328" y="3599135"/>
+            <a:ext cx="0" cy="3056240"/>
+          </a:xfrm>
+          <a:prstGeom prst="line">
+            <a:avLst/>
+          </a:prstGeom>
+          <a:ln w="50800" cap="sq">
+            <a:solidFill>
+              <a:schemeClr val="tx1">
+                <a:lumMod val="75000"/>
+                <a:lumOff val="25000"/>
+              </a:schemeClr>
+            </a:solidFill>
+          </a:ln>
+        </p:spPr>
+        <p:style>
+          <a:lnRef idx="1">
+            <a:schemeClr val="accent1"/>
+          </a:lnRef>
+          <a:fillRef idx="0">
+            <a:schemeClr val="accent1"/>
+          </a:fillRef>
+          <a:effectRef idx="0">
+            <a:schemeClr val="accent1"/>
+          </a:effectRef>
+          <a:fontRef idx="minor">
+            <a:schemeClr val="tx1"/>
+          </a:fontRef>
+        </p:style>
+      </p:cxnSp>
+      <p:cxnSp>
+        <p:nvCxnSpPr>
+          <p:cNvPr id="56" name="Straight Connector 55">
+            <a:extLst>
+              <a:ext uri="{FF2B5EF4-FFF2-40B4-BE49-F238E27FC236}">
+                <a16:creationId xmlns:a16="http://schemas.microsoft.com/office/drawing/2014/main" id="{89080977-92A9-4DCE-A298-46FEB160E5C4}"/>
+              </a:ext>
+            </a:extLst>
+          </p:cNvPr>
+          <p:cNvCxnSpPr>
+            <a:cxnSpLocks/>
+          </p:cNvCxnSpPr>
+          <p:nvPr/>
+        </p:nvCxnSpPr>
+        <p:spPr>
+          <a:xfrm>
+            <a:off x="7374105" y="4372605"/>
+            <a:ext cx="0" cy="2295330"/>
+          </a:xfrm>
+          <a:prstGeom prst="line">
+            <a:avLst/>
+          </a:prstGeom>
+          <a:ln w="50800" cap="sq">
+            <a:solidFill>
+              <a:schemeClr val="tx1">
+                <a:lumMod val="75000"/>
+                <a:lumOff val="25000"/>
+              </a:schemeClr>
+            </a:solidFill>
+          </a:ln>
+        </p:spPr>
+        <p:style>
+          <a:lnRef idx="1">
+            <a:schemeClr val="accent1"/>
+          </a:lnRef>
+          <a:fillRef idx="0">
+            <a:schemeClr val="accent1"/>
+          </a:fillRef>
+          <a:effectRef idx="0">
+            <a:schemeClr val="accent1"/>
+          </a:effectRef>
+          <a:fontRef idx="minor">
+            <a:schemeClr val="tx1"/>
+          </a:fontRef>
+        </p:style>
+      </p:cxnSp>
+      <p:sp>
+        <p:nvSpPr>
+          <p:cNvPr id="59" name="Oval 58">
+            <a:extLst>
+              <a:ext uri="{FF2B5EF4-FFF2-40B4-BE49-F238E27FC236}">
+                <a16:creationId xmlns:a16="http://schemas.microsoft.com/office/drawing/2014/main" id="{CBD32EF1-4918-4FD8-A8C1-71C3933CFA04}"/>
+              </a:ext>
+            </a:extLst>
+          </p:cNvPr>
+          <p:cNvSpPr/>
+          <p:nvPr/>
+        </p:nvSpPr>
+        <p:spPr>
+          <a:xfrm>
+            <a:off x="7757773" y="4744700"/>
+            <a:ext cx="765110" cy="765110"/>
+          </a:xfrm>
+          <a:prstGeom prst="ellipse">
+            <a:avLst/>
+          </a:prstGeom>
+          <a:solidFill>
+            <a:schemeClr val="bg1">
+              <a:lumMod val="95000"/>
+            </a:schemeClr>
+          </a:solidFill>
+          <a:ln w="50800">
+            <a:solidFill>
+              <a:schemeClr val="tx1">
+                <a:lumMod val="75000"/>
+                <a:lumOff val="25000"/>
+              </a:schemeClr>
+            </a:solidFill>
+          </a:ln>
+        </p:spPr>
+        <p:style>
+          <a:lnRef idx="2">
+            <a:schemeClr val="dk1">
+              <a:shade val="50000"/>
+            </a:schemeClr>
+          </a:lnRef>
+          <a:fillRef idx="1">
+            <a:schemeClr val="dk1"/>
+          </a:fillRef>
+          <a:effectRef idx="0">
+            <a:schemeClr val="dk1"/>
+          </a:effectRef>
+          <a:fontRef idx="minor">
+            <a:schemeClr val="lt1"/>
+          </a:fontRef>
+        </p:style>
+        <p:txBody>
+          <a:bodyPr rtlCol="0" anchor="ctr"/>
+          <a:lstStyle/>
+          <a:p>
+            <a:pPr algn="ctr"/>
+            <a:endParaRPr lang="en-US"/>
+          </a:p>
+        </p:txBody>
+      </p:sp>
+      <p:sp>
+        <p:nvSpPr>
+          <p:cNvPr id="60" name="Oval 59">
+            <a:extLst>
+              <a:ext uri="{FF2B5EF4-FFF2-40B4-BE49-F238E27FC236}">
+                <a16:creationId xmlns:a16="http://schemas.microsoft.com/office/drawing/2014/main" id="{0812E97D-8ADD-43CA-9D8C-E95E180B4F84}"/>
+              </a:ext>
+            </a:extLst>
+          </p:cNvPr>
+          <p:cNvSpPr/>
+          <p:nvPr/>
+        </p:nvSpPr>
+        <p:spPr>
+          <a:xfrm>
+            <a:off x="7783172" y="3969846"/>
+            <a:ext cx="765110" cy="765110"/>
+          </a:xfrm>
+          <a:prstGeom prst="ellipse">
+            <a:avLst/>
+          </a:prstGeom>
+          <a:solidFill>
+            <a:schemeClr val="tx1">
+              <a:lumMod val="75000"/>
+              <a:lumOff val="25000"/>
+            </a:schemeClr>
+          </a:solidFill>
+          <a:ln>
+            <a:solidFill>
+              <a:schemeClr val="tx1">
+                <a:lumMod val="75000"/>
+                <a:lumOff val="25000"/>
+              </a:schemeClr>
+            </a:solidFill>
+          </a:ln>
+        </p:spPr>
+        <p:style>
+          <a:lnRef idx="2">
+            <a:schemeClr val="dk1">
+              <a:shade val="50000"/>
+            </a:schemeClr>
+          </a:lnRef>
+          <a:fillRef idx="1">
+            <a:schemeClr val="dk1"/>
+          </a:fillRef>
+          <a:effectRef idx="0">
+            <a:schemeClr val="dk1"/>
+          </a:effectRef>
+          <a:fontRef idx="minor">
+            <a:schemeClr val="lt1"/>
+          </a:fontRef>
+        </p:style>
+        <p:txBody>
+          <a:bodyPr rtlCol="0" anchor="ctr"/>
+          <a:lstStyle/>
+          <a:p>
+            <a:pPr algn="ctr"/>
+            <a:endParaRPr lang="en-US"/>
+          </a:p>
+        </p:txBody>
+      </p:sp>
+      <p:sp>
+        <p:nvSpPr>
+          <p:cNvPr id="61" name="Oval 60">
+            <a:extLst>
+              <a:ext uri="{FF2B5EF4-FFF2-40B4-BE49-F238E27FC236}">
+                <a16:creationId xmlns:a16="http://schemas.microsoft.com/office/drawing/2014/main" id="{EACAF9F4-B012-4A1C-8EF4-CAC55B09315E}"/>
+              </a:ext>
+            </a:extLst>
+          </p:cNvPr>
+          <p:cNvSpPr/>
+          <p:nvPr/>
+        </p:nvSpPr>
+        <p:spPr>
+          <a:xfrm>
+            <a:off x="6991550" y="4758556"/>
+            <a:ext cx="765110" cy="765110"/>
+          </a:xfrm>
+          <a:prstGeom prst="ellipse">
+            <a:avLst/>
+          </a:prstGeom>
+          <a:solidFill>
+            <a:schemeClr val="tx1">
+              <a:lumMod val="75000"/>
+              <a:lumOff val="25000"/>
+            </a:schemeClr>
+          </a:solidFill>
+          <a:ln>
+            <a:solidFill>
+              <a:schemeClr val="tx1">
+                <a:lumMod val="75000"/>
+                <a:lumOff val="25000"/>
+              </a:schemeClr>
+            </a:solidFill>
+          </a:ln>
+        </p:spPr>
+        <p:style>
+          <a:lnRef idx="2">
+            <a:schemeClr val="dk1">
+              <a:shade val="50000"/>
+            </a:schemeClr>
+          </a:lnRef>
+          <a:fillRef idx="1">
+            <a:schemeClr val="dk1"/>
+          </a:fillRef>
+          <a:effectRef idx="0">
+            <a:schemeClr val="dk1"/>
+          </a:effectRef>
+          <a:fontRef idx="minor">
+            <a:schemeClr val="lt1"/>
+          </a:fontRef>
+        </p:style>
+        <p:txBody>
+          <a:bodyPr rtlCol="0" anchor="ctr"/>
+          <a:lstStyle/>
+          <a:p>
+            <a:pPr algn="ctr"/>
+            <a:endParaRPr lang="en-US"/>
+          </a:p>
+        </p:txBody>
+      </p:sp>
+      <p:sp>
+        <p:nvSpPr>
+          <p:cNvPr id="62" name="Oval 61">
+            <a:extLst>
+              <a:ext uri="{FF2B5EF4-FFF2-40B4-BE49-F238E27FC236}">
+                <a16:creationId xmlns:a16="http://schemas.microsoft.com/office/drawing/2014/main" id="{A8BD6554-3431-4481-8944-6483E7C78FB7}"/>
+              </a:ext>
+            </a:extLst>
+          </p:cNvPr>
+          <p:cNvSpPr/>
+          <p:nvPr/>
+        </p:nvSpPr>
+        <p:spPr>
+          <a:xfrm>
+            <a:off x="6232044" y="4758556"/>
+            <a:ext cx="765110" cy="765110"/>
+          </a:xfrm>
+          <a:prstGeom prst="ellipse">
+            <a:avLst/>
+          </a:prstGeom>
+          <a:solidFill>
+            <a:schemeClr val="tx1">
+              <a:lumMod val="75000"/>
+              <a:lumOff val="25000"/>
+            </a:schemeClr>
+          </a:solidFill>
+          <a:ln>
+            <a:solidFill>
+              <a:schemeClr val="tx1">
+                <a:lumMod val="75000"/>
+                <a:lumOff val="25000"/>
+              </a:schemeClr>
+            </a:solidFill>
+          </a:ln>
+        </p:spPr>
+        <p:style>
+          <a:lnRef idx="2">
+            <a:schemeClr val="dk1">
+              <a:shade val="50000"/>
+            </a:schemeClr>
+          </a:lnRef>
+          <a:fillRef idx="1">
+            <a:schemeClr val="dk1"/>
+          </a:fillRef>
+          <a:effectRef idx="0">
+            <a:schemeClr val="dk1"/>
+          </a:effectRef>
+          <a:fontRef idx="minor">
+            <a:schemeClr val="lt1"/>
+          </a:fontRef>
+        </p:style>
+        <p:txBody>
+          <a:bodyPr rtlCol="0" anchor="ctr"/>
+          <a:lstStyle/>
+          <a:p>
+            <a:pPr algn="ctr"/>
+            <a:endParaRPr lang="en-US"/>
+          </a:p>
+        </p:txBody>
+      </p:sp>
+      <p:sp>
+        <p:nvSpPr>
+          <p:cNvPr id="63" name="Oval 62">
+            <a:extLst>
+              <a:ext uri="{FF2B5EF4-FFF2-40B4-BE49-F238E27FC236}">
+                <a16:creationId xmlns:a16="http://schemas.microsoft.com/office/drawing/2014/main" id="{0D73A07F-8397-45A6-A895-7A0A21249499}"/>
+              </a:ext>
+            </a:extLst>
+          </p:cNvPr>
+          <p:cNvSpPr/>
+          <p:nvPr/>
+        </p:nvSpPr>
+        <p:spPr>
+          <a:xfrm>
+            <a:off x="4669711" y="5515794"/>
+            <a:ext cx="765110" cy="765110"/>
+          </a:xfrm>
+          <a:prstGeom prst="ellipse">
+            <a:avLst/>
+          </a:prstGeom>
+          <a:solidFill>
+            <a:schemeClr val="tx1">
+              <a:lumMod val="75000"/>
+              <a:lumOff val="25000"/>
+            </a:schemeClr>
+          </a:solidFill>
+          <a:ln>
+            <a:solidFill>
+              <a:schemeClr val="tx1">
+                <a:lumMod val="75000"/>
+                <a:lumOff val="25000"/>
+              </a:schemeClr>
+            </a:solidFill>
+          </a:ln>
+        </p:spPr>
+        <p:style>
+          <a:lnRef idx="2">
+            <a:schemeClr val="dk1">
+              <a:shade val="50000"/>
+            </a:schemeClr>
+          </a:lnRef>
+          <a:fillRef idx="1">
+            <a:schemeClr val="dk1"/>
+          </a:fillRef>
+          <a:effectRef idx="0">
+            <a:schemeClr val="dk1"/>
+          </a:effectRef>
+          <a:fontRef idx="minor">
+            <a:schemeClr val="lt1"/>
+          </a:fontRef>
+        </p:style>
+        <p:txBody>
+          <a:bodyPr rtlCol="0" anchor="ctr"/>
+          <a:lstStyle/>
+          <a:p>
+            <a:pPr algn="ctr"/>
+            <a:endParaRPr lang="en-US"/>
+          </a:p>
+        </p:txBody>
+      </p:sp>
+      <p:sp>
+        <p:nvSpPr>
+          <p:cNvPr id="64" name="Oval 63">
+            <a:extLst>
+              <a:ext uri="{FF2B5EF4-FFF2-40B4-BE49-F238E27FC236}">
+                <a16:creationId xmlns:a16="http://schemas.microsoft.com/office/drawing/2014/main" id="{E8490A0C-29C1-480E-A8E5-90CA0C11D58F}"/>
+              </a:ext>
+            </a:extLst>
+          </p:cNvPr>
+          <p:cNvSpPr/>
+          <p:nvPr/>
+        </p:nvSpPr>
+        <p:spPr>
+          <a:xfrm>
+            <a:off x="2347870" y="5509810"/>
+            <a:ext cx="765110" cy="765110"/>
+          </a:xfrm>
+          <a:prstGeom prst="ellipse">
+            <a:avLst/>
+          </a:prstGeom>
+          <a:solidFill>
+            <a:schemeClr val="tx1">
+              <a:lumMod val="75000"/>
+              <a:lumOff val="25000"/>
+            </a:schemeClr>
+          </a:solidFill>
+          <a:ln>
+            <a:solidFill>
+              <a:schemeClr val="tx1">
+                <a:lumMod val="75000"/>
+                <a:lumOff val="25000"/>
+              </a:schemeClr>
+            </a:solidFill>
+          </a:ln>
+        </p:spPr>
+        <p:style>
+          <a:lnRef idx="2">
+            <a:schemeClr val="dk1">
+              <a:shade val="50000"/>
+            </a:schemeClr>
+          </a:lnRef>
+          <a:fillRef idx="1">
+            <a:schemeClr val="dk1"/>
+          </a:fillRef>
+          <a:effectRef idx="0">
+            <a:schemeClr val="dk1"/>
+          </a:effectRef>
+          <a:fontRef idx="minor">
+            <a:schemeClr val="lt1"/>
+          </a:fontRef>
+        </p:style>
+        <p:txBody>
+          <a:bodyPr rtlCol="0" anchor="ctr"/>
+          <a:lstStyle/>
+          <a:p>
+            <a:pPr algn="ctr"/>
+            <a:endParaRPr lang="en-US"/>
+          </a:p>
+        </p:txBody>
+      </p:sp>
+    </p:spTree>
+    <p:extLst>
+      <p:ext uri="{BB962C8B-B14F-4D97-AF65-F5344CB8AC3E}">
+        <p14:creationId xmlns:p14="http://schemas.microsoft.com/office/powerpoint/2010/main" val="4049775983"/>
       </p:ext>
     </p:extLst>
   </p:cSld>
@@ -22113,24 +20823,6 @@
 </file>
 
 <file path=customXml/item1.xml><?xml version="1.0" encoding="utf-8"?>
-<p:properties xmlns:p="http://schemas.microsoft.com/office/2006/metadata/properties" xmlns:xsi="http://www.w3.org/2001/XMLSchema-instance" xmlns:pc="http://schemas.microsoft.com/office/infopath/2007/PartnerControls">
-  <documentManagement>
-    <Status xmlns="71af3243-3dd4-4a8d-8c0d-dd76da1f02a5">Not started</Status>
-    <MediaServiceKeyPoints xmlns="71af3243-3dd4-4a8d-8c0d-dd76da1f02a5" xsi:nil="true"/>
-  </documentManagement>
-</p:properties>
-</file>
-
-<file path=customXml/item2.xml><?xml version="1.0" encoding="utf-8"?>
-<?mso-contentType ?>
-<FormTemplates xmlns="http://schemas.microsoft.com/sharepoint/v3/contenttype/forms">
-  <Display>DocumentLibraryForm</Display>
-  <Edit>DocumentLibraryForm</Edit>
-  <New>DocumentLibraryForm</New>
-</FormTemplates>
-</file>
-
-<file path=customXml/item3.xml><?xml version="1.0" encoding="utf-8"?>
 <ct:contentTypeSchema xmlns:ct="http://schemas.microsoft.com/office/2006/metadata/contentType" xmlns:ma="http://schemas.microsoft.com/office/2006/metadata/properties/metaAttributes" ct:_="" ma:_="" ma:contentTypeName="Document" ma:contentTypeID="0x01010079F111ED35F8CC479449609E8A0923A6" ma:contentTypeVersion="12" ma:contentTypeDescription="Create a new document." ma:contentTypeScope="" ma:versionID="a410dd7f93c95333ffa1b60ed6adedd1">
   <xsd:schema xmlns:xsd="http://www.w3.org/2001/XMLSchema" xmlns:xs="http://www.w3.org/2001/XMLSchema" xmlns:p="http://schemas.microsoft.com/office/2006/metadata/properties" xmlns:ns2="71af3243-3dd4-4a8d-8c0d-dd76da1f02a5" xmlns:ns3="16c05727-aa75-4e4a-9b5f-8a80a1165891" targetNamespace="http://schemas.microsoft.com/office/2006/metadata/properties" ma:root="true" ma:fieldsID="a936d9baba76aa3866493feff160faab" ns2:_="" ns3:_="">
     <xsd:import namespace="71af3243-3dd4-4a8d-8c0d-dd76da1f02a5"/>
@@ -22351,25 +21043,25 @@
 </ct:contentTypeSchema>
 </file>
 
-<file path=customXml/itemProps1.xml><?xml version="1.0" encoding="utf-8"?>
-<ds:datastoreItem xmlns:ds="http://schemas.openxmlformats.org/officeDocument/2006/customXml" ds:itemID="{8D289AE2-D2AE-49D1-AFAC-3A79F6794255}">
-  <ds:schemaRefs>
-    <ds:schemaRef ds:uri="http://schemas.microsoft.com/office/2006/metadata/properties"/>
-    <ds:schemaRef ds:uri="http://schemas.microsoft.com/office/infopath/2007/PartnerControls"/>
-    <ds:schemaRef ds:uri="71af3243-3dd4-4a8d-8c0d-dd76da1f02a5"/>
-  </ds:schemaRefs>
-</ds:datastoreItem>
+<file path=customXml/item2.xml><?xml version="1.0" encoding="utf-8"?>
+<?mso-contentType ?>
+<FormTemplates xmlns="http://schemas.microsoft.com/sharepoint/v3/contenttype/forms">
+  <Display>DocumentLibraryForm</Display>
+  <Edit>DocumentLibraryForm</Edit>
+  <New>DocumentLibraryForm</New>
+</FormTemplates>
 </file>
 
-<file path=customXml/itemProps2.xml><?xml version="1.0" encoding="utf-8"?>
-<ds:datastoreItem xmlns:ds="http://schemas.openxmlformats.org/officeDocument/2006/customXml" ds:itemID="{927BD4C1-B6B1-4715-ABF9-E660A51A4EA0}">
-  <ds:schemaRefs>
-    <ds:schemaRef ds:uri="http://schemas.microsoft.com/sharepoint/v3/contenttype/forms"/>
-  </ds:schemaRefs>
-</ds:datastoreItem>
+<file path=customXml/item3.xml><?xml version="1.0" encoding="utf-8"?>
+<p:properties xmlns:p="http://schemas.microsoft.com/office/2006/metadata/properties" xmlns:xsi="http://www.w3.org/2001/XMLSchema-instance" xmlns:pc="http://schemas.microsoft.com/office/infopath/2007/PartnerControls">
+  <documentManagement>
+    <Status xmlns="71af3243-3dd4-4a8d-8c0d-dd76da1f02a5">Not started</Status>
+    <MediaServiceKeyPoints xmlns="71af3243-3dd4-4a8d-8c0d-dd76da1f02a5" xsi:nil="true"/>
+  </documentManagement>
+</p:properties>
 </file>
 
-<file path=customXml/itemProps3.xml><?xml version="1.0" encoding="utf-8"?>
+<file path=customXml/itemProps1.xml><?xml version="1.0" encoding="utf-8"?>
 <ds:datastoreItem xmlns:ds="http://schemas.openxmlformats.org/officeDocument/2006/customXml" ds:itemID="{41E7CA09-9778-4414-AE97-8064B12DA30E}">
   <ds:schemaRefs>
     <ds:schemaRef ds:uri="http://schemas.microsoft.com/office/2006/metadata/contentType"/>
@@ -22386,4 +21078,22 @@
     <ds:schemaRef ds:uri="http://schemas.microsoft.com/internal/obd"/>
   </ds:schemaRefs>
 </ds:datastoreItem>
+</file>
+
+<file path=customXml/itemProps2.xml><?xml version="1.0" encoding="utf-8"?>
+<ds:datastoreItem xmlns:ds="http://schemas.openxmlformats.org/officeDocument/2006/customXml" ds:itemID="{927BD4C1-B6B1-4715-ABF9-E660A51A4EA0}">
+  <ds:schemaRefs>
+    <ds:schemaRef ds:uri="http://schemas.microsoft.com/sharepoint/v3/contenttype/forms"/>
+  </ds:schemaRefs>
+</ds:datastoreItem>
+</file>
+
+<file path=customXml/itemProps3.xml><?xml version="1.0" encoding="utf-8"?>
+<ds:datastoreItem xmlns:ds="http://schemas.openxmlformats.org/officeDocument/2006/customXml" ds:itemID="{8D289AE2-D2AE-49D1-AFAC-3A79F6794255}">
+  <ds:schemaRefs>
+    <ds:schemaRef ds:uri="http://schemas.microsoft.com/office/2006/metadata/properties"/>
+    <ds:schemaRef ds:uri="http://schemas.microsoft.com/office/infopath/2007/PartnerControls"/>
+    <ds:schemaRef ds:uri="71af3243-3dd4-4a8d-8c0d-dd76da1f02a5"/>
+  </ds:schemaRefs>
+</ds:datastoreItem>
 </file>
--- a/GoPresentation.pptx
+++ b/GoPresentation.pptx
@@ -128,6 +128,463 @@
     </p:extLst>
   </p:cmAuthor>
 </p:cmAuthorLst>
+</file>
+
+<file path=ppt/revisionInfo.xml><?xml version="1.0" encoding="utf-8"?>
+<p1510:revInfo xmlns:a="http://schemas.openxmlformats.org/drawingml/2006/main" xmlns:r="http://schemas.openxmlformats.org/officeDocument/2006/relationships" xmlns:p1510="http://schemas.microsoft.com/office/powerpoint/2015/10/main">
+  <p1510:revLst>
+    <p1510:client id="{02FD81BB-2C31-4FEB-BFD8-29FA47EADD71}" v="525" dt="2021-04-24T22:39:42.544"/>
+  </p1510:revLst>
+</p1510:revInfo>
+</file>
+
+<file path=ppt/changesInfos/changesInfo1.xml><?xml version="1.0" encoding="utf-8"?>
+<pc:chgInfo xmlns:a="http://schemas.openxmlformats.org/drawingml/2006/main" xmlns:r="http://schemas.openxmlformats.org/officeDocument/2006/relationships" xmlns:ac="http://schemas.microsoft.com/office/drawing/2013/main/command" xmlns:pc="http://schemas.microsoft.com/office/powerpoint/2013/main/command">
+  <pc:docChgLst>
+    <pc:chgData name="Anthony McEntire" userId="85de9bbdfe53eeac" providerId="LiveId" clId="{02FD81BB-2C31-4FEB-BFD8-29FA47EADD71}"/>
+    <pc:docChg chg="undo custSel addSld modSld sldOrd">
+      <pc:chgData name="Anthony McEntire" userId="85de9bbdfe53eeac" providerId="LiveId" clId="{02FD81BB-2C31-4FEB-BFD8-29FA47EADD71}" dt="2021-04-24T22:40:53.637" v="2449" actId="1076"/>
+      <pc:docMkLst>
+        <pc:docMk/>
+      </pc:docMkLst>
+      <pc:sldChg chg="addSp delSp modSp mod">
+        <pc:chgData name="Anthony McEntire" userId="85de9bbdfe53eeac" providerId="LiveId" clId="{02FD81BB-2C31-4FEB-BFD8-29FA47EADD71}" dt="2021-04-24T22:38:35.021" v="2421" actId="20577"/>
+        <pc:sldMkLst>
+          <pc:docMk/>
+          <pc:sldMk cId="263784652" sldId="258"/>
+        </pc:sldMkLst>
+        <pc:spChg chg="del">
+          <ac:chgData name="Anthony McEntire" userId="85de9bbdfe53eeac" providerId="LiveId" clId="{02FD81BB-2C31-4FEB-BFD8-29FA47EADD71}" dt="2021-04-24T22:36:46.696" v="2394" actId="478"/>
+          <ac:spMkLst>
+            <pc:docMk/>
+            <pc:sldMk cId="263784652" sldId="258"/>
+            <ac:spMk id="2" creationId="{5E562972-3449-42D1-8185-B4BEFD52AB44}"/>
+          </ac:spMkLst>
+        </pc:spChg>
+        <pc:spChg chg="add del mod">
+          <ac:chgData name="Anthony McEntire" userId="85de9bbdfe53eeac" providerId="LiveId" clId="{02FD81BB-2C31-4FEB-BFD8-29FA47EADD71}" dt="2021-04-24T22:36:43.053" v="2393" actId="478"/>
+          <ac:spMkLst>
+            <pc:docMk/>
+            <pc:sldMk cId="263784652" sldId="258"/>
+            <ac:spMk id="38" creationId="{A5DC876C-F140-45B9-B948-1064FE468F20}"/>
+          </ac:spMkLst>
+        </pc:spChg>
+        <pc:spChg chg="add del mod">
+          <ac:chgData name="Anthony McEntire" userId="85de9bbdfe53eeac" providerId="LiveId" clId="{02FD81BB-2C31-4FEB-BFD8-29FA47EADD71}" dt="2021-04-24T22:36:50.550" v="2395" actId="478"/>
+          <ac:spMkLst>
+            <pc:docMk/>
+            <pc:sldMk cId="263784652" sldId="258"/>
+            <ac:spMk id="40" creationId="{6A802F27-77FB-4989-92EC-DA1EA6016DB6}"/>
+          </ac:spMkLst>
+        </pc:spChg>
+        <pc:spChg chg="add mod">
+          <ac:chgData name="Anthony McEntire" userId="85de9bbdfe53eeac" providerId="LiveId" clId="{02FD81BB-2C31-4FEB-BFD8-29FA47EADD71}" dt="2021-04-24T22:37:24.410" v="2417" actId="20577"/>
+          <ac:spMkLst>
+            <pc:docMk/>
+            <pc:sldMk cId="263784652" sldId="258"/>
+            <ac:spMk id="41" creationId="{20C16A67-4877-4B85-B2C6-0E234C19BD3C}"/>
+          </ac:spMkLst>
+        </pc:spChg>
+        <pc:spChg chg="add del mod">
+          <ac:chgData name="Anthony McEntire" userId="85de9bbdfe53eeac" providerId="LiveId" clId="{02FD81BB-2C31-4FEB-BFD8-29FA47EADD71}" dt="2021-04-24T22:37:09.690" v="2400"/>
+          <ac:spMkLst>
+            <pc:docMk/>
+            <pc:sldMk cId="263784652" sldId="258"/>
+            <ac:spMk id="42" creationId="{E32CB5E8-A741-4074-8B24-36410DCFAB36}"/>
+          </ac:spMkLst>
+        </pc:spChg>
+        <pc:spChg chg="add mod">
+          <ac:chgData name="Anthony McEntire" userId="85de9bbdfe53eeac" providerId="LiveId" clId="{02FD81BB-2C31-4FEB-BFD8-29FA47EADD71}" dt="2021-04-24T22:38:35.021" v="2421" actId="20577"/>
+          <ac:spMkLst>
+            <pc:docMk/>
+            <pc:sldMk cId="263784652" sldId="258"/>
+            <ac:spMk id="43" creationId="{5714A9CC-BA8E-43A7-8CC7-6FDF9A8971E6}"/>
+          </ac:spMkLst>
+        </pc:spChg>
+        <pc:graphicFrameChg chg="del">
+          <ac:chgData name="Anthony McEntire" userId="85de9bbdfe53eeac" providerId="LiveId" clId="{02FD81BB-2C31-4FEB-BFD8-29FA47EADD71}" dt="2021-04-24T22:36:36.410" v="2392" actId="478"/>
+          <ac:graphicFrameMkLst>
+            <pc:docMk/>
+            <pc:sldMk cId="263784652" sldId="258"/>
+            <ac:graphicFrameMk id="4" creationId="{FF3F0D82-0AA6-45C3-8367-955CBFA02ED6}"/>
+          </ac:graphicFrameMkLst>
+        </pc:graphicFrameChg>
+      </pc:sldChg>
+      <pc:sldChg chg="addSp modSp mod">
+        <pc:chgData name="Anthony McEntire" userId="85de9bbdfe53eeac" providerId="LiveId" clId="{02FD81BB-2C31-4FEB-BFD8-29FA47EADD71}" dt="2021-04-24T22:24:05.240" v="1296" actId="20577"/>
+        <pc:sldMkLst>
+          <pc:docMk/>
+          <pc:sldMk cId="3274100935" sldId="260"/>
+        </pc:sldMkLst>
+        <pc:spChg chg="add mod">
+          <ac:chgData name="Anthony McEntire" userId="85de9bbdfe53eeac" providerId="LiveId" clId="{02FD81BB-2C31-4FEB-BFD8-29FA47EADD71}" dt="2021-04-24T22:24:02.251" v="1295" actId="20577"/>
+          <ac:spMkLst>
+            <pc:docMk/>
+            <pc:sldMk cId="3274100935" sldId="260"/>
+            <ac:spMk id="2" creationId="{B0D19F38-DA6E-4390-94FE-DBB93759A9BE}"/>
+          </ac:spMkLst>
+        </pc:spChg>
+        <pc:spChg chg="add mod">
+          <ac:chgData name="Anthony McEntire" userId="85de9bbdfe53eeac" providerId="LiveId" clId="{02FD81BB-2C31-4FEB-BFD8-29FA47EADD71}" dt="2021-04-24T22:24:05.240" v="1296" actId="20577"/>
+          <ac:spMkLst>
+            <pc:docMk/>
+            <pc:sldMk cId="3274100935" sldId="260"/>
+            <ac:spMk id="72" creationId="{9F1ACBD2-8DC8-4DAF-A58F-8A1987A5FF0D}"/>
+          </ac:spMkLst>
+        </pc:spChg>
+      </pc:sldChg>
+      <pc:sldChg chg="addSp modSp mod">
+        <pc:chgData name="Anthony McEntire" userId="85de9bbdfe53eeac" providerId="LiveId" clId="{02FD81BB-2C31-4FEB-BFD8-29FA47EADD71}" dt="2021-04-24T22:29:39.850" v="1766" actId="21"/>
+        <pc:sldMkLst>
+          <pc:docMk/>
+          <pc:sldMk cId="1985977507" sldId="261"/>
+        </pc:sldMkLst>
+        <pc:spChg chg="add mod">
+          <ac:chgData name="Anthony McEntire" userId="85de9bbdfe53eeac" providerId="LiveId" clId="{02FD81BB-2C31-4FEB-BFD8-29FA47EADD71}" dt="2021-04-24T22:23:52.322" v="1284" actId="20577"/>
+          <ac:spMkLst>
+            <pc:docMk/>
+            <pc:sldMk cId="1985977507" sldId="261"/>
+            <ac:spMk id="39" creationId="{DFFE19E7-E6B4-45EF-8F01-DD4B92CA30CB}"/>
+          </ac:spMkLst>
+        </pc:spChg>
+        <pc:spChg chg="add mod">
+          <ac:chgData name="Anthony McEntire" userId="85de9bbdfe53eeac" providerId="LiveId" clId="{02FD81BB-2C31-4FEB-BFD8-29FA47EADD71}" dt="2021-04-24T22:29:39.850" v="1766" actId="21"/>
+          <ac:spMkLst>
+            <pc:docMk/>
+            <pc:sldMk cId="1985977507" sldId="261"/>
+            <ac:spMk id="41" creationId="{B220DB67-4FD4-49D9-811F-E42F3FEB1892}"/>
+          </ac:spMkLst>
+        </pc:spChg>
+      </pc:sldChg>
+      <pc:sldChg chg="addSp modSp mod">
+        <pc:chgData name="Anthony McEntire" userId="85de9bbdfe53eeac" providerId="LiveId" clId="{02FD81BB-2C31-4FEB-BFD8-29FA47EADD71}" dt="2021-04-24T22:36:21.564" v="2391" actId="20577"/>
+        <pc:sldMkLst>
+          <pc:docMk/>
+          <pc:sldMk cId="1161082997" sldId="262"/>
+        </pc:sldMkLst>
+        <pc:spChg chg="add mod">
+          <ac:chgData name="Anthony McEntire" userId="85de9bbdfe53eeac" providerId="LiveId" clId="{02FD81BB-2C31-4FEB-BFD8-29FA47EADD71}" dt="2021-04-24T22:30:20.219" v="1791" actId="20577"/>
+          <ac:spMkLst>
+            <pc:docMk/>
+            <pc:sldMk cId="1161082997" sldId="262"/>
+            <ac:spMk id="39" creationId="{2304CA40-C757-4CCA-AF2B-7F45593C8393}"/>
+          </ac:spMkLst>
+        </pc:spChg>
+        <pc:spChg chg="add mod">
+          <ac:chgData name="Anthony McEntire" userId="85de9bbdfe53eeac" providerId="LiveId" clId="{02FD81BB-2C31-4FEB-BFD8-29FA47EADD71}" dt="2021-04-24T22:36:21.564" v="2391" actId="20577"/>
+          <ac:spMkLst>
+            <pc:docMk/>
+            <pc:sldMk cId="1161082997" sldId="262"/>
+            <ac:spMk id="41" creationId="{6395B3A8-76D7-4B37-A05F-D88DB818519B}"/>
+          </ac:spMkLst>
+        </pc:spChg>
+      </pc:sldChg>
+      <pc:sldChg chg="addSp delSp modSp add mod ord">
+        <pc:chgData name="Anthony McEntire" userId="85de9bbdfe53eeac" providerId="LiveId" clId="{02FD81BB-2C31-4FEB-BFD8-29FA47EADD71}" dt="2021-04-24T22:40:53.637" v="2449" actId="1076"/>
+        <pc:sldMkLst>
+          <pc:docMk/>
+          <pc:sldMk cId="3160097372" sldId="264"/>
+        </pc:sldMkLst>
+        <pc:spChg chg="del mod">
+          <ac:chgData name="Anthony McEntire" userId="85de9bbdfe53eeac" providerId="LiveId" clId="{02FD81BB-2C31-4FEB-BFD8-29FA47EADD71}" dt="2021-04-24T22:40:43.122" v="2447" actId="478"/>
+          <ac:spMkLst>
+            <pc:docMk/>
+            <pc:sldMk cId="3160097372" sldId="264"/>
+            <ac:spMk id="2" creationId="{1C21E816-31F5-48BB-BD02-D15F2F18B48A}"/>
+          </ac:spMkLst>
+        </pc:spChg>
+        <pc:spChg chg="add del mod">
+          <ac:chgData name="Anthony McEntire" userId="85de9bbdfe53eeac" providerId="LiveId" clId="{02FD81BB-2C31-4FEB-BFD8-29FA47EADD71}" dt="2021-04-24T22:38:51.580" v="2426" actId="478"/>
+          <ac:spMkLst>
+            <pc:docMk/>
+            <pc:sldMk cId="3160097372" sldId="264"/>
+            <ac:spMk id="4" creationId="{198B2E1A-AB98-43AB-A72D-77380905FF96}"/>
+          </ac:spMkLst>
+        </pc:spChg>
+        <pc:spChg chg="mod">
+          <ac:chgData name="Anthony McEntire" userId="85de9bbdfe53eeac" providerId="LiveId" clId="{02FD81BB-2C31-4FEB-BFD8-29FA47EADD71}" dt="2021-04-24T22:39:42.544" v="2427" actId="164"/>
+          <ac:spMkLst>
+            <pc:docMk/>
+            <pc:sldMk cId="3160097372" sldId="264"/>
+            <ac:spMk id="14" creationId="{097159E7-F245-4562-948A-971D4E3C265E}"/>
+          </ac:spMkLst>
+        </pc:spChg>
+        <pc:spChg chg="mod">
+          <ac:chgData name="Anthony McEntire" userId="85de9bbdfe53eeac" providerId="LiveId" clId="{02FD81BB-2C31-4FEB-BFD8-29FA47EADD71}" dt="2021-04-24T22:39:42.544" v="2427" actId="164"/>
+          <ac:spMkLst>
+            <pc:docMk/>
+            <pc:sldMk cId="3160097372" sldId="264"/>
+            <ac:spMk id="26" creationId="{8B330145-A8F5-4A1F-BC04-AA9501D51505}"/>
+          </ac:spMkLst>
+        </pc:spChg>
+        <pc:spChg chg="mod">
+          <ac:chgData name="Anthony McEntire" userId="85de9bbdfe53eeac" providerId="LiveId" clId="{02FD81BB-2C31-4FEB-BFD8-29FA47EADD71}" dt="2021-04-24T22:39:42.544" v="2427" actId="164"/>
+          <ac:spMkLst>
+            <pc:docMk/>
+            <pc:sldMk cId="3160097372" sldId="264"/>
+            <ac:spMk id="29" creationId="{3BC5FE9E-A1BB-47CA-9606-5D7EE6175630}"/>
+          </ac:spMkLst>
+        </pc:spChg>
+        <pc:spChg chg="mod">
+          <ac:chgData name="Anthony McEntire" userId="85de9bbdfe53eeac" providerId="LiveId" clId="{02FD81BB-2C31-4FEB-BFD8-29FA47EADD71}" dt="2021-04-24T22:39:42.544" v="2427" actId="164"/>
+          <ac:spMkLst>
+            <pc:docMk/>
+            <pc:sldMk cId="3160097372" sldId="264"/>
+            <ac:spMk id="35" creationId="{C34F9200-98F8-4357-99F0-374DC7635E36}"/>
+          </ac:spMkLst>
+        </pc:spChg>
+        <pc:spChg chg="mod">
+          <ac:chgData name="Anthony McEntire" userId="85de9bbdfe53eeac" providerId="LiveId" clId="{02FD81BB-2C31-4FEB-BFD8-29FA47EADD71}" dt="2021-04-24T22:39:42.544" v="2427" actId="164"/>
+          <ac:spMkLst>
+            <pc:docMk/>
+            <pc:sldMk cId="3160097372" sldId="264"/>
+            <ac:spMk id="36" creationId="{B90A642A-01BB-4E38-8C2C-EB7F2DE7D0E3}"/>
+          </ac:spMkLst>
+        </pc:spChg>
+        <pc:spChg chg="mod">
+          <ac:chgData name="Anthony McEntire" userId="85de9bbdfe53eeac" providerId="LiveId" clId="{02FD81BB-2C31-4FEB-BFD8-29FA47EADD71}" dt="2021-04-24T22:39:42.544" v="2427" actId="164"/>
+          <ac:spMkLst>
+            <pc:docMk/>
+            <pc:sldMk cId="3160097372" sldId="264"/>
+            <ac:spMk id="37" creationId="{790AC50C-1CBA-4C9E-93BA-769C3B72A441}"/>
+          </ac:spMkLst>
+        </pc:spChg>
+        <pc:spChg chg="mod">
+          <ac:chgData name="Anthony McEntire" userId="85de9bbdfe53eeac" providerId="LiveId" clId="{02FD81BB-2C31-4FEB-BFD8-29FA47EADD71}" dt="2021-04-24T22:39:42.544" v="2427" actId="164"/>
+          <ac:spMkLst>
+            <pc:docMk/>
+            <pc:sldMk cId="3160097372" sldId="264"/>
+            <ac:spMk id="46" creationId="{15A03A24-1D20-4B21-A1E4-AFDCAA8B78A0}"/>
+          </ac:spMkLst>
+        </pc:spChg>
+        <pc:spChg chg="mod">
+          <ac:chgData name="Anthony McEntire" userId="85de9bbdfe53eeac" providerId="LiveId" clId="{02FD81BB-2C31-4FEB-BFD8-29FA47EADD71}" dt="2021-04-24T22:39:42.544" v="2427" actId="164"/>
+          <ac:spMkLst>
+            <pc:docMk/>
+            <pc:sldMk cId="3160097372" sldId="264"/>
+            <ac:spMk id="47" creationId="{C75E5FDE-396F-4959-8515-004B2E69EFFE}"/>
+          </ac:spMkLst>
+        </pc:spChg>
+        <pc:spChg chg="mod">
+          <ac:chgData name="Anthony McEntire" userId="85de9bbdfe53eeac" providerId="LiveId" clId="{02FD81BB-2C31-4FEB-BFD8-29FA47EADD71}" dt="2021-04-24T22:39:42.544" v="2427" actId="164"/>
+          <ac:spMkLst>
+            <pc:docMk/>
+            <pc:sldMk cId="3160097372" sldId="264"/>
+            <ac:spMk id="48" creationId="{3613F1C0-2568-48D9-B91B-9DEAC5700669}"/>
+          </ac:spMkLst>
+        </pc:spChg>
+        <pc:spChg chg="mod">
+          <ac:chgData name="Anthony McEntire" userId="85de9bbdfe53eeac" providerId="LiveId" clId="{02FD81BB-2C31-4FEB-BFD8-29FA47EADD71}" dt="2021-04-24T22:39:42.544" v="2427" actId="164"/>
+          <ac:spMkLst>
+            <pc:docMk/>
+            <pc:sldMk cId="3160097372" sldId="264"/>
+            <ac:spMk id="49" creationId="{9989CEA4-5BFF-49AA-8A21-B0A99B0D4A47}"/>
+          </ac:spMkLst>
+        </pc:spChg>
+        <pc:spChg chg="mod">
+          <ac:chgData name="Anthony McEntire" userId="85de9bbdfe53eeac" providerId="LiveId" clId="{02FD81BB-2C31-4FEB-BFD8-29FA47EADD71}" dt="2021-04-24T22:39:42.544" v="2427" actId="164"/>
+          <ac:spMkLst>
+            <pc:docMk/>
+            <pc:sldMk cId="3160097372" sldId="264"/>
+            <ac:spMk id="50" creationId="{6FF77653-D010-4CE9-836E-7295E90C62EB}"/>
+          </ac:spMkLst>
+        </pc:spChg>
+        <pc:spChg chg="mod">
+          <ac:chgData name="Anthony McEntire" userId="85de9bbdfe53eeac" providerId="LiveId" clId="{02FD81BB-2C31-4FEB-BFD8-29FA47EADD71}" dt="2021-04-24T22:39:42.544" v="2427" actId="164"/>
+          <ac:spMkLst>
+            <pc:docMk/>
+            <pc:sldMk cId="3160097372" sldId="264"/>
+            <ac:spMk id="51" creationId="{C9FF9B7A-0497-405E-87C7-436C5AD2F98E}"/>
+          </ac:spMkLst>
+        </pc:spChg>
+        <pc:spChg chg="mod">
+          <ac:chgData name="Anthony McEntire" userId="85de9bbdfe53eeac" providerId="LiveId" clId="{02FD81BB-2C31-4FEB-BFD8-29FA47EADD71}" dt="2021-04-24T22:39:42.544" v="2427" actId="164"/>
+          <ac:spMkLst>
+            <pc:docMk/>
+            <pc:sldMk cId="3160097372" sldId="264"/>
+            <ac:spMk id="52" creationId="{67EBF0C4-9EED-4D60-B429-443A4583312E}"/>
+          </ac:spMkLst>
+        </pc:spChg>
+        <pc:spChg chg="mod">
+          <ac:chgData name="Anthony McEntire" userId="85de9bbdfe53eeac" providerId="LiveId" clId="{02FD81BB-2C31-4FEB-BFD8-29FA47EADD71}" dt="2021-04-24T22:39:42.544" v="2427" actId="164"/>
+          <ac:spMkLst>
+            <pc:docMk/>
+            <pc:sldMk cId="3160097372" sldId="264"/>
+            <ac:spMk id="53" creationId="{521B242A-7C8A-49F9-9372-ABC1778F41F6}"/>
+          </ac:spMkLst>
+        </pc:spChg>
+        <pc:spChg chg="mod">
+          <ac:chgData name="Anthony McEntire" userId="85de9bbdfe53eeac" providerId="LiveId" clId="{02FD81BB-2C31-4FEB-BFD8-29FA47EADD71}" dt="2021-04-24T22:39:42.544" v="2427" actId="164"/>
+          <ac:spMkLst>
+            <pc:docMk/>
+            <pc:sldMk cId="3160097372" sldId="264"/>
+            <ac:spMk id="59" creationId="{CBD32EF1-4918-4FD8-A8C1-71C3933CFA04}"/>
+          </ac:spMkLst>
+        </pc:spChg>
+        <pc:spChg chg="mod">
+          <ac:chgData name="Anthony McEntire" userId="85de9bbdfe53eeac" providerId="LiveId" clId="{02FD81BB-2C31-4FEB-BFD8-29FA47EADD71}" dt="2021-04-24T22:39:42.544" v="2427" actId="164"/>
+          <ac:spMkLst>
+            <pc:docMk/>
+            <pc:sldMk cId="3160097372" sldId="264"/>
+            <ac:spMk id="60" creationId="{0812E97D-8ADD-43CA-9D8C-E95E180B4F84}"/>
+          </ac:spMkLst>
+        </pc:spChg>
+        <pc:spChg chg="mod">
+          <ac:chgData name="Anthony McEntire" userId="85de9bbdfe53eeac" providerId="LiveId" clId="{02FD81BB-2C31-4FEB-BFD8-29FA47EADD71}" dt="2021-04-24T22:39:42.544" v="2427" actId="164"/>
+          <ac:spMkLst>
+            <pc:docMk/>
+            <pc:sldMk cId="3160097372" sldId="264"/>
+            <ac:spMk id="61" creationId="{EACAF9F4-B012-4A1C-8EF4-CAC55B09315E}"/>
+          </ac:spMkLst>
+        </pc:spChg>
+        <pc:spChg chg="mod">
+          <ac:chgData name="Anthony McEntire" userId="85de9bbdfe53eeac" providerId="LiveId" clId="{02FD81BB-2C31-4FEB-BFD8-29FA47EADD71}" dt="2021-04-24T22:39:42.544" v="2427" actId="164"/>
+          <ac:spMkLst>
+            <pc:docMk/>
+            <pc:sldMk cId="3160097372" sldId="264"/>
+            <ac:spMk id="62" creationId="{A8BD6554-3431-4481-8944-6483E7C78FB7}"/>
+          </ac:spMkLst>
+        </pc:spChg>
+        <pc:spChg chg="mod">
+          <ac:chgData name="Anthony McEntire" userId="85de9bbdfe53eeac" providerId="LiveId" clId="{02FD81BB-2C31-4FEB-BFD8-29FA47EADD71}" dt="2021-04-24T22:39:42.544" v="2427" actId="164"/>
+          <ac:spMkLst>
+            <pc:docMk/>
+            <pc:sldMk cId="3160097372" sldId="264"/>
+            <ac:spMk id="63" creationId="{0D73A07F-8397-45A6-A895-7A0A21249499}"/>
+          </ac:spMkLst>
+        </pc:spChg>
+        <pc:spChg chg="mod">
+          <ac:chgData name="Anthony McEntire" userId="85de9bbdfe53eeac" providerId="LiveId" clId="{02FD81BB-2C31-4FEB-BFD8-29FA47EADD71}" dt="2021-04-24T22:39:42.544" v="2427" actId="164"/>
+          <ac:spMkLst>
+            <pc:docMk/>
+            <pc:sldMk cId="3160097372" sldId="264"/>
+            <ac:spMk id="64" creationId="{E8490A0C-29C1-480E-A8E5-90CA0C11D58F}"/>
+          </ac:spMkLst>
+        </pc:spChg>
+        <pc:spChg chg="add del mod">
+          <ac:chgData name="Anthony McEntire" userId="85de9bbdfe53eeac" providerId="LiveId" clId="{02FD81BB-2C31-4FEB-BFD8-29FA47EADD71}" dt="2021-04-24T22:40:48.087" v="2448" actId="1076"/>
+          <ac:spMkLst>
+            <pc:docMk/>
+            <pc:sldMk cId="3160097372" sldId="264"/>
+            <ac:spMk id="66" creationId="{38BF2FA1-6EAE-4D8C-8826-A5A480F63BB1}"/>
+          </ac:spMkLst>
+        </pc:spChg>
+        <pc:spChg chg="mod">
+          <ac:chgData name="Anthony McEntire" userId="85de9bbdfe53eeac" providerId="LiveId" clId="{02FD81BB-2C31-4FEB-BFD8-29FA47EADD71}" dt="2021-04-24T22:40:53.637" v="2449" actId="1076"/>
+          <ac:spMkLst>
+            <pc:docMk/>
+            <pc:sldMk cId="3160097372" sldId="264"/>
+            <ac:spMk id="67" creationId="{895C2229-1C78-4578-91CC-99F059B2CEC6}"/>
+          </ac:spMkLst>
+        </pc:spChg>
+        <pc:grpChg chg="add mod">
+          <ac:chgData name="Anthony McEntire" userId="85de9bbdfe53eeac" providerId="LiveId" clId="{02FD81BB-2C31-4FEB-BFD8-29FA47EADD71}" dt="2021-04-24T22:40:02.551" v="2430" actId="14100"/>
+          <ac:grpSpMkLst>
+            <pc:docMk/>
+            <pc:sldMk cId="3160097372" sldId="264"/>
+            <ac:grpSpMk id="5" creationId="{417C6D2F-8034-4029-ABA9-4AD5F0E792CB}"/>
+          </ac:grpSpMkLst>
+        </pc:grpChg>
+        <pc:cxnChg chg="mod">
+          <ac:chgData name="Anthony McEntire" userId="85de9bbdfe53eeac" providerId="LiveId" clId="{02FD81BB-2C31-4FEB-BFD8-29FA47EADD71}" dt="2021-04-24T22:39:42.544" v="2427" actId="164"/>
+          <ac:cxnSpMkLst>
+            <pc:docMk/>
+            <pc:sldMk cId="3160097372" sldId="264"/>
+            <ac:cxnSpMk id="7" creationId="{D4DFA75C-6434-4229-B047-C15AA29EF31D}"/>
+          </ac:cxnSpMkLst>
+        </pc:cxnChg>
+        <pc:cxnChg chg="mod">
+          <ac:chgData name="Anthony McEntire" userId="85de9bbdfe53eeac" providerId="LiveId" clId="{02FD81BB-2C31-4FEB-BFD8-29FA47EADD71}" dt="2021-04-24T22:39:42.544" v="2427" actId="164"/>
+          <ac:cxnSpMkLst>
+            <pc:docMk/>
+            <pc:sldMk cId="3160097372" sldId="264"/>
+            <ac:cxnSpMk id="10" creationId="{86595BC5-DD50-4425-94CB-E4E128944B9B}"/>
+          </ac:cxnSpMkLst>
+        </pc:cxnChg>
+        <pc:cxnChg chg="mod">
+          <ac:chgData name="Anthony McEntire" userId="85de9bbdfe53eeac" providerId="LiveId" clId="{02FD81BB-2C31-4FEB-BFD8-29FA47EADD71}" dt="2021-04-24T22:39:42.544" v="2427" actId="164"/>
+          <ac:cxnSpMkLst>
+            <pc:docMk/>
+            <pc:sldMk cId="3160097372" sldId="264"/>
+            <ac:cxnSpMk id="21" creationId="{45064C6B-D54C-4EF8-B01A-E7758B62499A}"/>
+          </ac:cxnSpMkLst>
+        </pc:cxnChg>
+        <pc:cxnChg chg="mod">
+          <ac:chgData name="Anthony McEntire" userId="85de9bbdfe53eeac" providerId="LiveId" clId="{02FD81BB-2C31-4FEB-BFD8-29FA47EADD71}" dt="2021-04-24T22:39:42.544" v="2427" actId="164"/>
+          <ac:cxnSpMkLst>
+            <pc:docMk/>
+            <pc:sldMk cId="3160097372" sldId="264"/>
+            <ac:cxnSpMk id="25" creationId="{30E5A439-16AF-4D6D-911E-E3F5E80F7041}"/>
+          </ac:cxnSpMkLst>
+        </pc:cxnChg>
+        <pc:cxnChg chg="mod">
+          <ac:chgData name="Anthony McEntire" userId="85de9bbdfe53eeac" providerId="LiveId" clId="{02FD81BB-2C31-4FEB-BFD8-29FA47EADD71}" dt="2021-04-24T22:39:42.544" v="2427" actId="164"/>
+          <ac:cxnSpMkLst>
+            <pc:docMk/>
+            <pc:sldMk cId="3160097372" sldId="264"/>
+            <ac:cxnSpMk id="27" creationId="{703C2485-2EFC-42B3-8B80-B12EDB7A88C3}"/>
+          </ac:cxnSpMkLst>
+        </pc:cxnChg>
+        <pc:cxnChg chg="mod">
+          <ac:chgData name="Anthony McEntire" userId="85de9bbdfe53eeac" providerId="LiveId" clId="{02FD81BB-2C31-4FEB-BFD8-29FA47EADD71}" dt="2021-04-24T22:39:42.544" v="2427" actId="164"/>
+          <ac:cxnSpMkLst>
+            <pc:docMk/>
+            <pc:sldMk cId="3160097372" sldId="264"/>
+            <ac:cxnSpMk id="28" creationId="{F2DB22D4-040D-4989-8075-D19370C099CB}"/>
+          </ac:cxnSpMkLst>
+        </pc:cxnChg>
+        <pc:cxnChg chg="mod">
+          <ac:chgData name="Anthony McEntire" userId="85de9bbdfe53eeac" providerId="LiveId" clId="{02FD81BB-2C31-4FEB-BFD8-29FA47EADD71}" dt="2021-04-24T22:39:42.544" v="2427" actId="164"/>
+          <ac:cxnSpMkLst>
+            <pc:docMk/>
+            <pc:sldMk cId="3160097372" sldId="264"/>
+            <ac:cxnSpMk id="30" creationId="{5C692B74-C33A-4226-8C3E-0EEDC6441D85}"/>
+          </ac:cxnSpMkLst>
+        </pc:cxnChg>
+        <pc:cxnChg chg="mod">
+          <ac:chgData name="Anthony McEntire" userId="85de9bbdfe53eeac" providerId="LiveId" clId="{02FD81BB-2C31-4FEB-BFD8-29FA47EADD71}" dt="2021-04-24T22:39:42.544" v="2427" actId="164"/>
+          <ac:cxnSpMkLst>
+            <pc:docMk/>
+            <pc:sldMk cId="3160097372" sldId="264"/>
+            <ac:cxnSpMk id="31" creationId="{98537EC5-0F8E-4FDB-AC5B-BAEE3BB45B71}"/>
+          </ac:cxnSpMkLst>
+        </pc:cxnChg>
+        <pc:cxnChg chg="mod">
+          <ac:chgData name="Anthony McEntire" userId="85de9bbdfe53eeac" providerId="LiveId" clId="{02FD81BB-2C31-4FEB-BFD8-29FA47EADD71}" dt="2021-04-24T22:39:42.544" v="2427" actId="164"/>
+          <ac:cxnSpMkLst>
+            <pc:docMk/>
+            <pc:sldMk cId="3160097372" sldId="264"/>
+            <ac:cxnSpMk id="38" creationId="{92A70CAB-406C-44A7-88F5-0D1243188A95}"/>
+          </ac:cxnSpMkLst>
+        </pc:cxnChg>
+        <pc:cxnChg chg="mod">
+          <ac:chgData name="Anthony McEntire" userId="85de9bbdfe53eeac" providerId="LiveId" clId="{02FD81BB-2C31-4FEB-BFD8-29FA47EADD71}" dt="2021-04-24T22:39:42.544" v="2427" actId="164"/>
+          <ac:cxnSpMkLst>
+            <pc:docMk/>
+            <pc:sldMk cId="3160097372" sldId="264"/>
+            <ac:cxnSpMk id="40" creationId="{FF3C3FAE-2FC2-4E53-AEC8-B8175FBA7798}"/>
+          </ac:cxnSpMkLst>
+        </pc:cxnChg>
+        <pc:cxnChg chg="mod">
+          <ac:chgData name="Anthony McEntire" userId="85de9bbdfe53eeac" providerId="LiveId" clId="{02FD81BB-2C31-4FEB-BFD8-29FA47EADD71}" dt="2021-04-24T22:39:42.544" v="2427" actId="164"/>
+          <ac:cxnSpMkLst>
+            <pc:docMk/>
+            <pc:sldMk cId="3160097372" sldId="264"/>
+            <ac:cxnSpMk id="54" creationId="{24018061-D844-44AA-AF38-035721B395FF}"/>
+          </ac:cxnSpMkLst>
+        </pc:cxnChg>
+        <pc:cxnChg chg="mod">
+          <ac:chgData name="Anthony McEntire" userId="85de9bbdfe53eeac" providerId="LiveId" clId="{02FD81BB-2C31-4FEB-BFD8-29FA47EADD71}" dt="2021-04-24T22:39:42.544" v="2427" actId="164"/>
+          <ac:cxnSpMkLst>
+            <pc:docMk/>
+            <pc:sldMk cId="3160097372" sldId="264"/>
+            <ac:cxnSpMk id="56" creationId="{89080977-92A9-4DCE-A298-46FEB160E5C4}"/>
+          </ac:cxnSpMkLst>
+        </pc:cxnChg>
+      </pc:sldChg>
+    </pc:docChg>
+  </pc:docChgLst>
+</pc:chgInfo>
 </file>
 
 <file path=ppt/slideLayouts/slideLayout1.xml><?xml version="1.0" encoding="utf-8"?>
@@ -368,7 +825,7 @@
           <a:p>
             <a:fld id="{ED291B17-9318-49DB-B28B-6E5994AE9581}" type="datetime1">
               <a:rPr lang="en-US" smtClean="0"/>
-              <a:t>04/06/21</a:t>
+              <a:t>04/24/21</a:t>
             </a:fld>
             <a:endParaRPr lang="en-US" dirty="0"/>
           </a:p>
@@ -571,7 +1028,7 @@
           <a:p>
             <a:fld id="{2CED4963-E985-44C4-B8C4-FDD613B7C2F8}" type="datetime1">
               <a:rPr lang="en-US" smtClean="0"/>
-              <a:t>04/06/21</a:t>
+              <a:t>04/24/21</a:t>
             </a:fld>
             <a:endParaRPr lang="en-US" dirty="0"/>
           </a:p>
@@ -933,7 +1390,7 @@
           <a:p>
             <a:fld id="{ED291B17-9318-49DB-B28B-6E5994AE9581}" type="datetime1">
               <a:rPr lang="en-US" smtClean="0"/>
-              <a:t>04/06/21</a:t>
+              <a:t>04/24/21</a:t>
             </a:fld>
             <a:endParaRPr lang="en-US" dirty="0"/>
           </a:p>
@@ -1131,7 +1588,7 @@
           <a:p>
             <a:fld id="{78DD82B9-B8EE-4375-B6FF-88FA6ABB15D9}" type="datetime1">
               <a:rPr lang="en-US" smtClean="0"/>
-              <a:t>04/06/21</a:t>
+              <a:t>04/24/21</a:t>
             </a:fld>
             <a:endParaRPr lang="en-US" dirty="0"/>
           </a:p>
@@ -1443,7 +1900,7 @@
           <a:p>
             <a:fld id="{B2497495-0637-405E-AE64-5CC7506D51F5}" type="datetime1">
               <a:rPr lang="en-US" smtClean="0"/>
-              <a:t>04/06/21</a:t>
+              <a:t>04/24/21</a:t>
             </a:fld>
             <a:endParaRPr lang="en-US" dirty="0"/>
           </a:p>
@@ -1696,7 +2153,7 @@
           <a:p>
             <a:fld id="{7BFFD690-9426-415D-8B65-26881E07B2D4}" type="datetime1">
               <a:rPr lang="en-US" smtClean="0"/>
-              <a:t>04/06/21</a:t>
+              <a:t>04/24/21</a:t>
             </a:fld>
             <a:endParaRPr lang="en-US" dirty="0"/>
           </a:p>
@@ -2118,7 +2575,7 @@
           <a:p>
             <a:fld id="{04C4989A-474C-40DE-95B9-011C28B71673}" type="datetime1">
               <a:rPr lang="en-US" smtClean="0"/>
-              <a:t>04/06/21</a:t>
+              <a:t>04/24/21</a:t>
             </a:fld>
             <a:endParaRPr lang="en-US" dirty="0"/>
           </a:p>
@@ -2241,7 +2698,7 @@
           <a:p>
             <a:fld id="{5DB4ED54-5B5E-4A04-93D3-5772E3CE3818}" type="datetime1">
               <a:rPr lang="en-US" smtClean="0"/>
-              <a:t>04/06/21</a:t>
+              <a:t>04/24/21</a:t>
             </a:fld>
             <a:endParaRPr lang="en-US" dirty="0"/>
           </a:p>
@@ -2336,7 +2793,7 @@
           <a:p>
             <a:fld id="{4EDE50D6-574B-40AF-946F-D52A04ADE379}" type="datetime1">
               <a:rPr lang="en-US" smtClean="0"/>
-              <a:t>04/06/21</a:t>
+              <a:t>04/24/21</a:t>
             </a:fld>
             <a:endParaRPr lang="en-US" dirty="0"/>
           </a:p>
@@ -2713,7 +3170,7 @@
           <a:p>
             <a:fld id="{D82884F1-FFEA-405F-9602-3DCA865EDA4E}" type="datetime1">
               <a:rPr lang="en-US" smtClean="0"/>
-              <a:t>04/06/21</a:t>
+              <a:t>04/24/21</a:t>
             </a:fld>
             <a:endParaRPr lang="en-US" dirty="0"/>
           </a:p>
@@ -3006,7 +3463,7 @@
           <a:p>
             <a:fld id="{7E18DB4A-8810-4A10-AD5C-D5E2C667F5B3}" type="datetime1">
               <a:rPr lang="en-US" smtClean="0"/>
-              <a:t>04/06/21</a:t>
+              <a:t>04/24/21</a:t>
             </a:fld>
             <a:endParaRPr lang="en-US" dirty="0"/>
           </a:p>
@@ -3221,7 +3678,7 @@
           <a:p>
             <a:fld id="{ED291B17-9318-49DB-B28B-6E5994AE9581}" type="datetime1">
               <a:rPr lang="en-US" smtClean="0"/>
-              <a:t>04/06/21</a:t>
+              <a:t>04/24/21</a:t>
             </a:fld>
             <a:endParaRPr lang="en-US" dirty="0"/>
           </a:p>
@@ -9965,128 +10422,439 @@
       </p:grpSp>
       <p:sp>
         <p:nvSpPr>
-          <p:cNvPr id="72" name="Title 1">
+          <p:cNvPr id="72" name="Subtitle 2">
             <a:extLst>
               <a:ext uri="{FF2B5EF4-FFF2-40B4-BE49-F238E27FC236}">
-                <a16:creationId xmlns:a16="http://schemas.microsoft.com/office/drawing/2014/main" id="{48A0B710-FAF4-4E39-A481-C6FD897EE08E}"/>
+                <a16:creationId xmlns:a16="http://schemas.microsoft.com/office/drawing/2014/main" id="{9F1ACBD2-8DC8-4DAF-A58F-8A1987A5FF0D}"/>
               </a:ext>
             </a:extLst>
           </p:cNvPr>
-          <p:cNvSpPr>
-            <a:spLocks noGrp="1"/>
+          <p:cNvSpPr txBox="1">
+            <a:spLocks/>
           </p:cNvSpPr>
-          <p:nvPr>
-            <p:ph type="ctrTitle"/>
-          </p:nvPr>
-        </p:nvSpPr>
-        <p:spPr>
-          <a:xfrm>
-            <a:off x="446532" y="424390"/>
-            <a:ext cx="11298931" cy="840781"/>
-          </a:xfrm>
-        </p:spPr>
-        <p:txBody>
-          <a:bodyPr anchor="t">
-            <a:noAutofit/>
-          </a:bodyPr>
-          <a:lstStyle/>
-          <a:p>
-            <a:r>
-              <a:rPr lang="en-US" sz="4800" dirty="0">
-                <a:latin typeface="OCRB" panose="020B0609020202020204" pitchFamily="49" charset="0"/>
-              </a:rPr>
-              <a:t>Neural nets &amp; go</a:t>
-            </a:r>
-            <a:endParaRPr lang="en-US" sz="1000" dirty="0">
-              <a:latin typeface="OCRB" panose="020B0609020202020204" pitchFamily="49" charset="0"/>
-            </a:endParaRPr>
-          </a:p>
-        </p:txBody>
-      </p:sp>
-      <p:sp>
-        <p:nvSpPr>
-          <p:cNvPr id="76" name="Rectangle 75">
-            <a:extLst>
-              <a:ext uri="{FF2B5EF4-FFF2-40B4-BE49-F238E27FC236}">
-                <a16:creationId xmlns:a16="http://schemas.microsoft.com/office/drawing/2014/main" id="{0E118C92-8E42-4E09-AD80-A1B4352D0860}"/>
-              </a:ext>
-            </a:extLst>
-          </p:cNvPr>
-          <p:cNvSpPr/>
           <p:nvPr/>
         </p:nvSpPr>
         <p:spPr>
           <a:xfrm>
-            <a:off x="2194287" y="1513823"/>
-            <a:ext cx="6893606" cy="1480896"/>
+            <a:off x="975765" y="611048"/>
+            <a:ext cx="9581128" cy="543088"/>
           </a:xfrm>
           <a:prstGeom prst="rect">
             <a:avLst/>
           </a:prstGeom>
         </p:spPr>
-        <p:style>
-          <a:lnRef idx="0">
-            <a:schemeClr val="dk1">
-              <a:alpha val="0"/>
-              <a:hueOff val="0"/>
-              <a:satOff val="0"/>
-              <a:lumOff val="0"/>
-              <a:alphaOff val="0"/>
-            </a:schemeClr>
-          </a:lnRef>
-          <a:fillRef idx="0">
-            <a:schemeClr val="lt1">
-              <a:alpha val="0"/>
-              <a:hueOff val="0"/>
-              <a:satOff val="0"/>
-              <a:lumOff val="0"/>
-              <a:alphaOff val="0"/>
-            </a:schemeClr>
-          </a:fillRef>
-          <a:effectRef idx="0">
-            <a:schemeClr val="lt1">
-              <a:alpha val="0"/>
-              <a:hueOff val="0"/>
-              <a:satOff val="0"/>
-              <a:lumOff val="0"/>
-              <a:alphaOff val="0"/>
-            </a:schemeClr>
-          </a:effectRef>
-          <a:fontRef idx="minor">
-            <a:schemeClr val="tx1">
-              <a:hueOff val="0"/>
-              <a:satOff val="0"/>
-              <a:lumOff val="0"/>
-              <a:alphaOff val="0"/>
-            </a:schemeClr>
-          </a:fontRef>
-        </p:style>
         <p:txBody>
-          <a:bodyPr/>
-          <a:lstStyle/>
+          <a:bodyPr vert="horz" lIns="91440" tIns="45720" rIns="91440" bIns="45720" rtlCol="0" anchor="t">
+            <a:normAutofit/>
+          </a:bodyPr>
+          <a:lstStyle>
+            <a:lvl1pPr marL="0" indent="0" algn="l" defTabSz="457200" rtl="0" eaLnBrk="1" latinLnBrk="0" hangingPunct="1">
+              <a:lnSpc>
+                <a:spcPct val="110000"/>
+              </a:lnSpc>
+              <a:spcBef>
+                <a:spcPct val="20000"/>
+              </a:spcBef>
+              <a:spcAft>
+                <a:spcPts val="600"/>
+              </a:spcAft>
+              <a:buClr>
+                <a:schemeClr val="accent1"/>
+              </a:buClr>
+              <a:buSzPct val="92000"/>
+              <a:buFont typeface="Wingdings 2" panose="05020102010507070707" pitchFamily="18" charset="2"/>
+              <a:buNone/>
+              <a:defRPr sz="1600" kern="1200" cap="all">
+                <a:solidFill>
+                  <a:schemeClr val="accent1"/>
+                </a:solidFill>
+                <a:latin typeface="+mn-lt"/>
+                <a:ea typeface="+mn-ea"/>
+                <a:cs typeface="+mn-cs"/>
+              </a:defRPr>
+            </a:lvl1pPr>
+            <a:lvl2pPr marL="457200" indent="0" algn="ctr" defTabSz="457200" rtl="0" eaLnBrk="1" latinLnBrk="0" hangingPunct="1">
+              <a:spcBef>
+                <a:spcPct val="20000"/>
+              </a:spcBef>
+              <a:spcAft>
+                <a:spcPts val="600"/>
+              </a:spcAft>
+              <a:buClr>
+                <a:schemeClr val="accent1"/>
+              </a:buClr>
+              <a:buSzPct val="92000"/>
+              <a:buFont typeface="Wingdings 2" panose="05020102010507070707" pitchFamily="18" charset="2"/>
+              <a:buNone/>
+              <a:defRPr sz="1400" kern="1200">
+                <a:solidFill>
+                  <a:schemeClr val="tx1">
+                    <a:tint val="75000"/>
+                  </a:schemeClr>
+                </a:solidFill>
+                <a:latin typeface="+mn-lt"/>
+                <a:ea typeface="+mn-ea"/>
+                <a:cs typeface="+mn-cs"/>
+              </a:defRPr>
+            </a:lvl2pPr>
+            <a:lvl3pPr marL="914400" indent="0" algn="ctr" defTabSz="457200" rtl="0" eaLnBrk="1" latinLnBrk="0" hangingPunct="1">
+              <a:spcBef>
+                <a:spcPct val="20000"/>
+              </a:spcBef>
+              <a:spcAft>
+                <a:spcPts val="600"/>
+              </a:spcAft>
+              <a:buClr>
+                <a:schemeClr val="accent1"/>
+              </a:buClr>
+              <a:buSzPct val="92000"/>
+              <a:buFont typeface="Wingdings 2" panose="05020102010507070707" pitchFamily="18" charset="2"/>
+              <a:buNone/>
+              <a:defRPr sz="1300" kern="1200">
+                <a:solidFill>
+                  <a:schemeClr val="tx1">
+                    <a:tint val="75000"/>
+                  </a:schemeClr>
+                </a:solidFill>
+                <a:latin typeface="+mn-lt"/>
+                <a:ea typeface="+mn-ea"/>
+                <a:cs typeface="+mn-cs"/>
+              </a:defRPr>
+            </a:lvl3pPr>
+            <a:lvl4pPr marL="1371600" indent="0" algn="ctr" defTabSz="457200" rtl="0" eaLnBrk="1" latinLnBrk="0" hangingPunct="1">
+              <a:spcBef>
+                <a:spcPct val="20000"/>
+              </a:spcBef>
+              <a:spcAft>
+                <a:spcPts val="600"/>
+              </a:spcAft>
+              <a:buClr>
+                <a:schemeClr val="accent1"/>
+              </a:buClr>
+              <a:buSzPct val="92000"/>
+              <a:buFont typeface="Wingdings 2" panose="05020102010507070707" pitchFamily="18" charset="2"/>
+              <a:buNone/>
+              <a:defRPr sz="1100" kern="1200">
+                <a:solidFill>
+                  <a:schemeClr val="tx1">
+                    <a:tint val="75000"/>
+                  </a:schemeClr>
+                </a:solidFill>
+                <a:latin typeface="+mn-lt"/>
+                <a:ea typeface="+mn-ea"/>
+                <a:cs typeface="+mn-cs"/>
+              </a:defRPr>
+            </a:lvl4pPr>
+            <a:lvl5pPr marL="1828800" indent="0" algn="ctr" defTabSz="457200" rtl="0" eaLnBrk="1" latinLnBrk="0" hangingPunct="1">
+              <a:spcBef>
+                <a:spcPct val="20000"/>
+              </a:spcBef>
+              <a:spcAft>
+                <a:spcPts val="600"/>
+              </a:spcAft>
+              <a:buClr>
+                <a:schemeClr val="accent1"/>
+              </a:buClr>
+              <a:buSzPct val="92000"/>
+              <a:buFont typeface="Wingdings 2" panose="05020102010507070707" pitchFamily="18" charset="2"/>
+              <a:buNone/>
+              <a:defRPr sz="1100" kern="1200">
+                <a:solidFill>
+                  <a:schemeClr val="tx1">
+                    <a:tint val="75000"/>
+                  </a:schemeClr>
+                </a:solidFill>
+                <a:latin typeface="+mn-lt"/>
+                <a:ea typeface="+mn-ea"/>
+                <a:cs typeface="+mn-cs"/>
+              </a:defRPr>
+            </a:lvl5pPr>
+            <a:lvl6pPr marL="2286000" indent="0" algn="ctr" defTabSz="457200" rtl="0" eaLnBrk="1" latinLnBrk="0" hangingPunct="1">
+              <a:spcBef>
+                <a:spcPct val="20000"/>
+              </a:spcBef>
+              <a:spcAft>
+                <a:spcPts val="600"/>
+              </a:spcAft>
+              <a:buClr>
+                <a:schemeClr val="accent2"/>
+              </a:buClr>
+              <a:buSzPct val="92000"/>
+              <a:buFont typeface="Wingdings 2" panose="05020102010507070707" pitchFamily="18" charset="2"/>
+              <a:buNone/>
+              <a:defRPr sz="1200" kern="1200">
+                <a:solidFill>
+                  <a:schemeClr val="tx1">
+                    <a:tint val="75000"/>
+                  </a:schemeClr>
+                </a:solidFill>
+                <a:latin typeface="+mn-lt"/>
+                <a:ea typeface="+mn-ea"/>
+                <a:cs typeface="+mn-cs"/>
+              </a:defRPr>
+            </a:lvl6pPr>
+            <a:lvl7pPr marL="2743200" indent="0" algn="ctr" defTabSz="457200" rtl="0" eaLnBrk="1" latinLnBrk="0" hangingPunct="1">
+              <a:spcBef>
+                <a:spcPct val="20000"/>
+              </a:spcBef>
+              <a:spcAft>
+                <a:spcPts val="600"/>
+              </a:spcAft>
+              <a:buClr>
+                <a:schemeClr val="accent2"/>
+              </a:buClr>
+              <a:buSzPct val="92000"/>
+              <a:buFont typeface="Wingdings 2" panose="05020102010507070707" pitchFamily="18" charset="2"/>
+              <a:buNone/>
+              <a:defRPr sz="1200" kern="1200">
+                <a:solidFill>
+                  <a:schemeClr val="tx1">
+                    <a:tint val="75000"/>
+                  </a:schemeClr>
+                </a:solidFill>
+                <a:latin typeface="+mn-lt"/>
+                <a:ea typeface="+mn-ea"/>
+                <a:cs typeface="+mn-cs"/>
+              </a:defRPr>
+            </a:lvl7pPr>
+            <a:lvl8pPr marL="3200400" indent="0" algn="ctr" defTabSz="457200" rtl="0" eaLnBrk="1" latinLnBrk="0" hangingPunct="1">
+              <a:spcBef>
+                <a:spcPct val="20000"/>
+              </a:spcBef>
+              <a:spcAft>
+                <a:spcPts val="600"/>
+              </a:spcAft>
+              <a:buClr>
+                <a:schemeClr val="accent2"/>
+              </a:buClr>
+              <a:buSzPct val="92000"/>
+              <a:buFont typeface="Wingdings 2" panose="05020102010507070707" pitchFamily="18" charset="2"/>
+              <a:buNone/>
+              <a:defRPr sz="1200" kern="1200">
+                <a:solidFill>
+                  <a:schemeClr val="tx1">
+                    <a:tint val="75000"/>
+                  </a:schemeClr>
+                </a:solidFill>
+                <a:latin typeface="+mn-lt"/>
+                <a:ea typeface="+mn-ea"/>
+                <a:cs typeface="+mn-cs"/>
+              </a:defRPr>
+            </a:lvl8pPr>
+            <a:lvl9pPr marL="3657600" indent="0" algn="ctr" defTabSz="457200" rtl="0" eaLnBrk="1" latinLnBrk="0" hangingPunct="1">
+              <a:spcBef>
+                <a:spcPct val="20000"/>
+              </a:spcBef>
+              <a:spcAft>
+                <a:spcPts val="600"/>
+              </a:spcAft>
+              <a:buClr>
+                <a:schemeClr val="accent2"/>
+              </a:buClr>
+              <a:buSzPct val="92000"/>
+              <a:buFont typeface="Wingdings 2" panose="05020102010507070707" pitchFamily="18" charset="2"/>
+              <a:buNone/>
+              <a:defRPr sz="1200" kern="1200">
+                <a:solidFill>
+                  <a:schemeClr val="tx1">
+                    <a:tint val="75000"/>
+                  </a:schemeClr>
+                </a:solidFill>
+                <a:latin typeface="+mn-lt"/>
+                <a:ea typeface="+mn-ea"/>
+                <a:cs typeface="+mn-cs"/>
+              </a:defRPr>
+            </a:lvl9pPr>
+          </a:lstStyle>
           <a:p>
             <a:r>
-              <a:rPr lang="en-US" dirty="0"/>
-              <a:t>Most people have heard of AlphaGo, the Google developed AI that learned how to play go and can defeat masters of the game.</a:t>
+              <a:rPr lang="en-US" sz="2800" dirty="0">
+                <a:solidFill>
+                  <a:schemeClr val="tx1">
+                    <a:lumMod val="75000"/>
+                    <a:lumOff val="25000"/>
+                  </a:schemeClr>
+                </a:solidFill>
+                <a:latin typeface="OCRB" panose="020B0609020202020204" pitchFamily="49" charset="0"/>
+              </a:rPr>
+              <a:t>The game of Go:</a:t>
             </a:r>
-          </a:p>
-          <a:p>
-            <a:endParaRPr lang="en-US" dirty="0"/>
-          </a:p>
-          <a:p>
-            <a:r>
-              <a:rPr lang="en-US" dirty="0"/>
-              <a:t>We decided to do that on a simpler scale using a smaller 9x9 board.</a:t>
-            </a:r>
-          </a:p>
-          <a:p>
-            <a:endParaRPr lang="en-US" dirty="0"/>
-          </a:p>
-          <a:p>
-            <a:endParaRPr lang="en-US" dirty="0"/>
+            <a:endParaRPr lang="en-US" sz="2400" dirty="0">
+              <a:solidFill>
+                <a:schemeClr val="tx1">
+                  <a:lumMod val="75000"/>
+                  <a:lumOff val="25000"/>
+                </a:schemeClr>
+              </a:solidFill>
+              <a:latin typeface="Abadi" panose="020B0604020104020204" pitchFamily="34" charset="0"/>
+            </a:endParaRPr>
           </a:p>
         </p:txBody>
       </p:sp>
+      <mc:AlternateContent xmlns:mc="http://schemas.openxmlformats.org/markup-compatibility/2006">
+        <mc:Choice xmlns:a14="http://schemas.microsoft.com/office/drawing/2010/main" Requires="a14">
+          <p:sp>
+            <p:nvSpPr>
+              <p:cNvPr id="2" name="TextBox 1">
+                <a:extLst>
+                  <a:ext uri="{FF2B5EF4-FFF2-40B4-BE49-F238E27FC236}">
+                    <a16:creationId xmlns:a16="http://schemas.microsoft.com/office/drawing/2014/main" id="{B0D19F38-DA6E-4390-94FE-DBB93759A9BE}"/>
+                  </a:ext>
+                </a:extLst>
+              </p:cNvPr>
+              <p:cNvSpPr txBox="1"/>
+              <p:nvPr/>
+            </p:nvSpPr>
+            <p:spPr>
+              <a:xfrm>
+                <a:off x="1032484" y="1138265"/>
+                <a:ext cx="9993357" cy="1200329"/>
+              </a:xfrm>
+              <a:prstGeom prst="rect">
+                <a:avLst/>
+              </a:prstGeom>
+              <a:noFill/>
+            </p:spPr>
+            <p:txBody>
+              <a:bodyPr wrap="square" rtlCol="0">
+                <a:spAutoFit/>
+              </a:bodyPr>
+              <a:lstStyle/>
+              <a:p>
+                <a:r>
+                  <a:rPr lang="en-US" dirty="0"/>
+                  <a:t>Go is an ancient Chinese game that has been played for thousands of years.</a:t>
+                </a:r>
+              </a:p>
+              <a:p>
+                <a:endParaRPr lang="en-US" dirty="0"/>
+              </a:p>
+              <a:p>
+                <a:r>
+                  <a:rPr lang="en-US" dirty="0"/>
+                  <a:t>On a typical 19x19 board, there are </a:t>
+                </a:r>
+                <a14:m>
+                  <m:oMath xmlns:m="http://schemas.openxmlformats.org/officeDocument/2006/math">
+                    <m:sSup>
+                      <m:sSupPr>
+                        <m:ctrlPr>
+                          <a:rPr lang="en-US" i="1" smtClean="0">
+                            <a:latin typeface="Cambria Math" panose="02040503050406030204" pitchFamily="18" charset="0"/>
+                          </a:rPr>
+                        </m:ctrlPr>
+                      </m:sSupPr>
+                      <m:e>
+                        <m:r>
+                          <a:rPr lang="en-US" b="0" i="1" smtClean="0">
+                            <a:latin typeface="Cambria Math" panose="02040503050406030204" pitchFamily="18" charset="0"/>
+                          </a:rPr>
+                          <m:t>10</m:t>
+                        </m:r>
+                      </m:e>
+                      <m:sup>
+                        <m:r>
+                          <a:rPr lang="en-US" b="0" i="1" smtClean="0">
+                            <a:latin typeface="Cambria Math" panose="02040503050406030204" pitchFamily="18" charset="0"/>
+                          </a:rPr>
+                          <m:t>360</m:t>
+                        </m:r>
+                      </m:sup>
+                    </m:sSup>
+                  </m:oMath>
+                </a14:m>
+                <a:r>
+                  <a:rPr lang="en-US" dirty="0"/>
+                  <a:t> possible moves, an incomprehensible number when you consider that there are only </a:t>
+                </a:r>
+                <a14:m>
+                  <m:oMath xmlns:m="http://schemas.openxmlformats.org/officeDocument/2006/math">
+                    <m:r>
+                      <a:rPr lang="en-US" b="0" i="0" smtClean="0">
+                        <a:latin typeface="Cambria Math" panose="02040503050406030204" pitchFamily="18" charset="0"/>
+                      </a:rPr>
+                      <m:t>~</m:t>
+                    </m:r>
+                    <m:sSup>
+                      <m:sSupPr>
+                        <m:ctrlPr>
+                          <a:rPr lang="en-US" i="1" smtClean="0">
+                            <a:latin typeface="Cambria Math" panose="02040503050406030204" pitchFamily="18" charset="0"/>
+                          </a:rPr>
+                        </m:ctrlPr>
+                      </m:sSupPr>
+                      <m:e>
+                        <m:r>
+                          <a:rPr lang="en-US" b="0" i="1" smtClean="0">
+                            <a:latin typeface="Cambria Math" panose="02040503050406030204" pitchFamily="18" charset="0"/>
+                          </a:rPr>
+                          <m:t>10</m:t>
+                        </m:r>
+                      </m:e>
+                      <m:sup>
+                        <m:r>
+                          <a:rPr lang="en-US" b="0" i="1" smtClean="0">
+                            <a:latin typeface="Cambria Math" panose="02040503050406030204" pitchFamily="18" charset="0"/>
+                          </a:rPr>
+                          <m:t>80</m:t>
+                        </m:r>
+                      </m:sup>
+                    </m:sSup>
+                  </m:oMath>
+                </a14:m>
+                <a:r>
+                  <a:rPr lang="en-US" dirty="0"/>
+                  <a:t> atoms in the entire observable universe.</a:t>
+                </a:r>
+              </a:p>
+            </p:txBody>
+          </p:sp>
+        </mc:Choice>
+        <mc:Fallback>
+          <p:sp>
+            <p:nvSpPr>
+              <p:cNvPr id="2" name="TextBox 1">
+                <a:extLst>
+                  <a:ext uri="{FF2B5EF4-FFF2-40B4-BE49-F238E27FC236}">
+                    <a16:creationId xmlns:a16="http://schemas.microsoft.com/office/drawing/2014/main" id="{B0D19F38-DA6E-4390-94FE-DBB93759A9BE}"/>
+                  </a:ext>
+                </a:extLst>
+              </p:cNvPr>
+              <p:cNvSpPr txBox="1">
+                <a:spLocks noRot="1" noChangeAspect="1" noMove="1" noResize="1" noEditPoints="1" noAdjustHandles="1" noChangeArrowheads="1" noChangeShapeType="1" noTextEdit="1"/>
+              </p:cNvSpPr>
+              <p:nvPr/>
+            </p:nvSpPr>
+            <p:spPr>
+              <a:xfrm>
+                <a:off x="1032484" y="1138265"/>
+                <a:ext cx="9993357" cy="1200329"/>
+              </a:xfrm>
+              <a:prstGeom prst="rect">
+                <a:avLst/>
+              </a:prstGeom>
+              <a:blipFill>
+                <a:blip r:embed="rId2"/>
+                <a:stretch>
+                  <a:fillRect l="-488" t="-3046" b="-7107"/>
+                </a:stretch>
+              </a:blipFill>
+            </p:spPr>
+            <p:txBody>
+              <a:bodyPr/>
+              <a:lstStyle/>
+              <a:p>
+                <a:r>
+                  <a:rPr lang="en-US">
+                    <a:noFill/>
+                  </a:rPr>
+                  <a:t> </a:t>
+                </a:r>
+              </a:p>
+            </p:txBody>
+          </p:sp>
+        </mc:Fallback>
+      </mc:AlternateContent>
     </p:spTree>
     <p:extLst>
       <p:ext uri="{BB962C8B-B14F-4D97-AF65-F5344CB8AC3E}">
@@ -12113,109 +12881,297 @@
       </p:grpSp>
       <p:sp>
         <p:nvSpPr>
-          <p:cNvPr id="39" name="Title 1">
+          <p:cNvPr id="39" name="Subtitle 2">
             <a:extLst>
               <a:ext uri="{FF2B5EF4-FFF2-40B4-BE49-F238E27FC236}">
-                <a16:creationId xmlns:a16="http://schemas.microsoft.com/office/drawing/2014/main" id="{132BE139-FB55-4D2B-856F-67BCD5D0347F}"/>
+                <a16:creationId xmlns:a16="http://schemas.microsoft.com/office/drawing/2014/main" id="{DFFE19E7-E6B4-45EF-8F01-DD4B92CA30CB}"/>
               </a:ext>
             </a:extLst>
           </p:cNvPr>
-          <p:cNvSpPr>
-            <a:spLocks noGrp="1"/>
+          <p:cNvSpPr txBox="1">
+            <a:spLocks/>
           </p:cNvSpPr>
-          <p:nvPr>
-            <p:ph type="ctrTitle"/>
-          </p:nvPr>
+          <p:nvPr/>
         </p:nvSpPr>
         <p:spPr>
           <a:xfrm>
-            <a:off x="446532" y="424390"/>
-            <a:ext cx="11298931" cy="840781"/>
+            <a:off x="975765" y="611048"/>
+            <a:ext cx="9581128" cy="543088"/>
           </a:xfrm>
+          <a:prstGeom prst="rect">
+            <a:avLst/>
+          </a:prstGeom>
         </p:spPr>
         <p:txBody>
-          <a:bodyPr anchor="t">
-            <a:noAutofit/>
+          <a:bodyPr vert="horz" lIns="91440" tIns="45720" rIns="91440" bIns="45720" rtlCol="0" anchor="t">
+            <a:normAutofit/>
           </a:bodyPr>
-          <a:lstStyle/>
+          <a:lstStyle>
+            <a:lvl1pPr marL="0" indent="0" algn="l" defTabSz="457200" rtl="0" eaLnBrk="1" latinLnBrk="0" hangingPunct="1">
+              <a:lnSpc>
+                <a:spcPct val="110000"/>
+              </a:lnSpc>
+              <a:spcBef>
+                <a:spcPct val="20000"/>
+              </a:spcBef>
+              <a:spcAft>
+                <a:spcPts val="600"/>
+              </a:spcAft>
+              <a:buClr>
+                <a:schemeClr val="accent1"/>
+              </a:buClr>
+              <a:buSzPct val="92000"/>
+              <a:buFont typeface="Wingdings 2" panose="05020102010507070707" pitchFamily="18" charset="2"/>
+              <a:buNone/>
+              <a:defRPr sz="1600" kern="1200" cap="all">
+                <a:solidFill>
+                  <a:schemeClr val="accent1"/>
+                </a:solidFill>
+                <a:latin typeface="+mn-lt"/>
+                <a:ea typeface="+mn-ea"/>
+                <a:cs typeface="+mn-cs"/>
+              </a:defRPr>
+            </a:lvl1pPr>
+            <a:lvl2pPr marL="457200" indent="0" algn="ctr" defTabSz="457200" rtl="0" eaLnBrk="1" latinLnBrk="0" hangingPunct="1">
+              <a:spcBef>
+                <a:spcPct val="20000"/>
+              </a:spcBef>
+              <a:spcAft>
+                <a:spcPts val="600"/>
+              </a:spcAft>
+              <a:buClr>
+                <a:schemeClr val="accent1"/>
+              </a:buClr>
+              <a:buSzPct val="92000"/>
+              <a:buFont typeface="Wingdings 2" panose="05020102010507070707" pitchFamily="18" charset="2"/>
+              <a:buNone/>
+              <a:defRPr sz="1400" kern="1200">
+                <a:solidFill>
+                  <a:schemeClr val="tx1">
+                    <a:tint val="75000"/>
+                  </a:schemeClr>
+                </a:solidFill>
+                <a:latin typeface="+mn-lt"/>
+                <a:ea typeface="+mn-ea"/>
+                <a:cs typeface="+mn-cs"/>
+              </a:defRPr>
+            </a:lvl2pPr>
+            <a:lvl3pPr marL="914400" indent="0" algn="ctr" defTabSz="457200" rtl="0" eaLnBrk="1" latinLnBrk="0" hangingPunct="1">
+              <a:spcBef>
+                <a:spcPct val="20000"/>
+              </a:spcBef>
+              <a:spcAft>
+                <a:spcPts val="600"/>
+              </a:spcAft>
+              <a:buClr>
+                <a:schemeClr val="accent1"/>
+              </a:buClr>
+              <a:buSzPct val="92000"/>
+              <a:buFont typeface="Wingdings 2" panose="05020102010507070707" pitchFamily="18" charset="2"/>
+              <a:buNone/>
+              <a:defRPr sz="1300" kern="1200">
+                <a:solidFill>
+                  <a:schemeClr val="tx1">
+                    <a:tint val="75000"/>
+                  </a:schemeClr>
+                </a:solidFill>
+                <a:latin typeface="+mn-lt"/>
+                <a:ea typeface="+mn-ea"/>
+                <a:cs typeface="+mn-cs"/>
+              </a:defRPr>
+            </a:lvl3pPr>
+            <a:lvl4pPr marL="1371600" indent="0" algn="ctr" defTabSz="457200" rtl="0" eaLnBrk="1" latinLnBrk="0" hangingPunct="1">
+              <a:spcBef>
+                <a:spcPct val="20000"/>
+              </a:spcBef>
+              <a:spcAft>
+                <a:spcPts val="600"/>
+              </a:spcAft>
+              <a:buClr>
+                <a:schemeClr val="accent1"/>
+              </a:buClr>
+              <a:buSzPct val="92000"/>
+              <a:buFont typeface="Wingdings 2" panose="05020102010507070707" pitchFamily="18" charset="2"/>
+              <a:buNone/>
+              <a:defRPr sz="1100" kern="1200">
+                <a:solidFill>
+                  <a:schemeClr val="tx1">
+                    <a:tint val="75000"/>
+                  </a:schemeClr>
+                </a:solidFill>
+                <a:latin typeface="+mn-lt"/>
+                <a:ea typeface="+mn-ea"/>
+                <a:cs typeface="+mn-cs"/>
+              </a:defRPr>
+            </a:lvl4pPr>
+            <a:lvl5pPr marL="1828800" indent="0" algn="ctr" defTabSz="457200" rtl="0" eaLnBrk="1" latinLnBrk="0" hangingPunct="1">
+              <a:spcBef>
+                <a:spcPct val="20000"/>
+              </a:spcBef>
+              <a:spcAft>
+                <a:spcPts val="600"/>
+              </a:spcAft>
+              <a:buClr>
+                <a:schemeClr val="accent1"/>
+              </a:buClr>
+              <a:buSzPct val="92000"/>
+              <a:buFont typeface="Wingdings 2" panose="05020102010507070707" pitchFamily="18" charset="2"/>
+              <a:buNone/>
+              <a:defRPr sz="1100" kern="1200">
+                <a:solidFill>
+                  <a:schemeClr val="tx1">
+                    <a:tint val="75000"/>
+                  </a:schemeClr>
+                </a:solidFill>
+                <a:latin typeface="+mn-lt"/>
+                <a:ea typeface="+mn-ea"/>
+                <a:cs typeface="+mn-cs"/>
+              </a:defRPr>
+            </a:lvl5pPr>
+            <a:lvl6pPr marL="2286000" indent="0" algn="ctr" defTabSz="457200" rtl="0" eaLnBrk="1" latinLnBrk="0" hangingPunct="1">
+              <a:spcBef>
+                <a:spcPct val="20000"/>
+              </a:spcBef>
+              <a:spcAft>
+                <a:spcPts val="600"/>
+              </a:spcAft>
+              <a:buClr>
+                <a:schemeClr val="accent2"/>
+              </a:buClr>
+              <a:buSzPct val="92000"/>
+              <a:buFont typeface="Wingdings 2" panose="05020102010507070707" pitchFamily="18" charset="2"/>
+              <a:buNone/>
+              <a:defRPr sz="1200" kern="1200">
+                <a:solidFill>
+                  <a:schemeClr val="tx1">
+                    <a:tint val="75000"/>
+                  </a:schemeClr>
+                </a:solidFill>
+                <a:latin typeface="+mn-lt"/>
+                <a:ea typeface="+mn-ea"/>
+                <a:cs typeface="+mn-cs"/>
+              </a:defRPr>
+            </a:lvl6pPr>
+            <a:lvl7pPr marL="2743200" indent="0" algn="ctr" defTabSz="457200" rtl="0" eaLnBrk="1" latinLnBrk="0" hangingPunct="1">
+              <a:spcBef>
+                <a:spcPct val="20000"/>
+              </a:spcBef>
+              <a:spcAft>
+                <a:spcPts val="600"/>
+              </a:spcAft>
+              <a:buClr>
+                <a:schemeClr val="accent2"/>
+              </a:buClr>
+              <a:buSzPct val="92000"/>
+              <a:buFont typeface="Wingdings 2" panose="05020102010507070707" pitchFamily="18" charset="2"/>
+              <a:buNone/>
+              <a:defRPr sz="1200" kern="1200">
+                <a:solidFill>
+                  <a:schemeClr val="tx1">
+                    <a:tint val="75000"/>
+                  </a:schemeClr>
+                </a:solidFill>
+                <a:latin typeface="+mn-lt"/>
+                <a:ea typeface="+mn-ea"/>
+                <a:cs typeface="+mn-cs"/>
+              </a:defRPr>
+            </a:lvl7pPr>
+            <a:lvl8pPr marL="3200400" indent="0" algn="ctr" defTabSz="457200" rtl="0" eaLnBrk="1" latinLnBrk="0" hangingPunct="1">
+              <a:spcBef>
+                <a:spcPct val="20000"/>
+              </a:spcBef>
+              <a:spcAft>
+                <a:spcPts val="600"/>
+              </a:spcAft>
+              <a:buClr>
+                <a:schemeClr val="accent2"/>
+              </a:buClr>
+              <a:buSzPct val="92000"/>
+              <a:buFont typeface="Wingdings 2" panose="05020102010507070707" pitchFamily="18" charset="2"/>
+              <a:buNone/>
+              <a:defRPr sz="1200" kern="1200">
+                <a:solidFill>
+                  <a:schemeClr val="tx1">
+                    <a:tint val="75000"/>
+                  </a:schemeClr>
+                </a:solidFill>
+                <a:latin typeface="+mn-lt"/>
+                <a:ea typeface="+mn-ea"/>
+                <a:cs typeface="+mn-cs"/>
+              </a:defRPr>
+            </a:lvl8pPr>
+            <a:lvl9pPr marL="3657600" indent="0" algn="ctr" defTabSz="457200" rtl="0" eaLnBrk="1" latinLnBrk="0" hangingPunct="1">
+              <a:spcBef>
+                <a:spcPct val="20000"/>
+              </a:spcBef>
+              <a:spcAft>
+                <a:spcPts val="600"/>
+              </a:spcAft>
+              <a:buClr>
+                <a:schemeClr val="accent2"/>
+              </a:buClr>
+              <a:buSzPct val="92000"/>
+              <a:buFont typeface="Wingdings 2" panose="05020102010507070707" pitchFamily="18" charset="2"/>
+              <a:buNone/>
+              <a:defRPr sz="1200" kern="1200">
+                <a:solidFill>
+                  <a:schemeClr val="tx1">
+                    <a:tint val="75000"/>
+                  </a:schemeClr>
+                </a:solidFill>
+                <a:latin typeface="+mn-lt"/>
+                <a:ea typeface="+mn-ea"/>
+                <a:cs typeface="+mn-cs"/>
+              </a:defRPr>
+            </a:lvl9pPr>
+          </a:lstStyle>
           <a:p>
             <a:r>
-              <a:rPr lang="en-US" sz="4800" dirty="0">
-                <a:latin typeface="OCRB" panose="020B0609020202020204" pitchFamily="49" charset="0"/>
+              <a:rPr lang="en-US" sz="2400" dirty="0">
+                <a:solidFill>
+                  <a:schemeClr val="tx1">
+                    <a:lumMod val="75000"/>
+                    <a:lumOff val="25000"/>
+                  </a:schemeClr>
+                </a:solidFill>
+                <a:latin typeface="Abadi" panose="020B0604020104020204" pitchFamily="34" charset="0"/>
               </a:rPr>
-              <a:t>Initial steps</a:t>
+              <a:t>INSPIRATION:</a:t>
             </a:r>
-            <a:endParaRPr lang="en-US" sz="1000" dirty="0">
-              <a:latin typeface="OCRB" panose="020B0609020202020204" pitchFamily="49" charset="0"/>
-            </a:endParaRPr>
           </a:p>
         </p:txBody>
       </p:sp>
       <p:sp>
         <p:nvSpPr>
-          <p:cNvPr id="41" name="Rectangle 40">
+          <p:cNvPr id="41" name="TextBox 40">
             <a:extLst>
               <a:ext uri="{FF2B5EF4-FFF2-40B4-BE49-F238E27FC236}">
-                <a16:creationId xmlns:a16="http://schemas.microsoft.com/office/drawing/2014/main" id="{29EBFC3D-2D99-403A-A162-A16DDDF1A387}"/>
+                <a16:creationId xmlns:a16="http://schemas.microsoft.com/office/drawing/2014/main" id="{B220DB67-4FD4-49D9-811F-E42F3FEB1892}"/>
               </a:ext>
             </a:extLst>
           </p:cNvPr>
-          <p:cNvSpPr/>
+          <p:cNvSpPr txBox="1"/>
           <p:nvPr/>
         </p:nvSpPr>
         <p:spPr>
           <a:xfrm>
-            <a:off x="446533" y="1446415"/>
-            <a:ext cx="6893606" cy="3202206"/>
+            <a:off x="1032484" y="1138265"/>
+            <a:ext cx="9993357" cy="2585323"/>
           </a:xfrm>
           <a:prstGeom prst="rect">
             <a:avLst/>
           </a:prstGeom>
+          <a:noFill/>
         </p:spPr>
-        <p:style>
-          <a:lnRef idx="0">
-            <a:schemeClr val="dk1">
-              <a:alpha val="0"/>
-              <a:hueOff val="0"/>
-              <a:satOff val="0"/>
-              <a:lumOff val="0"/>
-              <a:alphaOff val="0"/>
-            </a:schemeClr>
-          </a:lnRef>
-          <a:fillRef idx="0">
-            <a:schemeClr val="lt1">
-              <a:alpha val="0"/>
-              <a:hueOff val="0"/>
-              <a:satOff val="0"/>
-              <a:lumOff val="0"/>
-              <a:alphaOff val="0"/>
-            </a:schemeClr>
-          </a:fillRef>
-          <a:effectRef idx="0">
-            <a:schemeClr val="lt1">
-              <a:alpha val="0"/>
-              <a:hueOff val="0"/>
-              <a:satOff val="0"/>
-              <a:lumOff val="0"/>
-              <a:alphaOff val="0"/>
-            </a:schemeClr>
-          </a:effectRef>
-          <a:fontRef idx="minor">
-            <a:schemeClr val="tx1">
-              <a:hueOff val="0"/>
-              <a:satOff val="0"/>
-              <a:lumOff val="0"/>
-              <a:alphaOff val="0"/>
-            </a:schemeClr>
-          </a:fontRef>
-        </p:style>
         <p:txBody>
-          <a:bodyPr/>
+          <a:bodyPr wrap="square" rtlCol="0">
+            <a:spAutoFit/>
+          </a:bodyPr>
           <a:lstStyle/>
           <a:p>
             <a:r>
               <a:rPr lang="en-US" dirty="0"/>
-              <a:t>We first had to look at how others represent game data and decide how to format ours. Many use the Smart Game Format (.SGF) to record turns and the winner.</a:t>
+              <a:t>In 2016, DeepMind’s AlphaGo net was able to defeat human masters of the game. Similar accomplishments such as Leela as well as OpenAI for Dota 2.</a:t>
             </a:r>
           </a:p>
           <a:p>
@@ -12224,7 +13180,7 @@
           <a:p>
             <a:r>
               <a:rPr lang="en-US" dirty="0"/>
-              <a:t>We took this format and converted it via our own C program to an 81-input layer of 1 or -1 values to fit in the first layer of our net. Each input represents a place on the board, starting from the bottom-left.</a:t>
+              <a:t>The success of AlphaGo was the inspiration for our endeavor into the subject. Although we don’t have the processing power to have our net play itself for a simulated 10,000 years, we decided to give it a shot.</a:t>
             </a:r>
           </a:p>
           <a:p>
@@ -12233,13 +13189,7 @@
           <a:p>
             <a:r>
               <a:rPr lang="en-US" dirty="0"/>
-              <a:t>1 for true, -1 for false in sets of three (e.g., 1 -1 -1)</a:t>
-            </a:r>
-          </a:p>
-          <a:p>
-            <a:r>
-              <a:rPr lang="en-US" dirty="0"/>
-              <a:t>White piece is here/black piece is here/empty spot</a:t>
+              <a:t>We scaled down to a beginner 9x9 sized board in order to scale down the input and dramatically decrease the required training time.</a:t>
             </a:r>
           </a:p>
         </p:txBody>
@@ -14270,109 +15220,315 @@
       </p:grpSp>
       <p:sp>
         <p:nvSpPr>
-          <p:cNvPr id="39" name="Title 1">
+          <p:cNvPr id="39" name="Subtitle 2">
             <a:extLst>
               <a:ext uri="{FF2B5EF4-FFF2-40B4-BE49-F238E27FC236}">
-                <a16:creationId xmlns:a16="http://schemas.microsoft.com/office/drawing/2014/main" id="{E454080E-FA23-4C2B-8C1A-47B5C3130967}"/>
+                <a16:creationId xmlns:a16="http://schemas.microsoft.com/office/drawing/2014/main" id="{2304CA40-C757-4CCA-AF2B-7F45593C8393}"/>
               </a:ext>
             </a:extLst>
           </p:cNvPr>
-          <p:cNvSpPr>
-            <a:spLocks noGrp="1"/>
+          <p:cNvSpPr txBox="1">
+            <a:spLocks/>
           </p:cNvSpPr>
-          <p:nvPr>
-            <p:ph type="ctrTitle"/>
-          </p:nvPr>
+          <p:nvPr/>
         </p:nvSpPr>
         <p:spPr>
           <a:xfrm>
-            <a:off x="446532" y="424390"/>
-            <a:ext cx="11298931" cy="840781"/>
+            <a:off x="975765" y="611048"/>
+            <a:ext cx="9581128" cy="543088"/>
           </a:xfrm>
+          <a:prstGeom prst="rect">
+            <a:avLst/>
+          </a:prstGeom>
         </p:spPr>
         <p:txBody>
-          <a:bodyPr anchor="t">
-            <a:noAutofit/>
+          <a:bodyPr vert="horz" lIns="91440" tIns="45720" rIns="91440" bIns="45720" rtlCol="0" anchor="t">
+            <a:normAutofit/>
           </a:bodyPr>
-          <a:lstStyle/>
+          <a:lstStyle>
+            <a:lvl1pPr marL="0" indent="0" algn="l" defTabSz="457200" rtl="0" eaLnBrk="1" latinLnBrk="0" hangingPunct="1">
+              <a:lnSpc>
+                <a:spcPct val="110000"/>
+              </a:lnSpc>
+              <a:spcBef>
+                <a:spcPct val="20000"/>
+              </a:spcBef>
+              <a:spcAft>
+                <a:spcPts val="600"/>
+              </a:spcAft>
+              <a:buClr>
+                <a:schemeClr val="accent1"/>
+              </a:buClr>
+              <a:buSzPct val="92000"/>
+              <a:buFont typeface="Wingdings 2" panose="05020102010507070707" pitchFamily="18" charset="2"/>
+              <a:buNone/>
+              <a:defRPr sz="1600" kern="1200" cap="all">
+                <a:solidFill>
+                  <a:schemeClr val="accent1"/>
+                </a:solidFill>
+                <a:latin typeface="+mn-lt"/>
+                <a:ea typeface="+mn-ea"/>
+                <a:cs typeface="+mn-cs"/>
+              </a:defRPr>
+            </a:lvl1pPr>
+            <a:lvl2pPr marL="457200" indent="0" algn="ctr" defTabSz="457200" rtl="0" eaLnBrk="1" latinLnBrk="0" hangingPunct="1">
+              <a:spcBef>
+                <a:spcPct val="20000"/>
+              </a:spcBef>
+              <a:spcAft>
+                <a:spcPts val="600"/>
+              </a:spcAft>
+              <a:buClr>
+                <a:schemeClr val="accent1"/>
+              </a:buClr>
+              <a:buSzPct val="92000"/>
+              <a:buFont typeface="Wingdings 2" panose="05020102010507070707" pitchFamily="18" charset="2"/>
+              <a:buNone/>
+              <a:defRPr sz="1400" kern="1200">
+                <a:solidFill>
+                  <a:schemeClr val="tx1">
+                    <a:tint val="75000"/>
+                  </a:schemeClr>
+                </a:solidFill>
+                <a:latin typeface="+mn-lt"/>
+                <a:ea typeface="+mn-ea"/>
+                <a:cs typeface="+mn-cs"/>
+              </a:defRPr>
+            </a:lvl2pPr>
+            <a:lvl3pPr marL="914400" indent="0" algn="ctr" defTabSz="457200" rtl="0" eaLnBrk="1" latinLnBrk="0" hangingPunct="1">
+              <a:spcBef>
+                <a:spcPct val="20000"/>
+              </a:spcBef>
+              <a:spcAft>
+                <a:spcPts val="600"/>
+              </a:spcAft>
+              <a:buClr>
+                <a:schemeClr val="accent1"/>
+              </a:buClr>
+              <a:buSzPct val="92000"/>
+              <a:buFont typeface="Wingdings 2" panose="05020102010507070707" pitchFamily="18" charset="2"/>
+              <a:buNone/>
+              <a:defRPr sz="1300" kern="1200">
+                <a:solidFill>
+                  <a:schemeClr val="tx1">
+                    <a:tint val="75000"/>
+                  </a:schemeClr>
+                </a:solidFill>
+                <a:latin typeface="+mn-lt"/>
+                <a:ea typeface="+mn-ea"/>
+                <a:cs typeface="+mn-cs"/>
+              </a:defRPr>
+            </a:lvl3pPr>
+            <a:lvl4pPr marL="1371600" indent="0" algn="ctr" defTabSz="457200" rtl="0" eaLnBrk="1" latinLnBrk="0" hangingPunct="1">
+              <a:spcBef>
+                <a:spcPct val="20000"/>
+              </a:spcBef>
+              <a:spcAft>
+                <a:spcPts val="600"/>
+              </a:spcAft>
+              <a:buClr>
+                <a:schemeClr val="accent1"/>
+              </a:buClr>
+              <a:buSzPct val="92000"/>
+              <a:buFont typeface="Wingdings 2" panose="05020102010507070707" pitchFamily="18" charset="2"/>
+              <a:buNone/>
+              <a:defRPr sz="1100" kern="1200">
+                <a:solidFill>
+                  <a:schemeClr val="tx1">
+                    <a:tint val="75000"/>
+                  </a:schemeClr>
+                </a:solidFill>
+                <a:latin typeface="+mn-lt"/>
+                <a:ea typeface="+mn-ea"/>
+                <a:cs typeface="+mn-cs"/>
+              </a:defRPr>
+            </a:lvl4pPr>
+            <a:lvl5pPr marL="1828800" indent="0" algn="ctr" defTabSz="457200" rtl="0" eaLnBrk="1" latinLnBrk="0" hangingPunct="1">
+              <a:spcBef>
+                <a:spcPct val="20000"/>
+              </a:spcBef>
+              <a:spcAft>
+                <a:spcPts val="600"/>
+              </a:spcAft>
+              <a:buClr>
+                <a:schemeClr val="accent1"/>
+              </a:buClr>
+              <a:buSzPct val="92000"/>
+              <a:buFont typeface="Wingdings 2" panose="05020102010507070707" pitchFamily="18" charset="2"/>
+              <a:buNone/>
+              <a:defRPr sz="1100" kern="1200">
+                <a:solidFill>
+                  <a:schemeClr val="tx1">
+                    <a:tint val="75000"/>
+                  </a:schemeClr>
+                </a:solidFill>
+                <a:latin typeface="+mn-lt"/>
+                <a:ea typeface="+mn-ea"/>
+                <a:cs typeface="+mn-cs"/>
+              </a:defRPr>
+            </a:lvl5pPr>
+            <a:lvl6pPr marL="2286000" indent="0" algn="ctr" defTabSz="457200" rtl="0" eaLnBrk="1" latinLnBrk="0" hangingPunct="1">
+              <a:spcBef>
+                <a:spcPct val="20000"/>
+              </a:spcBef>
+              <a:spcAft>
+                <a:spcPts val="600"/>
+              </a:spcAft>
+              <a:buClr>
+                <a:schemeClr val="accent2"/>
+              </a:buClr>
+              <a:buSzPct val="92000"/>
+              <a:buFont typeface="Wingdings 2" panose="05020102010507070707" pitchFamily="18" charset="2"/>
+              <a:buNone/>
+              <a:defRPr sz="1200" kern="1200">
+                <a:solidFill>
+                  <a:schemeClr val="tx1">
+                    <a:tint val="75000"/>
+                  </a:schemeClr>
+                </a:solidFill>
+                <a:latin typeface="+mn-lt"/>
+                <a:ea typeface="+mn-ea"/>
+                <a:cs typeface="+mn-cs"/>
+              </a:defRPr>
+            </a:lvl6pPr>
+            <a:lvl7pPr marL="2743200" indent="0" algn="ctr" defTabSz="457200" rtl="0" eaLnBrk="1" latinLnBrk="0" hangingPunct="1">
+              <a:spcBef>
+                <a:spcPct val="20000"/>
+              </a:spcBef>
+              <a:spcAft>
+                <a:spcPts val="600"/>
+              </a:spcAft>
+              <a:buClr>
+                <a:schemeClr val="accent2"/>
+              </a:buClr>
+              <a:buSzPct val="92000"/>
+              <a:buFont typeface="Wingdings 2" panose="05020102010507070707" pitchFamily="18" charset="2"/>
+              <a:buNone/>
+              <a:defRPr sz="1200" kern="1200">
+                <a:solidFill>
+                  <a:schemeClr val="tx1">
+                    <a:tint val="75000"/>
+                  </a:schemeClr>
+                </a:solidFill>
+                <a:latin typeface="+mn-lt"/>
+                <a:ea typeface="+mn-ea"/>
+                <a:cs typeface="+mn-cs"/>
+              </a:defRPr>
+            </a:lvl7pPr>
+            <a:lvl8pPr marL="3200400" indent="0" algn="ctr" defTabSz="457200" rtl="0" eaLnBrk="1" latinLnBrk="0" hangingPunct="1">
+              <a:spcBef>
+                <a:spcPct val="20000"/>
+              </a:spcBef>
+              <a:spcAft>
+                <a:spcPts val="600"/>
+              </a:spcAft>
+              <a:buClr>
+                <a:schemeClr val="accent2"/>
+              </a:buClr>
+              <a:buSzPct val="92000"/>
+              <a:buFont typeface="Wingdings 2" panose="05020102010507070707" pitchFamily="18" charset="2"/>
+              <a:buNone/>
+              <a:defRPr sz="1200" kern="1200">
+                <a:solidFill>
+                  <a:schemeClr val="tx1">
+                    <a:tint val="75000"/>
+                  </a:schemeClr>
+                </a:solidFill>
+                <a:latin typeface="+mn-lt"/>
+                <a:ea typeface="+mn-ea"/>
+                <a:cs typeface="+mn-cs"/>
+              </a:defRPr>
+            </a:lvl8pPr>
+            <a:lvl9pPr marL="3657600" indent="0" algn="ctr" defTabSz="457200" rtl="0" eaLnBrk="1" latinLnBrk="0" hangingPunct="1">
+              <a:spcBef>
+                <a:spcPct val="20000"/>
+              </a:spcBef>
+              <a:spcAft>
+                <a:spcPts val="600"/>
+              </a:spcAft>
+              <a:buClr>
+                <a:schemeClr val="accent2"/>
+              </a:buClr>
+              <a:buSzPct val="92000"/>
+              <a:buFont typeface="Wingdings 2" panose="05020102010507070707" pitchFamily="18" charset="2"/>
+              <a:buNone/>
+              <a:defRPr sz="1200" kern="1200">
+                <a:solidFill>
+                  <a:schemeClr val="tx1">
+                    <a:tint val="75000"/>
+                  </a:schemeClr>
+                </a:solidFill>
+                <a:latin typeface="+mn-lt"/>
+                <a:ea typeface="+mn-ea"/>
+                <a:cs typeface="+mn-cs"/>
+              </a:defRPr>
+            </a:lvl9pPr>
+          </a:lstStyle>
           <a:p>
             <a:r>
-              <a:rPr lang="en-US" sz="4800" dirty="0">
-                <a:latin typeface="OCRB" panose="020B0609020202020204" pitchFamily="49" charset="0"/>
+              <a:rPr lang="en-US" sz="2400" dirty="0">
+                <a:solidFill>
+                  <a:schemeClr val="tx1">
+                    <a:lumMod val="75000"/>
+                    <a:lumOff val="25000"/>
+                  </a:schemeClr>
+                </a:solidFill>
+                <a:latin typeface="Abadi" panose="020B0604020104020204" pitchFamily="34" charset="0"/>
               </a:rPr>
-              <a:t>Slide title</a:t>
+              <a:t>Our setup:</a:t>
             </a:r>
-            <a:endParaRPr lang="en-US" sz="1000" dirty="0">
-              <a:latin typeface="OCRB" panose="020B0609020202020204" pitchFamily="49" charset="0"/>
-            </a:endParaRPr>
           </a:p>
         </p:txBody>
       </p:sp>
       <p:sp>
         <p:nvSpPr>
-          <p:cNvPr id="41" name="Rectangle 40">
+          <p:cNvPr id="41" name="TextBox 40">
             <a:extLst>
               <a:ext uri="{FF2B5EF4-FFF2-40B4-BE49-F238E27FC236}">
-                <a16:creationId xmlns:a16="http://schemas.microsoft.com/office/drawing/2014/main" id="{5C342A88-113A-4E00-A17B-E43B6E25F867}"/>
+                <a16:creationId xmlns:a16="http://schemas.microsoft.com/office/drawing/2014/main" id="{6395B3A8-76D7-4B37-A05F-D88DB818519B}"/>
               </a:ext>
             </a:extLst>
           </p:cNvPr>
-          <p:cNvSpPr/>
+          <p:cNvSpPr txBox="1"/>
           <p:nvPr/>
         </p:nvSpPr>
         <p:spPr>
           <a:xfrm>
-            <a:off x="446533" y="1446415"/>
-            <a:ext cx="6893606" cy="3202206"/>
+            <a:off x="1032485" y="1138265"/>
+            <a:ext cx="6026996" cy="3970318"/>
           </a:xfrm>
           <a:prstGeom prst="rect">
             <a:avLst/>
           </a:prstGeom>
+          <a:noFill/>
         </p:spPr>
-        <p:style>
-          <a:lnRef idx="0">
-            <a:schemeClr val="dk1">
-              <a:alpha val="0"/>
-              <a:hueOff val="0"/>
-              <a:satOff val="0"/>
-              <a:lumOff val="0"/>
-              <a:alphaOff val="0"/>
-            </a:schemeClr>
-          </a:lnRef>
-          <a:fillRef idx="0">
-            <a:schemeClr val="lt1">
-              <a:alpha val="0"/>
-              <a:hueOff val="0"/>
-              <a:satOff val="0"/>
-              <a:lumOff val="0"/>
-              <a:alphaOff val="0"/>
-            </a:schemeClr>
-          </a:fillRef>
-          <a:effectRef idx="0">
-            <a:schemeClr val="lt1">
-              <a:alpha val="0"/>
-              <a:hueOff val="0"/>
-              <a:satOff val="0"/>
-              <a:lumOff val="0"/>
-              <a:alphaOff val="0"/>
-            </a:schemeClr>
-          </a:effectRef>
-          <a:fontRef idx="minor">
-            <a:schemeClr val="tx1">
-              <a:hueOff val="0"/>
-              <a:satOff val="0"/>
-              <a:lumOff val="0"/>
-              <a:alphaOff val="0"/>
-            </a:schemeClr>
-          </a:fontRef>
-        </p:style>
         <p:txBody>
-          <a:bodyPr/>
+          <a:bodyPr wrap="square" rtlCol="0">
+            <a:spAutoFit/>
+          </a:bodyPr>
           <a:lstStyle/>
           <a:p>
             <a:r>
               <a:rPr lang="en-US" dirty="0"/>
-              <a:t>Slide Content</a:t>
+              <a:t>We scaled down to a beginner 9x9 sized board in order to scale down the input to an 81-element array (plus one for whose turn it was) and dramatically decrease the required training time.</a:t>
+            </a:r>
+          </a:p>
+          <a:p>
+            <a:endParaRPr lang="en-US" dirty="0"/>
+          </a:p>
+          <a:p>
+            <a:r>
+              <a:rPr lang="en-US" dirty="0"/>
+              <a:t>We initially used the 1-dimensional array into sequential basic architecture with 8 hidden layers, but the results proved not much better than random chance.</a:t>
+            </a:r>
+          </a:p>
+          <a:p>
+            <a:endParaRPr lang="en-US" dirty="0"/>
+          </a:p>
+          <a:p>
+            <a:r>
+              <a:rPr lang="en-US" dirty="0"/>
+              <a:t>We then switched to a 2D array which resembled an actual board being played on. This allowed for the use of a convolution network and the ability to treat the array as an image. The result was a small increase in accuracy and speed.</a:t>
             </a:r>
           </a:p>
         </p:txBody>
@@ -16181,10 +17337,10 @@
       </p:grpSp>
       <p:sp>
         <p:nvSpPr>
-          <p:cNvPr id="38" name="Title 1">
+          <p:cNvPr id="41" name="Subtitle 2">
             <a:extLst>
               <a:ext uri="{FF2B5EF4-FFF2-40B4-BE49-F238E27FC236}">
-                <a16:creationId xmlns:a16="http://schemas.microsoft.com/office/drawing/2014/main" id="{81228B2C-4E40-4B8D-BBA1-C66D701279FC}"/>
+                <a16:creationId xmlns:a16="http://schemas.microsoft.com/office/drawing/2014/main" id="{20C16A67-4877-4B85-B2C6-0E234C19BD3C}"/>
               </a:ext>
             </a:extLst>
           </p:cNvPr>
@@ -16195,8 +17351,8 @@
         </p:nvSpPr>
         <p:spPr>
           <a:xfrm>
-            <a:off x="446532" y="424390"/>
-            <a:ext cx="11298931" cy="840781"/>
+            <a:off x="975765" y="611048"/>
+            <a:ext cx="9581128" cy="543088"/>
           </a:xfrm>
           <a:prstGeom prst="rect">
             <a:avLst/>
@@ -16204,164 +17360,274 @@
         </p:spPr>
         <p:txBody>
           <a:bodyPr vert="horz" lIns="91440" tIns="45720" rIns="91440" bIns="45720" rtlCol="0" anchor="t">
-            <a:noAutofit/>
+            <a:normAutofit/>
           </a:bodyPr>
           <a:lstStyle>
-            <a:lvl1pPr algn="l" defTabSz="457200" rtl="0" eaLnBrk="1" latinLnBrk="0" hangingPunct="1">
+            <a:lvl1pPr marL="0" indent="0" algn="l" defTabSz="457200" rtl="0" eaLnBrk="1" latinLnBrk="0" hangingPunct="1">
               <a:lnSpc>
-                <a:spcPct val="100000"/>
+                <a:spcPct val="110000"/>
               </a:lnSpc>
               <a:spcBef>
-                <a:spcPct val="0"/>
+                <a:spcPct val="20000"/>
               </a:spcBef>
+              <a:spcAft>
+                <a:spcPts val="600"/>
+              </a:spcAft>
+              <a:buClr>
+                <a:schemeClr val="accent1"/>
+              </a:buClr>
+              <a:buSzPct val="92000"/>
+              <a:buFont typeface="Wingdings 2" panose="05020102010507070707" pitchFamily="18" charset="2"/>
               <a:buNone/>
-              <a:defRPr sz="2800" b="0" kern="1200" cap="all">
+              <a:defRPr sz="1600" kern="1200" cap="all">
+                <a:solidFill>
+                  <a:schemeClr val="accent1"/>
+                </a:solidFill>
+                <a:latin typeface="+mn-lt"/>
+                <a:ea typeface="+mn-ea"/>
+                <a:cs typeface="+mn-cs"/>
+              </a:defRPr>
+            </a:lvl1pPr>
+            <a:lvl2pPr marL="457200" indent="0" algn="ctr" defTabSz="457200" rtl="0" eaLnBrk="1" latinLnBrk="0" hangingPunct="1">
+              <a:spcBef>
+                <a:spcPct val="20000"/>
+              </a:spcBef>
+              <a:spcAft>
+                <a:spcPts val="600"/>
+              </a:spcAft>
+              <a:buClr>
+                <a:schemeClr val="accent1"/>
+              </a:buClr>
+              <a:buSzPct val="92000"/>
+              <a:buFont typeface="Wingdings 2" panose="05020102010507070707" pitchFamily="18" charset="2"/>
+              <a:buNone/>
+              <a:defRPr sz="1400" kern="1200">
+                <a:solidFill>
+                  <a:schemeClr val="tx1">
+                    <a:tint val="75000"/>
+                  </a:schemeClr>
+                </a:solidFill>
+                <a:latin typeface="+mn-lt"/>
+                <a:ea typeface="+mn-ea"/>
+                <a:cs typeface="+mn-cs"/>
+              </a:defRPr>
+            </a:lvl2pPr>
+            <a:lvl3pPr marL="914400" indent="0" algn="ctr" defTabSz="457200" rtl="0" eaLnBrk="1" latinLnBrk="0" hangingPunct="1">
+              <a:spcBef>
+                <a:spcPct val="20000"/>
+              </a:spcBef>
+              <a:spcAft>
+                <a:spcPts val="600"/>
+              </a:spcAft>
+              <a:buClr>
+                <a:schemeClr val="accent1"/>
+              </a:buClr>
+              <a:buSzPct val="92000"/>
+              <a:buFont typeface="Wingdings 2" panose="05020102010507070707" pitchFamily="18" charset="2"/>
+              <a:buNone/>
+              <a:defRPr sz="1300" kern="1200">
+                <a:solidFill>
+                  <a:schemeClr val="tx1">
+                    <a:tint val="75000"/>
+                  </a:schemeClr>
+                </a:solidFill>
+                <a:latin typeface="+mn-lt"/>
+                <a:ea typeface="+mn-ea"/>
+                <a:cs typeface="+mn-cs"/>
+              </a:defRPr>
+            </a:lvl3pPr>
+            <a:lvl4pPr marL="1371600" indent="0" algn="ctr" defTabSz="457200" rtl="0" eaLnBrk="1" latinLnBrk="0" hangingPunct="1">
+              <a:spcBef>
+                <a:spcPct val="20000"/>
+              </a:spcBef>
+              <a:spcAft>
+                <a:spcPts val="600"/>
+              </a:spcAft>
+              <a:buClr>
+                <a:schemeClr val="accent1"/>
+              </a:buClr>
+              <a:buSzPct val="92000"/>
+              <a:buFont typeface="Wingdings 2" panose="05020102010507070707" pitchFamily="18" charset="2"/>
+              <a:buNone/>
+              <a:defRPr sz="1100" kern="1200">
+                <a:solidFill>
+                  <a:schemeClr val="tx1">
+                    <a:tint val="75000"/>
+                  </a:schemeClr>
+                </a:solidFill>
+                <a:latin typeface="+mn-lt"/>
+                <a:ea typeface="+mn-ea"/>
+                <a:cs typeface="+mn-cs"/>
+              </a:defRPr>
+            </a:lvl4pPr>
+            <a:lvl5pPr marL="1828800" indent="0" algn="ctr" defTabSz="457200" rtl="0" eaLnBrk="1" latinLnBrk="0" hangingPunct="1">
+              <a:spcBef>
+                <a:spcPct val="20000"/>
+              </a:spcBef>
+              <a:spcAft>
+                <a:spcPts val="600"/>
+              </a:spcAft>
+              <a:buClr>
+                <a:schemeClr val="accent1"/>
+              </a:buClr>
+              <a:buSzPct val="92000"/>
+              <a:buFont typeface="Wingdings 2" panose="05020102010507070707" pitchFamily="18" charset="2"/>
+              <a:buNone/>
+              <a:defRPr sz="1100" kern="1200">
+                <a:solidFill>
+                  <a:schemeClr val="tx1">
+                    <a:tint val="75000"/>
+                  </a:schemeClr>
+                </a:solidFill>
+                <a:latin typeface="+mn-lt"/>
+                <a:ea typeface="+mn-ea"/>
+                <a:cs typeface="+mn-cs"/>
+              </a:defRPr>
+            </a:lvl5pPr>
+            <a:lvl6pPr marL="2286000" indent="0" algn="ctr" defTabSz="457200" rtl="0" eaLnBrk="1" latinLnBrk="0" hangingPunct="1">
+              <a:spcBef>
+                <a:spcPct val="20000"/>
+              </a:spcBef>
+              <a:spcAft>
+                <a:spcPts val="600"/>
+              </a:spcAft>
+              <a:buClr>
+                <a:schemeClr val="accent2"/>
+              </a:buClr>
+              <a:buSzPct val="92000"/>
+              <a:buFont typeface="Wingdings 2" panose="05020102010507070707" pitchFamily="18" charset="2"/>
+              <a:buNone/>
+              <a:defRPr sz="1200" kern="1200">
+                <a:solidFill>
+                  <a:schemeClr val="tx1">
+                    <a:tint val="75000"/>
+                  </a:schemeClr>
+                </a:solidFill>
+                <a:latin typeface="+mn-lt"/>
+                <a:ea typeface="+mn-ea"/>
+                <a:cs typeface="+mn-cs"/>
+              </a:defRPr>
+            </a:lvl6pPr>
+            <a:lvl7pPr marL="2743200" indent="0" algn="ctr" defTabSz="457200" rtl="0" eaLnBrk="1" latinLnBrk="0" hangingPunct="1">
+              <a:spcBef>
+                <a:spcPct val="20000"/>
+              </a:spcBef>
+              <a:spcAft>
+                <a:spcPts val="600"/>
+              </a:spcAft>
+              <a:buClr>
+                <a:schemeClr val="accent2"/>
+              </a:buClr>
+              <a:buSzPct val="92000"/>
+              <a:buFont typeface="Wingdings 2" panose="05020102010507070707" pitchFamily="18" charset="2"/>
+              <a:buNone/>
+              <a:defRPr sz="1200" kern="1200">
+                <a:solidFill>
+                  <a:schemeClr val="tx1">
+                    <a:tint val="75000"/>
+                  </a:schemeClr>
+                </a:solidFill>
+                <a:latin typeface="+mn-lt"/>
+                <a:ea typeface="+mn-ea"/>
+                <a:cs typeface="+mn-cs"/>
+              </a:defRPr>
+            </a:lvl7pPr>
+            <a:lvl8pPr marL="3200400" indent="0" algn="ctr" defTabSz="457200" rtl="0" eaLnBrk="1" latinLnBrk="0" hangingPunct="1">
+              <a:spcBef>
+                <a:spcPct val="20000"/>
+              </a:spcBef>
+              <a:spcAft>
+                <a:spcPts val="600"/>
+              </a:spcAft>
+              <a:buClr>
+                <a:schemeClr val="accent2"/>
+              </a:buClr>
+              <a:buSzPct val="92000"/>
+              <a:buFont typeface="Wingdings 2" panose="05020102010507070707" pitchFamily="18" charset="2"/>
+              <a:buNone/>
+              <a:defRPr sz="1200" kern="1200">
+                <a:solidFill>
+                  <a:schemeClr val="tx1">
+                    <a:tint val="75000"/>
+                  </a:schemeClr>
+                </a:solidFill>
+                <a:latin typeface="+mn-lt"/>
+                <a:ea typeface="+mn-ea"/>
+                <a:cs typeface="+mn-cs"/>
+              </a:defRPr>
+            </a:lvl8pPr>
+            <a:lvl9pPr marL="3657600" indent="0" algn="ctr" defTabSz="457200" rtl="0" eaLnBrk="1" latinLnBrk="0" hangingPunct="1">
+              <a:spcBef>
+                <a:spcPct val="20000"/>
+              </a:spcBef>
+              <a:spcAft>
+                <a:spcPts val="600"/>
+              </a:spcAft>
+              <a:buClr>
+                <a:schemeClr val="accent2"/>
+              </a:buClr>
+              <a:buSzPct val="92000"/>
+              <a:buFont typeface="Wingdings 2" panose="05020102010507070707" pitchFamily="18" charset="2"/>
+              <a:buNone/>
+              <a:defRPr sz="1200" kern="1200">
+                <a:solidFill>
+                  <a:schemeClr val="tx1">
+                    <a:tint val="75000"/>
+                  </a:schemeClr>
+                </a:solidFill>
+                <a:latin typeface="+mn-lt"/>
+                <a:ea typeface="+mn-ea"/>
+                <a:cs typeface="+mn-cs"/>
+              </a:defRPr>
+            </a:lvl9pPr>
+          </a:lstStyle>
+          <a:p>
+            <a:r>
+              <a:rPr lang="en-US" sz="2400" dirty="0">
                 <a:solidFill>
                   <a:schemeClr val="tx1">
                     <a:lumMod val="75000"/>
                     <a:lumOff val="25000"/>
                   </a:schemeClr>
                 </a:solidFill>
-                <a:latin typeface="+mj-lt"/>
-                <a:ea typeface="+mj-ea"/>
-                <a:cs typeface="+mj-cs"/>
-              </a:defRPr>
-            </a:lvl1pPr>
-            <a:lvl2pPr eaLnBrk="1" hangingPunct="1">
-              <a:defRPr>
-                <a:solidFill>
-                  <a:schemeClr val="tx2"/>
-                </a:solidFill>
-              </a:defRPr>
-            </a:lvl2pPr>
-            <a:lvl3pPr eaLnBrk="1" hangingPunct="1">
-              <a:defRPr>
-                <a:solidFill>
-                  <a:schemeClr val="tx2"/>
-                </a:solidFill>
-              </a:defRPr>
-            </a:lvl3pPr>
-            <a:lvl4pPr eaLnBrk="1" hangingPunct="1">
-              <a:defRPr>
-                <a:solidFill>
-                  <a:schemeClr val="tx2"/>
-                </a:solidFill>
-              </a:defRPr>
-            </a:lvl4pPr>
-            <a:lvl5pPr eaLnBrk="1" hangingPunct="1">
-              <a:defRPr>
-                <a:solidFill>
-                  <a:schemeClr val="tx2"/>
-                </a:solidFill>
-              </a:defRPr>
-            </a:lvl5pPr>
-            <a:lvl6pPr eaLnBrk="1" hangingPunct="1">
-              <a:defRPr>
-                <a:solidFill>
-                  <a:schemeClr val="tx2"/>
-                </a:solidFill>
-              </a:defRPr>
-            </a:lvl6pPr>
-            <a:lvl7pPr eaLnBrk="1" hangingPunct="1">
-              <a:defRPr>
-                <a:solidFill>
-                  <a:schemeClr val="tx2"/>
-                </a:solidFill>
-              </a:defRPr>
-            </a:lvl7pPr>
-            <a:lvl8pPr eaLnBrk="1" hangingPunct="1">
-              <a:defRPr>
-                <a:solidFill>
-                  <a:schemeClr val="tx2"/>
-                </a:solidFill>
-              </a:defRPr>
-            </a:lvl8pPr>
-            <a:lvl9pPr eaLnBrk="1" hangingPunct="1">
-              <a:defRPr>
-                <a:solidFill>
-                  <a:schemeClr val="tx2"/>
-                </a:solidFill>
-              </a:defRPr>
-            </a:lvl9pPr>
-          </a:lstStyle>
-          <a:p>
-            <a:r>
-              <a:rPr lang="en-US" sz="4800" dirty="0">
-                <a:latin typeface="OCRB" panose="020B0609020202020204" pitchFamily="49" charset="0"/>
+                <a:latin typeface="Abadi" panose="020B0604020104020204" pitchFamily="34" charset="0"/>
               </a:rPr>
-              <a:t>Slide title</a:t>
+              <a:t>Training the net:</a:t>
             </a:r>
-            <a:endParaRPr lang="en-US" sz="1000" dirty="0">
-              <a:latin typeface="OCRB" panose="020B0609020202020204" pitchFamily="49" charset="0"/>
-            </a:endParaRPr>
           </a:p>
         </p:txBody>
       </p:sp>
       <p:sp>
         <p:nvSpPr>
-          <p:cNvPr id="46" name="Rectangle 45">
+          <p:cNvPr id="43" name="TextBox 42">
             <a:extLst>
               <a:ext uri="{FF2B5EF4-FFF2-40B4-BE49-F238E27FC236}">
-                <a16:creationId xmlns:a16="http://schemas.microsoft.com/office/drawing/2014/main" id="{100DE9C3-3223-4A1B-AD01-DF73781985B1}"/>
+                <a16:creationId xmlns:a16="http://schemas.microsoft.com/office/drawing/2014/main" id="{5714A9CC-BA8E-43A7-8CC7-6FDF9A8971E6}"/>
               </a:ext>
             </a:extLst>
           </p:cNvPr>
-          <p:cNvSpPr/>
+          <p:cNvSpPr txBox="1"/>
           <p:nvPr/>
         </p:nvSpPr>
         <p:spPr>
           <a:xfrm>
-            <a:off x="446533" y="1446415"/>
-            <a:ext cx="6893606" cy="3202206"/>
+            <a:off x="1032484" y="1138265"/>
+            <a:ext cx="9993357" cy="369332"/>
           </a:xfrm>
           <a:prstGeom prst="rect">
             <a:avLst/>
           </a:prstGeom>
+          <a:noFill/>
         </p:spPr>
-        <p:style>
-          <a:lnRef idx="0">
-            <a:schemeClr val="dk1">
-              <a:alpha val="0"/>
-              <a:hueOff val="0"/>
-              <a:satOff val="0"/>
-              <a:lumOff val="0"/>
-              <a:alphaOff val="0"/>
-            </a:schemeClr>
-          </a:lnRef>
-          <a:fillRef idx="0">
-            <a:schemeClr val="lt1">
-              <a:alpha val="0"/>
-              <a:hueOff val="0"/>
-              <a:satOff val="0"/>
-              <a:lumOff val="0"/>
-              <a:alphaOff val="0"/>
-            </a:schemeClr>
-          </a:fillRef>
-          <a:effectRef idx="0">
-            <a:schemeClr val="lt1">
-              <a:alpha val="0"/>
-              <a:hueOff val="0"/>
-              <a:satOff val="0"/>
-              <a:lumOff val="0"/>
-              <a:alphaOff val="0"/>
-            </a:schemeClr>
-          </a:effectRef>
-          <a:fontRef idx="minor">
-            <a:schemeClr val="tx1">
-              <a:hueOff val="0"/>
-              <a:satOff val="0"/>
-              <a:lumOff val="0"/>
-              <a:alphaOff val="0"/>
-            </a:schemeClr>
-          </a:fontRef>
-        </p:style>
         <p:txBody>
-          <a:bodyPr/>
+          <a:bodyPr wrap="square" rtlCol="0">
+            <a:spAutoFit/>
+          </a:bodyPr>
           <a:lstStyle/>
           <a:p>
             <a:r>
               <a:rPr lang="en-US" dirty="0"/>
-              <a:t>Slide Content</a:t>
+              <a:t>xxx</a:t>
             </a:r>
           </a:p>
         </p:txBody>
@@ -16641,8 +17907,8 @@
           <p:nvPr/>
         </p:nvGrpSpPr>
         <p:grpSpPr>
-          <a:xfrm rot="16200000" flipH="1">
-            <a:off x="7981271" y="2666938"/>
+          <a:xfrm rot="5400000" flipH="1">
+            <a:off x="-1171041" y="1928917"/>
             <a:ext cx="5373422" cy="2789294"/>
             <a:chOff x="133815" y="780585"/>
             <a:chExt cx="11883972" cy="5887350"/>
@@ -18390,115 +19656,6 @@
           </p:txBody>
         </p:sp>
       </p:grpSp>
-      <p:sp>
-        <p:nvSpPr>
-          <p:cNvPr id="39" name="Title 1">
-            <a:extLst>
-              <a:ext uri="{FF2B5EF4-FFF2-40B4-BE49-F238E27FC236}">
-                <a16:creationId xmlns:a16="http://schemas.microsoft.com/office/drawing/2014/main" id="{2A94ED74-EB37-4CF5-B07F-096208BDA0F2}"/>
-              </a:ext>
-            </a:extLst>
-          </p:cNvPr>
-          <p:cNvSpPr>
-            <a:spLocks noGrp="1"/>
-          </p:cNvSpPr>
-          <p:nvPr>
-            <p:ph type="ctrTitle"/>
-          </p:nvPr>
-        </p:nvSpPr>
-        <p:spPr>
-          <a:xfrm>
-            <a:off x="446532" y="424390"/>
-            <a:ext cx="11298931" cy="840781"/>
-          </a:xfrm>
-        </p:spPr>
-        <p:txBody>
-          <a:bodyPr anchor="t">
-            <a:noAutofit/>
-          </a:bodyPr>
-          <a:lstStyle/>
-          <a:p>
-            <a:r>
-              <a:rPr lang="en-US" sz="4800" dirty="0">
-                <a:latin typeface="OCRB" panose="020B0609020202020204" pitchFamily="49" charset="0"/>
-              </a:rPr>
-              <a:t>Slide title</a:t>
-            </a:r>
-            <a:endParaRPr lang="en-US" sz="1000" dirty="0">
-              <a:latin typeface="OCRB" panose="020B0609020202020204" pitchFamily="49" charset="0"/>
-            </a:endParaRPr>
-          </a:p>
-        </p:txBody>
-      </p:sp>
-      <p:sp>
-        <p:nvSpPr>
-          <p:cNvPr id="42" name="Rectangle 41">
-            <a:extLst>
-              <a:ext uri="{FF2B5EF4-FFF2-40B4-BE49-F238E27FC236}">
-                <a16:creationId xmlns:a16="http://schemas.microsoft.com/office/drawing/2014/main" id="{8387CBA8-4082-4D5C-8E54-2789BA61D609}"/>
-              </a:ext>
-            </a:extLst>
-          </p:cNvPr>
-          <p:cNvSpPr/>
-          <p:nvPr/>
-        </p:nvSpPr>
-        <p:spPr>
-          <a:xfrm>
-            <a:off x="446533" y="1446415"/>
-            <a:ext cx="6893606" cy="3202206"/>
-          </a:xfrm>
-          <a:prstGeom prst="rect">
-            <a:avLst/>
-          </a:prstGeom>
-        </p:spPr>
-        <p:style>
-          <a:lnRef idx="0">
-            <a:schemeClr val="dk1">
-              <a:alpha val="0"/>
-              <a:hueOff val="0"/>
-              <a:satOff val="0"/>
-              <a:lumOff val="0"/>
-              <a:alphaOff val="0"/>
-            </a:schemeClr>
-          </a:lnRef>
-          <a:fillRef idx="0">
-            <a:schemeClr val="lt1">
-              <a:alpha val="0"/>
-              <a:hueOff val="0"/>
-              <a:satOff val="0"/>
-              <a:lumOff val="0"/>
-              <a:alphaOff val="0"/>
-            </a:schemeClr>
-          </a:fillRef>
-          <a:effectRef idx="0">
-            <a:schemeClr val="lt1">
-              <a:alpha val="0"/>
-              <a:hueOff val="0"/>
-              <a:satOff val="0"/>
-              <a:lumOff val="0"/>
-              <a:alphaOff val="0"/>
-            </a:schemeClr>
-          </a:effectRef>
-          <a:fontRef idx="minor">
-            <a:schemeClr val="tx1">
-              <a:hueOff val="0"/>
-              <a:satOff val="0"/>
-              <a:lumOff val="0"/>
-              <a:alphaOff val="0"/>
-            </a:schemeClr>
-          </a:fontRef>
-        </p:style>
-        <p:txBody>
-          <a:bodyPr/>
-          <a:lstStyle/>
-          <a:p>
-            <a:r>
-              <a:rPr lang="en-US" dirty="0"/>
-              <a:t>Slide Content</a:t>
-            </a:r>
-          </a:p>
-        </p:txBody>
-      </p:sp>
     </p:spTree>
     <p:extLst>
       <p:ext uri="{BB962C8B-B14F-4D97-AF65-F5344CB8AC3E}">
@@ -18596,44 +19753,6 @@
           <a:p>
             <a:pPr algn="ctr"/>
             <a:endParaRPr lang="en-US" dirty="0"/>
-          </a:p>
-        </p:txBody>
-      </p:sp>
-      <p:sp>
-        <p:nvSpPr>
-          <p:cNvPr id="2" name="Title 1">
-            <a:extLst>
-              <a:ext uri="{FF2B5EF4-FFF2-40B4-BE49-F238E27FC236}">
-                <a16:creationId xmlns:a16="http://schemas.microsoft.com/office/drawing/2014/main" id="{1C21E816-31F5-48BB-BD02-D15F2F18B48A}"/>
-              </a:ext>
-            </a:extLst>
-          </p:cNvPr>
-          <p:cNvSpPr>
-            <a:spLocks noGrp="1"/>
-          </p:cNvSpPr>
-          <p:nvPr>
-            <p:ph type="ctrTitle"/>
-          </p:nvPr>
-        </p:nvSpPr>
-        <p:spPr>
-          <a:xfrm>
-            <a:off x="1323945" y="1859959"/>
-            <a:ext cx="1446628" cy="631767"/>
-          </a:xfrm>
-        </p:spPr>
-        <p:txBody>
-          <a:bodyPr anchor="t">
-            <a:noAutofit/>
-          </a:bodyPr>
-          <a:lstStyle/>
-          <a:p>
-            <a:pPr algn="ctr"/>
-            <a:r>
-              <a:rPr lang="en-US" sz="2800" dirty="0">
-                <a:latin typeface="OCRB" panose="020B0609020202020204" pitchFamily="49" charset="0"/>
-              </a:rPr>
-              <a:t>fin</a:t>
-            </a:r>
           </a:p>
         </p:txBody>
       </p:sp>
@@ -18799,1751 +19918,2082 @@
           </a:fontRef>
         </p:style>
       </p:sp>
-      <p:sp>
-        <p:nvSpPr>
-          <p:cNvPr id="14" name="Oval 13">
+      <p:grpSp>
+        <p:nvGrpSpPr>
+          <p:cNvPr id="5" name="Group 4">
             <a:extLst>
               <a:ext uri="{FF2B5EF4-FFF2-40B4-BE49-F238E27FC236}">
-                <a16:creationId xmlns:a16="http://schemas.microsoft.com/office/drawing/2014/main" id="{097159E7-F245-4562-948A-971D4E3C265E}"/>
+                <a16:creationId xmlns:a16="http://schemas.microsoft.com/office/drawing/2014/main" id="{417C6D2F-8034-4029-ABA9-4AD5F0E792CB}"/>
               </a:ext>
             </a:extLst>
           </p:cNvPr>
-          <p:cNvSpPr/>
+          <p:cNvGrpSpPr/>
           <p:nvPr/>
-        </p:nvSpPr>
-        <p:spPr>
-          <a:xfrm>
-            <a:off x="7755192" y="1580032"/>
-            <a:ext cx="765110" cy="765110"/>
+        </p:nvGrpSpPr>
+        <p:grpSpPr>
+          <a:xfrm flipH="1">
+            <a:off x="170821" y="780585"/>
+            <a:ext cx="11923190" cy="5887350"/>
+            <a:chOff x="133815" y="780585"/>
+            <a:chExt cx="11883972" cy="5887350"/>
           </a:xfrm>
-          <a:prstGeom prst="ellipse">
-            <a:avLst/>
-          </a:prstGeom>
-          <a:solidFill>
-            <a:schemeClr val="bg1">
-              <a:lumMod val="95000"/>
-            </a:schemeClr>
-          </a:solidFill>
-          <a:ln w="50800">
+        </p:grpSpPr>
+        <p:sp>
+          <p:nvSpPr>
+            <p:cNvPr id="14" name="Oval 13">
+              <a:extLst>
+                <a:ext uri="{FF2B5EF4-FFF2-40B4-BE49-F238E27FC236}">
+                  <a16:creationId xmlns:a16="http://schemas.microsoft.com/office/drawing/2014/main" id="{097159E7-F245-4562-948A-971D4E3C265E}"/>
+                </a:ext>
+              </a:extLst>
+            </p:cNvPr>
+            <p:cNvSpPr/>
+            <p:nvPr/>
+          </p:nvSpPr>
+          <p:spPr>
+            <a:xfrm>
+              <a:off x="7755192" y="1580032"/>
+              <a:ext cx="765110" cy="765110"/>
+            </a:xfrm>
+            <a:prstGeom prst="ellipse">
+              <a:avLst/>
+            </a:prstGeom>
+            <a:solidFill>
+              <a:schemeClr val="bg1">
+                <a:lumMod val="95000"/>
+              </a:schemeClr>
+            </a:solidFill>
+            <a:ln w="50800">
+              <a:solidFill>
+                <a:schemeClr val="tx1">
+                  <a:lumMod val="75000"/>
+                  <a:lumOff val="25000"/>
+                </a:schemeClr>
+              </a:solidFill>
+            </a:ln>
+          </p:spPr>
+          <p:style>
+            <a:lnRef idx="2">
+              <a:schemeClr val="dk1">
+                <a:shade val="50000"/>
+              </a:schemeClr>
+            </a:lnRef>
+            <a:fillRef idx="1">
+              <a:schemeClr val="dk1"/>
+            </a:fillRef>
+            <a:effectRef idx="0">
+              <a:schemeClr val="dk1"/>
+            </a:effectRef>
+            <a:fontRef idx="minor">
+              <a:schemeClr val="lt1"/>
+            </a:fontRef>
+          </p:style>
+          <p:txBody>
+            <a:bodyPr rtlCol="0" anchor="ctr"/>
+            <a:lstStyle/>
+            <a:p>
+              <a:pPr algn="ctr"/>
+              <a:endParaRPr lang="en-US"/>
+            </a:p>
+          </p:txBody>
+        </p:sp>
+        <p:cxnSp>
+          <p:nvCxnSpPr>
+            <p:cNvPr id="7" name="Straight Connector 6">
+              <a:extLst>
+                <a:ext uri="{FF2B5EF4-FFF2-40B4-BE49-F238E27FC236}">
+                  <a16:creationId xmlns:a16="http://schemas.microsoft.com/office/drawing/2014/main" id="{D4DFA75C-6434-4229-B047-C15AA29EF31D}"/>
+                </a:ext>
+              </a:extLst>
+            </p:cNvPr>
+            <p:cNvCxnSpPr>
+              <a:cxnSpLocks/>
+            </p:cNvCxnSpPr>
+            <p:nvPr/>
+          </p:nvCxnSpPr>
+          <p:spPr>
+            <a:xfrm>
+              <a:off x="133815" y="6667935"/>
+              <a:ext cx="11883972" cy="0"/>
+            </a:xfrm>
+            <a:prstGeom prst="line">
+              <a:avLst/>
+            </a:prstGeom>
+            <a:ln w="50800" cap="sq">
+              <a:solidFill>
+                <a:schemeClr val="tx1">
+                  <a:lumMod val="75000"/>
+                  <a:lumOff val="25000"/>
+                </a:schemeClr>
+              </a:solidFill>
+            </a:ln>
+          </p:spPr>
+          <p:style>
+            <a:lnRef idx="1">
+              <a:schemeClr val="accent1"/>
+            </a:lnRef>
+            <a:fillRef idx="0">
+              <a:schemeClr val="accent1"/>
+            </a:fillRef>
+            <a:effectRef idx="0">
+              <a:schemeClr val="accent1"/>
+            </a:effectRef>
+            <a:fontRef idx="minor">
+              <a:schemeClr val="tx1"/>
+            </a:fontRef>
+          </p:style>
+        </p:cxnSp>
+        <p:cxnSp>
+          <p:nvCxnSpPr>
+            <p:cNvPr id="10" name="Straight Connector 9">
+              <a:extLst>
+                <a:ext uri="{FF2B5EF4-FFF2-40B4-BE49-F238E27FC236}">
+                  <a16:creationId xmlns:a16="http://schemas.microsoft.com/office/drawing/2014/main" id="{86595BC5-DD50-4425-94CB-E4E128944B9B}"/>
+                </a:ext>
+              </a:extLst>
+            </p:cNvPr>
+            <p:cNvCxnSpPr>
+              <a:cxnSpLocks/>
+            </p:cNvCxnSpPr>
+            <p:nvPr/>
+          </p:nvCxnSpPr>
+          <p:spPr>
+            <a:xfrm>
+              <a:off x="12017787" y="780585"/>
+              <a:ext cx="0" cy="5867862"/>
+            </a:xfrm>
+            <a:prstGeom prst="line">
+              <a:avLst/>
+            </a:prstGeom>
+            <a:ln w="50800" cap="sq">
+              <a:solidFill>
+                <a:schemeClr val="tx1">
+                  <a:lumMod val="75000"/>
+                  <a:lumOff val="25000"/>
+                </a:schemeClr>
+              </a:solidFill>
+            </a:ln>
+          </p:spPr>
+          <p:style>
+            <a:lnRef idx="1">
+              <a:schemeClr val="accent1"/>
+            </a:lnRef>
+            <a:fillRef idx="0">
+              <a:schemeClr val="accent1"/>
+            </a:fillRef>
+            <a:effectRef idx="0">
+              <a:schemeClr val="accent1"/>
+            </a:effectRef>
+            <a:fontRef idx="minor">
+              <a:schemeClr val="tx1"/>
+            </a:fontRef>
+          </p:style>
+        </p:cxnSp>
+        <p:cxnSp>
+          <p:nvCxnSpPr>
+            <p:cNvPr id="21" name="Straight Connector 20">
+              <a:extLst>
+                <a:ext uri="{FF2B5EF4-FFF2-40B4-BE49-F238E27FC236}">
+                  <a16:creationId xmlns:a16="http://schemas.microsoft.com/office/drawing/2014/main" id="{45064C6B-D54C-4EF8-B01A-E7758B62499A}"/>
+                </a:ext>
+              </a:extLst>
+            </p:cNvPr>
+            <p:cNvCxnSpPr>
+              <a:cxnSpLocks/>
+            </p:cNvCxnSpPr>
+            <p:nvPr/>
+          </p:nvCxnSpPr>
+          <p:spPr>
+            <a:xfrm>
+              <a:off x="2113340" y="5902825"/>
+              <a:ext cx="9904447" cy="0"/>
+            </a:xfrm>
+            <a:prstGeom prst="line">
+              <a:avLst/>
+            </a:prstGeom>
+            <a:ln w="50800" cap="sq">
+              <a:solidFill>
+                <a:schemeClr val="tx1">
+                  <a:lumMod val="75000"/>
+                  <a:lumOff val="25000"/>
+                </a:schemeClr>
+              </a:solidFill>
+            </a:ln>
+          </p:spPr>
+          <p:style>
+            <a:lnRef idx="1">
+              <a:schemeClr val="accent1"/>
+            </a:lnRef>
+            <a:fillRef idx="0">
+              <a:schemeClr val="accent1"/>
+            </a:fillRef>
+            <a:effectRef idx="0">
+              <a:schemeClr val="accent1"/>
+            </a:effectRef>
+            <a:fontRef idx="minor">
+              <a:schemeClr val="tx1"/>
+            </a:fontRef>
+          </p:style>
+        </p:cxnSp>
+        <p:cxnSp>
+          <p:nvCxnSpPr>
+            <p:cNvPr id="25" name="Straight Connector 24">
+              <a:extLst>
+                <a:ext uri="{FF2B5EF4-FFF2-40B4-BE49-F238E27FC236}">
+                  <a16:creationId xmlns:a16="http://schemas.microsoft.com/office/drawing/2014/main" id="{30E5A439-16AF-4D6D-911E-E3F5E80F7041}"/>
+                </a:ext>
+              </a:extLst>
+            </p:cNvPr>
+            <p:cNvCxnSpPr>
+              <a:cxnSpLocks/>
+            </p:cNvCxnSpPr>
+            <p:nvPr/>
+          </p:nvCxnSpPr>
+          <p:spPr>
+            <a:xfrm>
+              <a:off x="4149854" y="5137715"/>
+              <a:ext cx="7816595" cy="0"/>
+            </a:xfrm>
+            <a:prstGeom prst="line">
+              <a:avLst/>
+            </a:prstGeom>
+            <a:ln w="50800" cap="sq">
+              <a:solidFill>
+                <a:schemeClr val="tx1">
+                  <a:lumMod val="75000"/>
+                  <a:lumOff val="25000"/>
+                </a:schemeClr>
+              </a:solidFill>
+            </a:ln>
+          </p:spPr>
+          <p:style>
+            <a:lnRef idx="1">
+              <a:schemeClr val="accent1"/>
+            </a:lnRef>
+            <a:fillRef idx="0">
+              <a:schemeClr val="accent1"/>
+            </a:fillRef>
+            <a:effectRef idx="0">
+              <a:schemeClr val="accent1"/>
+            </a:effectRef>
+            <a:fontRef idx="minor">
+              <a:schemeClr val="tx1"/>
+            </a:fontRef>
+          </p:style>
+        </p:cxnSp>
+        <p:sp>
+          <p:nvSpPr>
+            <p:cNvPr id="26" name="Oval 25">
+              <a:extLst>
+                <a:ext uri="{FF2B5EF4-FFF2-40B4-BE49-F238E27FC236}">
+                  <a16:creationId xmlns:a16="http://schemas.microsoft.com/office/drawing/2014/main" id="{8B330145-A8F5-4A1F-BC04-AA9501D51505}"/>
+                </a:ext>
+              </a:extLst>
+            </p:cNvPr>
+            <p:cNvSpPr/>
+            <p:nvPr/>
+          </p:nvSpPr>
+          <p:spPr>
+            <a:xfrm>
+              <a:off x="10099410" y="3980306"/>
+              <a:ext cx="765110" cy="765110"/>
+            </a:xfrm>
+            <a:prstGeom prst="ellipse">
+              <a:avLst/>
+            </a:prstGeom>
             <a:solidFill>
               <a:schemeClr val="tx1">
                 <a:lumMod val="75000"/>
                 <a:lumOff val="25000"/>
               </a:schemeClr>
             </a:solidFill>
-          </a:ln>
-        </p:spPr>
-        <p:style>
-          <a:lnRef idx="2">
-            <a:schemeClr val="dk1">
-              <a:shade val="50000"/>
-            </a:schemeClr>
-          </a:lnRef>
-          <a:fillRef idx="1">
-            <a:schemeClr val="dk1"/>
-          </a:fillRef>
-          <a:effectRef idx="0">
-            <a:schemeClr val="dk1"/>
-          </a:effectRef>
-          <a:fontRef idx="minor">
-            <a:schemeClr val="lt1"/>
-          </a:fontRef>
-        </p:style>
-        <p:txBody>
-          <a:bodyPr rtlCol="0" anchor="ctr"/>
-          <a:lstStyle/>
-          <a:p>
-            <a:pPr algn="ctr"/>
-            <a:endParaRPr lang="en-US"/>
-          </a:p>
-        </p:txBody>
-      </p:sp>
-      <p:cxnSp>
-        <p:nvCxnSpPr>
-          <p:cNvPr id="7" name="Straight Connector 6">
-            <a:extLst>
-              <a:ext uri="{FF2B5EF4-FFF2-40B4-BE49-F238E27FC236}">
-                <a16:creationId xmlns:a16="http://schemas.microsoft.com/office/drawing/2014/main" id="{D4DFA75C-6434-4229-B047-C15AA29EF31D}"/>
-              </a:ext>
-            </a:extLst>
-          </p:cNvPr>
-          <p:cNvCxnSpPr>
-            <a:cxnSpLocks/>
-          </p:cNvCxnSpPr>
-          <p:nvPr/>
-        </p:nvCxnSpPr>
-        <p:spPr>
-          <a:xfrm>
-            <a:off x="133815" y="6667935"/>
-            <a:ext cx="11883972" cy="0"/>
-          </a:xfrm>
-          <a:prstGeom prst="line">
-            <a:avLst/>
-          </a:prstGeom>
-          <a:ln w="50800" cap="sq">
+            <a:ln>
+              <a:solidFill>
+                <a:schemeClr val="tx1">
+                  <a:lumMod val="75000"/>
+                  <a:lumOff val="25000"/>
+                </a:schemeClr>
+              </a:solidFill>
+            </a:ln>
+          </p:spPr>
+          <p:style>
+            <a:lnRef idx="2">
+              <a:schemeClr val="dk1">
+                <a:shade val="50000"/>
+              </a:schemeClr>
+            </a:lnRef>
+            <a:fillRef idx="1">
+              <a:schemeClr val="dk1"/>
+            </a:fillRef>
+            <a:effectRef idx="0">
+              <a:schemeClr val="dk1"/>
+            </a:effectRef>
+            <a:fontRef idx="minor">
+              <a:schemeClr val="lt1"/>
+            </a:fontRef>
+          </p:style>
+          <p:txBody>
+            <a:bodyPr rtlCol="0" anchor="ctr"/>
+            <a:lstStyle/>
+            <a:p>
+              <a:pPr algn="ctr"/>
+              <a:endParaRPr lang="en-US"/>
+            </a:p>
+          </p:txBody>
+        </p:sp>
+        <p:cxnSp>
+          <p:nvCxnSpPr>
+            <p:cNvPr id="27" name="Straight Connector 26">
+              <a:extLst>
+                <a:ext uri="{FF2B5EF4-FFF2-40B4-BE49-F238E27FC236}">
+                  <a16:creationId xmlns:a16="http://schemas.microsoft.com/office/drawing/2014/main" id="{703C2485-2EFC-42B3-8B80-B12EDB7A88C3}"/>
+                </a:ext>
+              </a:extLst>
+            </p:cNvPr>
+            <p:cNvCxnSpPr>
+              <a:cxnSpLocks/>
+            </p:cNvCxnSpPr>
+            <p:nvPr/>
+          </p:nvCxnSpPr>
+          <p:spPr>
+            <a:xfrm>
+              <a:off x="11241471" y="1688228"/>
+              <a:ext cx="0" cy="4965795"/>
+            </a:xfrm>
+            <a:prstGeom prst="line">
+              <a:avLst/>
+            </a:prstGeom>
+            <a:ln w="50800" cap="sq">
+              <a:solidFill>
+                <a:schemeClr val="tx1">
+                  <a:lumMod val="75000"/>
+                  <a:lumOff val="25000"/>
+                </a:schemeClr>
+              </a:solidFill>
+            </a:ln>
+          </p:spPr>
+          <p:style>
+            <a:lnRef idx="1">
+              <a:schemeClr val="accent1"/>
+            </a:lnRef>
+            <a:fillRef idx="0">
+              <a:schemeClr val="accent1"/>
+            </a:fillRef>
+            <a:effectRef idx="0">
+              <a:schemeClr val="accent1"/>
+            </a:effectRef>
+            <a:fontRef idx="minor">
+              <a:schemeClr val="tx1"/>
+            </a:fontRef>
+          </p:style>
+        </p:cxnSp>
+        <p:cxnSp>
+          <p:nvCxnSpPr>
+            <p:cNvPr id="28" name="Straight Connector 27">
+              <a:extLst>
+                <a:ext uri="{FF2B5EF4-FFF2-40B4-BE49-F238E27FC236}">
+                  <a16:creationId xmlns:a16="http://schemas.microsoft.com/office/drawing/2014/main" id="{F2DB22D4-040D-4989-8075-D19370C099CB}"/>
+                </a:ext>
+              </a:extLst>
+            </p:cNvPr>
+            <p:cNvCxnSpPr>
+              <a:cxnSpLocks/>
+            </p:cNvCxnSpPr>
+            <p:nvPr/>
+          </p:nvCxnSpPr>
+          <p:spPr>
+            <a:xfrm>
+              <a:off x="10461055" y="2200241"/>
+              <a:ext cx="0" cy="4467694"/>
+            </a:xfrm>
+            <a:prstGeom prst="line">
+              <a:avLst/>
+            </a:prstGeom>
+            <a:ln w="50800" cap="sq">
+              <a:solidFill>
+                <a:schemeClr val="tx1">
+                  <a:lumMod val="75000"/>
+                  <a:lumOff val="25000"/>
+                </a:schemeClr>
+              </a:solidFill>
+            </a:ln>
+          </p:spPr>
+          <p:style>
+            <a:lnRef idx="1">
+              <a:schemeClr val="accent1"/>
+            </a:lnRef>
+            <a:fillRef idx="0">
+              <a:schemeClr val="accent1"/>
+            </a:fillRef>
+            <a:effectRef idx="0">
+              <a:schemeClr val="accent1"/>
+            </a:effectRef>
+            <a:fontRef idx="minor">
+              <a:schemeClr val="tx1"/>
+            </a:fontRef>
+          </p:style>
+        </p:cxnSp>
+        <p:sp>
+          <p:nvSpPr>
+            <p:cNvPr id="29" name="Oval 28">
+              <a:extLst>
+                <a:ext uri="{FF2B5EF4-FFF2-40B4-BE49-F238E27FC236}">
+                  <a16:creationId xmlns:a16="http://schemas.microsoft.com/office/drawing/2014/main" id="{3BC5FE9E-A1BB-47CA-9606-5D7EE6175630}"/>
+                </a:ext>
+              </a:extLst>
+            </p:cNvPr>
+            <p:cNvSpPr/>
+            <p:nvPr/>
+          </p:nvSpPr>
+          <p:spPr>
+            <a:xfrm>
+              <a:off x="8522611" y="1584386"/>
+              <a:ext cx="765110" cy="765110"/>
+            </a:xfrm>
+            <a:prstGeom prst="ellipse">
+              <a:avLst/>
+            </a:prstGeom>
+            <a:solidFill>
+              <a:schemeClr val="bg1">
+                <a:lumMod val="95000"/>
+              </a:schemeClr>
+            </a:solidFill>
+            <a:ln w="50800">
+              <a:solidFill>
+                <a:schemeClr val="tx1">
+                  <a:lumMod val="75000"/>
+                  <a:lumOff val="25000"/>
+                </a:schemeClr>
+              </a:solidFill>
+            </a:ln>
+          </p:spPr>
+          <p:style>
+            <a:lnRef idx="2">
+              <a:schemeClr val="dk1">
+                <a:shade val="50000"/>
+              </a:schemeClr>
+            </a:lnRef>
+            <a:fillRef idx="1">
+              <a:schemeClr val="dk1"/>
+            </a:fillRef>
+            <a:effectRef idx="0">
+              <a:schemeClr val="dk1"/>
+            </a:effectRef>
+            <a:fontRef idx="minor">
+              <a:schemeClr val="lt1"/>
+            </a:fontRef>
+          </p:style>
+          <p:txBody>
+            <a:bodyPr rtlCol="0" anchor="ctr"/>
+            <a:lstStyle/>
+            <a:p>
+              <a:pPr algn="ctr"/>
+              <a:endParaRPr lang="en-US"/>
+            </a:p>
+          </p:txBody>
+        </p:sp>
+        <p:cxnSp>
+          <p:nvCxnSpPr>
+            <p:cNvPr id="30" name="Straight Connector 29">
+              <a:extLst>
+                <a:ext uri="{FF2B5EF4-FFF2-40B4-BE49-F238E27FC236}">
+                  <a16:creationId xmlns:a16="http://schemas.microsoft.com/office/drawing/2014/main" id="{5C692B74-C33A-4226-8C3E-0EEDC6441D85}"/>
+                </a:ext>
+              </a:extLst>
+            </p:cNvPr>
+            <p:cNvCxnSpPr>
+              <a:cxnSpLocks/>
+            </p:cNvCxnSpPr>
+            <p:nvPr/>
+          </p:nvCxnSpPr>
+          <p:spPr>
+            <a:xfrm>
+              <a:off x="9695945" y="2729561"/>
+              <a:ext cx="0" cy="3938374"/>
+            </a:xfrm>
+            <a:prstGeom prst="line">
+              <a:avLst/>
+            </a:prstGeom>
+            <a:ln w="50800" cap="sq">
+              <a:solidFill>
+                <a:schemeClr val="tx1">
+                  <a:lumMod val="75000"/>
+                  <a:lumOff val="25000"/>
+                </a:schemeClr>
+              </a:solidFill>
+            </a:ln>
+          </p:spPr>
+          <p:style>
+            <a:lnRef idx="1">
+              <a:schemeClr val="accent1"/>
+            </a:lnRef>
+            <a:fillRef idx="0">
+              <a:schemeClr val="accent1"/>
+            </a:fillRef>
+            <a:effectRef idx="0">
+              <a:schemeClr val="accent1"/>
+            </a:effectRef>
+            <a:fontRef idx="minor">
+              <a:schemeClr val="tx1"/>
+            </a:fontRef>
+          </p:style>
+        </p:cxnSp>
+        <p:cxnSp>
+          <p:nvCxnSpPr>
+            <p:cNvPr id="31" name="Straight Connector 30">
+              <a:extLst>
+                <a:ext uri="{FF2B5EF4-FFF2-40B4-BE49-F238E27FC236}">
+                  <a16:creationId xmlns:a16="http://schemas.microsoft.com/office/drawing/2014/main" id="{98537EC5-0F8E-4FDB-AC5B-BAEE3BB45B71}"/>
+                </a:ext>
+              </a:extLst>
+            </p:cNvPr>
+            <p:cNvCxnSpPr>
+              <a:cxnSpLocks/>
+            </p:cNvCxnSpPr>
+            <p:nvPr/>
+          </p:nvCxnSpPr>
+          <p:spPr>
+            <a:xfrm>
+              <a:off x="6467707" y="4372605"/>
+              <a:ext cx="5550080" cy="0"/>
+            </a:xfrm>
+            <a:prstGeom prst="line">
+              <a:avLst/>
+            </a:prstGeom>
+            <a:ln w="50800" cap="sq">
+              <a:solidFill>
+                <a:schemeClr val="tx1">
+                  <a:lumMod val="75000"/>
+                  <a:lumOff val="25000"/>
+                </a:schemeClr>
+              </a:solidFill>
+            </a:ln>
+          </p:spPr>
+          <p:style>
+            <a:lnRef idx="1">
+              <a:schemeClr val="accent1"/>
+            </a:lnRef>
+            <a:fillRef idx="0">
+              <a:schemeClr val="accent1"/>
+            </a:fillRef>
+            <a:effectRef idx="0">
+              <a:schemeClr val="accent1"/>
+            </a:effectRef>
+            <a:fontRef idx="minor">
+              <a:schemeClr val="tx1"/>
+            </a:fontRef>
+          </p:style>
+        </p:cxnSp>
+        <p:sp>
+          <p:nvSpPr>
+            <p:cNvPr id="35" name="Oval 34">
+              <a:extLst>
+                <a:ext uri="{FF2B5EF4-FFF2-40B4-BE49-F238E27FC236}">
+                  <a16:creationId xmlns:a16="http://schemas.microsoft.com/office/drawing/2014/main" id="{C34F9200-98F8-4357-99F0-374DC7635E36}"/>
+                </a:ext>
+              </a:extLst>
+            </p:cNvPr>
+            <p:cNvSpPr/>
+            <p:nvPr/>
+          </p:nvSpPr>
+          <p:spPr>
+            <a:xfrm>
+              <a:off x="10864520" y="4755160"/>
+              <a:ext cx="765110" cy="765110"/>
+            </a:xfrm>
+            <a:prstGeom prst="ellipse">
+              <a:avLst/>
+            </a:prstGeom>
+            <a:solidFill>
+              <a:schemeClr val="bg1">
+                <a:lumMod val="95000"/>
+              </a:schemeClr>
+            </a:solidFill>
+            <a:ln w="50800">
+              <a:solidFill>
+                <a:schemeClr val="tx1">
+                  <a:lumMod val="75000"/>
+                  <a:lumOff val="25000"/>
+                </a:schemeClr>
+              </a:solidFill>
+            </a:ln>
+          </p:spPr>
+          <p:style>
+            <a:lnRef idx="2">
+              <a:schemeClr val="dk1">
+                <a:shade val="50000"/>
+              </a:schemeClr>
+            </a:lnRef>
+            <a:fillRef idx="1">
+              <a:schemeClr val="dk1"/>
+            </a:fillRef>
+            <a:effectRef idx="0">
+              <a:schemeClr val="dk1"/>
+            </a:effectRef>
+            <a:fontRef idx="minor">
+              <a:schemeClr val="lt1"/>
+            </a:fontRef>
+          </p:style>
+          <p:txBody>
+            <a:bodyPr rtlCol="0" anchor="ctr"/>
+            <a:lstStyle/>
+            <a:p>
+              <a:pPr algn="ctr"/>
+              <a:endParaRPr lang="en-US"/>
+            </a:p>
+          </p:txBody>
+        </p:sp>
+        <p:sp>
+          <p:nvSpPr>
+            <p:cNvPr id="36" name="Oval 35">
+              <a:extLst>
+                <a:ext uri="{FF2B5EF4-FFF2-40B4-BE49-F238E27FC236}">
+                  <a16:creationId xmlns:a16="http://schemas.microsoft.com/office/drawing/2014/main" id="{B90A642A-01BB-4E38-8C2C-EB7F2DE7D0E3}"/>
+                </a:ext>
+              </a:extLst>
+            </p:cNvPr>
+            <p:cNvSpPr/>
+            <p:nvPr/>
+          </p:nvSpPr>
+          <p:spPr>
+            <a:xfrm>
+              <a:off x="10099410" y="4755160"/>
+              <a:ext cx="765110" cy="765110"/>
+            </a:xfrm>
+            <a:prstGeom prst="ellipse">
+              <a:avLst/>
+            </a:prstGeom>
+            <a:solidFill>
+              <a:schemeClr val="bg1">
+                <a:lumMod val="95000"/>
+              </a:schemeClr>
+            </a:solidFill>
+            <a:ln w="50800">
+              <a:solidFill>
+                <a:schemeClr val="tx1">
+                  <a:lumMod val="75000"/>
+                  <a:lumOff val="25000"/>
+                </a:schemeClr>
+              </a:solidFill>
+            </a:ln>
+          </p:spPr>
+          <p:style>
+            <a:lnRef idx="2">
+              <a:schemeClr val="dk1">
+                <a:shade val="50000"/>
+              </a:schemeClr>
+            </a:lnRef>
+            <a:fillRef idx="1">
+              <a:schemeClr val="dk1"/>
+            </a:fillRef>
+            <a:effectRef idx="0">
+              <a:schemeClr val="dk1"/>
+            </a:effectRef>
+            <a:fontRef idx="minor">
+              <a:schemeClr val="lt1"/>
+            </a:fontRef>
+          </p:style>
+          <p:txBody>
+            <a:bodyPr rtlCol="0" anchor="ctr"/>
+            <a:lstStyle/>
+            <a:p>
+              <a:pPr algn="ctr"/>
+              <a:endParaRPr lang="en-US"/>
+            </a:p>
+          </p:txBody>
+        </p:sp>
+        <p:sp>
+          <p:nvSpPr>
+            <p:cNvPr id="37" name="Oval 36">
+              <a:extLst>
+                <a:ext uri="{FF2B5EF4-FFF2-40B4-BE49-F238E27FC236}">
+                  <a16:creationId xmlns:a16="http://schemas.microsoft.com/office/drawing/2014/main" id="{790AC50C-1CBA-4C9E-93BA-769C3B72A441}"/>
+                </a:ext>
+              </a:extLst>
+            </p:cNvPr>
+            <p:cNvSpPr/>
+            <p:nvPr/>
+          </p:nvSpPr>
+          <p:spPr>
+            <a:xfrm>
+              <a:off x="10068137" y="3199907"/>
+              <a:ext cx="765110" cy="765110"/>
+            </a:xfrm>
+            <a:prstGeom prst="ellipse">
+              <a:avLst/>
+            </a:prstGeom>
             <a:solidFill>
               <a:schemeClr val="tx1">
                 <a:lumMod val="75000"/>
                 <a:lumOff val="25000"/>
               </a:schemeClr>
             </a:solidFill>
-          </a:ln>
-        </p:spPr>
-        <p:style>
-          <a:lnRef idx="1">
-            <a:schemeClr val="accent1"/>
-          </a:lnRef>
-          <a:fillRef idx="0">
-            <a:schemeClr val="accent1"/>
-          </a:fillRef>
-          <a:effectRef idx="0">
-            <a:schemeClr val="accent1"/>
-          </a:effectRef>
-          <a:fontRef idx="minor">
-            <a:schemeClr val="tx1"/>
-          </a:fontRef>
-        </p:style>
-      </p:cxnSp>
-      <p:cxnSp>
-        <p:nvCxnSpPr>
-          <p:cNvPr id="10" name="Straight Connector 9">
-            <a:extLst>
-              <a:ext uri="{FF2B5EF4-FFF2-40B4-BE49-F238E27FC236}">
-                <a16:creationId xmlns:a16="http://schemas.microsoft.com/office/drawing/2014/main" id="{86595BC5-DD50-4425-94CB-E4E128944B9B}"/>
-              </a:ext>
-            </a:extLst>
-          </p:cNvPr>
-          <p:cNvCxnSpPr>
-            <a:cxnSpLocks/>
-          </p:cNvCxnSpPr>
-          <p:nvPr/>
-        </p:nvCxnSpPr>
-        <p:spPr>
-          <a:xfrm>
-            <a:off x="12017787" y="780585"/>
-            <a:ext cx="0" cy="5867862"/>
-          </a:xfrm>
-          <a:prstGeom prst="line">
-            <a:avLst/>
-          </a:prstGeom>
-          <a:ln w="50800" cap="sq">
+            <a:ln>
+              <a:solidFill>
+                <a:schemeClr val="tx1">
+                  <a:lumMod val="75000"/>
+                  <a:lumOff val="25000"/>
+                </a:schemeClr>
+              </a:solidFill>
+            </a:ln>
+          </p:spPr>
+          <p:style>
+            <a:lnRef idx="2">
+              <a:schemeClr val="dk1">
+                <a:shade val="50000"/>
+              </a:schemeClr>
+            </a:lnRef>
+            <a:fillRef idx="1">
+              <a:schemeClr val="dk1"/>
+            </a:fillRef>
+            <a:effectRef idx="0">
+              <a:schemeClr val="dk1"/>
+            </a:effectRef>
+            <a:fontRef idx="minor">
+              <a:schemeClr val="lt1"/>
+            </a:fontRef>
+          </p:style>
+          <p:txBody>
+            <a:bodyPr rtlCol="0" anchor="ctr"/>
+            <a:lstStyle/>
+            <a:p>
+              <a:pPr algn="ctr"/>
+              <a:endParaRPr lang="en-US"/>
+            </a:p>
+          </p:txBody>
+        </p:sp>
+        <p:cxnSp>
+          <p:nvCxnSpPr>
+            <p:cNvPr id="38" name="Straight Connector 37">
+              <a:extLst>
+                <a:ext uri="{FF2B5EF4-FFF2-40B4-BE49-F238E27FC236}">
+                  <a16:creationId xmlns:a16="http://schemas.microsoft.com/office/drawing/2014/main" id="{92A70CAB-406C-44A7-88F5-0D1243188A95}"/>
+                </a:ext>
+              </a:extLst>
+            </p:cNvPr>
+            <p:cNvCxnSpPr>
+              <a:cxnSpLocks/>
+            </p:cNvCxnSpPr>
+            <p:nvPr/>
+          </p:nvCxnSpPr>
+          <p:spPr>
+            <a:xfrm>
+              <a:off x="8930836" y="3582462"/>
+              <a:ext cx="3035613" cy="0"/>
+            </a:xfrm>
+            <a:prstGeom prst="line">
+              <a:avLst/>
+            </a:prstGeom>
+            <a:ln w="50800" cap="sq">
+              <a:solidFill>
+                <a:schemeClr val="tx1">
+                  <a:lumMod val="75000"/>
+                  <a:lumOff val="25000"/>
+                </a:schemeClr>
+              </a:solidFill>
+            </a:ln>
+          </p:spPr>
+          <p:style>
+            <a:lnRef idx="1">
+              <a:schemeClr val="accent1"/>
+            </a:lnRef>
+            <a:fillRef idx="0">
+              <a:schemeClr val="accent1"/>
+            </a:fillRef>
+            <a:effectRef idx="0">
+              <a:schemeClr val="accent1"/>
+            </a:effectRef>
+            <a:fontRef idx="minor">
+              <a:schemeClr val="tx1"/>
+            </a:fontRef>
+          </p:style>
+        </p:cxnSp>
+        <p:cxnSp>
+          <p:nvCxnSpPr>
+            <p:cNvPr id="40" name="Straight Connector 39">
+              <a:extLst>
+                <a:ext uri="{FF2B5EF4-FFF2-40B4-BE49-F238E27FC236}">
+                  <a16:creationId xmlns:a16="http://schemas.microsoft.com/office/drawing/2014/main" id="{FF3C3FAE-2FC2-4E53-AEC8-B8175FBA7798}"/>
+                </a:ext>
+              </a:extLst>
+            </p:cNvPr>
+            <p:cNvCxnSpPr>
+              <a:cxnSpLocks/>
+            </p:cNvCxnSpPr>
+            <p:nvPr/>
+          </p:nvCxnSpPr>
+          <p:spPr>
+            <a:xfrm>
+              <a:off x="8930836" y="3592207"/>
+              <a:ext cx="0" cy="3056240"/>
+            </a:xfrm>
+            <a:prstGeom prst="line">
+              <a:avLst/>
+            </a:prstGeom>
+            <a:ln w="50800" cap="sq">
+              <a:solidFill>
+                <a:schemeClr val="tx1">
+                  <a:lumMod val="75000"/>
+                  <a:lumOff val="25000"/>
+                </a:schemeClr>
+              </a:solidFill>
+            </a:ln>
+          </p:spPr>
+          <p:style>
+            <a:lnRef idx="1">
+              <a:schemeClr val="accent1"/>
+            </a:lnRef>
+            <a:fillRef idx="0">
+              <a:schemeClr val="accent1"/>
+            </a:fillRef>
+            <a:effectRef idx="0">
+              <a:schemeClr val="accent1"/>
+            </a:effectRef>
+            <a:fontRef idx="minor">
+              <a:schemeClr val="tx1"/>
+            </a:fontRef>
+          </p:style>
+        </p:cxnSp>
+        <p:sp>
+          <p:nvSpPr>
+            <p:cNvPr id="46" name="Oval 45">
+              <a:extLst>
+                <a:ext uri="{FF2B5EF4-FFF2-40B4-BE49-F238E27FC236}">
+                  <a16:creationId xmlns:a16="http://schemas.microsoft.com/office/drawing/2014/main" id="{15A03A24-1D20-4B21-A1E4-AFDCAA8B78A0}"/>
+                </a:ext>
+              </a:extLst>
+            </p:cNvPr>
+            <p:cNvSpPr/>
+            <p:nvPr/>
+          </p:nvSpPr>
+          <p:spPr>
+            <a:xfrm>
+              <a:off x="9295375" y="3197794"/>
+              <a:ext cx="765110" cy="765110"/>
+            </a:xfrm>
+            <a:prstGeom prst="ellipse">
+              <a:avLst/>
+            </a:prstGeom>
             <a:solidFill>
               <a:schemeClr val="tx1">
                 <a:lumMod val="75000"/>
                 <a:lumOff val="25000"/>
               </a:schemeClr>
             </a:solidFill>
-          </a:ln>
-        </p:spPr>
-        <p:style>
-          <a:lnRef idx="1">
-            <a:schemeClr val="accent1"/>
-          </a:lnRef>
-          <a:fillRef idx="0">
-            <a:schemeClr val="accent1"/>
-          </a:fillRef>
-          <a:effectRef idx="0">
-            <a:schemeClr val="accent1"/>
-          </a:effectRef>
-          <a:fontRef idx="minor">
-            <a:schemeClr val="tx1"/>
-          </a:fontRef>
-        </p:style>
-      </p:cxnSp>
-      <p:cxnSp>
-        <p:nvCxnSpPr>
-          <p:cNvPr id="21" name="Straight Connector 20">
-            <a:extLst>
-              <a:ext uri="{FF2B5EF4-FFF2-40B4-BE49-F238E27FC236}">
-                <a16:creationId xmlns:a16="http://schemas.microsoft.com/office/drawing/2014/main" id="{45064C6B-D54C-4EF8-B01A-E7758B62499A}"/>
-              </a:ext>
-            </a:extLst>
-          </p:cNvPr>
-          <p:cNvCxnSpPr>
-            <a:cxnSpLocks/>
-          </p:cNvCxnSpPr>
-          <p:nvPr/>
-        </p:nvCxnSpPr>
-        <p:spPr>
-          <a:xfrm>
-            <a:off x="2113340" y="5902825"/>
-            <a:ext cx="9904447" cy="0"/>
-          </a:xfrm>
-          <a:prstGeom prst="line">
-            <a:avLst/>
-          </a:prstGeom>
-          <a:ln w="50800" cap="sq">
+            <a:ln>
+              <a:solidFill>
+                <a:schemeClr val="tx1">
+                  <a:lumMod val="75000"/>
+                  <a:lumOff val="25000"/>
+                </a:schemeClr>
+              </a:solidFill>
+            </a:ln>
+          </p:spPr>
+          <p:style>
+            <a:lnRef idx="2">
+              <a:schemeClr val="dk1">
+                <a:shade val="50000"/>
+              </a:schemeClr>
+            </a:lnRef>
+            <a:fillRef idx="1">
+              <a:schemeClr val="dk1"/>
+            </a:fillRef>
+            <a:effectRef idx="0">
+              <a:schemeClr val="dk1"/>
+            </a:effectRef>
+            <a:fontRef idx="minor">
+              <a:schemeClr val="lt1"/>
+            </a:fontRef>
+          </p:style>
+          <p:txBody>
+            <a:bodyPr rtlCol="0" anchor="ctr"/>
+            <a:lstStyle/>
+            <a:p>
+              <a:pPr algn="ctr"/>
+              <a:endParaRPr lang="en-US"/>
+            </a:p>
+          </p:txBody>
+        </p:sp>
+        <p:sp>
+          <p:nvSpPr>
+            <p:cNvPr id="47" name="Oval 46">
+              <a:extLst>
+                <a:ext uri="{FF2B5EF4-FFF2-40B4-BE49-F238E27FC236}">
+                  <a16:creationId xmlns:a16="http://schemas.microsoft.com/office/drawing/2014/main" id="{C75E5FDE-396F-4959-8515-004B2E69EFFE}"/>
+                </a:ext>
+              </a:extLst>
+            </p:cNvPr>
+            <p:cNvSpPr/>
+            <p:nvPr/>
+          </p:nvSpPr>
+          <p:spPr>
+            <a:xfrm>
+              <a:off x="9309564" y="3954487"/>
+              <a:ext cx="765110" cy="765110"/>
+            </a:xfrm>
+            <a:prstGeom prst="ellipse">
+              <a:avLst/>
+            </a:prstGeom>
+            <a:solidFill>
+              <a:schemeClr val="bg1">
+                <a:lumMod val="95000"/>
+              </a:schemeClr>
+            </a:solidFill>
+            <a:ln w="50800">
+              <a:solidFill>
+                <a:schemeClr val="tx1">
+                  <a:lumMod val="75000"/>
+                  <a:lumOff val="25000"/>
+                </a:schemeClr>
+              </a:solidFill>
+            </a:ln>
+          </p:spPr>
+          <p:style>
+            <a:lnRef idx="2">
+              <a:schemeClr val="dk1">
+                <a:shade val="50000"/>
+              </a:schemeClr>
+            </a:lnRef>
+            <a:fillRef idx="1">
+              <a:schemeClr val="dk1"/>
+            </a:fillRef>
+            <a:effectRef idx="0">
+              <a:schemeClr val="dk1"/>
+            </a:effectRef>
+            <a:fontRef idx="minor">
+              <a:schemeClr val="lt1"/>
+            </a:fontRef>
+          </p:style>
+          <p:txBody>
+            <a:bodyPr rtlCol="0" anchor="ctr"/>
+            <a:lstStyle/>
+            <a:p>
+              <a:pPr algn="ctr"/>
+              <a:endParaRPr lang="en-US"/>
+            </a:p>
+          </p:txBody>
+        </p:sp>
+        <p:sp>
+          <p:nvSpPr>
+            <p:cNvPr id="48" name="Oval 47">
+              <a:extLst>
+                <a:ext uri="{FF2B5EF4-FFF2-40B4-BE49-F238E27FC236}">
+                  <a16:creationId xmlns:a16="http://schemas.microsoft.com/office/drawing/2014/main" id="{3613F1C0-2568-48D9-B91B-9DEAC5700669}"/>
+                </a:ext>
+              </a:extLst>
+            </p:cNvPr>
+            <p:cNvSpPr/>
+            <p:nvPr/>
+          </p:nvSpPr>
+          <p:spPr>
+            <a:xfrm>
+              <a:off x="8548281" y="3962904"/>
+              <a:ext cx="765110" cy="765110"/>
+            </a:xfrm>
+            <a:prstGeom prst="ellipse">
+              <a:avLst/>
+            </a:prstGeom>
+            <a:solidFill>
+              <a:schemeClr val="bg1">
+                <a:lumMod val="95000"/>
+              </a:schemeClr>
+            </a:solidFill>
+            <a:ln w="50800">
+              <a:solidFill>
+                <a:schemeClr val="tx1">
+                  <a:lumMod val="75000"/>
+                  <a:lumOff val="25000"/>
+                </a:schemeClr>
+              </a:solidFill>
+            </a:ln>
+          </p:spPr>
+          <p:style>
+            <a:lnRef idx="2">
+              <a:schemeClr val="dk1">
+                <a:shade val="50000"/>
+              </a:schemeClr>
+            </a:lnRef>
+            <a:fillRef idx="1">
+              <a:schemeClr val="dk1"/>
+            </a:fillRef>
+            <a:effectRef idx="0">
+              <a:schemeClr val="dk1"/>
+            </a:effectRef>
+            <a:fontRef idx="minor">
+              <a:schemeClr val="lt1"/>
+            </a:fontRef>
+          </p:style>
+          <p:txBody>
+            <a:bodyPr rtlCol="0" anchor="ctr"/>
+            <a:lstStyle/>
+            <a:p>
+              <a:pPr algn="ctr"/>
+              <a:endParaRPr lang="en-US"/>
+            </a:p>
+          </p:txBody>
+        </p:sp>
+        <p:sp>
+          <p:nvSpPr>
+            <p:cNvPr id="49" name="Oval 48">
+              <a:extLst>
+                <a:ext uri="{FF2B5EF4-FFF2-40B4-BE49-F238E27FC236}">
+                  <a16:creationId xmlns:a16="http://schemas.microsoft.com/office/drawing/2014/main" id="{9989CEA4-5BFF-49AA-8A21-B0A99B0D4A47}"/>
+                </a:ext>
+              </a:extLst>
+            </p:cNvPr>
+            <p:cNvSpPr/>
+            <p:nvPr/>
+          </p:nvSpPr>
+          <p:spPr>
+            <a:xfrm>
+              <a:off x="8532975" y="4749669"/>
+              <a:ext cx="765110" cy="765110"/>
+            </a:xfrm>
+            <a:prstGeom prst="ellipse">
+              <a:avLst/>
+            </a:prstGeom>
+            <a:solidFill>
+              <a:schemeClr val="bg1">
+                <a:lumMod val="95000"/>
+              </a:schemeClr>
+            </a:solidFill>
+            <a:ln w="50800">
+              <a:solidFill>
+                <a:schemeClr val="tx1">
+                  <a:lumMod val="75000"/>
+                  <a:lumOff val="25000"/>
+                </a:schemeClr>
+              </a:solidFill>
+            </a:ln>
+          </p:spPr>
+          <p:style>
+            <a:lnRef idx="2">
+              <a:schemeClr val="dk1">
+                <a:shade val="50000"/>
+              </a:schemeClr>
+            </a:lnRef>
+            <a:fillRef idx="1">
+              <a:schemeClr val="dk1"/>
+            </a:fillRef>
+            <a:effectRef idx="0">
+              <a:schemeClr val="dk1"/>
+            </a:effectRef>
+            <a:fontRef idx="minor">
+              <a:schemeClr val="lt1"/>
+            </a:fontRef>
+          </p:style>
+          <p:txBody>
+            <a:bodyPr rtlCol="0" anchor="ctr"/>
+            <a:lstStyle/>
+            <a:p>
+              <a:pPr algn="ctr"/>
+              <a:endParaRPr lang="en-US"/>
+            </a:p>
+          </p:txBody>
+        </p:sp>
+        <p:sp>
+          <p:nvSpPr>
+            <p:cNvPr id="50" name="Oval 49">
+              <a:extLst>
+                <a:ext uri="{FF2B5EF4-FFF2-40B4-BE49-F238E27FC236}">
+                  <a16:creationId xmlns:a16="http://schemas.microsoft.com/office/drawing/2014/main" id="{6FF77653-D010-4CE9-836E-7295E90C62EB}"/>
+                </a:ext>
+              </a:extLst>
+            </p:cNvPr>
+            <p:cNvSpPr/>
+            <p:nvPr/>
+          </p:nvSpPr>
+          <p:spPr>
+            <a:xfrm>
+              <a:off x="8522611" y="5533853"/>
+              <a:ext cx="765110" cy="765110"/>
+            </a:xfrm>
+            <a:prstGeom prst="ellipse">
+              <a:avLst/>
+            </a:prstGeom>
+            <a:solidFill>
+              <a:schemeClr val="bg1">
+                <a:lumMod val="95000"/>
+              </a:schemeClr>
+            </a:solidFill>
+            <a:ln w="50800">
+              <a:solidFill>
+                <a:schemeClr val="tx1">
+                  <a:lumMod val="75000"/>
+                  <a:lumOff val="25000"/>
+                </a:schemeClr>
+              </a:solidFill>
+            </a:ln>
+          </p:spPr>
+          <p:style>
+            <a:lnRef idx="2">
+              <a:schemeClr val="dk1">
+                <a:shade val="50000"/>
+              </a:schemeClr>
+            </a:lnRef>
+            <a:fillRef idx="1">
+              <a:schemeClr val="dk1"/>
+            </a:fillRef>
+            <a:effectRef idx="0">
+              <a:schemeClr val="dk1"/>
+            </a:effectRef>
+            <a:fontRef idx="minor">
+              <a:schemeClr val="lt1"/>
+            </a:fontRef>
+          </p:style>
+          <p:txBody>
+            <a:bodyPr rtlCol="0" anchor="ctr"/>
+            <a:lstStyle/>
+            <a:p>
+              <a:pPr algn="ctr"/>
+              <a:endParaRPr lang="en-US"/>
+            </a:p>
+          </p:txBody>
+        </p:sp>
+        <p:sp>
+          <p:nvSpPr>
+            <p:cNvPr id="51" name="Oval 50">
+              <a:extLst>
+                <a:ext uri="{FF2B5EF4-FFF2-40B4-BE49-F238E27FC236}">
+                  <a16:creationId xmlns:a16="http://schemas.microsoft.com/office/drawing/2014/main" id="{C9FF9B7A-0497-405E-87C7-436C5AD2F98E}"/>
+                </a:ext>
+              </a:extLst>
+            </p:cNvPr>
+            <p:cNvSpPr/>
+            <p:nvPr/>
+          </p:nvSpPr>
+          <p:spPr>
+            <a:xfrm>
+              <a:off x="8511406" y="3170648"/>
+              <a:ext cx="765110" cy="765110"/>
+            </a:xfrm>
+            <a:prstGeom prst="ellipse">
+              <a:avLst/>
+            </a:prstGeom>
+            <a:solidFill>
+              <a:schemeClr val="bg1">
+                <a:lumMod val="95000"/>
+              </a:schemeClr>
+            </a:solidFill>
+            <a:ln w="50800">
+              <a:solidFill>
+                <a:schemeClr val="tx1">
+                  <a:lumMod val="75000"/>
+                  <a:lumOff val="25000"/>
+                </a:schemeClr>
+              </a:solidFill>
+            </a:ln>
+          </p:spPr>
+          <p:style>
+            <a:lnRef idx="2">
+              <a:schemeClr val="dk1">
+                <a:shade val="50000"/>
+              </a:schemeClr>
+            </a:lnRef>
+            <a:fillRef idx="1">
+              <a:schemeClr val="dk1"/>
+            </a:fillRef>
+            <a:effectRef idx="0">
+              <a:schemeClr val="dk1"/>
+            </a:effectRef>
+            <a:fontRef idx="minor">
+              <a:schemeClr val="lt1"/>
+            </a:fontRef>
+          </p:style>
+          <p:txBody>
+            <a:bodyPr rtlCol="0" anchor="ctr"/>
+            <a:lstStyle/>
+            <a:p>
+              <a:pPr algn="ctr"/>
+              <a:endParaRPr lang="en-US"/>
+            </a:p>
+          </p:txBody>
+        </p:sp>
+        <p:sp>
+          <p:nvSpPr>
+            <p:cNvPr id="52" name="Oval 51">
+              <a:extLst>
+                <a:ext uri="{FF2B5EF4-FFF2-40B4-BE49-F238E27FC236}">
+                  <a16:creationId xmlns:a16="http://schemas.microsoft.com/office/drawing/2014/main" id="{67EBF0C4-9EED-4D60-B429-443A4583312E}"/>
+                </a:ext>
+              </a:extLst>
+            </p:cNvPr>
+            <p:cNvSpPr/>
+            <p:nvPr/>
+          </p:nvSpPr>
+          <p:spPr>
+            <a:xfrm>
+              <a:off x="9294531" y="2407845"/>
+              <a:ext cx="765110" cy="765110"/>
+            </a:xfrm>
+            <a:prstGeom prst="ellipse">
+              <a:avLst/>
+            </a:prstGeom>
+            <a:solidFill>
+              <a:schemeClr val="bg1">
+                <a:lumMod val="95000"/>
+              </a:schemeClr>
+            </a:solidFill>
+            <a:ln w="50800">
+              <a:solidFill>
+                <a:schemeClr val="tx1">
+                  <a:lumMod val="75000"/>
+                  <a:lumOff val="25000"/>
+                </a:schemeClr>
+              </a:solidFill>
+            </a:ln>
+          </p:spPr>
+          <p:style>
+            <a:lnRef idx="2">
+              <a:schemeClr val="dk1">
+                <a:shade val="50000"/>
+              </a:schemeClr>
+            </a:lnRef>
+            <a:fillRef idx="1">
+              <a:schemeClr val="dk1"/>
+            </a:fillRef>
+            <a:effectRef idx="0">
+              <a:schemeClr val="dk1"/>
+            </a:effectRef>
+            <a:fontRef idx="minor">
+              <a:schemeClr val="lt1"/>
+            </a:fontRef>
+          </p:style>
+          <p:txBody>
+            <a:bodyPr rtlCol="0" anchor="ctr"/>
+            <a:lstStyle/>
+            <a:p>
+              <a:pPr algn="ctr"/>
+              <a:endParaRPr lang="en-US"/>
+            </a:p>
+          </p:txBody>
+        </p:sp>
+        <p:sp>
+          <p:nvSpPr>
+            <p:cNvPr id="53" name="Oval 52">
+              <a:extLst>
+                <a:ext uri="{FF2B5EF4-FFF2-40B4-BE49-F238E27FC236}">
+                  <a16:creationId xmlns:a16="http://schemas.microsoft.com/office/drawing/2014/main" id="{521B242A-7C8A-49F9-9372-ABC1778F41F6}"/>
+                </a:ext>
+              </a:extLst>
+            </p:cNvPr>
+            <p:cNvSpPr/>
+            <p:nvPr/>
+          </p:nvSpPr>
+          <p:spPr>
+            <a:xfrm>
+              <a:off x="8511011" y="2376275"/>
+              <a:ext cx="765110" cy="765110"/>
+            </a:xfrm>
+            <a:prstGeom prst="ellipse">
+              <a:avLst/>
+            </a:prstGeom>
             <a:solidFill>
               <a:schemeClr val="tx1">
                 <a:lumMod val="75000"/>
                 <a:lumOff val="25000"/>
               </a:schemeClr>
             </a:solidFill>
-          </a:ln>
-        </p:spPr>
-        <p:style>
-          <a:lnRef idx="1">
-            <a:schemeClr val="accent1"/>
-          </a:lnRef>
-          <a:fillRef idx="0">
-            <a:schemeClr val="accent1"/>
-          </a:fillRef>
-          <a:effectRef idx="0">
-            <a:schemeClr val="accent1"/>
-          </a:effectRef>
-          <a:fontRef idx="minor">
-            <a:schemeClr val="tx1"/>
-          </a:fontRef>
-        </p:style>
-      </p:cxnSp>
-      <p:cxnSp>
-        <p:nvCxnSpPr>
-          <p:cNvPr id="25" name="Straight Connector 24">
-            <a:extLst>
-              <a:ext uri="{FF2B5EF4-FFF2-40B4-BE49-F238E27FC236}">
-                <a16:creationId xmlns:a16="http://schemas.microsoft.com/office/drawing/2014/main" id="{30E5A439-16AF-4D6D-911E-E3F5E80F7041}"/>
-              </a:ext>
-            </a:extLst>
-          </p:cNvPr>
-          <p:cNvCxnSpPr>
-            <a:cxnSpLocks/>
-          </p:cNvCxnSpPr>
-          <p:nvPr/>
-        </p:nvCxnSpPr>
-        <p:spPr>
-          <a:xfrm>
-            <a:off x="4149854" y="5137715"/>
-            <a:ext cx="7816595" cy="0"/>
-          </a:xfrm>
-          <a:prstGeom prst="line">
-            <a:avLst/>
-          </a:prstGeom>
-          <a:ln w="50800" cap="sq">
+            <a:ln>
+              <a:solidFill>
+                <a:schemeClr val="tx1">
+                  <a:lumMod val="75000"/>
+                  <a:lumOff val="25000"/>
+                </a:schemeClr>
+              </a:solidFill>
+            </a:ln>
+          </p:spPr>
+          <p:style>
+            <a:lnRef idx="2">
+              <a:schemeClr val="dk1">
+                <a:shade val="50000"/>
+              </a:schemeClr>
+            </a:lnRef>
+            <a:fillRef idx="1">
+              <a:schemeClr val="dk1"/>
+            </a:fillRef>
+            <a:effectRef idx="0">
+              <a:schemeClr val="dk1"/>
+            </a:effectRef>
+            <a:fontRef idx="minor">
+              <a:schemeClr val="lt1"/>
+            </a:fontRef>
+          </p:style>
+          <p:txBody>
+            <a:bodyPr rtlCol="0" anchor="ctr"/>
+            <a:lstStyle/>
+            <a:p>
+              <a:pPr algn="ctr"/>
+              <a:endParaRPr lang="en-US"/>
+            </a:p>
+          </p:txBody>
+        </p:sp>
+        <p:cxnSp>
+          <p:nvCxnSpPr>
+            <p:cNvPr id="54" name="Straight Connector 53">
+              <a:extLst>
+                <a:ext uri="{FF2B5EF4-FFF2-40B4-BE49-F238E27FC236}">
+                  <a16:creationId xmlns:a16="http://schemas.microsoft.com/office/drawing/2014/main" id="{24018061-D844-44AA-AF38-035721B395FF}"/>
+                </a:ext>
+              </a:extLst>
+            </p:cNvPr>
+            <p:cNvCxnSpPr>
+              <a:cxnSpLocks/>
+            </p:cNvCxnSpPr>
+            <p:nvPr/>
+          </p:nvCxnSpPr>
+          <p:spPr>
+            <a:xfrm>
+              <a:off x="8140328" y="3599135"/>
+              <a:ext cx="0" cy="3056240"/>
+            </a:xfrm>
+            <a:prstGeom prst="line">
+              <a:avLst/>
+            </a:prstGeom>
+            <a:ln w="50800" cap="sq">
+              <a:solidFill>
+                <a:schemeClr val="tx1">
+                  <a:lumMod val="75000"/>
+                  <a:lumOff val="25000"/>
+                </a:schemeClr>
+              </a:solidFill>
+            </a:ln>
+          </p:spPr>
+          <p:style>
+            <a:lnRef idx="1">
+              <a:schemeClr val="accent1"/>
+            </a:lnRef>
+            <a:fillRef idx="0">
+              <a:schemeClr val="accent1"/>
+            </a:fillRef>
+            <a:effectRef idx="0">
+              <a:schemeClr val="accent1"/>
+            </a:effectRef>
+            <a:fontRef idx="minor">
+              <a:schemeClr val="tx1"/>
+            </a:fontRef>
+          </p:style>
+        </p:cxnSp>
+        <p:cxnSp>
+          <p:nvCxnSpPr>
+            <p:cNvPr id="56" name="Straight Connector 55">
+              <a:extLst>
+                <a:ext uri="{FF2B5EF4-FFF2-40B4-BE49-F238E27FC236}">
+                  <a16:creationId xmlns:a16="http://schemas.microsoft.com/office/drawing/2014/main" id="{89080977-92A9-4DCE-A298-46FEB160E5C4}"/>
+                </a:ext>
+              </a:extLst>
+            </p:cNvPr>
+            <p:cNvCxnSpPr>
+              <a:cxnSpLocks/>
+            </p:cNvCxnSpPr>
+            <p:nvPr/>
+          </p:nvCxnSpPr>
+          <p:spPr>
+            <a:xfrm>
+              <a:off x="7374105" y="4372605"/>
+              <a:ext cx="0" cy="2295330"/>
+            </a:xfrm>
+            <a:prstGeom prst="line">
+              <a:avLst/>
+            </a:prstGeom>
+            <a:ln w="50800" cap="sq">
+              <a:solidFill>
+                <a:schemeClr val="tx1">
+                  <a:lumMod val="75000"/>
+                  <a:lumOff val="25000"/>
+                </a:schemeClr>
+              </a:solidFill>
+            </a:ln>
+          </p:spPr>
+          <p:style>
+            <a:lnRef idx="1">
+              <a:schemeClr val="accent1"/>
+            </a:lnRef>
+            <a:fillRef idx="0">
+              <a:schemeClr val="accent1"/>
+            </a:fillRef>
+            <a:effectRef idx="0">
+              <a:schemeClr val="accent1"/>
+            </a:effectRef>
+            <a:fontRef idx="minor">
+              <a:schemeClr val="tx1"/>
+            </a:fontRef>
+          </p:style>
+        </p:cxnSp>
+        <p:sp>
+          <p:nvSpPr>
+            <p:cNvPr id="59" name="Oval 58">
+              <a:extLst>
+                <a:ext uri="{FF2B5EF4-FFF2-40B4-BE49-F238E27FC236}">
+                  <a16:creationId xmlns:a16="http://schemas.microsoft.com/office/drawing/2014/main" id="{CBD32EF1-4918-4FD8-A8C1-71C3933CFA04}"/>
+                </a:ext>
+              </a:extLst>
+            </p:cNvPr>
+            <p:cNvSpPr/>
+            <p:nvPr/>
+          </p:nvSpPr>
+          <p:spPr>
+            <a:xfrm>
+              <a:off x="7757773" y="4744700"/>
+              <a:ext cx="765110" cy="765110"/>
+            </a:xfrm>
+            <a:prstGeom prst="ellipse">
+              <a:avLst/>
+            </a:prstGeom>
+            <a:solidFill>
+              <a:schemeClr val="bg1">
+                <a:lumMod val="95000"/>
+              </a:schemeClr>
+            </a:solidFill>
+            <a:ln w="50800">
+              <a:solidFill>
+                <a:schemeClr val="tx1">
+                  <a:lumMod val="75000"/>
+                  <a:lumOff val="25000"/>
+                </a:schemeClr>
+              </a:solidFill>
+            </a:ln>
+          </p:spPr>
+          <p:style>
+            <a:lnRef idx="2">
+              <a:schemeClr val="dk1">
+                <a:shade val="50000"/>
+              </a:schemeClr>
+            </a:lnRef>
+            <a:fillRef idx="1">
+              <a:schemeClr val="dk1"/>
+            </a:fillRef>
+            <a:effectRef idx="0">
+              <a:schemeClr val="dk1"/>
+            </a:effectRef>
+            <a:fontRef idx="minor">
+              <a:schemeClr val="lt1"/>
+            </a:fontRef>
+          </p:style>
+          <p:txBody>
+            <a:bodyPr rtlCol="0" anchor="ctr"/>
+            <a:lstStyle/>
+            <a:p>
+              <a:pPr algn="ctr"/>
+              <a:endParaRPr lang="en-US"/>
+            </a:p>
+          </p:txBody>
+        </p:sp>
+        <p:sp>
+          <p:nvSpPr>
+            <p:cNvPr id="60" name="Oval 59">
+              <a:extLst>
+                <a:ext uri="{FF2B5EF4-FFF2-40B4-BE49-F238E27FC236}">
+                  <a16:creationId xmlns:a16="http://schemas.microsoft.com/office/drawing/2014/main" id="{0812E97D-8ADD-43CA-9D8C-E95E180B4F84}"/>
+                </a:ext>
+              </a:extLst>
+            </p:cNvPr>
+            <p:cNvSpPr/>
+            <p:nvPr/>
+          </p:nvSpPr>
+          <p:spPr>
+            <a:xfrm>
+              <a:off x="7783172" y="3969846"/>
+              <a:ext cx="765110" cy="765110"/>
+            </a:xfrm>
+            <a:prstGeom prst="ellipse">
+              <a:avLst/>
+            </a:prstGeom>
             <a:solidFill>
               <a:schemeClr val="tx1">
                 <a:lumMod val="75000"/>
                 <a:lumOff val="25000"/>
               </a:schemeClr>
             </a:solidFill>
-          </a:ln>
-        </p:spPr>
-        <p:style>
-          <a:lnRef idx="1">
-            <a:schemeClr val="accent1"/>
-          </a:lnRef>
-          <a:fillRef idx="0">
-            <a:schemeClr val="accent1"/>
-          </a:fillRef>
-          <a:effectRef idx="0">
-            <a:schemeClr val="accent1"/>
-          </a:effectRef>
-          <a:fontRef idx="minor">
-            <a:schemeClr val="tx1"/>
-          </a:fontRef>
-        </p:style>
-      </p:cxnSp>
-      <p:sp>
-        <p:nvSpPr>
-          <p:cNvPr id="26" name="Oval 25">
-            <a:extLst>
-              <a:ext uri="{FF2B5EF4-FFF2-40B4-BE49-F238E27FC236}">
-                <a16:creationId xmlns:a16="http://schemas.microsoft.com/office/drawing/2014/main" id="{8B330145-A8F5-4A1F-BC04-AA9501D51505}"/>
-              </a:ext>
-            </a:extLst>
-          </p:cNvPr>
-          <p:cNvSpPr/>
-          <p:nvPr/>
-        </p:nvSpPr>
-        <p:spPr>
-          <a:xfrm>
-            <a:off x="10099410" y="3980306"/>
-            <a:ext cx="765110" cy="765110"/>
-          </a:xfrm>
-          <a:prstGeom prst="ellipse">
-            <a:avLst/>
-          </a:prstGeom>
-          <a:solidFill>
-            <a:schemeClr val="tx1">
-              <a:lumMod val="75000"/>
-              <a:lumOff val="25000"/>
-            </a:schemeClr>
-          </a:solidFill>
-          <a:ln>
+            <a:ln>
+              <a:solidFill>
+                <a:schemeClr val="tx1">
+                  <a:lumMod val="75000"/>
+                  <a:lumOff val="25000"/>
+                </a:schemeClr>
+              </a:solidFill>
+            </a:ln>
+          </p:spPr>
+          <p:style>
+            <a:lnRef idx="2">
+              <a:schemeClr val="dk1">
+                <a:shade val="50000"/>
+              </a:schemeClr>
+            </a:lnRef>
+            <a:fillRef idx="1">
+              <a:schemeClr val="dk1"/>
+            </a:fillRef>
+            <a:effectRef idx="0">
+              <a:schemeClr val="dk1"/>
+            </a:effectRef>
+            <a:fontRef idx="minor">
+              <a:schemeClr val="lt1"/>
+            </a:fontRef>
+          </p:style>
+          <p:txBody>
+            <a:bodyPr rtlCol="0" anchor="ctr"/>
+            <a:lstStyle/>
+            <a:p>
+              <a:pPr algn="ctr"/>
+              <a:endParaRPr lang="en-US"/>
+            </a:p>
+          </p:txBody>
+        </p:sp>
+        <p:sp>
+          <p:nvSpPr>
+            <p:cNvPr id="61" name="Oval 60">
+              <a:extLst>
+                <a:ext uri="{FF2B5EF4-FFF2-40B4-BE49-F238E27FC236}">
+                  <a16:creationId xmlns:a16="http://schemas.microsoft.com/office/drawing/2014/main" id="{EACAF9F4-B012-4A1C-8EF4-CAC55B09315E}"/>
+                </a:ext>
+              </a:extLst>
+            </p:cNvPr>
+            <p:cNvSpPr/>
+            <p:nvPr/>
+          </p:nvSpPr>
+          <p:spPr>
+            <a:xfrm>
+              <a:off x="6991550" y="4758556"/>
+              <a:ext cx="765110" cy="765110"/>
+            </a:xfrm>
+            <a:prstGeom prst="ellipse">
+              <a:avLst/>
+            </a:prstGeom>
             <a:solidFill>
               <a:schemeClr val="tx1">
                 <a:lumMod val="75000"/>
                 <a:lumOff val="25000"/>
               </a:schemeClr>
             </a:solidFill>
-          </a:ln>
-        </p:spPr>
-        <p:style>
-          <a:lnRef idx="2">
-            <a:schemeClr val="dk1">
-              <a:shade val="50000"/>
-            </a:schemeClr>
-          </a:lnRef>
-          <a:fillRef idx="1">
-            <a:schemeClr val="dk1"/>
-          </a:fillRef>
-          <a:effectRef idx="0">
-            <a:schemeClr val="dk1"/>
-          </a:effectRef>
-          <a:fontRef idx="minor">
-            <a:schemeClr val="lt1"/>
-          </a:fontRef>
-        </p:style>
-        <p:txBody>
-          <a:bodyPr rtlCol="0" anchor="ctr"/>
-          <a:lstStyle/>
-          <a:p>
-            <a:pPr algn="ctr"/>
-            <a:endParaRPr lang="en-US"/>
-          </a:p>
-        </p:txBody>
-      </p:sp>
-      <p:cxnSp>
-        <p:nvCxnSpPr>
-          <p:cNvPr id="27" name="Straight Connector 26">
-            <a:extLst>
-              <a:ext uri="{FF2B5EF4-FFF2-40B4-BE49-F238E27FC236}">
-                <a16:creationId xmlns:a16="http://schemas.microsoft.com/office/drawing/2014/main" id="{703C2485-2EFC-42B3-8B80-B12EDB7A88C3}"/>
-              </a:ext>
-            </a:extLst>
-          </p:cNvPr>
-          <p:cNvCxnSpPr>
-            <a:cxnSpLocks/>
-          </p:cNvCxnSpPr>
-          <p:nvPr/>
-        </p:nvCxnSpPr>
-        <p:spPr>
-          <a:xfrm>
-            <a:off x="11241471" y="1688228"/>
-            <a:ext cx="0" cy="4965795"/>
-          </a:xfrm>
-          <a:prstGeom prst="line">
-            <a:avLst/>
-          </a:prstGeom>
-          <a:ln w="50800" cap="sq">
+            <a:ln>
+              <a:solidFill>
+                <a:schemeClr val="tx1">
+                  <a:lumMod val="75000"/>
+                  <a:lumOff val="25000"/>
+                </a:schemeClr>
+              </a:solidFill>
+            </a:ln>
+          </p:spPr>
+          <p:style>
+            <a:lnRef idx="2">
+              <a:schemeClr val="dk1">
+                <a:shade val="50000"/>
+              </a:schemeClr>
+            </a:lnRef>
+            <a:fillRef idx="1">
+              <a:schemeClr val="dk1"/>
+            </a:fillRef>
+            <a:effectRef idx="0">
+              <a:schemeClr val="dk1"/>
+            </a:effectRef>
+            <a:fontRef idx="minor">
+              <a:schemeClr val="lt1"/>
+            </a:fontRef>
+          </p:style>
+          <p:txBody>
+            <a:bodyPr rtlCol="0" anchor="ctr"/>
+            <a:lstStyle/>
+            <a:p>
+              <a:pPr algn="ctr"/>
+              <a:endParaRPr lang="en-US"/>
+            </a:p>
+          </p:txBody>
+        </p:sp>
+        <p:sp>
+          <p:nvSpPr>
+            <p:cNvPr id="62" name="Oval 61">
+              <a:extLst>
+                <a:ext uri="{FF2B5EF4-FFF2-40B4-BE49-F238E27FC236}">
+                  <a16:creationId xmlns:a16="http://schemas.microsoft.com/office/drawing/2014/main" id="{A8BD6554-3431-4481-8944-6483E7C78FB7}"/>
+                </a:ext>
+              </a:extLst>
+            </p:cNvPr>
+            <p:cNvSpPr/>
+            <p:nvPr/>
+          </p:nvSpPr>
+          <p:spPr>
+            <a:xfrm>
+              <a:off x="6232044" y="4758556"/>
+              <a:ext cx="765110" cy="765110"/>
+            </a:xfrm>
+            <a:prstGeom prst="ellipse">
+              <a:avLst/>
+            </a:prstGeom>
             <a:solidFill>
               <a:schemeClr val="tx1">
                 <a:lumMod val="75000"/>
                 <a:lumOff val="25000"/>
               </a:schemeClr>
             </a:solidFill>
-          </a:ln>
-        </p:spPr>
-        <p:style>
-          <a:lnRef idx="1">
-            <a:schemeClr val="accent1"/>
-          </a:lnRef>
-          <a:fillRef idx="0">
-            <a:schemeClr val="accent1"/>
-          </a:fillRef>
-          <a:effectRef idx="0">
-            <a:schemeClr val="accent1"/>
-          </a:effectRef>
-          <a:fontRef idx="minor">
-            <a:schemeClr val="tx1"/>
-          </a:fontRef>
-        </p:style>
-      </p:cxnSp>
-      <p:cxnSp>
-        <p:nvCxnSpPr>
-          <p:cNvPr id="28" name="Straight Connector 27">
-            <a:extLst>
-              <a:ext uri="{FF2B5EF4-FFF2-40B4-BE49-F238E27FC236}">
-                <a16:creationId xmlns:a16="http://schemas.microsoft.com/office/drawing/2014/main" id="{F2DB22D4-040D-4989-8075-D19370C099CB}"/>
-              </a:ext>
-            </a:extLst>
-          </p:cNvPr>
-          <p:cNvCxnSpPr>
-            <a:cxnSpLocks/>
-          </p:cNvCxnSpPr>
-          <p:nvPr/>
-        </p:nvCxnSpPr>
-        <p:spPr>
-          <a:xfrm>
-            <a:off x="10461055" y="2200241"/>
-            <a:ext cx="0" cy="4467694"/>
-          </a:xfrm>
-          <a:prstGeom prst="line">
-            <a:avLst/>
-          </a:prstGeom>
-          <a:ln w="50800" cap="sq">
+            <a:ln>
+              <a:solidFill>
+                <a:schemeClr val="tx1">
+                  <a:lumMod val="75000"/>
+                  <a:lumOff val="25000"/>
+                </a:schemeClr>
+              </a:solidFill>
+            </a:ln>
+          </p:spPr>
+          <p:style>
+            <a:lnRef idx="2">
+              <a:schemeClr val="dk1">
+                <a:shade val="50000"/>
+              </a:schemeClr>
+            </a:lnRef>
+            <a:fillRef idx="1">
+              <a:schemeClr val="dk1"/>
+            </a:fillRef>
+            <a:effectRef idx="0">
+              <a:schemeClr val="dk1"/>
+            </a:effectRef>
+            <a:fontRef idx="minor">
+              <a:schemeClr val="lt1"/>
+            </a:fontRef>
+          </p:style>
+          <p:txBody>
+            <a:bodyPr rtlCol="0" anchor="ctr"/>
+            <a:lstStyle/>
+            <a:p>
+              <a:pPr algn="ctr"/>
+              <a:endParaRPr lang="en-US"/>
+            </a:p>
+          </p:txBody>
+        </p:sp>
+        <p:sp>
+          <p:nvSpPr>
+            <p:cNvPr id="63" name="Oval 62">
+              <a:extLst>
+                <a:ext uri="{FF2B5EF4-FFF2-40B4-BE49-F238E27FC236}">
+                  <a16:creationId xmlns:a16="http://schemas.microsoft.com/office/drawing/2014/main" id="{0D73A07F-8397-45A6-A895-7A0A21249499}"/>
+                </a:ext>
+              </a:extLst>
+            </p:cNvPr>
+            <p:cNvSpPr/>
+            <p:nvPr/>
+          </p:nvSpPr>
+          <p:spPr>
+            <a:xfrm>
+              <a:off x="4669711" y="5515794"/>
+              <a:ext cx="765110" cy="765110"/>
+            </a:xfrm>
+            <a:prstGeom prst="ellipse">
+              <a:avLst/>
+            </a:prstGeom>
             <a:solidFill>
               <a:schemeClr val="tx1">
                 <a:lumMod val="75000"/>
                 <a:lumOff val="25000"/>
               </a:schemeClr>
             </a:solidFill>
-          </a:ln>
-        </p:spPr>
-        <p:style>
-          <a:lnRef idx="1">
-            <a:schemeClr val="accent1"/>
-          </a:lnRef>
-          <a:fillRef idx="0">
-            <a:schemeClr val="accent1"/>
-          </a:fillRef>
-          <a:effectRef idx="0">
-            <a:schemeClr val="accent1"/>
-          </a:effectRef>
-          <a:fontRef idx="minor">
-            <a:schemeClr val="tx1"/>
-          </a:fontRef>
-        </p:style>
-      </p:cxnSp>
-      <p:sp>
-        <p:nvSpPr>
-          <p:cNvPr id="29" name="Oval 28">
-            <a:extLst>
-              <a:ext uri="{FF2B5EF4-FFF2-40B4-BE49-F238E27FC236}">
-                <a16:creationId xmlns:a16="http://schemas.microsoft.com/office/drawing/2014/main" id="{3BC5FE9E-A1BB-47CA-9606-5D7EE6175630}"/>
-              </a:ext>
-            </a:extLst>
-          </p:cNvPr>
-          <p:cNvSpPr/>
-          <p:nvPr/>
-        </p:nvSpPr>
-        <p:spPr>
-          <a:xfrm>
-            <a:off x="8522611" y="1584386"/>
-            <a:ext cx="765110" cy="765110"/>
-          </a:xfrm>
-          <a:prstGeom prst="ellipse">
-            <a:avLst/>
-          </a:prstGeom>
-          <a:solidFill>
-            <a:schemeClr val="bg1">
-              <a:lumMod val="95000"/>
-            </a:schemeClr>
-          </a:solidFill>
-          <a:ln w="50800">
+            <a:ln>
+              <a:solidFill>
+                <a:schemeClr val="tx1">
+                  <a:lumMod val="75000"/>
+                  <a:lumOff val="25000"/>
+                </a:schemeClr>
+              </a:solidFill>
+            </a:ln>
+          </p:spPr>
+          <p:style>
+            <a:lnRef idx="2">
+              <a:schemeClr val="dk1">
+                <a:shade val="50000"/>
+              </a:schemeClr>
+            </a:lnRef>
+            <a:fillRef idx="1">
+              <a:schemeClr val="dk1"/>
+            </a:fillRef>
+            <a:effectRef idx="0">
+              <a:schemeClr val="dk1"/>
+            </a:effectRef>
+            <a:fontRef idx="minor">
+              <a:schemeClr val="lt1"/>
+            </a:fontRef>
+          </p:style>
+          <p:txBody>
+            <a:bodyPr rtlCol="0" anchor="ctr"/>
+            <a:lstStyle/>
+            <a:p>
+              <a:pPr algn="ctr"/>
+              <a:endParaRPr lang="en-US"/>
+            </a:p>
+          </p:txBody>
+        </p:sp>
+        <p:sp>
+          <p:nvSpPr>
+            <p:cNvPr id="64" name="Oval 63">
+              <a:extLst>
+                <a:ext uri="{FF2B5EF4-FFF2-40B4-BE49-F238E27FC236}">
+                  <a16:creationId xmlns:a16="http://schemas.microsoft.com/office/drawing/2014/main" id="{E8490A0C-29C1-480E-A8E5-90CA0C11D58F}"/>
+                </a:ext>
+              </a:extLst>
+            </p:cNvPr>
+            <p:cNvSpPr/>
+            <p:nvPr/>
+          </p:nvSpPr>
+          <p:spPr>
+            <a:xfrm>
+              <a:off x="2347870" y="5509810"/>
+              <a:ext cx="765110" cy="765110"/>
+            </a:xfrm>
+            <a:prstGeom prst="ellipse">
+              <a:avLst/>
+            </a:prstGeom>
             <a:solidFill>
               <a:schemeClr val="tx1">
                 <a:lumMod val="75000"/>
                 <a:lumOff val="25000"/>
               </a:schemeClr>
             </a:solidFill>
-          </a:ln>
+            <a:ln>
+              <a:solidFill>
+                <a:schemeClr val="tx1">
+                  <a:lumMod val="75000"/>
+                  <a:lumOff val="25000"/>
+                </a:schemeClr>
+              </a:solidFill>
+            </a:ln>
+          </p:spPr>
+          <p:style>
+            <a:lnRef idx="2">
+              <a:schemeClr val="dk1">
+                <a:shade val="50000"/>
+              </a:schemeClr>
+            </a:lnRef>
+            <a:fillRef idx="1">
+              <a:schemeClr val="dk1"/>
+            </a:fillRef>
+            <a:effectRef idx="0">
+              <a:schemeClr val="dk1"/>
+            </a:effectRef>
+            <a:fontRef idx="minor">
+              <a:schemeClr val="lt1"/>
+            </a:fontRef>
+          </p:style>
+          <p:txBody>
+            <a:bodyPr rtlCol="0" anchor="ctr"/>
+            <a:lstStyle/>
+            <a:p>
+              <a:pPr algn="ctr"/>
+              <a:endParaRPr lang="en-US"/>
+            </a:p>
+          </p:txBody>
+        </p:sp>
+      </p:grpSp>
+      <p:sp>
+        <p:nvSpPr>
+          <p:cNvPr id="66" name="Subtitle 2">
+            <a:extLst>
+              <a:ext uri="{FF2B5EF4-FFF2-40B4-BE49-F238E27FC236}">
+                <a16:creationId xmlns:a16="http://schemas.microsoft.com/office/drawing/2014/main" id="{38BF2FA1-6EAE-4D8C-8826-A5A480F63BB1}"/>
+              </a:ext>
+            </a:extLst>
+          </p:cNvPr>
+          <p:cNvSpPr>
+            <a:spLocks noGrp="1"/>
+          </p:cNvSpPr>
+          <p:nvPr>
+            <p:ph type="subTitle" idx="1"/>
+          </p:nvPr>
+        </p:nvSpPr>
+        <p:spPr>
+          <a:xfrm>
+            <a:off x="6926319" y="1861620"/>
+            <a:ext cx="4030704" cy="1219374"/>
+          </a:xfrm>
         </p:spPr>
-        <p:style>
-          <a:lnRef idx="2">
-            <a:schemeClr val="dk1">
-              <a:shade val="50000"/>
-            </a:schemeClr>
-          </a:lnRef>
-          <a:fillRef idx="1">
-            <a:schemeClr val="dk1"/>
-          </a:fillRef>
-          <a:effectRef idx="0">
-            <a:schemeClr val="dk1"/>
-          </a:effectRef>
-          <a:fontRef idx="minor">
-            <a:schemeClr val="lt1"/>
-          </a:fontRef>
-        </p:style>
         <p:txBody>
-          <a:bodyPr rtlCol="0" anchor="ctr"/>
+          <a:bodyPr>
+            <a:normAutofit/>
+          </a:bodyPr>
           <a:lstStyle/>
           <a:p>
             <a:pPr algn="ctr"/>
-            <a:endParaRPr lang="en-US"/>
-          </a:p>
-        </p:txBody>
-      </p:sp>
-      <p:cxnSp>
-        <p:nvCxnSpPr>
-          <p:cNvPr id="30" name="Straight Connector 29">
-            <a:extLst>
-              <a:ext uri="{FF2B5EF4-FFF2-40B4-BE49-F238E27FC236}">
-                <a16:creationId xmlns:a16="http://schemas.microsoft.com/office/drawing/2014/main" id="{5C692B74-C33A-4226-8C3E-0EEDC6441D85}"/>
-              </a:ext>
-            </a:extLst>
-          </p:cNvPr>
-          <p:cNvCxnSpPr>
-            <a:cxnSpLocks/>
-          </p:cNvCxnSpPr>
-          <p:nvPr/>
-        </p:nvCxnSpPr>
-        <p:spPr>
-          <a:xfrm>
-            <a:off x="9695945" y="2729561"/>
-            <a:ext cx="0" cy="3938374"/>
-          </a:xfrm>
-          <a:prstGeom prst="line">
-            <a:avLst/>
-          </a:prstGeom>
-          <a:ln w="50800" cap="sq">
-            <a:solidFill>
-              <a:schemeClr val="tx1">
-                <a:lumMod val="75000"/>
-                <a:lumOff val="25000"/>
-              </a:schemeClr>
-            </a:solidFill>
-          </a:ln>
-        </p:spPr>
-        <p:style>
-          <a:lnRef idx="1">
-            <a:schemeClr val="accent1"/>
-          </a:lnRef>
-          <a:fillRef idx="0">
-            <a:schemeClr val="accent1"/>
-          </a:fillRef>
-          <a:effectRef idx="0">
-            <a:schemeClr val="accent1"/>
-          </a:effectRef>
-          <a:fontRef idx="minor">
-            <a:schemeClr val="tx1"/>
-          </a:fontRef>
-        </p:style>
-      </p:cxnSp>
-      <p:cxnSp>
-        <p:nvCxnSpPr>
-          <p:cNvPr id="31" name="Straight Connector 30">
-            <a:extLst>
-              <a:ext uri="{FF2B5EF4-FFF2-40B4-BE49-F238E27FC236}">
-                <a16:creationId xmlns:a16="http://schemas.microsoft.com/office/drawing/2014/main" id="{98537EC5-0F8E-4FDB-AC5B-BAEE3BB45B71}"/>
-              </a:ext>
-            </a:extLst>
-          </p:cNvPr>
-          <p:cNvCxnSpPr>
-            <a:cxnSpLocks/>
-          </p:cNvCxnSpPr>
-          <p:nvPr/>
-        </p:nvCxnSpPr>
-        <p:spPr>
-          <a:xfrm>
-            <a:off x="6467707" y="4372605"/>
-            <a:ext cx="5550080" cy="0"/>
-          </a:xfrm>
-          <a:prstGeom prst="line">
-            <a:avLst/>
-          </a:prstGeom>
-          <a:ln w="50800" cap="sq">
-            <a:solidFill>
-              <a:schemeClr val="tx1">
-                <a:lumMod val="75000"/>
-                <a:lumOff val="25000"/>
-              </a:schemeClr>
-            </a:solidFill>
-          </a:ln>
-        </p:spPr>
-        <p:style>
-          <a:lnRef idx="1">
-            <a:schemeClr val="accent1"/>
-          </a:lnRef>
-          <a:fillRef idx="0">
-            <a:schemeClr val="accent1"/>
-          </a:fillRef>
-          <a:effectRef idx="0">
-            <a:schemeClr val="accent1"/>
-          </a:effectRef>
-          <a:fontRef idx="minor">
-            <a:schemeClr val="tx1"/>
-          </a:fontRef>
-        </p:style>
-      </p:cxnSp>
-      <p:sp>
-        <p:nvSpPr>
-          <p:cNvPr id="35" name="Oval 34">
-            <a:extLst>
-              <a:ext uri="{FF2B5EF4-FFF2-40B4-BE49-F238E27FC236}">
-                <a16:creationId xmlns:a16="http://schemas.microsoft.com/office/drawing/2014/main" id="{C34F9200-98F8-4357-99F0-374DC7635E36}"/>
-              </a:ext>
-            </a:extLst>
-          </p:cNvPr>
-          <p:cNvSpPr/>
-          <p:nvPr/>
-        </p:nvSpPr>
-        <p:spPr>
-          <a:xfrm>
-            <a:off x="10864520" y="4755160"/>
-            <a:ext cx="765110" cy="765110"/>
-          </a:xfrm>
-          <a:prstGeom prst="ellipse">
-            <a:avLst/>
-          </a:prstGeom>
-          <a:solidFill>
-            <a:schemeClr val="bg1">
-              <a:lumMod val="95000"/>
-            </a:schemeClr>
-          </a:solidFill>
-          <a:ln w="50800">
-            <a:solidFill>
-              <a:schemeClr val="tx1">
-                <a:lumMod val="75000"/>
-                <a:lumOff val="25000"/>
-              </a:schemeClr>
-            </a:solidFill>
-          </a:ln>
-        </p:spPr>
-        <p:style>
-          <a:lnRef idx="2">
-            <a:schemeClr val="dk1">
-              <a:shade val="50000"/>
-            </a:schemeClr>
-          </a:lnRef>
-          <a:fillRef idx="1">
-            <a:schemeClr val="dk1"/>
-          </a:fillRef>
-          <a:effectRef idx="0">
-            <a:schemeClr val="dk1"/>
-          </a:effectRef>
-          <a:fontRef idx="minor">
-            <a:schemeClr val="lt1"/>
-          </a:fontRef>
-        </p:style>
-        <p:txBody>
-          <a:bodyPr rtlCol="0" anchor="ctr"/>
-          <a:lstStyle/>
-          <a:p>
-            <a:pPr algn="ctr"/>
-            <a:endParaRPr lang="en-US"/>
+            <a:r>
+              <a:rPr lang="en-US" sz="2000" dirty="0">
+                <a:latin typeface="OCRB" panose="020B0609020202020204" pitchFamily="49" charset="0"/>
+              </a:rPr>
+              <a:t>Played by a neural net</a:t>
+            </a:r>
           </a:p>
         </p:txBody>
       </p:sp>
       <p:sp>
         <p:nvSpPr>
-          <p:cNvPr id="36" name="Oval 35">
+          <p:cNvPr id="67" name="Subtitle 2">
             <a:extLst>
               <a:ext uri="{FF2B5EF4-FFF2-40B4-BE49-F238E27FC236}">
-                <a16:creationId xmlns:a16="http://schemas.microsoft.com/office/drawing/2014/main" id="{B90A642A-01BB-4E38-8C2C-EB7F2DE7D0E3}"/>
+                <a16:creationId xmlns:a16="http://schemas.microsoft.com/office/drawing/2014/main" id="{895C2229-1C78-4578-91CC-99F059B2CEC6}"/>
               </a:ext>
             </a:extLst>
           </p:cNvPr>
-          <p:cNvSpPr/>
+          <p:cNvSpPr txBox="1">
+            <a:spLocks/>
+          </p:cNvSpPr>
           <p:nvPr/>
         </p:nvSpPr>
         <p:spPr>
           <a:xfrm>
-            <a:off x="10099410" y="4755160"/>
-            <a:ext cx="765110" cy="765110"/>
+            <a:off x="7625759" y="1439214"/>
+            <a:ext cx="4030703" cy="1157875"/>
           </a:xfrm>
-          <a:prstGeom prst="ellipse">
+          <a:prstGeom prst="rect">
             <a:avLst/>
           </a:prstGeom>
-          <a:solidFill>
-            <a:schemeClr val="bg1">
-              <a:lumMod val="95000"/>
-            </a:schemeClr>
-          </a:solidFill>
-          <a:ln w="50800">
-            <a:solidFill>
-              <a:schemeClr val="tx1">
-                <a:lumMod val="75000"/>
-                <a:lumOff val="25000"/>
-              </a:schemeClr>
-            </a:solidFill>
-          </a:ln>
         </p:spPr>
-        <p:style>
-          <a:lnRef idx="2">
-            <a:schemeClr val="dk1">
-              <a:shade val="50000"/>
-            </a:schemeClr>
-          </a:lnRef>
-          <a:fillRef idx="1">
-            <a:schemeClr val="dk1"/>
-          </a:fillRef>
-          <a:effectRef idx="0">
-            <a:schemeClr val="dk1"/>
-          </a:effectRef>
-          <a:fontRef idx="minor">
-            <a:schemeClr val="lt1"/>
-          </a:fontRef>
-        </p:style>
         <p:txBody>
-          <a:bodyPr rtlCol="0" anchor="ctr"/>
-          <a:lstStyle/>
+          <a:bodyPr vert="horz" lIns="91440" tIns="45720" rIns="91440" bIns="45720" rtlCol="0" anchor="t">
+            <a:normAutofit/>
+          </a:bodyPr>
+          <a:lstStyle>
+            <a:lvl1pPr marL="0" indent="0" algn="l" defTabSz="457200" rtl="0" eaLnBrk="1" latinLnBrk="0" hangingPunct="1">
+              <a:lnSpc>
+                <a:spcPct val="110000"/>
+              </a:lnSpc>
+              <a:spcBef>
+                <a:spcPct val="20000"/>
+              </a:spcBef>
+              <a:spcAft>
+                <a:spcPts val="600"/>
+              </a:spcAft>
+              <a:buClr>
+                <a:schemeClr val="accent1"/>
+              </a:buClr>
+              <a:buSzPct val="92000"/>
+              <a:buFont typeface="Wingdings 2" panose="05020102010507070707" pitchFamily="18" charset="2"/>
+              <a:buNone/>
+              <a:defRPr sz="1600" kern="1200" cap="all">
+                <a:solidFill>
+                  <a:schemeClr val="accent1"/>
+                </a:solidFill>
+                <a:latin typeface="+mn-lt"/>
+                <a:ea typeface="+mn-ea"/>
+                <a:cs typeface="+mn-cs"/>
+              </a:defRPr>
+            </a:lvl1pPr>
+            <a:lvl2pPr marL="457200" indent="0" algn="ctr" defTabSz="457200" rtl="0" eaLnBrk="1" latinLnBrk="0" hangingPunct="1">
+              <a:spcBef>
+                <a:spcPct val="20000"/>
+              </a:spcBef>
+              <a:spcAft>
+                <a:spcPts val="600"/>
+              </a:spcAft>
+              <a:buClr>
+                <a:schemeClr val="accent1"/>
+              </a:buClr>
+              <a:buSzPct val="92000"/>
+              <a:buFont typeface="Wingdings 2" panose="05020102010507070707" pitchFamily="18" charset="2"/>
+              <a:buNone/>
+              <a:defRPr sz="1400" kern="1200">
+                <a:solidFill>
+                  <a:schemeClr val="tx1">
+                    <a:tint val="75000"/>
+                  </a:schemeClr>
+                </a:solidFill>
+                <a:latin typeface="+mn-lt"/>
+                <a:ea typeface="+mn-ea"/>
+                <a:cs typeface="+mn-cs"/>
+              </a:defRPr>
+            </a:lvl2pPr>
+            <a:lvl3pPr marL="914400" indent="0" algn="ctr" defTabSz="457200" rtl="0" eaLnBrk="1" latinLnBrk="0" hangingPunct="1">
+              <a:spcBef>
+                <a:spcPct val="20000"/>
+              </a:spcBef>
+              <a:spcAft>
+                <a:spcPts val="600"/>
+              </a:spcAft>
+              <a:buClr>
+                <a:schemeClr val="accent1"/>
+              </a:buClr>
+              <a:buSzPct val="92000"/>
+              <a:buFont typeface="Wingdings 2" panose="05020102010507070707" pitchFamily="18" charset="2"/>
+              <a:buNone/>
+              <a:defRPr sz="1300" kern="1200">
+                <a:solidFill>
+                  <a:schemeClr val="tx1">
+                    <a:tint val="75000"/>
+                  </a:schemeClr>
+                </a:solidFill>
+                <a:latin typeface="+mn-lt"/>
+                <a:ea typeface="+mn-ea"/>
+                <a:cs typeface="+mn-cs"/>
+              </a:defRPr>
+            </a:lvl3pPr>
+            <a:lvl4pPr marL="1371600" indent="0" algn="ctr" defTabSz="457200" rtl="0" eaLnBrk="1" latinLnBrk="0" hangingPunct="1">
+              <a:spcBef>
+                <a:spcPct val="20000"/>
+              </a:spcBef>
+              <a:spcAft>
+                <a:spcPts val="600"/>
+              </a:spcAft>
+              <a:buClr>
+                <a:schemeClr val="accent1"/>
+              </a:buClr>
+              <a:buSzPct val="92000"/>
+              <a:buFont typeface="Wingdings 2" panose="05020102010507070707" pitchFamily="18" charset="2"/>
+              <a:buNone/>
+              <a:defRPr sz="1100" kern="1200">
+                <a:solidFill>
+                  <a:schemeClr val="tx1">
+                    <a:tint val="75000"/>
+                  </a:schemeClr>
+                </a:solidFill>
+                <a:latin typeface="+mn-lt"/>
+                <a:ea typeface="+mn-ea"/>
+                <a:cs typeface="+mn-cs"/>
+              </a:defRPr>
+            </a:lvl4pPr>
+            <a:lvl5pPr marL="1828800" indent="0" algn="ctr" defTabSz="457200" rtl="0" eaLnBrk="1" latinLnBrk="0" hangingPunct="1">
+              <a:spcBef>
+                <a:spcPct val="20000"/>
+              </a:spcBef>
+              <a:spcAft>
+                <a:spcPts val="600"/>
+              </a:spcAft>
+              <a:buClr>
+                <a:schemeClr val="accent1"/>
+              </a:buClr>
+              <a:buSzPct val="92000"/>
+              <a:buFont typeface="Wingdings 2" panose="05020102010507070707" pitchFamily="18" charset="2"/>
+              <a:buNone/>
+              <a:defRPr sz="1100" kern="1200">
+                <a:solidFill>
+                  <a:schemeClr val="tx1">
+                    <a:tint val="75000"/>
+                  </a:schemeClr>
+                </a:solidFill>
+                <a:latin typeface="+mn-lt"/>
+                <a:ea typeface="+mn-ea"/>
+                <a:cs typeface="+mn-cs"/>
+              </a:defRPr>
+            </a:lvl5pPr>
+            <a:lvl6pPr marL="2286000" indent="0" algn="ctr" defTabSz="457200" rtl="0" eaLnBrk="1" latinLnBrk="0" hangingPunct="1">
+              <a:spcBef>
+                <a:spcPct val="20000"/>
+              </a:spcBef>
+              <a:spcAft>
+                <a:spcPts val="600"/>
+              </a:spcAft>
+              <a:buClr>
+                <a:schemeClr val="accent2"/>
+              </a:buClr>
+              <a:buSzPct val="92000"/>
+              <a:buFont typeface="Wingdings 2" panose="05020102010507070707" pitchFamily="18" charset="2"/>
+              <a:buNone/>
+              <a:defRPr sz="1200" kern="1200">
+                <a:solidFill>
+                  <a:schemeClr val="tx1">
+                    <a:tint val="75000"/>
+                  </a:schemeClr>
+                </a:solidFill>
+                <a:latin typeface="+mn-lt"/>
+                <a:ea typeface="+mn-ea"/>
+                <a:cs typeface="+mn-cs"/>
+              </a:defRPr>
+            </a:lvl6pPr>
+            <a:lvl7pPr marL="2743200" indent="0" algn="ctr" defTabSz="457200" rtl="0" eaLnBrk="1" latinLnBrk="0" hangingPunct="1">
+              <a:spcBef>
+                <a:spcPct val="20000"/>
+              </a:spcBef>
+              <a:spcAft>
+                <a:spcPts val="600"/>
+              </a:spcAft>
+              <a:buClr>
+                <a:schemeClr val="accent2"/>
+              </a:buClr>
+              <a:buSzPct val="92000"/>
+              <a:buFont typeface="Wingdings 2" panose="05020102010507070707" pitchFamily="18" charset="2"/>
+              <a:buNone/>
+              <a:defRPr sz="1200" kern="1200">
+                <a:solidFill>
+                  <a:schemeClr val="tx1">
+                    <a:tint val="75000"/>
+                  </a:schemeClr>
+                </a:solidFill>
+                <a:latin typeface="+mn-lt"/>
+                <a:ea typeface="+mn-ea"/>
+                <a:cs typeface="+mn-cs"/>
+              </a:defRPr>
+            </a:lvl7pPr>
+            <a:lvl8pPr marL="3200400" indent="0" algn="ctr" defTabSz="457200" rtl="0" eaLnBrk="1" latinLnBrk="0" hangingPunct="1">
+              <a:spcBef>
+                <a:spcPct val="20000"/>
+              </a:spcBef>
+              <a:spcAft>
+                <a:spcPts val="600"/>
+              </a:spcAft>
+              <a:buClr>
+                <a:schemeClr val="accent2"/>
+              </a:buClr>
+              <a:buSzPct val="92000"/>
+              <a:buFont typeface="Wingdings 2" panose="05020102010507070707" pitchFamily="18" charset="2"/>
+              <a:buNone/>
+              <a:defRPr sz="1200" kern="1200">
+                <a:solidFill>
+                  <a:schemeClr val="tx1">
+                    <a:tint val="75000"/>
+                  </a:schemeClr>
+                </a:solidFill>
+                <a:latin typeface="+mn-lt"/>
+                <a:ea typeface="+mn-ea"/>
+                <a:cs typeface="+mn-cs"/>
+              </a:defRPr>
+            </a:lvl8pPr>
+            <a:lvl9pPr marL="3657600" indent="0" algn="ctr" defTabSz="457200" rtl="0" eaLnBrk="1" latinLnBrk="0" hangingPunct="1">
+              <a:spcBef>
+                <a:spcPct val="20000"/>
+              </a:spcBef>
+              <a:spcAft>
+                <a:spcPts val="600"/>
+              </a:spcAft>
+              <a:buClr>
+                <a:schemeClr val="accent2"/>
+              </a:buClr>
+              <a:buSzPct val="92000"/>
+              <a:buFont typeface="Wingdings 2" panose="05020102010507070707" pitchFamily="18" charset="2"/>
+              <a:buNone/>
+              <a:defRPr sz="1200" kern="1200">
+                <a:solidFill>
+                  <a:schemeClr val="tx1">
+                    <a:tint val="75000"/>
+                  </a:schemeClr>
+                </a:solidFill>
+                <a:latin typeface="+mn-lt"/>
+                <a:ea typeface="+mn-ea"/>
+                <a:cs typeface="+mn-cs"/>
+              </a:defRPr>
+            </a:lvl9pPr>
+          </a:lstStyle>
           <a:p>
             <a:pPr algn="ctr"/>
-            <a:endParaRPr lang="en-US"/>
-          </a:p>
-        </p:txBody>
-      </p:sp>
-      <p:sp>
-        <p:nvSpPr>
-          <p:cNvPr id="37" name="Oval 36">
-            <a:extLst>
-              <a:ext uri="{FF2B5EF4-FFF2-40B4-BE49-F238E27FC236}">
-                <a16:creationId xmlns:a16="http://schemas.microsoft.com/office/drawing/2014/main" id="{790AC50C-1CBA-4C9E-93BA-769C3B72A441}"/>
-              </a:ext>
-            </a:extLst>
-          </p:cNvPr>
-          <p:cNvSpPr/>
-          <p:nvPr/>
-        </p:nvSpPr>
-        <p:spPr>
-          <a:xfrm>
-            <a:off x="10068137" y="3199907"/>
-            <a:ext cx="765110" cy="765110"/>
-          </a:xfrm>
-          <a:prstGeom prst="ellipse">
-            <a:avLst/>
-          </a:prstGeom>
-          <a:solidFill>
-            <a:schemeClr val="tx1">
-              <a:lumMod val="75000"/>
-              <a:lumOff val="25000"/>
-            </a:schemeClr>
-          </a:solidFill>
-          <a:ln>
-            <a:solidFill>
-              <a:schemeClr val="tx1">
-                <a:lumMod val="75000"/>
-                <a:lumOff val="25000"/>
-              </a:schemeClr>
-            </a:solidFill>
-          </a:ln>
-        </p:spPr>
-        <p:style>
-          <a:lnRef idx="2">
-            <a:schemeClr val="dk1">
-              <a:shade val="50000"/>
-            </a:schemeClr>
-          </a:lnRef>
-          <a:fillRef idx="1">
-            <a:schemeClr val="dk1"/>
-          </a:fillRef>
-          <a:effectRef idx="0">
-            <a:schemeClr val="dk1"/>
-          </a:effectRef>
-          <a:fontRef idx="minor">
-            <a:schemeClr val="lt1"/>
-          </a:fontRef>
-        </p:style>
-        <p:txBody>
-          <a:bodyPr rtlCol="0" anchor="ctr"/>
-          <a:lstStyle/>
-          <a:p>
-            <a:pPr algn="ctr"/>
-            <a:endParaRPr lang="en-US"/>
-          </a:p>
-        </p:txBody>
-      </p:sp>
-      <p:cxnSp>
-        <p:nvCxnSpPr>
-          <p:cNvPr id="38" name="Straight Connector 37">
-            <a:extLst>
-              <a:ext uri="{FF2B5EF4-FFF2-40B4-BE49-F238E27FC236}">
-                <a16:creationId xmlns:a16="http://schemas.microsoft.com/office/drawing/2014/main" id="{92A70CAB-406C-44A7-88F5-0D1243188A95}"/>
-              </a:ext>
-            </a:extLst>
-          </p:cNvPr>
-          <p:cNvCxnSpPr>
-            <a:cxnSpLocks/>
-          </p:cNvCxnSpPr>
-          <p:nvPr/>
-        </p:nvCxnSpPr>
-        <p:spPr>
-          <a:xfrm>
-            <a:off x="8930836" y="3582462"/>
-            <a:ext cx="3035613" cy="0"/>
-          </a:xfrm>
-          <a:prstGeom prst="line">
-            <a:avLst/>
-          </a:prstGeom>
-          <a:ln w="50800" cap="sq">
-            <a:solidFill>
-              <a:schemeClr val="tx1">
-                <a:lumMod val="75000"/>
-                <a:lumOff val="25000"/>
-              </a:schemeClr>
-            </a:solidFill>
-          </a:ln>
-        </p:spPr>
-        <p:style>
-          <a:lnRef idx="1">
-            <a:schemeClr val="accent1"/>
-          </a:lnRef>
-          <a:fillRef idx="0">
-            <a:schemeClr val="accent1"/>
-          </a:fillRef>
-          <a:effectRef idx="0">
-            <a:schemeClr val="accent1"/>
-          </a:effectRef>
-          <a:fontRef idx="minor">
-            <a:schemeClr val="tx1"/>
-          </a:fontRef>
-        </p:style>
-      </p:cxnSp>
-      <p:cxnSp>
-        <p:nvCxnSpPr>
-          <p:cNvPr id="40" name="Straight Connector 39">
-            <a:extLst>
-              <a:ext uri="{FF2B5EF4-FFF2-40B4-BE49-F238E27FC236}">
-                <a16:creationId xmlns:a16="http://schemas.microsoft.com/office/drawing/2014/main" id="{FF3C3FAE-2FC2-4E53-AEC8-B8175FBA7798}"/>
-              </a:ext>
-            </a:extLst>
-          </p:cNvPr>
-          <p:cNvCxnSpPr>
-            <a:cxnSpLocks/>
-          </p:cNvCxnSpPr>
-          <p:nvPr/>
-        </p:nvCxnSpPr>
-        <p:spPr>
-          <a:xfrm>
-            <a:off x="8930836" y="3592207"/>
-            <a:ext cx="0" cy="3056240"/>
-          </a:xfrm>
-          <a:prstGeom prst="line">
-            <a:avLst/>
-          </a:prstGeom>
-          <a:ln w="50800" cap="sq">
-            <a:solidFill>
-              <a:schemeClr val="tx1">
-                <a:lumMod val="75000"/>
-                <a:lumOff val="25000"/>
-              </a:schemeClr>
-            </a:solidFill>
-          </a:ln>
-        </p:spPr>
-        <p:style>
-          <a:lnRef idx="1">
-            <a:schemeClr val="accent1"/>
-          </a:lnRef>
-          <a:fillRef idx="0">
-            <a:schemeClr val="accent1"/>
-          </a:fillRef>
-          <a:effectRef idx="0">
-            <a:schemeClr val="accent1"/>
-          </a:effectRef>
-          <a:fontRef idx="minor">
-            <a:schemeClr val="tx1"/>
-          </a:fontRef>
-        </p:style>
-      </p:cxnSp>
-      <p:sp>
-        <p:nvSpPr>
-          <p:cNvPr id="46" name="Oval 45">
-            <a:extLst>
-              <a:ext uri="{FF2B5EF4-FFF2-40B4-BE49-F238E27FC236}">
-                <a16:creationId xmlns:a16="http://schemas.microsoft.com/office/drawing/2014/main" id="{15A03A24-1D20-4B21-A1E4-AFDCAA8B78A0}"/>
-              </a:ext>
-            </a:extLst>
-          </p:cNvPr>
-          <p:cNvSpPr/>
-          <p:nvPr/>
-        </p:nvSpPr>
-        <p:spPr>
-          <a:xfrm>
-            <a:off x="9295375" y="3197794"/>
-            <a:ext cx="765110" cy="765110"/>
-          </a:xfrm>
-          <a:prstGeom prst="ellipse">
-            <a:avLst/>
-          </a:prstGeom>
-          <a:solidFill>
-            <a:schemeClr val="tx1">
-              <a:lumMod val="75000"/>
-              <a:lumOff val="25000"/>
-            </a:schemeClr>
-          </a:solidFill>
-          <a:ln>
-            <a:solidFill>
-              <a:schemeClr val="tx1">
-                <a:lumMod val="75000"/>
-                <a:lumOff val="25000"/>
-              </a:schemeClr>
-            </a:solidFill>
-          </a:ln>
-        </p:spPr>
-        <p:style>
-          <a:lnRef idx="2">
-            <a:schemeClr val="dk1">
-              <a:shade val="50000"/>
-            </a:schemeClr>
-          </a:lnRef>
-          <a:fillRef idx="1">
-            <a:schemeClr val="dk1"/>
-          </a:fillRef>
-          <a:effectRef idx="0">
-            <a:schemeClr val="dk1"/>
-          </a:effectRef>
-          <a:fontRef idx="minor">
-            <a:schemeClr val="lt1"/>
-          </a:fontRef>
-        </p:style>
-        <p:txBody>
-          <a:bodyPr rtlCol="0" anchor="ctr"/>
-          <a:lstStyle/>
-          <a:p>
-            <a:pPr algn="ctr"/>
-            <a:endParaRPr lang="en-US"/>
-          </a:p>
-        </p:txBody>
-      </p:sp>
-      <p:sp>
-        <p:nvSpPr>
-          <p:cNvPr id="47" name="Oval 46">
-            <a:extLst>
-              <a:ext uri="{FF2B5EF4-FFF2-40B4-BE49-F238E27FC236}">
-                <a16:creationId xmlns:a16="http://schemas.microsoft.com/office/drawing/2014/main" id="{C75E5FDE-396F-4959-8515-004B2E69EFFE}"/>
-              </a:ext>
-            </a:extLst>
-          </p:cNvPr>
-          <p:cNvSpPr/>
-          <p:nvPr/>
-        </p:nvSpPr>
-        <p:spPr>
-          <a:xfrm>
-            <a:off x="9309564" y="3954487"/>
-            <a:ext cx="765110" cy="765110"/>
-          </a:xfrm>
-          <a:prstGeom prst="ellipse">
-            <a:avLst/>
-          </a:prstGeom>
-          <a:solidFill>
-            <a:schemeClr val="bg1">
-              <a:lumMod val="95000"/>
-            </a:schemeClr>
-          </a:solidFill>
-          <a:ln w="50800">
-            <a:solidFill>
-              <a:schemeClr val="tx1">
-                <a:lumMod val="75000"/>
-                <a:lumOff val="25000"/>
-              </a:schemeClr>
-            </a:solidFill>
-          </a:ln>
-        </p:spPr>
-        <p:style>
-          <a:lnRef idx="2">
-            <a:schemeClr val="dk1">
-              <a:shade val="50000"/>
-            </a:schemeClr>
-          </a:lnRef>
-          <a:fillRef idx="1">
-            <a:schemeClr val="dk1"/>
-          </a:fillRef>
-          <a:effectRef idx="0">
-            <a:schemeClr val="dk1"/>
-          </a:effectRef>
-          <a:fontRef idx="minor">
-            <a:schemeClr val="lt1"/>
-          </a:fontRef>
-        </p:style>
-        <p:txBody>
-          <a:bodyPr rtlCol="0" anchor="ctr"/>
-          <a:lstStyle/>
-          <a:p>
-            <a:pPr algn="ctr"/>
-            <a:endParaRPr lang="en-US"/>
-          </a:p>
-        </p:txBody>
-      </p:sp>
-      <p:sp>
-        <p:nvSpPr>
-          <p:cNvPr id="48" name="Oval 47">
-            <a:extLst>
-              <a:ext uri="{FF2B5EF4-FFF2-40B4-BE49-F238E27FC236}">
-                <a16:creationId xmlns:a16="http://schemas.microsoft.com/office/drawing/2014/main" id="{3613F1C0-2568-48D9-B91B-9DEAC5700669}"/>
-              </a:ext>
-            </a:extLst>
-          </p:cNvPr>
-          <p:cNvSpPr/>
-          <p:nvPr/>
-        </p:nvSpPr>
-        <p:spPr>
-          <a:xfrm>
-            <a:off x="8548281" y="3962904"/>
-            <a:ext cx="765110" cy="765110"/>
-          </a:xfrm>
-          <a:prstGeom prst="ellipse">
-            <a:avLst/>
-          </a:prstGeom>
-          <a:solidFill>
-            <a:schemeClr val="bg1">
-              <a:lumMod val="95000"/>
-            </a:schemeClr>
-          </a:solidFill>
-          <a:ln w="50800">
-            <a:solidFill>
-              <a:schemeClr val="tx1">
-                <a:lumMod val="75000"/>
-                <a:lumOff val="25000"/>
-              </a:schemeClr>
-            </a:solidFill>
-          </a:ln>
-        </p:spPr>
-        <p:style>
-          <a:lnRef idx="2">
-            <a:schemeClr val="dk1">
-              <a:shade val="50000"/>
-            </a:schemeClr>
-          </a:lnRef>
-          <a:fillRef idx="1">
-            <a:schemeClr val="dk1"/>
-          </a:fillRef>
-          <a:effectRef idx="0">
-            <a:schemeClr val="dk1"/>
-          </a:effectRef>
-          <a:fontRef idx="minor">
-            <a:schemeClr val="lt1"/>
-          </a:fontRef>
-        </p:style>
-        <p:txBody>
-          <a:bodyPr rtlCol="0" anchor="ctr"/>
-          <a:lstStyle/>
-          <a:p>
-            <a:pPr algn="ctr"/>
-            <a:endParaRPr lang="en-US"/>
-          </a:p>
-        </p:txBody>
-      </p:sp>
-      <p:sp>
-        <p:nvSpPr>
-          <p:cNvPr id="49" name="Oval 48">
-            <a:extLst>
-              <a:ext uri="{FF2B5EF4-FFF2-40B4-BE49-F238E27FC236}">
-                <a16:creationId xmlns:a16="http://schemas.microsoft.com/office/drawing/2014/main" id="{9989CEA4-5BFF-49AA-8A21-B0A99B0D4A47}"/>
-              </a:ext>
-            </a:extLst>
-          </p:cNvPr>
-          <p:cNvSpPr/>
-          <p:nvPr/>
-        </p:nvSpPr>
-        <p:spPr>
-          <a:xfrm>
-            <a:off x="8532975" y="4749669"/>
-            <a:ext cx="765110" cy="765110"/>
-          </a:xfrm>
-          <a:prstGeom prst="ellipse">
-            <a:avLst/>
-          </a:prstGeom>
-          <a:solidFill>
-            <a:schemeClr val="bg1">
-              <a:lumMod val="95000"/>
-            </a:schemeClr>
-          </a:solidFill>
-          <a:ln w="50800">
-            <a:solidFill>
-              <a:schemeClr val="tx1">
-                <a:lumMod val="75000"/>
-                <a:lumOff val="25000"/>
-              </a:schemeClr>
-            </a:solidFill>
-          </a:ln>
-        </p:spPr>
-        <p:style>
-          <a:lnRef idx="2">
-            <a:schemeClr val="dk1">
-              <a:shade val="50000"/>
-            </a:schemeClr>
-          </a:lnRef>
-          <a:fillRef idx="1">
-            <a:schemeClr val="dk1"/>
-          </a:fillRef>
-          <a:effectRef idx="0">
-            <a:schemeClr val="dk1"/>
-          </a:effectRef>
-          <a:fontRef idx="minor">
-            <a:schemeClr val="lt1"/>
-          </a:fontRef>
-        </p:style>
-        <p:txBody>
-          <a:bodyPr rtlCol="0" anchor="ctr"/>
-          <a:lstStyle/>
-          <a:p>
-            <a:pPr algn="ctr"/>
-            <a:endParaRPr lang="en-US"/>
-          </a:p>
-        </p:txBody>
-      </p:sp>
-      <p:sp>
-        <p:nvSpPr>
-          <p:cNvPr id="50" name="Oval 49">
-            <a:extLst>
-              <a:ext uri="{FF2B5EF4-FFF2-40B4-BE49-F238E27FC236}">
-                <a16:creationId xmlns:a16="http://schemas.microsoft.com/office/drawing/2014/main" id="{6FF77653-D010-4CE9-836E-7295E90C62EB}"/>
-              </a:ext>
-            </a:extLst>
-          </p:cNvPr>
-          <p:cNvSpPr/>
-          <p:nvPr/>
-        </p:nvSpPr>
-        <p:spPr>
-          <a:xfrm>
-            <a:off x="8522611" y="5533853"/>
-            <a:ext cx="765110" cy="765110"/>
-          </a:xfrm>
-          <a:prstGeom prst="ellipse">
-            <a:avLst/>
-          </a:prstGeom>
-          <a:solidFill>
-            <a:schemeClr val="bg1">
-              <a:lumMod val="95000"/>
-            </a:schemeClr>
-          </a:solidFill>
-          <a:ln w="50800">
-            <a:solidFill>
-              <a:schemeClr val="tx1">
-                <a:lumMod val="75000"/>
-                <a:lumOff val="25000"/>
-              </a:schemeClr>
-            </a:solidFill>
-          </a:ln>
-        </p:spPr>
-        <p:style>
-          <a:lnRef idx="2">
-            <a:schemeClr val="dk1">
-              <a:shade val="50000"/>
-            </a:schemeClr>
-          </a:lnRef>
-          <a:fillRef idx="1">
-            <a:schemeClr val="dk1"/>
-          </a:fillRef>
-          <a:effectRef idx="0">
-            <a:schemeClr val="dk1"/>
-          </a:effectRef>
-          <a:fontRef idx="minor">
-            <a:schemeClr val="lt1"/>
-          </a:fontRef>
-        </p:style>
-        <p:txBody>
-          <a:bodyPr rtlCol="0" anchor="ctr"/>
-          <a:lstStyle/>
-          <a:p>
-            <a:pPr algn="ctr"/>
-            <a:endParaRPr lang="en-US"/>
-          </a:p>
-        </p:txBody>
-      </p:sp>
-      <p:sp>
-        <p:nvSpPr>
-          <p:cNvPr id="51" name="Oval 50">
-            <a:extLst>
-              <a:ext uri="{FF2B5EF4-FFF2-40B4-BE49-F238E27FC236}">
-                <a16:creationId xmlns:a16="http://schemas.microsoft.com/office/drawing/2014/main" id="{C9FF9B7A-0497-405E-87C7-436C5AD2F98E}"/>
-              </a:ext>
-            </a:extLst>
-          </p:cNvPr>
-          <p:cNvSpPr/>
-          <p:nvPr/>
-        </p:nvSpPr>
-        <p:spPr>
-          <a:xfrm>
-            <a:off x="8511406" y="3170648"/>
-            <a:ext cx="765110" cy="765110"/>
-          </a:xfrm>
-          <a:prstGeom prst="ellipse">
-            <a:avLst/>
-          </a:prstGeom>
-          <a:solidFill>
-            <a:schemeClr val="bg1">
-              <a:lumMod val="95000"/>
-            </a:schemeClr>
-          </a:solidFill>
-          <a:ln w="50800">
-            <a:solidFill>
-              <a:schemeClr val="tx1">
-                <a:lumMod val="75000"/>
-                <a:lumOff val="25000"/>
-              </a:schemeClr>
-            </a:solidFill>
-          </a:ln>
-        </p:spPr>
-        <p:style>
-          <a:lnRef idx="2">
-            <a:schemeClr val="dk1">
-              <a:shade val="50000"/>
-            </a:schemeClr>
-          </a:lnRef>
-          <a:fillRef idx="1">
-            <a:schemeClr val="dk1"/>
-          </a:fillRef>
-          <a:effectRef idx="0">
-            <a:schemeClr val="dk1"/>
-          </a:effectRef>
-          <a:fontRef idx="minor">
-            <a:schemeClr val="lt1"/>
-          </a:fontRef>
-        </p:style>
-        <p:txBody>
-          <a:bodyPr rtlCol="0" anchor="ctr"/>
-          <a:lstStyle/>
-          <a:p>
-            <a:pPr algn="ctr"/>
-            <a:endParaRPr lang="en-US"/>
-          </a:p>
-        </p:txBody>
-      </p:sp>
-      <p:sp>
-        <p:nvSpPr>
-          <p:cNvPr id="52" name="Oval 51">
-            <a:extLst>
-              <a:ext uri="{FF2B5EF4-FFF2-40B4-BE49-F238E27FC236}">
-                <a16:creationId xmlns:a16="http://schemas.microsoft.com/office/drawing/2014/main" id="{67EBF0C4-9EED-4D60-B429-443A4583312E}"/>
-              </a:ext>
-            </a:extLst>
-          </p:cNvPr>
-          <p:cNvSpPr/>
-          <p:nvPr/>
-        </p:nvSpPr>
-        <p:spPr>
-          <a:xfrm>
-            <a:off x="9294531" y="2407845"/>
-            <a:ext cx="765110" cy="765110"/>
-          </a:xfrm>
-          <a:prstGeom prst="ellipse">
-            <a:avLst/>
-          </a:prstGeom>
-          <a:solidFill>
-            <a:schemeClr val="bg1">
-              <a:lumMod val="95000"/>
-            </a:schemeClr>
-          </a:solidFill>
-          <a:ln w="50800">
-            <a:solidFill>
-              <a:schemeClr val="tx1">
-                <a:lumMod val="75000"/>
-                <a:lumOff val="25000"/>
-              </a:schemeClr>
-            </a:solidFill>
-          </a:ln>
-        </p:spPr>
-        <p:style>
-          <a:lnRef idx="2">
-            <a:schemeClr val="dk1">
-              <a:shade val="50000"/>
-            </a:schemeClr>
-          </a:lnRef>
-          <a:fillRef idx="1">
-            <a:schemeClr val="dk1"/>
-          </a:fillRef>
-          <a:effectRef idx="0">
-            <a:schemeClr val="dk1"/>
-          </a:effectRef>
-          <a:fontRef idx="minor">
-            <a:schemeClr val="lt1"/>
-          </a:fontRef>
-        </p:style>
-        <p:txBody>
-          <a:bodyPr rtlCol="0" anchor="ctr"/>
-          <a:lstStyle/>
-          <a:p>
-            <a:pPr algn="ctr"/>
-            <a:endParaRPr lang="en-US"/>
-          </a:p>
-        </p:txBody>
-      </p:sp>
-      <p:sp>
-        <p:nvSpPr>
-          <p:cNvPr id="53" name="Oval 52">
-            <a:extLst>
-              <a:ext uri="{FF2B5EF4-FFF2-40B4-BE49-F238E27FC236}">
-                <a16:creationId xmlns:a16="http://schemas.microsoft.com/office/drawing/2014/main" id="{521B242A-7C8A-49F9-9372-ABC1778F41F6}"/>
-              </a:ext>
-            </a:extLst>
-          </p:cNvPr>
-          <p:cNvSpPr/>
-          <p:nvPr/>
-        </p:nvSpPr>
-        <p:spPr>
-          <a:xfrm>
-            <a:off x="8511011" y="2376275"/>
-            <a:ext cx="765110" cy="765110"/>
-          </a:xfrm>
-          <a:prstGeom prst="ellipse">
-            <a:avLst/>
-          </a:prstGeom>
-          <a:solidFill>
-            <a:schemeClr val="tx1">
-              <a:lumMod val="75000"/>
-              <a:lumOff val="25000"/>
-            </a:schemeClr>
-          </a:solidFill>
-          <a:ln>
-            <a:solidFill>
-              <a:schemeClr val="tx1">
-                <a:lumMod val="75000"/>
-                <a:lumOff val="25000"/>
-              </a:schemeClr>
-            </a:solidFill>
-          </a:ln>
-        </p:spPr>
-        <p:style>
-          <a:lnRef idx="2">
-            <a:schemeClr val="dk1">
-              <a:shade val="50000"/>
-            </a:schemeClr>
-          </a:lnRef>
-          <a:fillRef idx="1">
-            <a:schemeClr val="dk1"/>
-          </a:fillRef>
-          <a:effectRef idx="0">
-            <a:schemeClr val="dk1"/>
-          </a:effectRef>
-          <a:fontRef idx="minor">
-            <a:schemeClr val="lt1"/>
-          </a:fontRef>
-        </p:style>
-        <p:txBody>
-          <a:bodyPr rtlCol="0" anchor="ctr"/>
-          <a:lstStyle/>
-          <a:p>
-            <a:pPr algn="ctr"/>
-            <a:endParaRPr lang="en-US"/>
-          </a:p>
-        </p:txBody>
-      </p:sp>
-      <p:cxnSp>
-        <p:nvCxnSpPr>
-          <p:cNvPr id="54" name="Straight Connector 53">
-            <a:extLst>
-              <a:ext uri="{FF2B5EF4-FFF2-40B4-BE49-F238E27FC236}">
-                <a16:creationId xmlns:a16="http://schemas.microsoft.com/office/drawing/2014/main" id="{24018061-D844-44AA-AF38-035721B395FF}"/>
-              </a:ext>
-            </a:extLst>
-          </p:cNvPr>
-          <p:cNvCxnSpPr>
-            <a:cxnSpLocks/>
-          </p:cNvCxnSpPr>
-          <p:nvPr/>
-        </p:nvCxnSpPr>
-        <p:spPr>
-          <a:xfrm>
-            <a:off x="8140328" y="3599135"/>
-            <a:ext cx="0" cy="3056240"/>
-          </a:xfrm>
-          <a:prstGeom prst="line">
-            <a:avLst/>
-          </a:prstGeom>
-          <a:ln w="50800" cap="sq">
-            <a:solidFill>
-              <a:schemeClr val="tx1">
-                <a:lumMod val="75000"/>
-                <a:lumOff val="25000"/>
-              </a:schemeClr>
-            </a:solidFill>
-          </a:ln>
-        </p:spPr>
-        <p:style>
-          <a:lnRef idx="1">
-            <a:schemeClr val="accent1"/>
-          </a:lnRef>
-          <a:fillRef idx="0">
-            <a:schemeClr val="accent1"/>
-          </a:fillRef>
-          <a:effectRef idx="0">
-            <a:schemeClr val="accent1"/>
-          </a:effectRef>
-          <a:fontRef idx="minor">
-            <a:schemeClr val="tx1"/>
-          </a:fontRef>
-        </p:style>
-      </p:cxnSp>
-      <p:cxnSp>
-        <p:nvCxnSpPr>
-          <p:cNvPr id="56" name="Straight Connector 55">
-            <a:extLst>
-              <a:ext uri="{FF2B5EF4-FFF2-40B4-BE49-F238E27FC236}">
-                <a16:creationId xmlns:a16="http://schemas.microsoft.com/office/drawing/2014/main" id="{89080977-92A9-4DCE-A298-46FEB160E5C4}"/>
-              </a:ext>
-            </a:extLst>
-          </p:cNvPr>
-          <p:cNvCxnSpPr>
-            <a:cxnSpLocks/>
-          </p:cNvCxnSpPr>
-          <p:nvPr/>
-        </p:nvCxnSpPr>
-        <p:spPr>
-          <a:xfrm>
-            <a:off x="7374105" y="4372605"/>
-            <a:ext cx="0" cy="2295330"/>
-          </a:xfrm>
-          <a:prstGeom prst="line">
-            <a:avLst/>
-          </a:prstGeom>
-          <a:ln w="50800" cap="sq">
-            <a:solidFill>
-              <a:schemeClr val="tx1">
-                <a:lumMod val="75000"/>
-                <a:lumOff val="25000"/>
-              </a:schemeClr>
-            </a:solidFill>
-          </a:ln>
-        </p:spPr>
-        <p:style>
-          <a:lnRef idx="1">
-            <a:schemeClr val="accent1"/>
-          </a:lnRef>
-          <a:fillRef idx="0">
-            <a:schemeClr val="accent1"/>
-          </a:fillRef>
-          <a:effectRef idx="0">
-            <a:schemeClr val="accent1"/>
-          </a:effectRef>
-          <a:fontRef idx="minor">
-            <a:schemeClr val="tx1"/>
-          </a:fontRef>
-        </p:style>
-      </p:cxnSp>
-      <p:sp>
-        <p:nvSpPr>
-          <p:cNvPr id="59" name="Oval 58">
-            <a:extLst>
-              <a:ext uri="{FF2B5EF4-FFF2-40B4-BE49-F238E27FC236}">
-                <a16:creationId xmlns:a16="http://schemas.microsoft.com/office/drawing/2014/main" id="{CBD32EF1-4918-4FD8-A8C1-71C3933CFA04}"/>
-              </a:ext>
-            </a:extLst>
-          </p:cNvPr>
-          <p:cNvSpPr/>
-          <p:nvPr/>
-        </p:nvSpPr>
-        <p:spPr>
-          <a:xfrm>
-            <a:off x="7757773" y="4744700"/>
-            <a:ext cx="765110" cy="765110"/>
-          </a:xfrm>
-          <a:prstGeom prst="ellipse">
-            <a:avLst/>
-          </a:prstGeom>
-          <a:solidFill>
-            <a:schemeClr val="bg1">
-              <a:lumMod val="95000"/>
-            </a:schemeClr>
-          </a:solidFill>
-          <a:ln w="50800">
-            <a:solidFill>
-              <a:schemeClr val="tx1">
-                <a:lumMod val="75000"/>
-                <a:lumOff val="25000"/>
-              </a:schemeClr>
-            </a:solidFill>
-          </a:ln>
-        </p:spPr>
-        <p:style>
-          <a:lnRef idx="2">
-            <a:schemeClr val="dk1">
-              <a:shade val="50000"/>
-            </a:schemeClr>
-          </a:lnRef>
-          <a:fillRef idx="1">
-            <a:schemeClr val="dk1"/>
-          </a:fillRef>
-          <a:effectRef idx="0">
-            <a:schemeClr val="dk1"/>
-          </a:effectRef>
-          <a:fontRef idx="minor">
-            <a:schemeClr val="lt1"/>
-          </a:fontRef>
-        </p:style>
-        <p:txBody>
-          <a:bodyPr rtlCol="0" anchor="ctr"/>
-          <a:lstStyle/>
-          <a:p>
-            <a:pPr algn="ctr"/>
-            <a:endParaRPr lang="en-US"/>
-          </a:p>
-        </p:txBody>
-      </p:sp>
-      <p:sp>
-        <p:nvSpPr>
-          <p:cNvPr id="60" name="Oval 59">
-            <a:extLst>
-              <a:ext uri="{FF2B5EF4-FFF2-40B4-BE49-F238E27FC236}">
-                <a16:creationId xmlns:a16="http://schemas.microsoft.com/office/drawing/2014/main" id="{0812E97D-8ADD-43CA-9D8C-E95E180B4F84}"/>
-              </a:ext>
-            </a:extLst>
-          </p:cNvPr>
-          <p:cNvSpPr/>
-          <p:nvPr/>
-        </p:nvSpPr>
-        <p:spPr>
-          <a:xfrm>
-            <a:off x="7783172" y="3969846"/>
-            <a:ext cx="765110" cy="765110"/>
-          </a:xfrm>
-          <a:prstGeom prst="ellipse">
-            <a:avLst/>
-          </a:prstGeom>
-          <a:solidFill>
-            <a:schemeClr val="tx1">
-              <a:lumMod val="75000"/>
-              <a:lumOff val="25000"/>
-            </a:schemeClr>
-          </a:solidFill>
-          <a:ln>
-            <a:solidFill>
-              <a:schemeClr val="tx1">
-                <a:lumMod val="75000"/>
-                <a:lumOff val="25000"/>
-              </a:schemeClr>
-            </a:solidFill>
-          </a:ln>
-        </p:spPr>
-        <p:style>
-          <a:lnRef idx="2">
-            <a:schemeClr val="dk1">
-              <a:shade val="50000"/>
-            </a:schemeClr>
-          </a:lnRef>
-          <a:fillRef idx="1">
-            <a:schemeClr val="dk1"/>
-          </a:fillRef>
-          <a:effectRef idx="0">
-            <a:schemeClr val="dk1"/>
-          </a:effectRef>
-          <a:fontRef idx="minor">
-            <a:schemeClr val="lt1"/>
-          </a:fontRef>
-        </p:style>
-        <p:txBody>
-          <a:bodyPr rtlCol="0" anchor="ctr"/>
-          <a:lstStyle/>
-          <a:p>
-            <a:pPr algn="ctr"/>
-            <a:endParaRPr lang="en-US"/>
-          </a:p>
-        </p:txBody>
-      </p:sp>
-      <p:sp>
-        <p:nvSpPr>
-          <p:cNvPr id="61" name="Oval 60">
-            <a:extLst>
-              <a:ext uri="{FF2B5EF4-FFF2-40B4-BE49-F238E27FC236}">
-                <a16:creationId xmlns:a16="http://schemas.microsoft.com/office/drawing/2014/main" id="{EACAF9F4-B012-4A1C-8EF4-CAC55B09315E}"/>
-              </a:ext>
-            </a:extLst>
-          </p:cNvPr>
-          <p:cNvSpPr/>
-          <p:nvPr/>
-        </p:nvSpPr>
-        <p:spPr>
-          <a:xfrm>
-            <a:off x="6991550" y="4758556"/>
-            <a:ext cx="765110" cy="765110"/>
-          </a:xfrm>
-          <a:prstGeom prst="ellipse">
-            <a:avLst/>
-          </a:prstGeom>
-          <a:solidFill>
-            <a:schemeClr val="tx1">
-              <a:lumMod val="75000"/>
-              <a:lumOff val="25000"/>
-            </a:schemeClr>
-          </a:solidFill>
-          <a:ln>
-            <a:solidFill>
-              <a:schemeClr val="tx1">
-                <a:lumMod val="75000"/>
-                <a:lumOff val="25000"/>
-              </a:schemeClr>
-            </a:solidFill>
-          </a:ln>
-        </p:spPr>
-        <p:style>
-          <a:lnRef idx="2">
-            <a:schemeClr val="dk1">
-              <a:shade val="50000"/>
-            </a:schemeClr>
-          </a:lnRef>
-          <a:fillRef idx="1">
-            <a:schemeClr val="dk1"/>
-          </a:fillRef>
-          <a:effectRef idx="0">
-            <a:schemeClr val="dk1"/>
-          </a:effectRef>
-          <a:fontRef idx="minor">
-            <a:schemeClr val="lt1"/>
-          </a:fontRef>
-        </p:style>
-        <p:txBody>
-          <a:bodyPr rtlCol="0" anchor="ctr"/>
-          <a:lstStyle/>
-          <a:p>
-            <a:pPr algn="ctr"/>
-            <a:endParaRPr lang="en-US"/>
-          </a:p>
-        </p:txBody>
-      </p:sp>
-      <p:sp>
-        <p:nvSpPr>
-          <p:cNvPr id="62" name="Oval 61">
-            <a:extLst>
-              <a:ext uri="{FF2B5EF4-FFF2-40B4-BE49-F238E27FC236}">
-                <a16:creationId xmlns:a16="http://schemas.microsoft.com/office/drawing/2014/main" id="{A8BD6554-3431-4481-8944-6483E7C78FB7}"/>
-              </a:ext>
-            </a:extLst>
-          </p:cNvPr>
-          <p:cNvSpPr/>
-          <p:nvPr/>
-        </p:nvSpPr>
-        <p:spPr>
-          <a:xfrm>
-            <a:off x="6232044" y="4758556"/>
-            <a:ext cx="765110" cy="765110"/>
-          </a:xfrm>
-          <a:prstGeom prst="ellipse">
-            <a:avLst/>
-          </a:prstGeom>
-          <a:solidFill>
-            <a:schemeClr val="tx1">
-              <a:lumMod val="75000"/>
-              <a:lumOff val="25000"/>
-            </a:schemeClr>
-          </a:solidFill>
-          <a:ln>
-            <a:solidFill>
-              <a:schemeClr val="tx1">
-                <a:lumMod val="75000"/>
-                <a:lumOff val="25000"/>
-              </a:schemeClr>
-            </a:solidFill>
-          </a:ln>
-        </p:spPr>
-        <p:style>
-          <a:lnRef idx="2">
-            <a:schemeClr val="dk1">
-              <a:shade val="50000"/>
-            </a:schemeClr>
-          </a:lnRef>
-          <a:fillRef idx="1">
-            <a:schemeClr val="dk1"/>
-          </a:fillRef>
-          <a:effectRef idx="0">
-            <a:schemeClr val="dk1"/>
-          </a:effectRef>
-          <a:fontRef idx="minor">
-            <a:schemeClr val="lt1"/>
-          </a:fontRef>
-        </p:style>
-        <p:txBody>
-          <a:bodyPr rtlCol="0" anchor="ctr"/>
-          <a:lstStyle/>
-          <a:p>
-            <a:pPr algn="ctr"/>
-            <a:endParaRPr lang="en-US"/>
-          </a:p>
-        </p:txBody>
-      </p:sp>
-      <p:sp>
-        <p:nvSpPr>
-          <p:cNvPr id="63" name="Oval 62">
-            <a:extLst>
-              <a:ext uri="{FF2B5EF4-FFF2-40B4-BE49-F238E27FC236}">
-                <a16:creationId xmlns:a16="http://schemas.microsoft.com/office/drawing/2014/main" id="{0D73A07F-8397-45A6-A895-7A0A21249499}"/>
-              </a:ext>
-            </a:extLst>
-          </p:cNvPr>
-          <p:cNvSpPr/>
-          <p:nvPr/>
-        </p:nvSpPr>
-        <p:spPr>
-          <a:xfrm>
-            <a:off x="4669711" y="5515794"/>
-            <a:ext cx="765110" cy="765110"/>
-          </a:xfrm>
-          <a:prstGeom prst="ellipse">
-            <a:avLst/>
-          </a:prstGeom>
-          <a:solidFill>
-            <a:schemeClr val="tx1">
-              <a:lumMod val="75000"/>
-              <a:lumOff val="25000"/>
-            </a:schemeClr>
-          </a:solidFill>
-          <a:ln>
-            <a:solidFill>
-              <a:schemeClr val="tx1">
-                <a:lumMod val="75000"/>
-                <a:lumOff val="25000"/>
-              </a:schemeClr>
-            </a:solidFill>
-          </a:ln>
-        </p:spPr>
-        <p:style>
-          <a:lnRef idx="2">
-            <a:schemeClr val="dk1">
-              <a:shade val="50000"/>
-            </a:schemeClr>
-          </a:lnRef>
-          <a:fillRef idx="1">
-            <a:schemeClr val="dk1"/>
-          </a:fillRef>
-          <a:effectRef idx="0">
-            <a:schemeClr val="dk1"/>
-          </a:effectRef>
-          <a:fontRef idx="minor">
-            <a:schemeClr val="lt1"/>
-          </a:fontRef>
-        </p:style>
-        <p:txBody>
-          <a:bodyPr rtlCol="0" anchor="ctr"/>
-          <a:lstStyle/>
-          <a:p>
-            <a:pPr algn="ctr"/>
-            <a:endParaRPr lang="en-US"/>
-          </a:p>
-        </p:txBody>
-      </p:sp>
-      <p:sp>
-        <p:nvSpPr>
-          <p:cNvPr id="64" name="Oval 63">
-            <a:extLst>
-              <a:ext uri="{FF2B5EF4-FFF2-40B4-BE49-F238E27FC236}">
-                <a16:creationId xmlns:a16="http://schemas.microsoft.com/office/drawing/2014/main" id="{E8490A0C-29C1-480E-A8E5-90CA0C11D58F}"/>
-              </a:ext>
-            </a:extLst>
-          </p:cNvPr>
-          <p:cNvSpPr/>
-          <p:nvPr/>
-        </p:nvSpPr>
-        <p:spPr>
-          <a:xfrm>
-            <a:off x="2347870" y="5509810"/>
-            <a:ext cx="765110" cy="765110"/>
-          </a:xfrm>
-          <a:prstGeom prst="ellipse">
-            <a:avLst/>
-          </a:prstGeom>
-          <a:solidFill>
-            <a:schemeClr val="tx1">
-              <a:lumMod val="75000"/>
-              <a:lumOff val="25000"/>
-            </a:schemeClr>
-          </a:solidFill>
-          <a:ln>
-            <a:solidFill>
-              <a:schemeClr val="tx1">
-                <a:lumMod val="75000"/>
-                <a:lumOff val="25000"/>
-              </a:schemeClr>
-            </a:solidFill>
-          </a:ln>
-        </p:spPr>
-        <p:style>
-          <a:lnRef idx="2">
-            <a:schemeClr val="dk1">
-              <a:shade val="50000"/>
-            </a:schemeClr>
-          </a:lnRef>
-          <a:fillRef idx="1">
-            <a:schemeClr val="dk1"/>
-          </a:fillRef>
-          <a:effectRef idx="0">
-            <a:schemeClr val="dk1"/>
-          </a:effectRef>
-          <a:fontRef idx="minor">
-            <a:schemeClr val="lt1"/>
-          </a:fontRef>
-        </p:style>
-        <p:txBody>
-          <a:bodyPr rtlCol="0" anchor="ctr"/>
-          <a:lstStyle/>
-          <a:p>
-            <a:pPr algn="ctr"/>
-            <a:endParaRPr lang="en-US"/>
+            <a:r>
+              <a:rPr lang="en-US" sz="2800" dirty="0">
+                <a:solidFill>
+                  <a:schemeClr val="tx1">
+                    <a:lumMod val="75000"/>
+                    <a:lumOff val="25000"/>
+                  </a:schemeClr>
+                </a:solidFill>
+                <a:latin typeface="OCRB" panose="020B0609020202020204" pitchFamily="49" charset="0"/>
+              </a:rPr>
+              <a:t>Thank you</a:t>
+            </a:r>
+            <a:endParaRPr lang="en-US" sz="2000" dirty="0">
+              <a:solidFill>
+                <a:schemeClr val="tx1">
+                  <a:lumMod val="75000"/>
+                  <a:lumOff val="25000"/>
+                </a:schemeClr>
+              </a:solidFill>
+              <a:latin typeface="OCRB" panose="020B0609020202020204" pitchFamily="49" charset="0"/>
+            </a:endParaRPr>
           </a:p>
         </p:txBody>
       </p:sp>
     </p:spTree>
     <p:extLst>
       <p:ext uri="{BB962C8B-B14F-4D97-AF65-F5344CB8AC3E}">
-        <p14:creationId xmlns:p14="http://schemas.microsoft.com/office/powerpoint/2010/main" val="4049775983"/>
+        <p14:creationId xmlns:p14="http://schemas.microsoft.com/office/powerpoint/2010/main" val="3160097372"/>
       </p:ext>
     </p:extLst>
   </p:cSld>

--- a/GoPresentation.pptx
+++ b/GoPresentation.pptx
@@ -825,7 +825,7 @@
           <a:p>
             <a:fld id="{ED291B17-9318-49DB-B28B-6E5994AE9581}" type="datetime1">
               <a:rPr lang="en-US" smtClean="0"/>
-              <a:t>04/24/21</a:t>
+              <a:t>04/29/21</a:t>
             </a:fld>
             <a:endParaRPr lang="en-US" dirty="0"/>
           </a:p>
@@ -1028,7 +1028,7 @@
           <a:p>
             <a:fld id="{2CED4963-E985-44C4-B8C4-FDD613B7C2F8}" type="datetime1">
               <a:rPr lang="en-US" smtClean="0"/>
-              <a:t>04/24/21</a:t>
+              <a:t>04/29/21</a:t>
             </a:fld>
             <a:endParaRPr lang="en-US" dirty="0"/>
           </a:p>
@@ -1390,7 +1390,7 @@
           <a:p>
             <a:fld id="{ED291B17-9318-49DB-B28B-6E5994AE9581}" type="datetime1">
               <a:rPr lang="en-US" smtClean="0"/>
-              <a:t>04/24/21</a:t>
+              <a:t>04/29/21</a:t>
             </a:fld>
             <a:endParaRPr lang="en-US" dirty="0"/>
           </a:p>
@@ -1588,7 +1588,7 @@
           <a:p>
             <a:fld id="{78DD82B9-B8EE-4375-B6FF-88FA6ABB15D9}" type="datetime1">
               <a:rPr lang="en-US" smtClean="0"/>
-              <a:t>04/24/21</a:t>
+              <a:t>04/29/21</a:t>
             </a:fld>
             <a:endParaRPr lang="en-US" dirty="0"/>
           </a:p>
@@ -1900,7 +1900,7 @@
           <a:p>
             <a:fld id="{B2497495-0637-405E-AE64-5CC7506D51F5}" type="datetime1">
               <a:rPr lang="en-US" smtClean="0"/>
-              <a:t>04/24/21</a:t>
+              <a:t>04/29/21</a:t>
             </a:fld>
             <a:endParaRPr lang="en-US" dirty="0"/>
           </a:p>
@@ -2153,7 +2153,7 @@
           <a:p>
             <a:fld id="{7BFFD690-9426-415D-8B65-26881E07B2D4}" type="datetime1">
               <a:rPr lang="en-US" smtClean="0"/>
-              <a:t>04/24/21</a:t>
+              <a:t>04/29/21</a:t>
             </a:fld>
             <a:endParaRPr lang="en-US" dirty="0"/>
           </a:p>
@@ -2575,7 +2575,7 @@
           <a:p>
             <a:fld id="{04C4989A-474C-40DE-95B9-011C28B71673}" type="datetime1">
               <a:rPr lang="en-US" smtClean="0"/>
-              <a:t>04/24/21</a:t>
+              <a:t>04/29/21</a:t>
             </a:fld>
             <a:endParaRPr lang="en-US" dirty="0"/>
           </a:p>
@@ -2698,7 +2698,7 @@
           <a:p>
             <a:fld id="{5DB4ED54-5B5E-4A04-93D3-5772E3CE3818}" type="datetime1">
               <a:rPr lang="en-US" smtClean="0"/>
-              <a:t>04/24/21</a:t>
+              <a:t>04/29/21</a:t>
             </a:fld>
             <a:endParaRPr lang="en-US" dirty="0"/>
           </a:p>
@@ -2793,7 +2793,7 @@
           <a:p>
             <a:fld id="{4EDE50D6-574B-40AF-946F-D52A04ADE379}" type="datetime1">
               <a:rPr lang="en-US" smtClean="0"/>
-              <a:t>04/24/21</a:t>
+              <a:t>04/29/21</a:t>
             </a:fld>
             <a:endParaRPr lang="en-US" dirty="0"/>
           </a:p>
@@ -3170,7 +3170,7 @@
           <a:p>
             <a:fld id="{D82884F1-FFEA-405F-9602-3DCA865EDA4E}" type="datetime1">
               <a:rPr lang="en-US" smtClean="0"/>
-              <a:t>04/24/21</a:t>
+              <a:t>04/29/21</a:t>
             </a:fld>
             <a:endParaRPr lang="en-US" dirty="0"/>
           </a:p>
@@ -3463,7 +3463,7 @@
           <a:p>
             <a:fld id="{7E18DB4A-8810-4A10-AD5C-D5E2C667F5B3}" type="datetime1">
               <a:rPr lang="en-US" smtClean="0"/>
-              <a:t>04/24/21</a:t>
+              <a:t>04/29/21</a:t>
             </a:fld>
             <a:endParaRPr lang="en-US" dirty="0"/>
           </a:p>
@@ -3678,7 +3678,7 @@
           <a:p>
             <a:fld id="{ED291B17-9318-49DB-B28B-6E5994AE9581}" type="datetime1">
               <a:rPr lang="en-US" smtClean="0"/>
-              <a:t>04/24/21</a:t>
+              <a:t>04/29/21</a:t>
             </a:fld>
             <a:endParaRPr lang="en-US" dirty="0"/>
           </a:p>
@@ -6634,6 +6634,294 @@
           </a:p>
         </p:txBody>
       </p:sp>
+      <p:sp>
+        <p:nvSpPr>
+          <p:cNvPr id="41" name="Subtitle 2">
+            <a:extLst>
+              <a:ext uri="{FF2B5EF4-FFF2-40B4-BE49-F238E27FC236}">
+                <a16:creationId xmlns:a16="http://schemas.microsoft.com/office/drawing/2014/main" id="{076B2AA6-2898-4252-A655-965F07BA8D0B}"/>
+              </a:ext>
+            </a:extLst>
+          </p:cNvPr>
+          <p:cNvSpPr txBox="1">
+            <a:spLocks/>
+          </p:cNvSpPr>
+          <p:nvPr/>
+        </p:nvSpPr>
+        <p:spPr>
+          <a:xfrm>
+            <a:off x="386962" y="4803796"/>
+            <a:ext cx="4030704" cy="1219374"/>
+          </a:xfrm>
+          <a:prstGeom prst="rect">
+            <a:avLst/>
+          </a:prstGeom>
+        </p:spPr>
+        <p:txBody>
+          <a:bodyPr vert="horz" lIns="91440" tIns="45720" rIns="91440" bIns="45720" rtlCol="0" anchor="t">
+            <a:normAutofit fontScale="47500" lnSpcReduction="20000"/>
+          </a:bodyPr>
+          <a:lstStyle>
+            <a:lvl1pPr marL="0" indent="0" algn="l" defTabSz="457200" rtl="0" eaLnBrk="1" latinLnBrk="0" hangingPunct="1">
+              <a:lnSpc>
+                <a:spcPct val="110000"/>
+              </a:lnSpc>
+              <a:spcBef>
+                <a:spcPct val="20000"/>
+              </a:spcBef>
+              <a:spcAft>
+                <a:spcPts val="600"/>
+              </a:spcAft>
+              <a:buClr>
+                <a:schemeClr val="accent1"/>
+              </a:buClr>
+              <a:buSzPct val="92000"/>
+              <a:buFont typeface="Wingdings 2" panose="05020102010507070707" pitchFamily="18" charset="2"/>
+              <a:buNone/>
+              <a:defRPr sz="1600" kern="1200" cap="all">
+                <a:solidFill>
+                  <a:schemeClr val="accent1"/>
+                </a:solidFill>
+                <a:latin typeface="+mn-lt"/>
+                <a:ea typeface="+mn-ea"/>
+                <a:cs typeface="+mn-cs"/>
+              </a:defRPr>
+            </a:lvl1pPr>
+            <a:lvl2pPr marL="457200" indent="0" algn="ctr" defTabSz="457200" rtl="0" eaLnBrk="1" latinLnBrk="0" hangingPunct="1">
+              <a:spcBef>
+                <a:spcPct val="20000"/>
+              </a:spcBef>
+              <a:spcAft>
+                <a:spcPts val="600"/>
+              </a:spcAft>
+              <a:buClr>
+                <a:schemeClr val="accent1"/>
+              </a:buClr>
+              <a:buSzPct val="92000"/>
+              <a:buFont typeface="Wingdings 2" panose="05020102010507070707" pitchFamily="18" charset="2"/>
+              <a:buNone/>
+              <a:defRPr sz="1400" kern="1200">
+                <a:solidFill>
+                  <a:schemeClr val="tx1">
+                    <a:tint val="75000"/>
+                  </a:schemeClr>
+                </a:solidFill>
+                <a:latin typeface="+mn-lt"/>
+                <a:ea typeface="+mn-ea"/>
+                <a:cs typeface="+mn-cs"/>
+              </a:defRPr>
+            </a:lvl2pPr>
+            <a:lvl3pPr marL="914400" indent="0" algn="ctr" defTabSz="457200" rtl="0" eaLnBrk="1" latinLnBrk="0" hangingPunct="1">
+              <a:spcBef>
+                <a:spcPct val="20000"/>
+              </a:spcBef>
+              <a:spcAft>
+                <a:spcPts val="600"/>
+              </a:spcAft>
+              <a:buClr>
+                <a:schemeClr val="accent1"/>
+              </a:buClr>
+              <a:buSzPct val="92000"/>
+              <a:buFont typeface="Wingdings 2" panose="05020102010507070707" pitchFamily="18" charset="2"/>
+              <a:buNone/>
+              <a:defRPr sz="1300" kern="1200">
+                <a:solidFill>
+                  <a:schemeClr val="tx1">
+                    <a:tint val="75000"/>
+                  </a:schemeClr>
+                </a:solidFill>
+                <a:latin typeface="+mn-lt"/>
+                <a:ea typeface="+mn-ea"/>
+                <a:cs typeface="+mn-cs"/>
+              </a:defRPr>
+            </a:lvl3pPr>
+            <a:lvl4pPr marL="1371600" indent="0" algn="ctr" defTabSz="457200" rtl="0" eaLnBrk="1" latinLnBrk="0" hangingPunct="1">
+              <a:spcBef>
+                <a:spcPct val="20000"/>
+              </a:spcBef>
+              <a:spcAft>
+                <a:spcPts val="600"/>
+              </a:spcAft>
+              <a:buClr>
+                <a:schemeClr val="accent1"/>
+              </a:buClr>
+              <a:buSzPct val="92000"/>
+              <a:buFont typeface="Wingdings 2" panose="05020102010507070707" pitchFamily="18" charset="2"/>
+              <a:buNone/>
+              <a:defRPr sz="1100" kern="1200">
+                <a:solidFill>
+                  <a:schemeClr val="tx1">
+                    <a:tint val="75000"/>
+                  </a:schemeClr>
+                </a:solidFill>
+                <a:latin typeface="+mn-lt"/>
+                <a:ea typeface="+mn-ea"/>
+                <a:cs typeface="+mn-cs"/>
+              </a:defRPr>
+            </a:lvl4pPr>
+            <a:lvl5pPr marL="1828800" indent="0" algn="ctr" defTabSz="457200" rtl="0" eaLnBrk="1" latinLnBrk="0" hangingPunct="1">
+              <a:spcBef>
+                <a:spcPct val="20000"/>
+              </a:spcBef>
+              <a:spcAft>
+                <a:spcPts val="600"/>
+              </a:spcAft>
+              <a:buClr>
+                <a:schemeClr val="accent1"/>
+              </a:buClr>
+              <a:buSzPct val="92000"/>
+              <a:buFont typeface="Wingdings 2" panose="05020102010507070707" pitchFamily="18" charset="2"/>
+              <a:buNone/>
+              <a:defRPr sz="1100" kern="1200">
+                <a:solidFill>
+                  <a:schemeClr val="tx1">
+                    <a:tint val="75000"/>
+                  </a:schemeClr>
+                </a:solidFill>
+                <a:latin typeface="+mn-lt"/>
+                <a:ea typeface="+mn-ea"/>
+                <a:cs typeface="+mn-cs"/>
+              </a:defRPr>
+            </a:lvl5pPr>
+            <a:lvl6pPr marL="2286000" indent="0" algn="ctr" defTabSz="457200" rtl="0" eaLnBrk="1" latinLnBrk="0" hangingPunct="1">
+              <a:spcBef>
+                <a:spcPct val="20000"/>
+              </a:spcBef>
+              <a:spcAft>
+                <a:spcPts val="600"/>
+              </a:spcAft>
+              <a:buClr>
+                <a:schemeClr val="accent2"/>
+              </a:buClr>
+              <a:buSzPct val="92000"/>
+              <a:buFont typeface="Wingdings 2" panose="05020102010507070707" pitchFamily="18" charset="2"/>
+              <a:buNone/>
+              <a:defRPr sz="1200" kern="1200">
+                <a:solidFill>
+                  <a:schemeClr val="tx1">
+                    <a:tint val="75000"/>
+                  </a:schemeClr>
+                </a:solidFill>
+                <a:latin typeface="+mn-lt"/>
+                <a:ea typeface="+mn-ea"/>
+                <a:cs typeface="+mn-cs"/>
+              </a:defRPr>
+            </a:lvl6pPr>
+            <a:lvl7pPr marL="2743200" indent="0" algn="ctr" defTabSz="457200" rtl="0" eaLnBrk="1" latinLnBrk="0" hangingPunct="1">
+              <a:spcBef>
+                <a:spcPct val="20000"/>
+              </a:spcBef>
+              <a:spcAft>
+                <a:spcPts val="600"/>
+              </a:spcAft>
+              <a:buClr>
+                <a:schemeClr val="accent2"/>
+              </a:buClr>
+              <a:buSzPct val="92000"/>
+              <a:buFont typeface="Wingdings 2" panose="05020102010507070707" pitchFamily="18" charset="2"/>
+              <a:buNone/>
+              <a:defRPr sz="1200" kern="1200">
+                <a:solidFill>
+                  <a:schemeClr val="tx1">
+                    <a:tint val="75000"/>
+                  </a:schemeClr>
+                </a:solidFill>
+                <a:latin typeface="+mn-lt"/>
+                <a:ea typeface="+mn-ea"/>
+                <a:cs typeface="+mn-cs"/>
+              </a:defRPr>
+            </a:lvl7pPr>
+            <a:lvl8pPr marL="3200400" indent="0" algn="ctr" defTabSz="457200" rtl="0" eaLnBrk="1" latinLnBrk="0" hangingPunct="1">
+              <a:spcBef>
+                <a:spcPct val="20000"/>
+              </a:spcBef>
+              <a:spcAft>
+                <a:spcPts val="600"/>
+              </a:spcAft>
+              <a:buClr>
+                <a:schemeClr val="accent2"/>
+              </a:buClr>
+              <a:buSzPct val="92000"/>
+              <a:buFont typeface="Wingdings 2" panose="05020102010507070707" pitchFamily="18" charset="2"/>
+              <a:buNone/>
+              <a:defRPr sz="1200" kern="1200">
+                <a:solidFill>
+                  <a:schemeClr val="tx1">
+                    <a:tint val="75000"/>
+                  </a:schemeClr>
+                </a:solidFill>
+                <a:latin typeface="+mn-lt"/>
+                <a:ea typeface="+mn-ea"/>
+                <a:cs typeface="+mn-cs"/>
+              </a:defRPr>
+            </a:lvl8pPr>
+            <a:lvl9pPr marL="3657600" indent="0" algn="ctr" defTabSz="457200" rtl="0" eaLnBrk="1" latinLnBrk="0" hangingPunct="1">
+              <a:spcBef>
+                <a:spcPct val="20000"/>
+              </a:spcBef>
+              <a:spcAft>
+                <a:spcPts val="600"/>
+              </a:spcAft>
+              <a:buClr>
+                <a:schemeClr val="accent2"/>
+              </a:buClr>
+              <a:buSzPct val="92000"/>
+              <a:buFont typeface="Wingdings 2" panose="05020102010507070707" pitchFamily="18" charset="2"/>
+              <a:buNone/>
+              <a:defRPr sz="1200" kern="1200">
+                <a:solidFill>
+                  <a:schemeClr val="tx1">
+                    <a:tint val="75000"/>
+                  </a:schemeClr>
+                </a:solidFill>
+                <a:latin typeface="+mn-lt"/>
+                <a:ea typeface="+mn-ea"/>
+                <a:cs typeface="+mn-cs"/>
+              </a:defRPr>
+            </a:lvl9pPr>
+          </a:lstStyle>
+          <a:p>
+            <a:r>
+              <a:rPr lang="en-US" sz="2000" dirty="0">
+                <a:latin typeface="OCRB" panose="020B0609020202020204" pitchFamily="49" charset="0"/>
+              </a:rPr>
+              <a:t>Matthew Gabriel</a:t>
+            </a:r>
+          </a:p>
+          <a:p>
+            <a:r>
+              <a:rPr lang="en-US" sz="2000" dirty="0">
+                <a:latin typeface="OCRB" panose="020B0609020202020204" pitchFamily="49" charset="0"/>
+              </a:rPr>
+              <a:t>Brooks Herrin</a:t>
+            </a:r>
+          </a:p>
+          <a:p>
+            <a:r>
+              <a:rPr lang="en-US" sz="2000" dirty="0">
+                <a:latin typeface="OCRB" panose="020B0609020202020204" pitchFamily="49" charset="0"/>
+              </a:rPr>
+              <a:t>George Maddux</a:t>
+            </a:r>
+          </a:p>
+          <a:p>
+            <a:r>
+              <a:rPr lang="en-US" sz="2000" dirty="0">
+                <a:latin typeface="OCRB" panose="020B0609020202020204" pitchFamily="49" charset="0"/>
+              </a:rPr>
+              <a:t>Anthony McEntire</a:t>
+            </a:r>
+          </a:p>
+          <a:p>
+            <a:r>
+              <a:rPr lang="en-US" sz="2000" dirty="0">
+                <a:latin typeface="OCRB" panose="020B0609020202020204" pitchFamily="49" charset="0"/>
+              </a:rPr>
+              <a:t>Eric Ramsay</a:t>
+            </a:r>
+          </a:p>
+        </p:txBody>
+      </p:sp>
     </p:spTree>
     <p:extLst>
       <p:ext uri="{BB962C8B-B14F-4D97-AF65-F5344CB8AC3E}">
@@ -10804,8 +11092,13 @@
                 </a14:m>
                 <a:r>
                   <a:rPr lang="en-US" dirty="0"/>
-                  <a:t> atoms in the entire observable universe.</a:t>
+                  <a:t> atoms in the entire observable </a:t>
                 </a:r>
+                <a:r>
+                  <a:rPr lang="en-US"/>
+                  <a:t>universe.</a:t>
+                </a:r>
+                <a:endParaRPr lang="en-US" dirty="0"/>
               </a:p>
             </p:txBody>
           </p:sp>
@@ -17592,7 +17885,7 @@
                 </a:solidFill>
                 <a:latin typeface="Abadi" panose="020B0604020104020204" pitchFamily="34" charset="0"/>
               </a:rPr>
-              <a:t>Training the net:</a:t>
+              <a:t>Training &amp; results:</a:t>
             </a:r>
           </a:p>
         </p:txBody>
@@ -17612,7 +17905,7 @@
         <p:spPr>
           <a:xfrm>
             <a:off x="1032484" y="1138265"/>
-            <a:ext cx="9993357" cy="369332"/>
+            <a:ext cx="9993357" cy="923330"/>
           </a:xfrm>
           <a:prstGeom prst="rect">
             <a:avLst/>
@@ -17627,8 +17920,14 @@
           <a:p>
             <a:r>
               <a:rPr lang="en-US" dirty="0"/>
-              <a:t>xxx</a:t>
+              <a:t>We trained our net with an 8600-game set played by high level users on the app Go Quest.</a:t>
             </a:r>
+          </a:p>
+          <a:p>
+            <a:endParaRPr lang="en-US" dirty="0"/>
+          </a:p>
+          <a:p>
+            <a:endParaRPr lang="en-US" dirty="0"/>
           </a:p>
         </p:txBody>
       </p:sp>
@@ -17907,8 +18206,8 @@
           <p:nvPr/>
         </p:nvGrpSpPr>
         <p:grpSpPr>
-          <a:xfrm rot="5400000" flipH="1">
-            <a:off x="-1171041" y="1928917"/>
+          <a:xfrm rot="16200000" flipH="1">
+            <a:off x="8022836" y="2611421"/>
             <a:ext cx="5373422" cy="2789294"/>
             <a:chOff x="133815" y="780585"/>
             <a:chExt cx="11883972" cy="5887350"/>
@@ -19656,6 +19955,309 @@
           </p:txBody>
         </p:sp>
       </p:grpSp>
+      <p:sp>
+        <p:nvSpPr>
+          <p:cNvPr id="39" name="Subtitle 2">
+            <a:extLst>
+              <a:ext uri="{FF2B5EF4-FFF2-40B4-BE49-F238E27FC236}">
+                <a16:creationId xmlns:a16="http://schemas.microsoft.com/office/drawing/2014/main" id="{7879A99F-D368-42CD-B319-B3E7E908425E}"/>
+              </a:ext>
+            </a:extLst>
+          </p:cNvPr>
+          <p:cNvSpPr txBox="1">
+            <a:spLocks/>
+          </p:cNvSpPr>
+          <p:nvPr/>
+        </p:nvSpPr>
+        <p:spPr>
+          <a:xfrm>
+            <a:off x="975765" y="611048"/>
+            <a:ext cx="9581128" cy="543088"/>
+          </a:xfrm>
+          <a:prstGeom prst="rect">
+            <a:avLst/>
+          </a:prstGeom>
+        </p:spPr>
+        <p:txBody>
+          <a:bodyPr vert="horz" lIns="91440" tIns="45720" rIns="91440" bIns="45720" rtlCol="0" anchor="t">
+            <a:normAutofit/>
+          </a:bodyPr>
+          <a:lstStyle>
+            <a:lvl1pPr marL="0" indent="0" algn="l" defTabSz="457200" rtl="0" eaLnBrk="1" latinLnBrk="0" hangingPunct="1">
+              <a:lnSpc>
+                <a:spcPct val="110000"/>
+              </a:lnSpc>
+              <a:spcBef>
+                <a:spcPct val="20000"/>
+              </a:spcBef>
+              <a:spcAft>
+                <a:spcPts val="600"/>
+              </a:spcAft>
+              <a:buClr>
+                <a:schemeClr val="accent1"/>
+              </a:buClr>
+              <a:buSzPct val="92000"/>
+              <a:buFont typeface="Wingdings 2" panose="05020102010507070707" pitchFamily="18" charset="2"/>
+              <a:buNone/>
+              <a:defRPr sz="1600" kern="1200" cap="all">
+                <a:solidFill>
+                  <a:schemeClr val="accent1"/>
+                </a:solidFill>
+                <a:latin typeface="+mn-lt"/>
+                <a:ea typeface="+mn-ea"/>
+                <a:cs typeface="+mn-cs"/>
+              </a:defRPr>
+            </a:lvl1pPr>
+            <a:lvl2pPr marL="457200" indent="0" algn="ctr" defTabSz="457200" rtl="0" eaLnBrk="1" latinLnBrk="0" hangingPunct="1">
+              <a:spcBef>
+                <a:spcPct val="20000"/>
+              </a:spcBef>
+              <a:spcAft>
+                <a:spcPts val="600"/>
+              </a:spcAft>
+              <a:buClr>
+                <a:schemeClr val="accent1"/>
+              </a:buClr>
+              <a:buSzPct val="92000"/>
+              <a:buFont typeface="Wingdings 2" panose="05020102010507070707" pitchFamily="18" charset="2"/>
+              <a:buNone/>
+              <a:defRPr sz="1400" kern="1200">
+                <a:solidFill>
+                  <a:schemeClr val="tx1">
+                    <a:tint val="75000"/>
+                  </a:schemeClr>
+                </a:solidFill>
+                <a:latin typeface="+mn-lt"/>
+                <a:ea typeface="+mn-ea"/>
+                <a:cs typeface="+mn-cs"/>
+              </a:defRPr>
+            </a:lvl2pPr>
+            <a:lvl3pPr marL="914400" indent="0" algn="ctr" defTabSz="457200" rtl="0" eaLnBrk="1" latinLnBrk="0" hangingPunct="1">
+              <a:spcBef>
+                <a:spcPct val="20000"/>
+              </a:spcBef>
+              <a:spcAft>
+                <a:spcPts val="600"/>
+              </a:spcAft>
+              <a:buClr>
+                <a:schemeClr val="accent1"/>
+              </a:buClr>
+              <a:buSzPct val="92000"/>
+              <a:buFont typeface="Wingdings 2" panose="05020102010507070707" pitchFamily="18" charset="2"/>
+              <a:buNone/>
+              <a:defRPr sz="1300" kern="1200">
+                <a:solidFill>
+                  <a:schemeClr val="tx1">
+                    <a:tint val="75000"/>
+                  </a:schemeClr>
+                </a:solidFill>
+                <a:latin typeface="+mn-lt"/>
+                <a:ea typeface="+mn-ea"/>
+                <a:cs typeface="+mn-cs"/>
+              </a:defRPr>
+            </a:lvl3pPr>
+            <a:lvl4pPr marL="1371600" indent="0" algn="ctr" defTabSz="457200" rtl="0" eaLnBrk="1" latinLnBrk="0" hangingPunct="1">
+              <a:spcBef>
+                <a:spcPct val="20000"/>
+              </a:spcBef>
+              <a:spcAft>
+                <a:spcPts val="600"/>
+              </a:spcAft>
+              <a:buClr>
+                <a:schemeClr val="accent1"/>
+              </a:buClr>
+              <a:buSzPct val="92000"/>
+              <a:buFont typeface="Wingdings 2" panose="05020102010507070707" pitchFamily="18" charset="2"/>
+              <a:buNone/>
+              <a:defRPr sz="1100" kern="1200">
+                <a:solidFill>
+                  <a:schemeClr val="tx1">
+                    <a:tint val="75000"/>
+                  </a:schemeClr>
+                </a:solidFill>
+                <a:latin typeface="+mn-lt"/>
+                <a:ea typeface="+mn-ea"/>
+                <a:cs typeface="+mn-cs"/>
+              </a:defRPr>
+            </a:lvl4pPr>
+            <a:lvl5pPr marL="1828800" indent="0" algn="ctr" defTabSz="457200" rtl="0" eaLnBrk="1" latinLnBrk="0" hangingPunct="1">
+              <a:spcBef>
+                <a:spcPct val="20000"/>
+              </a:spcBef>
+              <a:spcAft>
+                <a:spcPts val="600"/>
+              </a:spcAft>
+              <a:buClr>
+                <a:schemeClr val="accent1"/>
+              </a:buClr>
+              <a:buSzPct val="92000"/>
+              <a:buFont typeface="Wingdings 2" panose="05020102010507070707" pitchFamily="18" charset="2"/>
+              <a:buNone/>
+              <a:defRPr sz="1100" kern="1200">
+                <a:solidFill>
+                  <a:schemeClr val="tx1">
+                    <a:tint val="75000"/>
+                  </a:schemeClr>
+                </a:solidFill>
+                <a:latin typeface="+mn-lt"/>
+                <a:ea typeface="+mn-ea"/>
+                <a:cs typeface="+mn-cs"/>
+              </a:defRPr>
+            </a:lvl5pPr>
+            <a:lvl6pPr marL="2286000" indent="0" algn="ctr" defTabSz="457200" rtl="0" eaLnBrk="1" latinLnBrk="0" hangingPunct="1">
+              <a:spcBef>
+                <a:spcPct val="20000"/>
+              </a:spcBef>
+              <a:spcAft>
+                <a:spcPts val="600"/>
+              </a:spcAft>
+              <a:buClr>
+                <a:schemeClr val="accent2"/>
+              </a:buClr>
+              <a:buSzPct val="92000"/>
+              <a:buFont typeface="Wingdings 2" panose="05020102010507070707" pitchFamily="18" charset="2"/>
+              <a:buNone/>
+              <a:defRPr sz="1200" kern="1200">
+                <a:solidFill>
+                  <a:schemeClr val="tx1">
+                    <a:tint val="75000"/>
+                  </a:schemeClr>
+                </a:solidFill>
+                <a:latin typeface="+mn-lt"/>
+                <a:ea typeface="+mn-ea"/>
+                <a:cs typeface="+mn-cs"/>
+              </a:defRPr>
+            </a:lvl6pPr>
+            <a:lvl7pPr marL="2743200" indent="0" algn="ctr" defTabSz="457200" rtl="0" eaLnBrk="1" latinLnBrk="0" hangingPunct="1">
+              <a:spcBef>
+                <a:spcPct val="20000"/>
+              </a:spcBef>
+              <a:spcAft>
+                <a:spcPts val="600"/>
+              </a:spcAft>
+              <a:buClr>
+                <a:schemeClr val="accent2"/>
+              </a:buClr>
+              <a:buSzPct val="92000"/>
+              <a:buFont typeface="Wingdings 2" panose="05020102010507070707" pitchFamily="18" charset="2"/>
+              <a:buNone/>
+              <a:defRPr sz="1200" kern="1200">
+                <a:solidFill>
+                  <a:schemeClr val="tx1">
+                    <a:tint val="75000"/>
+                  </a:schemeClr>
+                </a:solidFill>
+                <a:latin typeface="+mn-lt"/>
+                <a:ea typeface="+mn-ea"/>
+                <a:cs typeface="+mn-cs"/>
+              </a:defRPr>
+            </a:lvl7pPr>
+            <a:lvl8pPr marL="3200400" indent="0" algn="ctr" defTabSz="457200" rtl="0" eaLnBrk="1" latinLnBrk="0" hangingPunct="1">
+              <a:spcBef>
+                <a:spcPct val="20000"/>
+              </a:spcBef>
+              <a:spcAft>
+                <a:spcPts val="600"/>
+              </a:spcAft>
+              <a:buClr>
+                <a:schemeClr val="accent2"/>
+              </a:buClr>
+              <a:buSzPct val="92000"/>
+              <a:buFont typeface="Wingdings 2" panose="05020102010507070707" pitchFamily="18" charset="2"/>
+              <a:buNone/>
+              <a:defRPr sz="1200" kern="1200">
+                <a:solidFill>
+                  <a:schemeClr val="tx1">
+                    <a:tint val="75000"/>
+                  </a:schemeClr>
+                </a:solidFill>
+                <a:latin typeface="+mn-lt"/>
+                <a:ea typeface="+mn-ea"/>
+                <a:cs typeface="+mn-cs"/>
+              </a:defRPr>
+            </a:lvl8pPr>
+            <a:lvl9pPr marL="3657600" indent="0" algn="ctr" defTabSz="457200" rtl="0" eaLnBrk="1" latinLnBrk="0" hangingPunct="1">
+              <a:spcBef>
+                <a:spcPct val="20000"/>
+              </a:spcBef>
+              <a:spcAft>
+                <a:spcPts val="600"/>
+              </a:spcAft>
+              <a:buClr>
+                <a:schemeClr val="accent2"/>
+              </a:buClr>
+              <a:buSzPct val="92000"/>
+              <a:buFont typeface="Wingdings 2" panose="05020102010507070707" pitchFamily="18" charset="2"/>
+              <a:buNone/>
+              <a:defRPr sz="1200" kern="1200">
+                <a:solidFill>
+                  <a:schemeClr val="tx1">
+                    <a:tint val="75000"/>
+                  </a:schemeClr>
+                </a:solidFill>
+                <a:latin typeface="+mn-lt"/>
+                <a:ea typeface="+mn-ea"/>
+                <a:cs typeface="+mn-cs"/>
+              </a:defRPr>
+            </a:lvl9pPr>
+          </a:lstStyle>
+          <a:p>
+            <a:r>
+              <a:rPr lang="en-US" sz="2400" dirty="0">
+                <a:solidFill>
+                  <a:schemeClr val="tx1">
+                    <a:lumMod val="75000"/>
+                    <a:lumOff val="25000"/>
+                  </a:schemeClr>
+                </a:solidFill>
+                <a:latin typeface="Abadi" panose="020B0604020104020204" pitchFamily="34" charset="0"/>
+              </a:rPr>
+              <a:t>conclusion:</a:t>
+            </a:r>
+          </a:p>
+        </p:txBody>
+      </p:sp>
+      <p:sp>
+        <p:nvSpPr>
+          <p:cNvPr id="41" name="TextBox 40">
+            <a:extLst>
+              <a:ext uri="{FF2B5EF4-FFF2-40B4-BE49-F238E27FC236}">
+                <a16:creationId xmlns:a16="http://schemas.microsoft.com/office/drawing/2014/main" id="{E08BB26D-573D-4629-9AF4-CC475AB8D969}"/>
+              </a:ext>
+            </a:extLst>
+          </p:cNvPr>
+          <p:cNvSpPr txBox="1"/>
+          <p:nvPr/>
+        </p:nvSpPr>
+        <p:spPr>
+          <a:xfrm>
+            <a:off x="1032484" y="1138265"/>
+            <a:ext cx="9993357" cy="1477328"/>
+          </a:xfrm>
+          <a:prstGeom prst="rect">
+            <a:avLst/>
+          </a:prstGeom>
+          <a:noFill/>
+        </p:spPr>
+        <p:txBody>
+          <a:bodyPr wrap="square" rtlCol="0">
+            <a:spAutoFit/>
+          </a:bodyPr>
+          <a:lstStyle/>
+          <a:p>
+            <a:r>
+              <a:rPr lang="en-US" dirty="0"/>
+              <a:t>In the end, we weren’t able to develop a competent model even though our setup was very similar to others that we researched in the beginning stages. Given more time to research and altar our training, we believe that our model could have become more viable.</a:t>
+            </a:r>
+          </a:p>
+          <a:p>
+            <a:endParaRPr lang="en-US" dirty="0"/>
+          </a:p>
+          <a:p>
+            <a:endParaRPr lang="en-US" dirty="0"/>
+          </a:p>
+        </p:txBody>
+      </p:sp>
     </p:spTree>
     <p:extLst>
       <p:ext uri="{BB962C8B-B14F-4D97-AF65-F5344CB8AC3E}">
@@ -21682,44 +22284,6 @@
       </p:grpSp>
       <p:sp>
         <p:nvSpPr>
-          <p:cNvPr id="66" name="Subtitle 2">
-            <a:extLst>
-              <a:ext uri="{FF2B5EF4-FFF2-40B4-BE49-F238E27FC236}">
-                <a16:creationId xmlns:a16="http://schemas.microsoft.com/office/drawing/2014/main" id="{38BF2FA1-6EAE-4D8C-8826-A5A480F63BB1}"/>
-              </a:ext>
-            </a:extLst>
-          </p:cNvPr>
-          <p:cNvSpPr>
-            <a:spLocks noGrp="1"/>
-          </p:cNvSpPr>
-          <p:nvPr>
-            <p:ph type="subTitle" idx="1"/>
-          </p:nvPr>
-        </p:nvSpPr>
-        <p:spPr>
-          <a:xfrm>
-            <a:off x="6926319" y="1861620"/>
-            <a:ext cx="4030704" cy="1219374"/>
-          </a:xfrm>
-        </p:spPr>
-        <p:txBody>
-          <a:bodyPr>
-            <a:normAutofit/>
-          </a:bodyPr>
-          <a:lstStyle/>
-          <a:p>
-            <a:pPr algn="ctr"/>
-            <a:r>
-              <a:rPr lang="en-US" sz="2000" dirty="0">
-                <a:latin typeface="OCRB" panose="020B0609020202020204" pitchFamily="49" charset="0"/>
-              </a:rPr>
-              <a:t>Played by a neural net</a:t>
-            </a:r>
-          </a:p>
-        </p:txBody>
-      </p:sp>
-      <p:sp>
-        <p:nvSpPr>
           <p:cNvPr id="67" name="Subtitle 2">
             <a:extLst>
               <a:ext uri="{FF2B5EF4-FFF2-40B4-BE49-F238E27FC236}">
@@ -21734,7 +22298,7 @@
         </p:nvSpPr>
         <p:spPr>
           <a:xfrm>
-            <a:off x="7625759" y="1439214"/>
+            <a:off x="6986347" y="1495722"/>
             <a:ext cx="4030703" cy="1157875"/>
           </a:xfrm>
           <a:prstGeom prst="rect">
@@ -21965,7 +22529,7 @@
             </a:lvl9pPr>
           </a:lstStyle>
           <a:p>
-            <a:pPr algn="ctr"/>
+            <a:pPr algn="r"/>
             <a:r>
               <a:rPr lang="en-US" sz="2800" dirty="0">
                 <a:solidFill>
@@ -21987,6 +22551,31 @@
               </a:solidFill>
               <a:latin typeface="OCRB" panose="020B0609020202020204" pitchFamily="49" charset="0"/>
             </a:endParaRPr>
+          </a:p>
+        </p:txBody>
+      </p:sp>
+      <p:sp>
+        <p:nvSpPr>
+          <p:cNvPr id="3" name="Subtitle 2">
+            <a:extLst>
+              <a:ext uri="{FF2B5EF4-FFF2-40B4-BE49-F238E27FC236}">
+                <a16:creationId xmlns:a16="http://schemas.microsoft.com/office/drawing/2014/main" id="{8DE3EF16-9C06-4482-A336-9196512384DB}"/>
+              </a:ext>
+            </a:extLst>
+          </p:cNvPr>
+          <p:cNvSpPr>
+            <a:spLocks noGrp="1"/>
+          </p:cNvSpPr>
+          <p:nvPr>
+            <p:ph type="subTitle" idx="1"/>
+          </p:nvPr>
+        </p:nvSpPr>
+        <p:spPr/>
+        <p:txBody>
+          <a:bodyPr/>
+          <a:lstStyle/>
+          <a:p>
+            <a:endParaRPr lang="en-US"/>
           </a:p>
         </p:txBody>
       </p:sp>
@@ -22273,6 +22862,24 @@
 </file>
 
 <file path=customXml/item1.xml><?xml version="1.0" encoding="utf-8"?>
+<p:properties xmlns:p="http://schemas.microsoft.com/office/2006/metadata/properties" xmlns:xsi="http://www.w3.org/2001/XMLSchema-instance" xmlns:pc="http://schemas.microsoft.com/office/infopath/2007/PartnerControls">
+  <documentManagement>
+    <Status xmlns="71af3243-3dd4-4a8d-8c0d-dd76da1f02a5">Not started</Status>
+    <MediaServiceKeyPoints xmlns="71af3243-3dd4-4a8d-8c0d-dd76da1f02a5" xsi:nil="true"/>
+  </documentManagement>
+</p:properties>
+</file>
+
+<file path=customXml/item2.xml><?xml version="1.0" encoding="utf-8"?>
+<?mso-contentType ?>
+<FormTemplates xmlns="http://schemas.microsoft.com/sharepoint/v3/contenttype/forms">
+  <Display>DocumentLibraryForm</Display>
+  <Edit>DocumentLibraryForm</Edit>
+  <New>DocumentLibraryForm</New>
+</FormTemplates>
+</file>
+
+<file path=customXml/item3.xml><?xml version="1.0" encoding="utf-8"?>
 <ct:contentTypeSchema xmlns:ct="http://schemas.microsoft.com/office/2006/metadata/contentType" xmlns:ma="http://schemas.microsoft.com/office/2006/metadata/properties/metaAttributes" ct:_="" ma:_="" ma:contentTypeName="Document" ma:contentTypeID="0x01010079F111ED35F8CC479449609E8A0923A6" ma:contentTypeVersion="12" ma:contentTypeDescription="Create a new document." ma:contentTypeScope="" ma:versionID="a410dd7f93c95333ffa1b60ed6adedd1">
   <xsd:schema xmlns:xsd="http://www.w3.org/2001/XMLSchema" xmlns:xs="http://www.w3.org/2001/XMLSchema" xmlns:p="http://schemas.microsoft.com/office/2006/metadata/properties" xmlns:ns2="71af3243-3dd4-4a8d-8c0d-dd76da1f02a5" xmlns:ns3="16c05727-aa75-4e4a-9b5f-8a80a1165891" targetNamespace="http://schemas.microsoft.com/office/2006/metadata/properties" ma:root="true" ma:fieldsID="a936d9baba76aa3866493feff160faab" ns2:_="" ns3:_="">
     <xsd:import namespace="71af3243-3dd4-4a8d-8c0d-dd76da1f02a5"/>
@@ -22493,25 +23100,25 @@
 </ct:contentTypeSchema>
 </file>
 
-<file path=customXml/item2.xml><?xml version="1.0" encoding="utf-8"?>
-<?mso-contentType ?>
-<FormTemplates xmlns="http://schemas.microsoft.com/sharepoint/v3/contenttype/forms">
-  <Display>DocumentLibraryForm</Display>
-  <Edit>DocumentLibraryForm</Edit>
-  <New>DocumentLibraryForm</New>
-</FormTemplates>
+<file path=customXml/itemProps1.xml><?xml version="1.0" encoding="utf-8"?>
+<ds:datastoreItem xmlns:ds="http://schemas.openxmlformats.org/officeDocument/2006/customXml" ds:itemID="{8D289AE2-D2AE-49D1-AFAC-3A79F6794255}">
+  <ds:schemaRefs>
+    <ds:schemaRef ds:uri="http://schemas.microsoft.com/office/2006/metadata/properties"/>
+    <ds:schemaRef ds:uri="http://schemas.microsoft.com/office/infopath/2007/PartnerControls"/>
+    <ds:schemaRef ds:uri="71af3243-3dd4-4a8d-8c0d-dd76da1f02a5"/>
+  </ds:schemaRefs>
+</ds:datastoreItem>
 </file>
 
-<file path=customXml/item3.xml><?xml version="1.0" encoding="utf-8"?>
-<p:properties xmlns:p="http://schemas.microsoft.com/office/2006/metadata/properties" xmlns:xsi="http://www.w3.org/2001/XMLSchema-instance" xmlns:pc="http://schemas.microsoft.com/office/infopath/2007/PartnerControls">
-  <documentManagement>
-    <Status xmlns="71af3243-3dd4-4a8d-8c0d-dd76da1f02a5">Not started</Status>
-    <MediaServiceKeyPoints xmlns="71af3243-3dd4-4a8d-8c0d-dd76da1f02a5" xsi:nil="true"/>
-  </documentManagement>
-</p:properties>
+<file path=customXml/itemProps2.xml><?xml version="1.0" encoding="utf-8"?>
+<ds:datastoreItem xmlns:ds="http://schemas.openxmlformats.org/officeDocument/2006/customXml" ds:itemID="{927BD4C1-B6B1-4715-ABF9-E660A51A4EA0}">
+  <ds:schemaRefs>
+    <ds:schemaRef ds:uri="http://schemas.microsoft.com/sharepoint/v3/contenttype/forms"/>
+  </ds:schemaRefs>
+</ds:datastoreItem>
 </file>
 
-<file path=customXml/itemProps1.xml><?xml version="1.0" encoding="utf-8"?>
+<file path=customXml/itemProps3.xml><?xml version="1.0" encoding="utf-8"?>
 <ds:datastoreItem xmlns:ds="http://schemas.openxmlformats.org/officeDocument/2006/customXml" ds:itemID="{41E7CA09-9778-4414-AE97-8064B12DA30E}">
   <ds:schemaRefs>
     <ds:schemaRef ds:uri="http://schemas.microsoft.com/office/2006/metadata/contentType"/>
@@ -22528,22 +23135,4 @@
     <ds:schemaRef ds:uri="http://schemas.microsoft.com/internal/obd"/>
   </ds:schemaRefs>
 </ds:datastoreItem>
-</file>
-
-<file path=customXml/itemProps2.xml><?xml version="1.0" encoding="utf-8"?>
-<ds:datastoreItem xmlns:ds="http://schemas.openxmlformats.org/officeDocument/2006/customXml" ds:itemID="{927BD4C1-B6B1-4715-ABF9-E660A51A4EA0}">
-  <ds:schemaRefs>
-    <ds:schemaRef ds:uri="http://schemas.microsoft.com/sharepoint/v3/contenttype/forms"/>
-  </ds:schemaRefs>
-</ds:datastoreItem>
-</file>
-
-<file path=customXml/itemProps3.xml><?xml version="1.0" encoding="utf-8"?>
-<ds:datastoreItem xmlns:ds="http://schemas.openxmlformats.org/officeDocument/2006/customXml" ds:itemID="{8D289AE2-D2AE-49D1-AFAC-3A79F6794255}">
-  <ds:schemaRefs>
-    <ds:schemaRef ds:uri="http://schemas.microsoft.com/office/2006/metadata/properties"/>
-    <ds:schemaRef ds:uri="http://schemas.microsoft.com/office/infopath/2007/PartnerControls"/>
-    <ds:schemaRef ds:uri="71af3243-3dd4-4a8d-8c0d-dd76da1f02a5"/>
-  </ds:schemaRefs>
-</ds:datastoreItem>
 </file>